--- a/Week 3/Note/picture_make.pptx
+++ b/Week 3/Note/picture_make.pptx
@@ -4,8 +4,15 @@
   <p:sldMasterIdLst>
     <p:sldMasterId id="2147483660" r:id="rId1"/>
   </p:sldMasterIdLst>
+  <p:notesMasterIdLst>
+    <p:notesMasterId r:id="rId7"/>
+  </p:notesMasterIdLst>
   <p:sldIdLst>
     <p:sldId id="256" r:id="rId2"/>
+    <p:sldId id="257" r:id="rId3"/>
+    <p:sldId id="259" r:id="rId4"/>
+    <p:sldId id="258" r:id="rId5"/>
+    <p:sldId id="260" r:id="rId6"/>
   </p:sldIdLst>
   <p:sldSz cx="25199975" cy="6858000"/>
   <p:notesSz cx="6858000" cy="9144000"/>
@@ -112,6 +119,523 @@
 </p:presentation>
 </file>
 
+<file path=ppt/notesMasters/notesMaster1.xml><?xml version="1.0" encoding="utf-8"?>
+<p:notesMaster xmlns:a="http://schemas.openxmlformats.org/drawingml/2006/main" xmlns:r="http://schemas.openxmlformats.org/officeDocument/2006/relationships" xmlns:p="http://schemas.openxmlformats.org/presentationml/2006/main">
+  <p:cSld>
+    <p:bg>
+      <p:bgRef idx="1001">
+        <a:schemeClr val="bg1"/>
+      </p:bgRef>
+    </p:bg>
+    <p:spTree>
+      <p:nvGrpSpPr>
+        <p:cNvPr id="1" name=""/>
+        <p:cNvGrpSpPr/>
+        <p:nvPr/>
+      </p:nvGrpSpPr>
+      <p:grpSpPr>
+        <a:xfrm>
+          <a:off x="0" y="0"/>
+          <a:ext cx="0" cy="0"/>
+          <a:chOff x="0" y="0"/>
+          <a:chExt cx="0" cy="0"/>
+        </a:xfrm>
+      </p:grpSpPr>
+      <p:sp>
+        <p:nvSpPr>
+          <p:cNvPr id="2" name="页眉占位符 1"/>
+          <p:cNvSpPr>
+            <a:spLocks noGrp="1"/>
+          </p:cNvSpPr>
+          <p:nvPr>
+            <p:ph type="hdr" sz="quarter"/>
+          </p:nvPr>
+        </p:nvSpPr>
+        <p:spPr>
+          <a:xfrm>
+            <a:off x="0" y="0"/>
+            <a:ext cx="2971800" cy="458788"/>
+          </a:xfrm>
+          <a:prstGeom prst="rect">
+            <a:avLst/>
+          </a:prstGeom>
+        </p:spPr>
+        <p:txBody>
+          <a:bodyPr vert="horz" lIns="91440" tIns="45720" rIns="91440" bIns="45720" rtlCol="0"/>
+          <a:lstStyle>
+            <a:lvl1pPr algn="l">
+              <a:defRPr sz="1200"/>
+            </a:lvl1pPr>
+          </a:lstStyle>
+          <a:p>
+            <a:endParaRPr lang="zh-CN" altLang="en-US"/>
+          </a:p>
+        </p:txBody>
+      </p:sp>
+      <p:sp>
+        <p:nvSpPr>
+          <p:cNvPr id="3" name="日期占位符 2"/>
+          <p:cNvSpPr>
+            <a:spLocks noGrp="1"/>
+          </p:cNvSpPr>
+          <p:nvPr>
+            <p:ph type="dt" idx="1"/>
+          </p:nvPr>
+        </p:nvSpPr>
+        <p:spPr>
+          <a:xfrm>
+            <a:off x="3884613" y="0"/>
+            <a:ext cx="2971800" cy="458788"/>
+          </a:xfrm>
+          <a:prstGeom prst="rect">
+            <a:avLst/>
+          </a:prstGeom>
+        </p:spPr>
+        <p:txBody>
+          <a:bodyPr vert="horz" lIns="91440" tIns="45720" rIns="91440" bIns="45720" rtlCol="0"/>
+          <a:lstStyle>
+            <a:lvl1pPr algn="r">
+              <a:defRPr sz="1200"/>
+            </a:lvl1pPr>
+          </a:lstStyle>
+          <a:p>
+            <a:fld id="{5463FFE8-AA1E-4009-8551-EA4375000452}" type="datetimeFigureOut">
+              <a:rPr lang="zh-CN" altLang="en-US" smtClean="0"/>
+              <a:t>2021/7/26</a:t>
+            </a:fld>
+            <a:endParaRPr lang="zh-CN" altLang="en-US"/>
+          </a:p>
+        </p:txBody>
+      </p:sp>
+      <p:sp>
+        <p:nvSpPr>
+          <p:cNvPr id="4" name="幻灯片图像占位符 3"/>
+          <p:cNvSpPr>
+            <a:spLocks noGrp="1" noRot="1" noChangeAspect="1"/>
+          </p:cNvSpPr>
+          <p:nvPr>
+            <p:ph type="sldImg" idx="2"/>
+          </p:nvPr>
+        </p:nvSpPr>
+        <p:spPr>
+          <a:xfrm>
+            <a:off x="-2239963" y="1143000"/>
+            <a:ext cx="11337926" cy="3086100"/>
+          </a:xfrm>
+          <a:prstGeom prst="rect">
+            <a:avLst/>
+          </a:prstGeom>
+          <a:noFill/>
+          <a:ln w="12700">
+            <a:solidFill>
+              <a:prstClr val="black"/>
+            </a:solidFill>
+          </a:ln>
+        </p:spPr>
+        <p:txBody>
+          <a:bodyPr vert="horz" lIns="91440" tIns="45720" rIns="91440" bIns="45720" rtlCol="0" anchor="ctr"/>
+          <a:lstStyle/>
+          <a:p>
+            <a:endParaRPr lang="zh-CN" altLang="en-US"/>
+          </a:p>
+        </p:txBody>
+      </p:sp>
+      <p:sp>
+        <p:nvSpPr>
+          <p:cNvPr id="5" name="备注占位符 4"/>
+          <p:cNvSpPr>
+            <a:spLocks noGrp="1"/>
+          </p:cNvSpPr>
+          <p:nvPr>
+            <p:ph type="body" sz="quarter" idx="3"/>
+          </p:nvPr>
+        </p:nvSpPr>
+        <p:spPr>
+          <a:xfrm>
+            <a:off x="685800" y="4400550"/>
+            <a:ext cx="5486400" cy="3600450"/>
+          </a:xfrm>
+          <a:prstGeom prst="rect">
+            <a:avLst/>
+          </a:prstGeom>
+        </p:spPr>
+        <p:txBody>
+          <a:bodyPr vert="horz" lIns="91440" tIns="45720" rIns="91440" bIns="45720" rtlCol="0"/>
+          <a:lstStyle/>
+          <a:p>
+            <a:pPr lvl="0"/>
+            <a:r>
+              <a:rPr lang="zh-CN" altLang="en-US"/>
+              <a:t>单击此处编辑母版文本样式</a:t>
+            </a:r>
+          </a:p>
+          <a:p>
+            <a:pPr lvl="1"/>
+            <a:r>
+              <a:rPr lang="zh-CN" altLang="en-US"/>
+              <a:t>二级</a:t>
+            </a:r>
+          </a:p>
+          <a:p>
+            <a:pPr lvl="2"/>
+            <a:r>
+              <a:rPr lang="zh-CN" altLang="en-US"/>
+              <a:t>三级</a:t>
+            </a:r>
+          </a:p>
+          <a:p>
+            <a:pPr lvl="3"/>
+            <a:r>
+              <a:rPr lang="zh-CN" altLang="en-US"/>
+              <a:t>四级</a:t>
+            </a:r>
+          </a:p>
+          <a:p>
+            <a:pPr lvl="4"/>
+            <a:r>
+              <a:rPr lang="zh-CN" altLang="en-US"/>
+              <a:t>五级</a:t>
+            </a:r>
+          </a:p>
+        </p:txBody>
+      </p:sp>
+      <p:sp>
+        <p:nvSpPr>
+          <p:cNvPr id="6" name="页脚占位符 5"/>
+          <p:cNvSpPr>
+            <a:spLocks noGrp="1"/>
+          </p:cNvSpPr>
+          <p:nvPr>
+            <p:ph type="ftr" sz="quarter" idx="4"/>
+          </p:nvPr>
+        </p:nvSpPr>
+        <p:spPr>
+          <a:xfrm>
+            <a:off x="0" y="8685213"/>
+            <a:ext cx="2971800" cy="458787"/>
+          </a:xfrm>
+          <a:prstGeom prst="rect">
+            <a:avLst/>
+          </a:prstGeom>
+        </p:spPr>
+        <p:txBody>
+          <a:bodyPr vert="horz" lIns="91440" tIns="45720" rIns="91440" bIns="45720" rtlCol="0" anchor="b"/>
+          <a:lstStyle>
+            <a:lvl1pPr algn="l">
+              <a:defRPr sz="1200"/>
+            </a:lvl1pPr>
+          </a:lstStyle>
+          <a:p>
+            <a:endParaRPr lang="zh-CN" altLang="en-US"/>
+          </a:p>
+        </p:txBody>
+      </p:sp>
+      <p:sp>
+        <p:nvSpPr>
+          <p:cNvPr id="7" name="灯片编号占位符 6"/>
+          <p:cNvSpPr>
+            <a:spLocks noGrp="1"/>
+          </p:cNvSpPr>
+          <p:nvPr>
+            <p:ph type="sldNum" sz="quarter" idx="5"/>
+          </p:nvPr>
+        </p:nvSpPr>
+        <p:spPr>
+          <a:xfrm>
+            <a:off x="3884613" y="8685213"/>
+            <a:ext cx="2971800" cy="458787"/>
+          </a:xfrm>
+          <a:prstGeom prst="rect">
+            <a:avLst/>
+          </a:prstGeom>
+        </p:spPr>
+        <p:txBody>
+          <a:bodyPr vert="horz" lIns="91440" tIns="45720" rIns="91440" bIns="45720" rtlCol="0" anchor="b"/>
+          <a:lstStyle>
+            <a:lvl1pPr algn="r">
+              <a:defRPr sz="1200"/>
+            </a:lvl1pPr>
+          </a:lstStyle>
+          <a:p>
+            <a:fld id="{B4B11CE7-B1A7-4D5B-8BDD-B943B28AD06D}" type="slidenum">
+              <a:rPr lang="zh-CN" altLang="en-US" smtClean="0"/>
+              <a:t>‹#›</a:t>
+            </a:fld>
+            <a:endParaRPr lang="zh-CN" altLang="en-US"/>
+          </a:p>
+        </p:txBody>
+      </p:sp>
+    </p:spTree>
+    <p:extLst>
+      <p:ext uri="{BB962C8B-B14F-4D97-AF65-F5344CB8AC3E}">
+        <p14:creationId xmlns:p14="http://schemas.microsoft.com/office/powerpoint/2010/main" val="3337594329"/>
+      </p:ext>
+    </p:extLst>
+  </p:cSld>
+  <p:clrMap bg1="lt1" tx1="dk1" bg2="lt2" tx2="dk2" accent1="accent1" accent2="accent2" accent3="accent3" accent4="accent4" accent5="accent5" accent6="accent6" hlink="hlink" folHlink="folHlink"/>
+  <p:notesStyle>
+    <a:lvl1pPr marL="0" algn="l" defTabSz="914400" rtl="0" eaLnBrk="1" latinLnBrk="0" hangingPunct="1">
+      <a:defRPr sz="1200" kern="1200">
+        <a:solidFill>
+          <a:schemeClr val="tx1"/>
+        </a:solidFill>
+        <a:latin typeface="+mn-lt"/>
+        <a:ea typeface="+mn-ea"/>
+        <a:cs typeface="+mn-cs"/>
+      </a:defRPr>
+    </a:lvl1pPr>
+    <a:lvl2pPr marL="457200" algn="l" defTabSz="914400" rtl="0" eaLnBrk="1" latinLnBrk="0" hangingPunct="1">
+      <a:defRPr sz="1200" kern="1200">
+        <a:solidFill>
+          <a:schemeClr val="tx1"/>
+        </a:solidFill>
+        <a:latin typeface="+mn-lt"/>
+        <a:ea typeface="+mn-ea"/>
+        <a:cs typeface="+mn-cs"/>
+      </a:defRPr>
+    </a:lvl2pPr>
+    <a:lvl3pPr marL="914400" algn="l" defTabSz="914400" rtl="0" eaLnBrk="1" latinLnBrk="0" hangingPunct="1">
+      <a:defRPr sz="1200" kern="1200">
+        <a:solidFill>
+          <a:schemeClr val="tx1"/>
+        </a:solidFill>
+        <a:latin typeface="+mn-lt"/>
+        <a:ea typeface="+mn-ea"/>
+        <a:cs typeface="+mn-cs"/>
+      </a:defRPr>
+    </a:lvl3pPr>
+    <a:lvl4pPr marL="1371600" algn="l" defTabSz="914400" rtl="0" eaLnBrk="1" latinLnBrk="0" hangingPunct="1">
+      <a:defRPr sz="1200" kern="1200">
+        <a:solidFill>
+          <a:schemeClr val="tx1"/>
+        </a:solidFill>
+        <a:latin typeface="+mn-lt"/>
+        <a:ea typeface="+mn-ea"/>
+        <a:cs typeface="+mn-cs"/>
+      </a:defRPr>
+    </a:lvl4pPr>
+    <a:lvl5pPr marL="1828800" algn="l" defTabSz="914400" rtl="0" eaLnBrk="1" latinLnBrk="0" hangingPunct="1">
+      <a:defRPr sz="1200" kern="1200">
+        <a:solidFill>
+          <a:schemeClr val="tx1"/>
+        </a:solidFill>
+        <a:latin typeface="+mn-lt"/>
+        <a:ea typeface="+mn-ea"/>
+        <a:cs typeface="+mn-cs"/>
+      </a:defRPr>
+    </a:lvl5pPr>
+    <a:lvl6pPr marL="2286000" algn="l" defTabSz="914400" rtl="0" eaLnBrk="1" latinLnBrk="0" hangingPunct="1">
+      <a:defRPr sz="1200" kern="1200">
+        <a:solidFill>
+          <a:schemeClr val="tx1"/>
+        </a:solidFill>
+        <a:latin typeface="+mn-lt"/>
+        <a:ea typeface="+mn-ea"/>
+        <a:cs typeface="+mn-cs"/>
+      </a:defRPr>
+    </a:lvl6pPr>
+    <a:lvl7pPr marL="2743200" algn="l" defTabSz="914400" rtl="0" eaLnBrk="1" latinLnBrk="0" hangingPunct="1">
+      <a:defRPr sz="1200" kern="1200">
+        <a:solidFill>
+          <a:schemeClr val="tx1"/>
+        </a:solidFill>
+        <a:latin typeface="+mn-lt"/>
+        <a:ea typeface="+mn-ea"/>
+        <a:cs typeface="+mn-cs"/>
+      </a:defRPr>
+    </a:lvl7pPr>
+    <a:lvl8pPr marL="3200400" algn="l" defTabSz="914400" rtl="0" eaLnBrk="1" latinLnBrk="0" hangingPunct="1">
+      <a:defRPr sz="1200" kern="1200">
+        <a:solidFill>
+          <a:schemeClr val="tx1"/>
+        </a:solidFill>
+        <a:latin typeface="+mn-lt"/>
+        <a:ea typeface="+mn-ea"/>
+        <a:cs typeface="+mn-cs"/>
+      </a:defRPr>
+    </a:lvl8pPr>
+    <a:lvl9pPr marL="3657600" algn="l" defTabSz="914400" rtl="0" eaLnBrk="1" latinLnBrk="0" hangingPunct="1">
+      <a:defRPr sz="1200" kern="1200">
+        <a:solidFill>
+          <a:schemeClr val="tx1"/>
+        </a:solidFill>
+        <a:latin typeface="+mn-lt"/>
+        <a:ea typeface="+mn-ea"/>
+        <a:cs typeface="+mn-cs"/>
+      </a:defRPr>
+    </a:lvl9pPr>
+  </p:notesStyle>
+</p:notesMaster>
+</file>
+
+<file path=ppt/notesSlides/notesSlide1.xml><?xml version="1.0" encoding="utf-8"?>
+<p:notes xmlns:a="http://schemas.openxmlformats.org/drawingml/2006/main" xmlns:r="http://schemas.openxmlformats.org/officeDocument/2006/relationships" xmlns:p="http://schemas.openxmlformats.org/presentationml/2006/main">
+  <p:cSld>
+    <p:spTree>
+      <p:nvGrpSpPr>
+        <p:cNvPr id="1" name=""/>
+        <p:cNvGrpSpPr/>
+        <p:nvPr/>
+      </p:nvGrpSpPr>
+      <p:grpSpPr>
+        <a:xfrm>
+          <a:off x="0" y="0"/>
+          <a:ext cx="0" cy="0"/>
+          <a:chOff x="0" y="0"/>
+          <a:chExt cx="0" cy="0"/>
+        </a:xfrm>
+      </p:grpSpPr>
+      <p:sp>
+        <p:nvSpPr>
+          <p:cNvPr id="2" name="幻灯片图像占位符 1"/>
+          <p:cNvSpPr>
+            <a:spLocks noGrp="1" noRot="1" noChangeAspect="1"/>
+          </p:cNvSpPr>
+          <p:nvPr>
+            <p:ph type="sldImg"/>
+          </p:nvPr>
+        </p:nvSpPr>
+        <p:spPr/>
+      </p:sp>
+      <p:sp>
+        <p:nvSpPr>
+          <p:cNvPr id="3" name="备注占位符 2"/>
+          <p:cNvSpPr>
+            <a:spLocks noGrp="1"/>
+          </p:cNvSpPr>
+          <p:nvPr>
+            <p:ph type="body" idx="1"/>
+          </p:nvPr>
+        </p:nvSpPr>
+        <p:spPr/>
+        <p:txBody>
+          <a:bodyPr/>
+          <a:lstStyle/>
+          <a:p>
+            <a:endParaRPr lang="zh-CN" altLang="en-US" dirty="0"/>
+          </a:p>
+        </p:txBody>
+      </p:sp>
+      <p:sp>
+        <p:nvSpPr>
+          <p:cNvPr id="4" name="灯片编号占位符 3"/>
+          <p:cNvSpPr>
+            <a:spLocks noGrp="1"/>
+          </p:cNvSpPr>
+          <p:nvPr>
+            <p:ph type="sldNum" sz="quarter" idx="5"/>
+          </p:nvPr>
+        </p:nvSpPr>
+        <p:spPr/>
+        <p:txBody>
+          <a:bodyPr/>
+          <a:lstStyle/>
+          <a:p>
+            <a:fld id="{B4B11CE7-B1A7-4D5B-8BDD-B943B28AD06D}" type="slidenum">
+              <a:rPr lang="zh-CN" altLang="en-US" smtClean="0"/>
+              <a:t>4</a:t>
+            </a:fld>
+            <a:endParaRPr lang="zh-CN" altLang="en-US"/>
+          </a:p>
+        </p:txBody>
+      </p:sp>
+    </p:spTree>
+    <p:extLst>
+      <p:ext uri="{BB962C8B-B14F-4D97-AF65-F5344CB8AC3E}">
+        <p14:creationId xmlns:p14="http://schemas.microsoft.com/office/powerpoint/2010/main" val="2920304789"/>
+      </p:ext>
+    </p:extLst>
+  </p:cSld>
+  <p:clrMapOvr>
+    <a:masterClrMapping/>
+  </p:clrMapOvr>
+</p:notes>
+</file>
+
+<file path=ppt/notesSlides/notesSlide2.xml><?xml version="1.0" encoding="utf-8"?>
+<p:notes xmlns:a="http://schemas.openxmlformats.org/drawingml/2006/main" xmlns:r="http://schemas.openxmlformats.org/officeDocument/2006/relationships" xmlns:p="http://schemas.openxmlformats.org/presentationml/2006/main">
+  <p:cSld>
+    <p:spTree>
+      <p:nvGrpSpPr>
+        <p:cNvPr id="1" name=""/>
+        <p:cNvGrpSpPr/>
+        <p:nvPr/>
+      </p:nvGrpSpPr>
+      <p:grpSpPr>
+        <a:xfrm>
+          <a:off x="0" y="0"/>
+          <a:ext cx="0" cy="0"/>
+          <a:chOff x="0" y="0"/>
+          <a:chExt cx="0" cy="0"/>
+        </a:xfrm>
+      </p:grpSpPr>
+      <p:sp>
+        <p:nvSpPr>
+          <p:cNvPr id="2" name="幻灯片图像占位符 1"/>
+          <p:cNvSpPr>
+            <a:spLocks noGrp="1" noRot="1" noChangeAspect="1"/>
+          </p:cNvSpPr>
+          <p:nvPr>
+            <p:ph type="sldImg"/>
+          </p:nvPr>
+        </p:nvSpPr>
+        <p:spPr/>
+      </p:sp>
+      <p:sp>
+        <p:nvSpPr>
+          <p:cNvPr id="3" name="备注占位符 2"/>
+          <p:cNvSpPr>
+            <a:spLocks noGrp="1"/>
+          </p:cNvSpPr>
+          <p:nvPr>
+            <p:ph type="body" idx="1"/>
+          </p:nvPr>
+        </p:nvSpPr>
+        <p:spPr/>
+        <p:txBody>
+          <a:bodyPr/>
+          <a:lstStyle/>
+          <a:p>
+            <a:endParaRPr lang="zh-CN" altLang="en-US" dirty="0"/>
+          </a:p>
+        </p:txBody>
+      </p:sp>
+      <p:sp>
+        <p:nvSpPr>
+          <p:cNvPr id="4" name="灯片编号占位符 3"/>
+          <p:cNvSpPr>
+            <a:spLocks noGrp="1"/>
+          </p:cNvSpPr>
+          <p:nvPr>
+            <p:ph type="sldNum" sz="quarter" idx="5"/>
+          </p:nvPr>
+        </p:nvSpPr>
+        <p:spPr/>
+        <p:txBody>
+          <a:bodyPr/>
+          <a:lstStyle/>
+          <a:p>
+            <a:fld id="{B4B11CE7-B1A7-4D5B-8BDD-B943B28AD06D}" type="slidenum">
+              <a:rPr lang="zh-CN" altLang="en-US" smtClean="0"/>
+              <a:t>5</a:t>
+            </a:fld>
+            <a:endParaRPr lang="zh-CN" altLang="en-US"/>
+          </a:p>
+        </p:txBody>
+      </p:sp>
+    </p:spTree>
+    <p:extLst>
+      <p:ext uri="{BB962C8B-B14F-4D97-AF65-F5344CB8AC3E}">
+        <p14:creationId xmlns:p14="http://schemas.microsoft.com/office/powerpoint/2010/main" val="43602759"/>
+      </p:ext>
+    </p:extLst>
+  </p:cSld>
+  <p:clrMapOvr>
+    <a:masterClrMapping/>
+  </p:clrMapOvr>
+</p:notes>
+</file>
+
 <file path=ppt/slideLayouts/slideLayout1.xml><?xml version="1.0" encoding="utf-8"?>
 <p:sldLayout xmlns:a="http://schemas.openxmlformats.org/drawingml/2006/main" xmlns:r="http://schemas.openxmlformats.org/officeDocument/2006/relationships" xmlns:p="http://schemas.openxmlformats.org/presentationml/2006/main" type="title" preserve="1">
   <p:cSld name="标题幻灯片">
@@ -184,37 +708,37 @@
               <a:buNone/>
               <a:defRPr sz="2400"/>
             </a:lvl1pPr>
-            <a:lvl2pPr marL="457200" indent="0" algn="ctr">
+            <a:lvl2pPr marL="457253" indent="0" algn="ctr">
               <a:buNone/>
-              <a:defRPr sz="2000"/>
+              <a:defRPr sz="2001"/>
             </a:lvl2pPr>
-            <a:lvl3pPr marL="914400" indent="0" algn="ctr">
+            <a:lvl3pPr marL="914507" indent="0" algn="ctr">
               <a:buNone/>
               <a:defRPr sz="1800"/>
             </a:lvl3pPr>
-            <a:lvl4pPr marL="1371600" indent="0" algn="ctr">
+            <a:lvl4pPr marL="1371760" indent="0" algn="ctr">
               <a:buNone/>
-              <a:defRPr sz="1600"/>
+              <a:defRPr sz="1601"/>
             </a:lvl4pPr>
-            <a:lvl5pPr marL="1828800" indent="0" algn="ctr">
+            <a:lvl5pPr marL="1829014" indent="0" algn="ctr">
               <a:buNone/>
-              <a:defRPr sz="1600"/>
+              <a:defRPr sz="1601"/>
             </a:lvl5pPr>
-            <a:lvl6pPr marL="2286000" indent="0" algn="ctr">
+            <a:lvl6pPr marL="2286264" indent="0" algn="ctr">
               <a:buNone/>
-              <a:defRPr sz="1600"/>
+              <a:defRPr sz="1601"/>
             </a:lvl6pPr>
-            <a:lvl7pPr marL="2743200" indent="0" algn="ctr">
+            <a:lvl7pPr marL="2743518" indent="0" algn="ctr">
               <a:buNone/>
-              <a:defRPr sz="1600"/>
+              <a:defRPr sz="1601"/>
             </a:lvl7pPr>
-            <a:lvl8pPr marL="3200400" indent="0" algn="ctr">
+            <a:lvl8pPr marL="3200771" indent="0" algn="ctr">
               <a:buNone/>
-              <a:defRPr sz="1600"/>
+              <a:defRPr sz="1601"/>
             </a:lvl8pPr>
-            <a:lvl9pPr marL="3657600" indent="0" algn="ctr">
+            <a:lvl9pPr marL="3658025" indent="0" algn="ctr">
               <a:buNone/>
-              <a:defRPr sz="1600"/>
+              <a:defRPr sz="1601"/>
             </a:lvl9pPr>
           </a:lstStyle>
           <a:p>
@@ -243,7 +767,7 @@
           <a:p>
             <a:fld id="{D997B5FA-0921-464F-AAE1-844C04324D75}" type="datetimeFigureOut">
               <a:rPr lang="zh-CN" altLang="en-US" smtClean="0"/>
-              <a:t>2021/7/23</a:t>
+              <a:t>2021/7/26</a:t>
             </a:fld>
             <a:endParaRPr lang="zh-CN" altLang="en-US"/>
           </a:p>
@@ -413,7 +937,7 @@
           <a:p>
             <a:fld id="{D997B5FA-0921-464F-AAE1-844C04324D75}" type="datetimeFigureOut">
               <a:rPr lang="zh-CN" altLang="en-US" smtClean="0"/>
-              <a:t>2021/7/23</a:t>
+              <a:t>2021/7/26</a:t>
             </a:fld>
             <a:endParaRPr lang="zh-CN" altLang="en-US"/>
           </a:p>
@@ -503,7 +1027,7 @@
         </p:nvSpPr>
         <p:spPr>
           <a:xfrm>
-            <a:off x="18033732" y="365125"/>
+            <a:off x="18033733" y="365125"/>
             <a:ext cx="5433745" cy="5811838"/>
           </a:xfrm>
         </p:spPr>
@@ -531,7 +1055,7 @@
         </p:nvSpPr>
         <p:spPr>
           <a:xfrm>
-            <a:off x="1732498" y="365125"/>
+            <a:off x="1732500" y="365125"/>
             <a:ext cx="15986234" cy="5811838"/>
           </a:xfrm>
         </p:spPr>
@@ -593,7 +1117,7 @@
           <a:p>
             <a:fld id="{D997B5FA-0921-464F-AAE1-844C04324D75}" type="datetimeFigureOut">
               <a:rPr lang="zh-CN" altLang="en-US" smtClean="0"/>
-              <a:t>2021/7/23</a:t>
+              <a:t>2021/7/26</a:t>
             </a:fld>
             <a:endParaRPr lang="zh-CN" altLang="en-US"/>
           </a:p>
@@ -763,7 +1287,7 @@
           <a:p>
             <a:fld id="{D997B5FA-0921-464F-AAE1-844C04324D75}" type="datetimeFigureOut">
               <a:rPr lang="zh-CN" altLang="en-US" smtClean="0"/>
-              <a:t>2021/7/23</a:t>
+              <a:t>2021/7/26</a:t>
             </a:fld>
             <a:endParaRPr lang="zh-CN" altLang="en-US"/>
           </a:p>
@@ -853,7 +1377,7 @@
         </p:nvSpPr>
         <p:spPr>
           <a:xfrm>
-            <a:off x="1719374" y="1709739"/>
+            <a:off x="1719375" y="1709741"/>
             <a:ext cx="21734978" cy="2852737"/>
           </a:xfrm>
         </p:spPr>
@@ -885,7 +1409,7 @@
         </p:nvSpPr>
         <p:spPr>
           <a:xfrm>
-            <a:off x="1719374" y="4589464"/>
+            <a:off x="1719375" y="4589466"/>
             <a:ext cx="21734978" cy="1500187"/>
           </a:xfrm>
         </p:spPr>
@@ -902,9 +1426,9 @@
                 </a:solidFill>
               </a:defRPr>
             </a:lvl1pPr>
-            <a:lvl2pPr marL="457200" indent="0">
+            <a:lvl2pPr marL="457253" indent="0">
               <a:buNone/>
-              <a:defRPr sz="2000">
+              <a:defRPr sz="2001">
                 <a:solidFill>
                   <a:schemeClr val="tx1">
                     <a:tint val="75000"/>
@@ -912,7 +1436,7 @@
                 </a:solidFill>
               </a:defRPr>
             </a:lvl2pPr>
-            <a:lvl3pPr marL="914400" indent="0">
+            <a:lvl3pPr marL="914507" indent="0">
               <a:buNone/>
               <a:defRPr sz="1800">
                 <a:solidFill>
@@ -922,9 +1446,9 @@
                 </a:solidFill>
               </a:defRPr>
             </a:lvl3pPr>
-            <a:lvl4pPr marL="1371600" indent="0">
+            <a:lvl4pPr marL="1371760" indent="0">
               <a:buNone/>
-              <a:defRPr sz="1600">
+              <a:defRPr sz="1601">
                 <a:solidFill>
                   <a:schemeClr val="tx1">
                     <a:tint val="75000"/>
@@ -932,9 +1456,9 @@
                 </a:solidFill>
               </a:defRPr>
             </a:lvl4pPr>
-            <a:lvl5pPr marL="1828800" indent="0">
+            <a:lvl5pPr marL="1829014" indent="0">
               <a:buNone/>
-              <a:defRPr sz="1600">
+              <a:defRPr sz="1601">
                 <a:solidFill>
                   <a:schemeClr val="tx1">
                     <a:tint val="75000"/>
@@ -942,9 +1466,9 @@
                 </a:solidFill>
               </a:defRPr>
             </a:lvl5pPr>
-            <a:lvl6pPr marL="2286000" indent="0">
+            <a:lvl6pPr marL="2286264" indent="0">
               <a:buNone/>
-              <a:defRPr sz="1600">
+              <a:defRPr sz="1601">
                 <a:solidFill>
                   <a:schemeClr val="tx1">
                     <a:tint val="75000"/>
@@ -952,9 +1476,9 @@
                 </a:solidFill>
               </a:defRPr>
             </a:lvl6pPr>
-            <a:lvl7pPr marL="2743200" indent="0">
+            <a:lvl7pPr marL="2743518" indent="0">
               <a:buNone/>
-              <a:defRPr sz="1600">
+              <a:defRPr sz="1601">
                 <a:solidFill>
                   <a:schemeClr val="tx1">
                     <a:tint val="75000"/>
@@ -962,9 +1486,9 @@
                 </a:solidFill>
               </a:defRPr>
             </a:lvl7pPr>
-            <a:lvl8pPr marL="3200400" indent="0">
+            <a:lvl8pPr marL="3200771" indent="0">
               <a:buNone/>
-              <a:defRPr sz="1600">
+              <a:defRPr sz="1601">
                 <a:solidFill>
                   <a:schemeClr val="tx1">
                     <a:tint val="75000"/>
@@ -972,9 +1496,9 @@
                 </a:solidFill>
               </a:defRPr>
             </a:lvl8pPr>
-            <a:lvl9pPr marL="3657600" indent="0">
+            <a:lvl9pPr marL="3658025" indent="0">
               <a:buNone/>
-              <a:defRPr sz="1600">
+              <a:defRPr sz="1601">
                 <a:solidFill>
                   <a:schemeClr val="tx1">
                     <a:tint val="75000"/>
@@ -1009,7 +1533,7 @@
           <a:p>
             <a:fld id="{D997B5FA-0921-464F-AAE1-844C04324D75}" type="datetimeFigureOut">
               <a:rPr lang="zh-CN" altLang="en-US" smtClean="0"/>
-              <a:t>2021/7/23</a:t>
+              <a:t>2021/7/26</a:t>
             </a:fld>
             <a:endParaRPr lang="zh-CN" altLang="en-US"/>
           </a:p>
@@ -1241,7 +1765,7 @@
           <a:p>
             <a:fld id="{D997B5FA-0921-464F-AAE1-844C04324D75}" type="datetimeFigureOut">
               <a:rPr lang="zh-CN" altLang="en-US" smtClean="0"/>
-              <a:t>2021/7/23</a:t>
+              <a:t>2021/7/26</a:t>
             </a:fld>
             <a:endParaRPr lang="zh-CN" altLang="en-US"/>
           </a:p>
@@ -1331,7 +1855,7 @@
         </p:nvSpPr>
         <p:spPr>
           <a:xfrm>
-            <a:off x="1735781" y="365126"/>
+            <a:off x="1735781" y="365128"/>
             <a:ext cx="21734978" cy="1325563"/>
           </a:xfrm>
         </p:spPr>
@@ -1360,7 +1884,7 @@
         <p:spPr>
           <a:xfrm>
             <a:off x="1735781" y="1681163"/>
-            <a:ext cx="10660770" cy="823912"/>
+            <a:ext cx="10660769" cy="823912"/>
           </a:xfrm>
         </p:spPr>
         <p:txBody>
@@ -1370,37 +1894,37 @@
               <a:buNone/>
               <a:defRPr sz="2400" b="1"/>
             </a:lvl1pPr>
-            <a:lvl2pPr marL="457200" indent="0">
+            <a:lvl2pPr marL="457253" indent="0">
               <a:buNone/>
-              <a:defRPr sz="2000" b="1"/>
+              <a:defRPr sz="2001" b="1"/>
             </a:lvl2pPr>
-            <a:lvl3pPr marL="914400" indent="0">
+            <a:lvl3pPr marL="914507" indent="0">
               <a:buNone/>
               <a:defRPr sz="1800" b="1"/>
             </a:lvl3pPr>
-            <a:lvl4pPr marL="1371600" indent="0">
+            <a:lvl4pPr marL="1371760" indent="0">
               <a:buNone/>
-              <a:defRPr sz="1600" b="1"/>
+              <a:defRPr sz="1601" b="1"/>
             </a:lvl4pPr>
-            <a:lvl5pPr marL="1828800" indent="0">
+            <a:lvl5pPr marL="1829014" indent="0">
               <a:buNone/>
-              <a:defRPr sz="1600" b="1"/>
+              <a:defRPr sz="1601" b="1"/>
             </a:lvl5pPr>
-            <a:lvl6pPr marL="2286000" indent="0">
+            <a:lvl6pPr marL="2286264" indent="0">
               <a:buNone/>
-              <a:defRPr sz="1600" b="1"/>
+              <a:defRPr sz="1601" b="1"/>
             </a:lvl6pPr>
-            <a:lvl7pPr marL="2743200" indent="0">
+            <a:lvl7pPr marL="2743518" indent="0">
               <a:buNone/>
-              <a:defRPr sz="1600" b="1"/>
+              <a:defRPr sz="1601" b="1"/>
             </a:lvl7pPr>
-            <a:lvl8pPr marL="3200400" indent="0">
+            <a:lvl8pPr marL="3200771" indent="0">
               <a:buNone/>
-              <a:defRPr sz="1600" b="1"/>
+              <a:defRPr sz="1601" b="1"/>
             </a:lvl8pPr>
-            <a:lvl9pPr marL="3657600" indent="0">
+            <a:lvl9pPr marL="3658025" indent="0">
               <a:buNone/>
-              <a:defRPr sz="1600" b="1"/>
+              <a:defRPr sz="1601" b="1"/>
             </a:lvl9pPr>
           </a:lstStyle>
           <a:p>
@@ -1425,7 +1949,7 @@
         <p:spPr>
           <a:xfrm>
             <a:off x="1735781" y="2505075"/>
-            <a:ext cx="10660770" cy="3684588"/>
+            <a:ext cx="10660769" cy="3684588"/>
           </a:xfrm>
         </p:spPr>
         <p:txBody>
@@ -1481,7 +2005,7 @@
         </p:nvSpPr>
         <p:spPr>
           <a:xfrm>
-            <a:off x="12757487" y="1681163"/>
+            <a:off x="12757489" y="1681163"/>
             <a:ext cx="10713272" cy="823912"/>
           </a:xfrm>
         </p:spPr>
@@ -1492,37 +2016,37 @@
               <a:buNone/>
               <a:defRPr sz="2400" b="1"/>
             </a:lvl1pPr>
-            <a:lvl2pPr marL="457200" indent="0">
+            <a:lvl2pPr marL="457253" indent="0">
               <a:buNone/>
-              <a:defRPr sz="2000" b="1"/>
+              <a:defRPr sz="2001" b="1"/>
             </a:lvl2pPr>
-            <a:lvl3pPr marL="914400" indent="0">
+            <a:lvl3pPr marL="914507" indent="0">
               <a:buNone/>
               <a:defRPr sz="1800" b="1"/>
             </a:lvl3pPr>
-            <a:lvl4pPr marL="1371600" indent="0">
+            <a:lvl4pPr marL="1371760" indent="0">
               <a:buNone/>
-              <a:defRPr sz="1600" b="1"/>
+              <a:defRPr sz="1601" b="1"/>
             </a:lvl4pPr>
-            <a:lvl5pPr marL="1828800" indent="0">
+            <a:lvl5pPr marL="1829014" indent="0">
               <a:buNone/>
-              <a:defRPr sz="1600" b="1"/>
+              <a:defRPr sz="1601" b="1"/>
             </a:lvl5pPr>
-            <a:lvl6pPr marL="2286000" indent="0">
+            <a:lvl6pPr marL="2286264" indent="0">
               <a:buNone/>
-              <a:defRPr sz="1600" b="1"/>
+              <a:defRPr sz="1601" b="1"/>
             </a:lvl6pPr>
-            <a:lvl7pPr marL="2743200" indent="0">
+            <a:lvl7pPr marL="2743518" indent="0">
               <a:buNone/>
-              <a:defRPr sz="1600" b="1"/>
+              <a:defRPr sz="1601" b="1"/>
             </a:lvl7pPr>
-            <a:lvl8pPr marL="3200400" indent="0">
+            <a:lvl8pPr marL="3200771" indent="0">
               <a:buNone/>
-              <a:defRPr sz="1600" b="1"/>
+              <a:defRPr sz="1601" b="1"/>
             </a:lvl8pPr>
-            <a:lvl9pPr marL="3657600" indent="0">
+            <a:lvl9pPr marL="3658025" indent="0">
               <a:buNone/>
-              <a:defRPr sz="1600" b="1"/>
+              <a:defRPr sz="1601" b="1"/>
             </a:lvl9pPr>
           </a:lstStyle>
           <a:p>
@@ -1546,7 +2070,7 @@
         </p:nvSpPr>
         <p:spPr>
           <a:xfrm>
-            <a:off x="12757487" y="2505075"/>
+            <a:off x="12757489" y="2505075"/>
             <a:ext cx="10713272" cy="3684588"/>
           </a:xfrm>
         </p:spPr>
@@ -1608,7 +2132,7 @@
           <a:p>
             <a:fld id="{D997B5FA-0921-464F-AAE1-844C04324D75}" type="datetimeFigureOut">
               <a:rPr lang="zh-CN" altLang="en-US" smtClean="0"/>
-              <a:t>2021/7/23</a:t>
+              <a:t>2021/7/26</a:t>
             </a:fld>
             <a:endParaRPr lang="zh-CN" altLang="en-US"/>
           </a:p>
@@ -1726,7 +2250,7 @@
           <a:p>
             <a:fld id="{D997B5FA-0921-464F-AAE1-844C04324D75}" type="datetimeFigureOut">
               <a:rPr lang="zh-CN" altLang="en-US" smtClean="0"/>
-              <a:t>2021/7/23</a:t>
+              <a:t>2021/7/26</a:t>
             </a:fld>
             <a:endParaRPr lang="zh-CN" altLang="en-US"/>
           </a:p>
@@ -1821,7 +2345,7 @@
           <a:p>
             <a:fld id="{D997B5FA-0921-464F-AAE1-844C04324D75}" type="datetimeFigureOut">
               <a:rPr lang="zh-CN" altLang="en-US" smtClean="0"/>
-              <a:t>2021/7/23</a:t>
+              <a:t>2021/7/26</a:t>
             </a:fld>
             <a:endParaRPr lang="zh-CN" altLang="en-US"/>
           </a:p>
@@ -1911,8 +2435,8 @@
         </p:nvSpPr>
         <p:spPr>
           <a:xfrm>
-            <a:off x="1735782" y="457200"/>
-            <a:ext cx="8127647" cy="1600200"/>
+            <a:off x="1735783" y="457200"/>
+            <a:ext cx="8127648" cy="1600200"/>
           </a:xfrm>
         </p:spPr>
         <p:txBody>
@@ -1943,7 +2467,7 @@
         </p:nvSpPr>
         <p:spPr>
           <a:xfrm>
-            <a:off x="10713272" y="987426"/>
+            <a:off x="10713272" y="987428"/>
             <a:ext cx="12757487" cy="4873625"/>
           </a:xfrm>
         </p:spPr>
@@ -1960,22 +2484,22 @@
               <a:defRPr sz="2400"/>
             </a:lvl3pPr>
             <a:lvl4pPr>
-              <a:defRPr sz="2000"/>
+              <a:defRPr sz="2001"/>
             </a:lvl4pPr>
             <a:lvl5pPr>
-              <a:defRPr sz="2000"/>
+              <a:defRPr sz="2001"/>
             </a:lvl5pPr>
             <a:lvl6pPr>
-              <a:defRPr sz="2000"/>
+              <a:defRPr sz="2001"/>
             </a:lvl6pPr>
             <a:lvl7pPr>
-              <a:defRPr sz="2000"/>
+              <a:defRPr sz="2001"/>
             </a:lvl7pPr>
             <a:lvl8pPr>
-              <a:defRPr sz="2000"/>
+              <a:defRPr sz="2001"/>
             </a:lvl8pPr>
             <a:lvl9pPr>
-              <a:defRPr sz="2000"/>
+              <a:defRPr sz="2001"/>
             </a:lvl9pPr>
           </a:lstStyle>
           <a:p>
@@ -2028,8 +2552,8 @@
         </p:nvSpPr>
         <p:spPr>
           <a:xfrm>
-            <a:off x="1735782" y="2057400"/>
-            <a:ext cx="8127647" cy="3811588"/>
+            <a:off x="1735783" y="2057400"/>
+            <a:ext cx="8127648" cy="3811588"/>
           </a:xfrm>
         </p:spPr>
         <p:txBody>
@@ -2037,37 +2561,37 @@
           <a:lstStyle>
             <a:lvl1pPr marL="0" indent="0">
               <a:buNone/>
-              <a:defRPr sz="1600"/>
+              <a:defRPr sz="1601"/>
             </a:lvl1pPr>
-            <a:lvl2pPr marL="457200" indent="0">
+            <a:lvl2pPr marL="457253" indent="0">
               <a:buNone/>
               <a:defRPr sz="1400"/>
             </a:lvl2pPr>
-            <a:lvl3pPr marL="914400" indent="0">
+            <a:lvl3pPr marL="914507" indent="0">
               <a:buNone/>
-              <a:defRPr sz="1200"/>
+              <a:defRPr sz="1199"/>
             </a:lvl3pPr>
-            <a:lvl4pPr marL="1371600" indent="0">
+            <a:lvl4pPr marL="1371760" indent="0">
               <a:buNone/>
               <a:defRPr sz="1000"/>
             </a:lvl4pPr>
-            <a:lvl5pPr marL="1828800" indent="0">
+            <a:lvl5pPr marL="1829014" indent="0">
               <a:buNone/>
               <a:defRPr sz="1000"/>
             </a:lvl5pPr>
-            <a:lvl6pPr marL="2286000" indent="0">
+            <a:lvl6pPr marL="2286264" indent="0">
               <a:buNone/>
               <a:defRPr sz="1000"/>
             </a:lvl6pPr>
-            <a:lvl7pPr marL="2743200" indent="0">
+            <a:lvl7pPr marL="2743518" indent="0">
               <a:buNone/>
               <a:defRPr sz="1000"/>
             </a:lvl7pPr>
-            <a:lvl8pPr marL="3200400" indent="0">
+            <a:lvl8pPr marL="3200771" indent="0">
               <a:buNone/>
               <a:defRPr sz="1000"/>
             </a:lvl8pPr>
-            <a:lvl9pPr marL="3657600" indent="0">
+            <a:lvl9pPr marL="3658025" indent="0">
               <a:buNone/>
               <a:defRPr sz="1000"/>
             </a:lvl9pPr>
@@ -2098,7 +2622,7 @@
           <a:p>
             <a:fld id="{D997B5FA-0921-464F-AAE1-844C04324D75}" type="datetimeFigureOut">
               <a:rPr lang="zh-CN" altLang="en-US" smtClean="0"/>
-              <a:t>2021/7/23</a:t>
+              <a:t>2021/7/26</a:t>
             </a:fld>
             <a:endParaRPr lang="zh-CN" altLang="en-US"/>
           </a:p>
@@ -2188,8 +2712,8 @@
         </p:nvSpPr>
         <p:spPr>
           <a:xfrm>
-            <a:off x="1735782" y="457200"/>
-            <a:ext cx="8127647" cy="1600200"/>
+            <a:off x="1735783" y="457200"/>
+            <a:ext cx="8127648" cy="1600200"/>
           </a:xfrm>
         </p:spPr>
         <p:txBody>
@@ -2220,7 +2744,7 @@
         </p:nvSpPr>
         <p:spPr>
           <a:xfrm>
-            <a:off x="10713272" y="987426"/>
+            <a:off x="10713272" y="987428"/>
             <a:ext cx="12757487" cy="4873625"/>
           </a:xfrm>
         </p:spPr>
@@ -2231,37 +2755,37 @@
               <a:buNone/>
               <a:defRPr sz="3200"/>
             </a:lvl1pPr>
-            <a:lvl2pPr marL="457200" indent="0">
+            <a:lvl2pPr marL="457253" indent="0">
               <a:buNone/>
               <a:defRPr sz="2800"/>
             </a:lvl2pPr>
-            <a:lvl3pPr marL="914400" indent="0">
+            <a:lvl3pPr marL="914507" indent="0">
               <a:buNone/>
               <a:defRPr sz="2400"/>
             </a:lvl3pPr>
-            <a:lvl4pPr marL="1371600" indent="0">
+            <a:lvl4pPr marL="1371760" indent="0">
               <a:buNone/>
-              <a:defRPr sz="2000"/>
+              <a:defRPr sz="2001"/>
             </a:lvl4pPr>
-            <a:lvl5pPr marL="1828800" indent="0">
+            <a:lvl5pPr marL="1829014" indent="0">
               <a:buNone/>
-              <a:defRPr sz="2000"/>
+              <a:defRPr sz="2001"/>
             </a:lvl5pPr>
-            <a:lvl6pPr marL="2286000" indent="0">
+            <a:lvl6pPr marL="2286264" indent="0">
               <a:buNone/>
-              <a:defRPr sz="2000"/>
+              <a:defRPr sz="2001"/>
             </a:lvl6pPr>
-            <a:lvl7pPr marL="2743200" indent="0">
+            <a:lvl7pPr marL="2743518" indent="0">
               <a:buNone/>
-              <a:defRPr sz="2000"/>
+              <a:defRPr sz="2001"/>
             </a:lvl7pPr>
-            <a:lvl8pPr marL="3200400" indent="0">
+            <a:lvl8pPr marL="3200771" indent="0">
               <a:buNone/>
-              <a:defRPr sz="2000"/>
+              <a:defRPr sz="2001"/>
             </a:lvl8pPr>
-            <a:lvl9pPr marL="3657600" indent="0">
+            <a:lvl9pPr marL="3658025" indent="0">
               <a:buNone/>
-              <a:defRPr sz="2000"/>
+              <a:defRPr sz="2001"/>
             </a:lvl9pPr>
           </a:lstStyle>
           <a:p>
@@ -2285,8 +2809,8 @@
         </p:nvSpPr>
         <p:spPr>
           <a:xfrm>
-            <a:off x="1735782" y="2057400"/>
-            <a:ext cx="8127647" cy="3811588"/>
+            <a:off x="1735783" y="2057400"/>
+            <a:ext cx="8127648" cy="3811588"/>
           </a:xfrm>
         </p:spPr>
         <p:txBody>
@@ -2294,37 +2818,37 @@
           <a:lstStyle>
             <a:lvl1pPr marL="0" indent="0">
               <a:buNone/>
-              <a:defRPr sz="1600"/>
+              <a:defRPr sz="1601"/>
             </a:lvl1pPr>
-            <a:lvl2pPr marL="457200" indent="0">
+            <a:lvl2pPr marL="457253" indent="0">
               <a:buNone/>
               <a:defRPr sz="1400"/>
             </a:lvl2pPr>
-            <a:lvl3pPr marL="914400" indent="0">
+            <a:lvl3pPr marL="914507" indent="0">
               <a:buNone/>
-              <a:defRPr sz="1200"/>
+              <a:defRPr sz="1199"/>
             </a:lvl3pPr>
-            <a:lvl4pPr marL="1371600" indent="0">
+            <a:lvl4pPr marL="1371760" indent="0">
               <a:buNone/>
               <a:defRPr sz="1000"/>
             </a:lvl4pPr>
-            <a:lvl5pPr marL="1828800" indent="0">
+            <a:lvl5pPr marL="1829014" indent="0">
               <a:buNone/>
               <a:defRPr sz="1000"/>
             </a:lvl5pPr>
-            <a:lvl6pPr marL="2286000" indent="0">
+            <a:lvl6pPr marL="2286264" indent="0">
               <a:buNone/>
               <a:defRPr sz="1000"/>
             </a:lvl6pPr>
-            <a:lvl7pPr marL="2743200" indent="0">
+            <a:lvl7pPr marL="2743518" indent="0">
               <a:buNone/>
               <a:defRPr sz="1000"/>
             </a:lvl7pPr>
-            <a:lvl8pPr marL="3200400" indent="0">
+            <a:lvl8pPr marL="3200771" indent="0">
               <a:buNone/>
               <a:defRPr sz="1000"/>
             </a:lvl8pPr>
-            <a:lvl9pPr marL="3657600" indent="0">
+            <a:lvl9pPr marL="3658025" indent="0">
               <a:buNone/>
               <a:defRPr sz="1000"/>
             </a:lvl9pPr>
@@ -2355,7 +2879,7 @@
           <a:p>
             <a:fld id="{D997B5FA-0921-464F-AAE1-844C04324D75}" type="datetimeFigureOut">
               <a:rPr lang="zh-CN" altLang="en-US" smtClean="0"/>
-              <a:t>2021/7/23</a:t>
+              <a:t>2021/7/26</a:t>
             </a:fld>
             <a:endParaRPr lang="zh-CN" altLang="en-US"/>
           </a:p>
@@ -2450,7 +2974,7 @@
         </p:nvSpPr>
         <p:spPr>
           <a:xfrm>
-            <a:off x="1732499" y="365126"/>
+            <a:off x="1732499" y="365128"/>
             <a:ext cx="21734978" cy="1325563"/>
           </a:xfrm>
           <a:prstGeom prst="rect">
@@ -2545,7 +3069,7 @@
         </p:nvSpPr>
         <p:spPr>
           <a:xfrm>
-            <a:off x="1732498" y="6356351"/>
+            <a:off x="1732498" y="6356353"/>
             <a:ext cx="5669994" cy="365125"/>
           </a:xfrm>
           <a:prstGeom prst="rect">
@@ -2556,7 +3080,7 @@
           <a:bodyPr vert="horz" lIns="91440" tIns="45720" rIns="91440" bIns="45720" rtlCol="0" anchor="ctr"/>
           <a:lstStyle>
             <a:lvl1pPr algn="l">
-              <a:defRPr sz="1200">
+              <a:defRPr sz="1199">
                 <a:solidFill>
                   <a:schemeClr val="tx1">
                     <a:tint val="75000"/>
@@ -2568,7 +3092,7 @@
           <a:p>
             <a:fld id="{D997B5FA-0921-464F-AAE1-844C04324D75}" type="datetimeFigureOut">
               <a:rPr lang="zh-CN" altLang="en-US" smtClean="0"/>
-              <a:t>2021/7/23</a:t>
+              <a:t>2021/7/26</a:t>
             </a:fld>
             <a:endParaRPr lang="zh-CN" altLang="en-US"/>
           </a:p>
@@ -2586,7 +3110,7 @@
         </p:nvSpPr>
         <p:spPr>
           <a:xfrm>
-            <a:off x="8347492" y="6356351"/>
+            <a:off x="8347492" y="6356353"/>
             <a:ext cx="8504992" cy="365125"/>
           </a:xfrm>
           <a:prstGeom prst="rect">
@@ -2597,7 +3121,7 @@
           <a:bodyPr vert="horz" lIns="91440" tIns="45720" rIns="91440" bIns="45720" rtlCol="0" anchor="ctr"/>
           <a:lstStyle>
             <a:lvl1pPr algn="ctr">
-              <a:defRPr sz="1200">
+              <a:defRPr sz="1199">
                 <a:solidFill>
                   <a:schemeClr val="tx1">
                     <a:tint val="75000"/>
@@ -2623,7 +3147,7 @@
         </p:nvSpPr>
         <p:spPr>
           <a:xfrm>
-            <a:off x="17797483" y="6356351"/>
+            <a:off x="17797483" y="6356353"/>
             <a:ext cx="5669994" cy="365125"/>
           </a:xfrm>
           <a:prstGeom prst="rect">
@@ -2634,7 +3158,7 @@
           <a:bodyPr vert="horz" lIns="91440" tIns="45720" rIns="91440" bIns="45720" rtlCol="0" anchor="ctr"/>
           <a:lstStyle>
             <a:lvl1pPr algn="r">
-              <a:defRPr sz="1200">
+              <a:defRPr sz="1199">
                 <a:solidFill>
                   <a:schemeClr val="tx1">
                     <a:tint val="75000"/>
@@ -2675,7 +3199,7 @@
   </p:sldLayoutIdLst>
   <p:txStyles>
     <p:titleStyle>
-      <a:lvl1pPr algn="l" defTabSz="914400" rtl="0" eaLnBrk="1" latinLnBrk="0" hangingPunct="1">
+      <a:lvl1pPr algn="l" defTabSz="914507" rtl="0" eaLnBrk="1" latinLnBrk="0" hangingPunct="1">
         <a:lnSpc>
           <a:spcPct val="90000"/>
         </a:lnSpc>
@@ -2683,7 +3207,7 @@
           <a:spcPct val="0"/>
         </a:spcBef>
         <a:buNone/>
-        <a:defRPr sz="4400" kern="1200">
+        <a:defRPr sz="4401" kern="1200">
           <a:solidFill>
             <a:schemeClr val="tx1"/>
           </a:solidFill>
@@ -2694,7 +3218,7 @@
       </a:lvl1pPr>
     </p:titleStyle>
     <p:bodyStyle>
-      <a:lvl1pPr marL="228600" indent="-228600" algn="l" defTabSz="914400" rtl="0" eaLnBrk="1" latinLnBrk="0" hangingPunct="1">
+      <a:lvl1pPr marL="228627" indent="-228627" algn="l" defTabSz="914507" rtl="0" eaLnBrk="1" latinLnBrk="0" hangingPunct="1">
         <a:lnSpc>
           <a:spcPct val="90000"/>
         </a:lnSpc>
@@ -2712,12 +3236,12 @@
           <a:cs typeface="+mn-cs"/>
         </a:defRPr>
       </a:lvl1pPr>
-      <a:lvl2pPr marL="685800" indent="-228600" algn="l" defTabSz="914400" rtl="0" eaLnBrk="1" latinLnBrk="0" hangingPunct="1">
+      <a:lvl2pPr marL="685880" indent="-228627" algn="l" defTabSz="914507" rtl="0" eaLnBrk="1" latinLnBrk="0" hangingPunct="1">
         <a:lnSpc>
           <a:spcPct val="90000"/>
         </a:lnSpc>
         <a:spcBef>
-          <a:spcPts val="500"/>
+          <a:spcPts val="499"/>
         </a:spcBef>
         <a:buFont typeface="Arial" panose="020B0604020202020204" pitchFamily="34" charset="0"/>
         <a:buChar char="•"/>
@@ -2730,16 +3254,16 @@
           <a:cs typeface="+mn-cs"/>
         </a:defRPr>
       </a:lvl2pPr>
-      <a:lvl3pPr marL="1143000" indent="-228600" algn="l" defTabSz="914400" rtl="0" eaLnBrk="1" latinLnBrk="0" hangingPunct="1">
+      <a:lvl3pPr marL="1143134" indent="-228627" algn="l" defTabSz="914507" rtl="0" eaLnBrk="1" latinLnBrk="0" hangingPunct="1">
         <a:lnSpc>
           <a:spcPct val="90000"/>
         </a:lnSpc>
         <a:spcBef>
-          <a:spcPts val="500"/>
+          <a:spcPts val="499"/>
         </a:spcBef>
         <a:buFont typeface="Arial" panose="020B0604020202020204" pitchFamily="34" charset="0"/>
         <a:buChar char="•"/>
-        <a:defRPr sz="2000" kern="1200">
+        <a:defRPr sz="2001" kern="1200">
           <a:solidFill>
             <a:schemeClr val="tx1"/>
           </a:solidFill>
@@ -2748,12 +3272,12 @@
           <a:cs typeface="+mn-cs"/>
         </a:defRPr>
       </a:lvl3pPr>
-      <a:lvl4pPr marL="1600200" indent="-228600" algn="l" defTabSz="914400" rtl="0" eaLnBrk="1" latinLnBrk="0" hangingPunct="1">
+      <a:lvl4pPr marL="1600387" indent="-228627" algn="l" defTabSz="914507" rtl="0" eaLnBrk="1" latinLnBrk="0" hangingPunct="1">
         <a:lnSpc>
           <a:spcPct val="90000"/>
         </a:lnSpc>
         <a:spcBef>
-          <a:spcPts val="500"/>
+          <a:spcPts val="499"/>
         </a:spcBef>
         <a:buFont typeface="Arial" panose="020B0604020202020204" pitchFamily="34" charset="0"/>
         <a:buChar char="•"/>
@@ -2766,12 +3290,12 @@
           <a:cs typeface="+mn-cs"/>
         </a:defRPr>
       </a:lvl4pPr>
-      <a:lvl5pPr marL="2057400" indent="-228600" algn="l" defTabSz="914400" rtl="0" eaLnBrk="1" latinLnBrk="0" hangingPunct="1">
+      <a:lvl5pPr marL="2057638" indent="-228627" algn="l" defTabSz="914507" rtl="0" eaLnBrk="1" latinLnBrk="0" hangingPunct="1">
         <a:lnSpc>
           <a:spcPct val="90000"/>
         </a:lnSpc>
         <a:spcBef>
-          <a:spcPts val="500"/>
+          <a:spcPts val="499"/>
         </a:spcBef>
         <a:buFont typeface="Arial" panose="020B0604020202020204" pitchFamily="34" charset="0"/>
         <a:buChar char="•"/>
@@ -2784,12 +3308,12 @@
           <a:cs typeface="+mn-cs"/>
         </a:defRPr>
       </a:lvl5pPr>
-      <a:lvl6pPr marL="2514600" indent="-228600" algn="l" defTabSz="914400" rtl="0" eaLnBrk="1" latinLnBrk="0" hangingPunct="1">
+      <a:lvl6pPr marL="2514891" indent="-228627" algn="l" defTabSz="914507" rtl="0" eaLnBrk="1" latinLnBrk="0" hangingPunct="1">
         <a:lnSpc>
           <a:spcPct val="90000"/>
         </a:lnSpc>
         <a:spcBef>
-          <a:spcPts val="500"/>
+          <a:spcPts val="499"/>
         </a:spcBef>
         <a:buFont typeface="Arial" panose="020B0604020202020204" pitchFamily="34" charset="0"/>
         <a:buChar char="•"/>
@@ -2802,12 +3326,12 @@
           <a:cs typeface="+mn-cs"/>
         </a:defRPr>
       </a:lvl6pPr>
-      <a:lvl7pPr marL="2971800" indent="-228600" algn="l" defTabSz="914400" rtl="0" eaLnBrk="1" latinLnBrk="0" hangingPunct="1">
+      <a:lvl7pPr marL="2972144" indent="-228627" algn="l" defTabSz="914507" rtl="0" eaLnBrk="1" latinLnBrk="0" hangingPunct="1">
         <a:lnSpc>
           <a:spcPct val="90000"/>
         </a:lnSpc>
         <a:spcBef>
-          <a:spcPts val="500"/>
+          <a:spcPts val="499"/>
         </a:spcBef>
         <a:buFont typeface="Arial" panose="020B0604020202020204" pitchFamily="34" charset="0"/>
         <a:buChar char="•"/>
@@ -2820,12 +3344,12 @@
           <a:cs typeface="+mn-cs"/>
         </a:defRPr>
       </a:lvl7pPr>
-      <a:lvl8pPr marL="3429000" indent="-228600" algn="l" defTabSz="914400" rtl="0" eaLnBrk="1" latinLnBrk="0" hangingPunct="1">
+      <a:lvl8pPr marL="3429398" indent="-228627" algn="l" defTabSz="914507" rtl="0" eaLnBrk="1" latinLnBrk="0" hangingPunct="1">
         <a:lnSpc>
           <a:spcPct val="90000"/>
         </a:lnSpc>
         <a:spcBef>
-          <a:spcPts val="500"/>
+          <a:spcPts val="499"/>
         </a:spcBef>
         <a:buFont typeface="Arial" panose="020B0604020202020204" pitchFamily="34" charset="0"/>
         <a:buChar char="•"/>
@@ -2838,12 +3362,12 @@
           <a:cs typeface="+mn-cs"/>
         </a:defRPr>
       </a:lvl8pPr>
-      <a:lvl9pPr marL="3886200" indent="-228600" algn="l" defTabSz="914400" rtl="0" eaLnBrk="1" latinLnBrk="0" hangingPunct="1">
+      <a:lvl9pPr marL="3886651" indent="-228627" algn="l" defTabSz="914507" rtl="0" eaLnBrk="1" latinLnBrk="0" hangingPunct="1">
         <a:lnSpc>
           <a:spcPct val="90000"/>
         </a:lnSpc>
         <a:spcBef>
-          <a:spcPts val="500"/>
+          <a:spcPts val="499"/>
         </a:spcBef>
         <a:buFont typeface="Arial" panose="020B0604020202020204" pitchFamily="34" charset="0"/>
         <a:buChar char="•"/>
@@ -2861,7 +3385,7 @@
       <a:defPPr>
         <a:defRPr lang="en-US"/>
       </a:defPPr>
-      <a:lvl1pPr marL="0" algn="l" defTabSz="914400" rtl="0" eaLnBrk="1" latinLnBrk="0" hangingPunct="1">
+      <a:lvl1pPr marL="0" algn="l" defTabSz="914507" rtl="0" eaLnBrk="1" latinLnBrk="0" hangingPunct="1">
         <a:defRPr sz="1800" kern="1200">
           <a:solidFill>
             <a:schemeClr val="tx1"/>
@@ -2871,7 +3395,7 @@
           <a:cs typeface="+mn-cs"/>
         </a:defRPr>
       </a:lvl1pPr>
-      <a:lvl2pPr marL="457200" algn="l" defTabSz="914400" rtl="0" eaLnBrk="1" latinLnBrk="0" hangingPunct="1">
+      <a:lvl2pPr marL="457253" algn="l" defTabSz="914507" rtl="0" eaLnBrk="1" latinLnBrk="0" hangingPunct="1">
         <a:defRPr sz="1800" kern="1200">
           <a:solidFill>
             <a:schemeClr val="tx1"/>
@@ -2881,7 +3405,7 @@
           <a:cs typeface="+mn-cs"/>
         </a:defRPr>
       </a:lvl2pPr>
-      <a:lvl3pPr marL="914400" algn="l" defTabSz="914400" rtl="0" eaLnBrk="1" latinLnBrk="0" hangingPunct="1">
+      <a:lvl3pPr marL="914507" algn="l" defTabSz="914507" rtl="0" eaLnBrk="1" latinLnBrk="0" hangingPunct="1">
         <a:defRPr sz="1800" kern="1200">
           <a:solidFill>
             <a:schemeClr val="tx1"/>
@@ -2891,7 +3415,7 @@
           <a:cs typeface="+mn-cs"/>
         </a:defRPr>
       </a:lvl3pPr>
-      <a:lvl4pPr marL="1371600" algn="l" defTabSz="914400" rtl="0" eaLnBrk="1" latinLnBrk="0" hangingPunct="1">
+      <a:lvl4pPr marL="1371760" algn="l" defTabSz="914507" rtl="0" eaLnBrk="1" latinLnBrk="0" hangingPunct="1">
         <a:defRPr sz="1800" kern="1200">
           <a:solidFill>
             <a:schemeClr val="tx1"/>
@@ -2901,7 +3425,7 @@
           <a:cs typeface="+mn-cs"/>
         </a:defRPr>
       </a:lvl4pPr>
-      <a:lvl5pPr marL="1828800" algn="l" defTabSz="914400" rtl="0" eaLnBrk="1" latinLnBrk="0" hangingPunct="1">
+      <a:lvl5pPr marL="1829014" algn="l" defTabSz="914507" rtl="0" eaLnBrk="1" latinLnBrk="0" hangingPunct="1">
         <a:defRPr sz="1800" kern="1200">
           <a:solidFill>
             <a:schemeClr val="tx1"/>
@@ -2911,7 +3435,7 @@
           <a:cs typeface="+mn-cs"/>
         </a:defRPr>
       </a:lvl5pPr>
-      <a:lvl6pPr marL="2286000" algn="l" defTabSz="914400" rtl="0" eaLnBrk="1" latinLnBrk="0" hangingPunct="1">
+      <a:lvl6pPr marL="2286264" algn="l" defTabSz="914507" rtl="0" eaLnBrk="1" latinLnBrk="0" hangingPunct="1">
         <a:defRPr sz="1800" kern="1200">
           <a:solidFill>
             <a:schemeClr val="tx1"/>
@@ -2921,7 +3445,7 @@
           <a:cs typeface="+mn-cs"/>
         </a:defRPr>
       </a:lvl6pPr>
-      <a:lvl7pPr marL="2743200" algn="l" defTabSz="914400" rtl="0" eaLnBrk="1" latinLnBrk="0" hangingPunct="1">
+      <a:lvl7pPr marL="2743518" algn="l" defTabSz="914507" rtl="0" eaLnBrk="1" latinLnBrk="0" hangingPunct="1">
         <a:defRPr sz="1800" kern="1200">
           <a:solidFill>
             <a:schemeClr val="tx1"/>
@@ -2931,7 +3455,7 @@
           <a:cs typeface="+mn-cs"/>
         </a:defRPr>
       </a:lvl7pPr>
-      <a:lvl8pPr marL="3200400" algn="l" defTabSz="914400" rtl="0" eaLnBrk="1" latinLnBrk="0" hangingPunct="1">
+      <a:lvl8pPr marL="3200771" algn="l" defTabSz="914507" rtl="0" eaLnBrk="1" latinLnBrk="0" hangingPunct="1">
         <a:defRPr sz="1800" kern="1200">
           <a:solidFill>
             <a:schemeClr val="tx1"/>
@@ -2941,7 +3465,7 @@
           <a:cs typeface="+mn-cs"/>
         </a:defRPr>
       </a:lvl8pPr>
-      <a:lvl9pPr marL="3657600" algn="l" defTabSz="914400" rtl="0" eaLnBrk="1" latinLnBrk="0" hangingPunct="1">
+      <a:lvl9pPr marL="3658025" algn="l" defTabSz="914507" rtl="0" eaLnBrk="1" latinLnBrk="0" hangingPunct="1">
         <a:defRPr sz="1800" kern="1200">
           <a:solidFill>
             <a:schemeClr val="tx1"/>
@@ -2987,8 +3511,8 @@
         </p:nvSpPr>
         <p:spPr>
           <a:xfrm rot="5400000" flipV="1">
-            <a:off x="293133" y="3716512"/>
-            <a:ext cx="2275645" cy="274219"/>
+            <a:off x="293135" y="3716512"/>
+            <a:ext cx="2275645" cy="274218"/>
           </a:xfrm>
           <a:prstGeom prst="parallelogram">
             <a:avLst>
@@ -3035,8 +3559,8 @@
         </p:nvCxnSpPr>
         <p:spPr>
           <a:xfrm>
-            <a:off x="2773068" y="3758878"/>
-            <a:ext cx="2278380" cy="0"/>
+            <a:off x="2773070" y="3758879"/>
+            <a:ext cx="2278379" cy="0"/>
           </a:xfrm>
           <a:prstGeom prst="straightConnector1">
             <a:avLst/>
@@ -3074,8 +3598,8 @@
         </p:nvSpPr>
         <p:spPr>
           <a:xfrm>
-            <a:off x="3113574" y="3228162"/>
-            <a:ext cx="1943100" cy="523220"/>
+            <a:off x="3113574" y="3228165"/>
+            <a:ext cx="1943099" cy="523220"/>
           </a:xfrm>
           <a:prstGeom prst="rect">
             <a:avLst/>
@@ -3110,8 +3634,8 @@
         </p:nvSpPr>
         <p:spPr>
           <a:xfrm>
-            <a:off x="2913614" y="3858042"/>
-            <a:ext cx="1977814" cy="707886"/>
+            <a:off x="2913616" y="3858043"/>
+            <a:ext cx="1977815" cy="708143"/>
           </a:xfrm>
           <a:prstGeom prst="rect">
             <a:avLst/>
@@ -3126,15 +3650,15 @@
           <a:p>
             <a:pPr algn="ctr"/>
             <a:r>
-              <a:rPr lang="zh-CN" altLang="en-US" sz="2000" dirty="0"/>
+              <a:rPr lang="zh-CN" altLang="en-US" sz="2001" dirty="0"/>
               <a:t>标准化图片</a:t>
             </a:r>
-            <a:endParaRPr lang="en-US" altLang="zh-CN" sz="2000" dirty="0"/>
+            <a:endParaRPr lang="en-US" altLang="zh-CN" sz="2001" dirty="0"/>
           </a:p>
           <a:p>
             <a:pPr algn="ctr"/>
             <a:r>
-              <a:rPr lang="zh-CN" altLang="en-US" sz="2000" dirty="0"/>
+              <a:rPr lang="zh-CN" altLang="en-US" sz="2001" dirty="0"/>
               <a:t>但是未改变尺寸</a:t>
             </a:r>
           </a:p>
@@ -3154,8 +3678,8 @@
         </p:nvSpPr>
         <p:spPr>
           <a:xfrm>
-            <a:off x="1141873" y="2211367"/>
-            <a:ext cx="591805" cy="400110"/>
+            <a:off x="1141874" y="2211369"/>
+            <a:ext cx="591805" cy="400238"/>
           </a:xfrm>
           <a:prstGeom prst="rect">
             <a:avLst/>
@@ -3169,10 +3693,10 @@
           <a:lstStyle/>
           <a:p>
             <a:r>
-              <a:rPr lang="en-US" altLang="zh-CN" sz="2000" dirty="0"/>
+              <a:rPr lang="en-US" altLang="zh-CN" sz="2001" dirty="0"/>
               <a:t>525</a:t>
             </a:r>
-            <a:endParaRPr lang="zh-CN" altLang="en-US" sz="2000" dirty="0"/>
+            <a:endParaRPr lang="zh-CN" altLang="en-US" sz="2001" dirty="0"/>
           </a:p>
         </p:txBody>
       </p:sp>
@@ -3190,8 +3714,8 @@
         </p:nvSpPr>
         <p:spPr>
           <a:xfrm>
-            <a:off x="646670" y="3557925"/>
-            <a:ext cx="728642" cy="400110"/>
+            <a:off x="646671" y="3557925"/>
+            <a:ext cx="728641" cy="400238"/>
           </a:xfrm>
           <a:prstGeom prst="rect">
             <a:avLst/>
@@ -3205,10 +3729,10 @@
           <a:lstStyle/>
           <a:p>
             <a:r>
-              <a:rPr lang="en-US" altLang="zh-CN" sz="2000" dirty="0"/>
+              <a:rPr lang="en-US" altLang="zh-CN" sz="2001" dirty="0"/>
               <a:t>350</a:t>
             </a:r>
-            <a:endParaRPr lang="zh-CN" altLang="en-US" sz="2000" dirty="0"/>
+            <a:endParaRPr lang="zh-CN" altLang="en-US" sz="2001" dirty="0"/>
           </a:p>
         </p:txBody>
       </p:sp>
@@ -3226,8 +3750,8 @@
         </p:nvSpPr>
         <p:spPr>
           <a:xfrm rot="5400000" flipV="1">
-            <a:off x="691405" y="3537056"/>
-            <a:ext cx="2484117" cy="369194"/>
+            <a:off x="691406" y="3537057"/>
+            <a:ext cx="2484116" cy="369195"/>
           </a:xfrm>
           <a:prstGeom prst="parallelogram">
             <a:avLst>
@@ -3274,8 +3798,8 @@
         </p:nvSpPr>
         <p:spPr>
           <a:xfrm>
-            <a:off x="2144277" y="3549330"/>
-            <a:ext cx="593563" cy="400110"/>
+            <a:off x="2144278" y="3549332"/>
+            <a:ext cx="593564" cy="400238"/>
           </a:xfrm>
           <a:prstGeom prst="rect">
             <a:avLst/>
@@ -3289,10 +3813,10 @@
           <a:lstStyle/>
           <a:p>
             <a:r>
-              <a:rPr lang="en-US" altLang="zh-CN" sz="2000" dirty="0"/>
+              <a:rPr lang="en-US" altLang="zh-CN" sz="2001" dirty="0"/>
               <a:t>375</a:t>
             </a:r>
-            <a:endParaRPr lang="zh-CN" altLang="en-US" sz="2000" dirty="0"/>
+            <a:endParaRPr lang="zh-CN" altLang="en-US" sz="2001" dirty="0"/>
           </a:p>
         </p:txBody>
       </p:sp>
@@ -3310,8 +3834,8 @@
         </p:nvSpPr>
         <p:spPr>
           <a:xfrm>
-            <a:off x="1705091" y="1998022"/>
-            <a:ext cx="630851" cy="400110"/>
+            <a:off x="1705092" y="1998024"/>
+            <a:ext cx="630851" cy="400238"/>
           </a:xfrm>
           <a:prstGeom prst="rect">
             <a:avLst/>
@@ -3325,10 +3849,10 @@
           <a:lstStyle/>
           <a:p>
             <a:r>
-              <a:rPr lang="en-US" altLang="zh-CN" sz="2000" dirty="0"/>
+              <a:rPr lang="en-US" altLang="zh-CN" sz="2001" dirty="0"/>
               <a:t>573</a:t>
             </a:r>
-            <a:endParaRPr lang="zh-CN" altLang="en-US" sz="2000" dirty="0"/>
+            <a:endParaRPr lang="zh-CN" altLang="en-US" sz="2001" dirty="0"/>
           </a:p>
         </p:txBody>
       </p:sp>
@@ -3348,8 +3872,8 @@
         </p:nvCxnSpPr>
         <p:spPr>
           <a:xfrm flipV="1">
-            <a:off x="7234474" y="3749385"/>
-            <a:ext cx="2854203" cy="6682"/>
+            <a:off x="7234477" y="3749386"/>
+            <a:ext cx="2854203" cy="6683"/>
           </a:xfrm>
           <a:prstGeom prst="straightConnector1">
             <a:avLst/>
@@ -3387,8 +3911,8 @@
         </p:nvSpPr>
         <p:spPr>
           <a:xfrm>
-            <a:off x="7305215" y="3881089"/>
-            <a:ext cx="2550464" cy="1015663"/>
+            <a:off x="7305216" y="3881091"/>
+            <a:ext cx="2550464" cy="1016047"/>
           </a:xfrm>
           <a:prstGeom prst="rect">
             <a:avLst/>
@@ -3403,22 +3927,22 @@
           <a:p>
             <a:pPr algn="ctr"/>
             <a:r>
-              <a:rPr lang="zh-CN" altLang="en-US" sz="2000" dirty="0"/>
+              <a:rPr lang="zh-CN" altLang="en-US" sz="2001" dirty="0"/>
               <a:t>改变图片和</a:t>
             </a:r>
             <a:r>
-              <a:rPr lang="en-US" altLang="zh-CN" sz="2000" dirty="0" err="1"/>
+              <a:rPr lang="en-US" altLang="zh-CN" sz="2001" dirty="0" err="1"/>
               <a:t>bbox</a:t>
             </a:r>
             <a:r>
-              <a:rPr lang="zh-CN" altLang="en-US" sz="2000" dirty="0"/>
+              <a:rPr lang="zh-CN" altLang="en-US" sz="2001" dirty="0"/>
               <a:t>尺寸至限定范围，且计算缩放因子</a:t>
             </a:r>
             <a:r>
-              <a:rPr lang="en-US" altLang="zh-CN" sz="2000" dirty="0"/>
+              <a:rPr lang="en-US" altLang="zh-CN" sz="2001" dirty="0"/>
               <a:t>scale</a:t>
             </a:r>
-            <a:endParaRPr lang="zh-CN" altLang="en-US" sz="2000" dirty="0"/>
+            <a:endParaRPr lang="zh-CN" altLang="en-US" sz="2001" dirty="0"/>
           </a:p>
         </p:txBody>
       </p:sp>
@@ -3436,7 +3960,7 @@
         </p:nvSpPr>
         <p:spPr>
           <a:xfrm>
-            <a:off x="8124097" y="3226165"/>
+            <a:off x="8124098" y="3226167"/>
             <a:ext cx="1149454" cy="523220"/>
           </a:xfrm>
           <a:prstGeom prst="rect">
@@ -3472,8 +3996,8 @@
         </p:nvSpPr>
         <p:spPr>
           <a:xfrm rot="5400000" flipV="1">
-            <a:off x="8948874" y="3381758"/>
-            <a:ext cx="4287715" cy="619507"/>
+            <a:off x="8948873" y="3381760"/>
+            <a:ext cx="4287716" cy="619508"/>
           </a:xfrm>
           <a:prstGeom prst="parallelogram">
             <a:avLst>
@@ -3520,8 +4044,8 @@
         </p:nvSpPr>
         <p:spPr>
           <a:xfrm>
-            <a:off x="10669381" y="1147544"/>
-            <a:ext cx="1279316" cy="400110"/>
+            <a:off x="10669382" y="1147544"/>
+            <a:ext cx="1279315" cy="400238"/>
           </a:xfrm>
           <a:prstGeom prst="rect">
             <a:avLst/>
@@ -3535,10 +4059,10 @@
           <a:lstStyle/>
           <a:p>
             <a:r>
-              <a:rPr lang="en-US" altLang="zh-CN" sz="2000" dirty="0"/>
+              <a:rPr lang="en-US" altLang="zh-CN" sz="2001" dirty="0"/>
               <a:t>1201</a:t>
             </a:r>
-            <a:endParaRPr lang="zh-CN" altLang="en-US" sz="2000" dirty="0"/>
+            <a:endParaRPr lang="zh-CN" altLang="en-US" sz="2001" dirty="0"/>
           </a:p>
         </p:txBody>
       </p:sp>
@@ -3556,8 +4080,8 @@
         </p:nvSpPr>
         <p:spPr>
           <a:xfrm>
-            <a:off x="10162802" y="3560705"/>
-            <a:ext cx="754156" cy="400110"/>
+            <a:off x="10162803" y="3560706"/>
+            <a:ext cx="754156" cy="400238"/>
           </a:xfrm>
           <a:prstGeom prst="rect">
             <a:avLst/>
@@ -3571,10 +4095,10 @@
           <a:lstStyle/>
           <a:p>
             <a:r>
-              <a:rPr lang="en-US" altLang="zh-CN" sz="2000" dirty="0"/>
+              <a:rPr lang="en-US" altLang="zh-CN" sz="2001" dirty="0"/>
               <a:t>800</a:t>
             </a:r>
-            <a:endParaRPr lang="zh-CN" altLang="en-US" sz="2000" dirty="0"/>
+            <a:endParaRPr lang="zh-CN" altLang="en-US" sz="2001" dirty="0"/>
           </a:p>
         </p:txBody>
       </p:sp>
@@ -3592,8 +4116,8 @@
         </p:nvSpPr>
         <p:spPr>
           <a:xfrm rot="5400000" flipV="1">
-            <a:off x="9756945" y="3011965"/>
-            <a:ext cx="4680514" cy="834072"/>
+            <a:off x="9756945" y="3011967"/>
+            <a:ext cx="4680515" cy="834071"/>
           </a:xfrm>
           <a:prstGeom prst="parallelogram">
             <a:avLst>
@@ -3640,8 +4164,8 @@
         </p:nvSpPr>
         <p:spPr>
           <a:xfrm>
-            <a:off x="11712814" y="835939"/>
-            <a:ext cx="1279316" cy="400110"/>
+            <a:off x="11712816" y="835940"/>
+            <a:ext cx="1279315" cy="400238"/>
           </a:xfrm>
           <a:prstGeom prst="rect">
             <a:avLst/>
@@ -3655,10 +4179,10 @@
           <a:lstStyle/>
           <a:p>
             <a:r>
-              <a:rPr lang="en-US" altLang="zh-CN" sz="2000" dirty="0"/>
+              <a:rPr lang="en-US" altLang="zh-CN" sz="2001" dirty="0"/>
               <a:t>1223</a:t>
             </a:r>
-            <a:endParaRPr lang="zh-CN" altLang="en-US" sz="2000" dirty="0"/>
+            <a:endParaRPr lang="zh-CN" altLang="en-US" sz="2001" dirty="0"/>
           </a:p>
         </p:txBody>
       </p:sp>
@@ -3676,8 +4200,8 @@
         </p:nvSpPr>
         <p:spPr>
           <a:xfrm rot="5400000" flipV="1">
-            <a:off x="4741173" y="3716513"/>
-            <a:ext cx="2275645" cy="274219"/>
+            <a:off x="4741174" y="3716515"/>
+            <a:ext cx="2275645" cy="274218"/>
           </a:xfrm>
           <a:prstGeom prst="parallelogram">
             <a:avLst>
@@ -3724,8 +4248,8 @@
         </p:nvSpPr>
         <p:spPr>
           <a:xfrm>
-            <a:off x="5589913" y="2211368"/>
-            <a:ext cx="591805" cy="400110"/>
+            <a:off x="5589914" y="2211369"/>
+            <a:ext cx="591805" cy="400238"/>
           </a:xfrm>
           <a:prstGeom prst="rect">
             <a:avLst/>
@@ -3739,10 +4263,10 @@
           <a:lstStyle/>
           <a:p>
             <a:r>
-              <a:rPr lang="en-US" altLang="zh-CN" sz="2000" dirty="0"/>
+              <a:rPr lang="en-US" altLang="zh-CN" sz="2001" dirty="0"/>
               <a:t>525</a:t>
             </a:r>
-            <a:endParaRPr lang="zh-CN" altLang="en-US" sz="2000" dirty="0"/>
+            <a:endParaRPr lang="zh-CN" altLang="en-US" sz="2001" dirty="0"/>
           </a:p>
         </p:txBody>
       </p:sp>
@@ -3760,8 +4284,8 @@
         </p:nvSpPr>
         <p:spPr>
           <a:xfrm>
-            <a:off x="5094710" y="3557926"/>
-            <a:ext cx="728642" cy="400110"/>
+            <a:off x="5094712" y="3557928"/>
+            <a:ext cx="728641" cy="400238"/>
           </a:xfrm>
           <a:prstGeom prst="rect">
             <a:avLst/>
@@ -3775,10 +4299,10 @@
           <a:lstStyle/>
           <a:p>
             <a:r>
-              <a:rPr lang="en-US" altLang="zh-CN" sz="2000" dirty="0"/>
+              <a:rPr lang="en-US" altLang="zh-CN" sz="2001" dirty="0"/>
               <a:t>350</a:t>
             </a:r>
-            <a:endParaRPr lang="zh-CN" altLang="en-US" sz="2000" dirty="0"/>
+            <a:endParaRPr lang="zh-CN" altLang="en-US" sz="2001" dirty="0"/>
           </a:p>
         </p:txBody>
       </p:sp>
@@ -3796,8 +4320,8 @@
         </p:nvSpPr>
         <p:spPr>
           <a:xfrm rot="5400000" flipV="1">
-            <a:off x="5139445" y="3537057"/>
-            <a:ext cx="2484117" cy="369194"/>
+            <a:off x="5139447" y="3537057"/>
+            <a:ext cx="2484116" cy="369195"/>
           </a:xfrm>
           <a:prstGeom prst="parallelogram">
             <a:avLst>
@@ -3844,8 +4368,8 @@
         </p:nvSpPr>
         <p:spPr>
           <a:xfrm>
-            <a:off x="6592317" y="3549331"/>
-            <a:ext cx="593563" cy="400110"/>
+            <a:off x="6592319" y="3549332"/>
+            <a:ext cx="593564" cy="400238"/>
           </a:xfrm>
           <a:prstGeom prst="rect">
             <a:avLst/>
@@ -3859,10 +4383,10 @@
           <a:lstStyle/>
           <a:p>
             <a:r>
-              <a:rPr lang="en-US" altLang="zh-CN" sz="2000" dirty="0"/>
+              <a:rPr lang="en-US" altLang="zh-CN" sz="2001" dirty="0"/>
               <a:t>375</a:t>
             </a:r>
-            <a:endParaRPr lang="zh-CN" altLang="en-US" sz="2000" dirty="0"/>
+            <a:endParaRPr lang="zh-CN" altLang="en-US" sz="2001" dirty="0"/>
           </a:p>
         </p:txBody>
       </p:sp>
@@ -3880,8 +4404,8 @@
         </p:nvSpPr>
         <p:spPr>
           <a:xfrm>
-            <a:off x="6153131" y="1998023"/>
-            <a:ext cx="630851" cy="400110"/>
+            <a:off x="6153133" y="1998024"/>
+            <a:ext cx="630851" cy="400238"/>
           </a:xfrm>
           <a:prstGeom prst="rect">
             <a:avLst/>
@@ -3895,10 +4419,10 @@
           <a:lstStyle/>
           <a:p>
             <a:r>
-              <a:rPr lang="en-US" altLang="zh-CN" sz="2000" dirty="0"/>
+              <a:rPr lang="en-US" altLang="zh-CN" sz="2001" dirty="0"/>
               <a:t>573</a:t>
             </a:r>
-            <a:endParaRPr lang="zh-CN" altLang="en-US" sz="2000" dirty="0"/>
+            <a:endParaRPr lang="zh-CN" altLang="en-US" sz="2001" dirty="0"/>
           </a:p>
         </p:txBody>
       </p:sp>
@@ -3916,8 +4440,8 @@
         </p:nvSpPr>
         <p:spPr>
           <a:xfrm>
-            <a:off x="12640304" y="3560705"/>
-            <a:ext cx="754156" cy="400110"/>
+            <a:off x="12640304" y="3560706"/>
+            <a:ext cx="754156" cy="400238"/>
           </a:xfrm>
           <a:prstGeom prst="rect">
             <a:avLst/>
@@ -3931,10 +4455,10 @@
           <a:lstStyle/>
           <a:p>
             <a:r>
-              <a:rPr lang="en-US" altLang="zh-CN" sz="2000" dirty="0"/>
+              <a:rPr lang="en-US" altLang="zh-CN" sz="2001" dirty="0"/>
               <a:t>800</a:t>
             </a:r>
-            <a:endParaRPr lang="zh-CN" altLang="en-US" sz="2000" dirty="0"/>
+            <a:endParaRPr lang="zh-CN" altLang="en-US" sz="2001" dirty="0"/>
           </a:p>
         </p:txBody>
       </p:sp>
@@ -3954,8 +4478,8 @@
         </p:nvCxnSpPr>
         <p:spPr>
           <a:xfrm flipV="1">
-            <a:off x="13394460" y="3756595"/>
-            <a:ext cx="2854203" cy="6682"/>
+            <a:off x="13394463" y="3756596"/>
+            <a:ext cx="2854203" cy="6683"/>
           </a:xfrm>
           <a:prstGeom prst="straightConnector1">
             <a:avLst/>
@@ -3993,8 +4517,8 @@
         </p:nvSpPr>
         <p:spPr>
           <a:xfrm>
-            <a:off x="13465201" y="3888299"/>
-            <a:ext cx="2550464" cy="1015663"/>
+            <a:off x="13465201" y="3888300"/>
+            <a:ext cx="2550464" cy="1016047"/>
           </a:xfrm>
           <a:prstGeom prst="rect">
             <a:avLst/>
@@ -4009,22 +4533,22 @@
           <a:p>
             <a:pPr algn="ctr"/>
             <a:r>
-              <a:rPr lang="zh-CN" altLang="en-US" sz="2000" dirty="0"/>
+              <a:rPr lang="zh-CN" altLang="en-US" sz="2001" dirty="0"/>
               <a:t>改变图片和</a:t>
             </a:r>
             <a:r>
-              <a:rPr lang="en-US" altLang="zh-CN" sz="2000" dirty="0" err="1"/>
+              <a:rPr lang="en-US" altLang="zh-CN" sz="2001" dirty="0" err="1"/>
               <a:t>bbox</a:t>
             </a:r>
             <a:r>
-              <a:rPr lang="zh-CN" altLang="en-US" sz="2000" dirty="0"/>
+              <a:rPr lang="zh-CN" altLang="en-US" sz="2001" dirty="0"/>
               <a:t>尺寸至限定范围，且计算缩放因子</a:t>
             </a:r>
             <a:r>
-              <a:rPr lang="en-US" altLang="zh-CN" sz="2000" dirty="0"/>
+              <a:rPr lang="en-US" altLang="zh-CN" sz="2001" dirty="0"/>
               <a:t>scale</a:t>
             </a:r>
-            <a:endParaRPr lang="zh-CN" altLang="en-US" sz="2000" dirty="0"/>
+            <a:endParaRPr lang="zh-CN" altLang="en-US" sz="2001" dirty="0"/>
           </a:p>
         </p:txBody>
       </p:sp>
@@ -4042,8 +4566,8 @@
         </p:nvSpPr>
         <p:spPr>
           <a:xfrm>
-            <a:off x="13676268" y="3222051"/>
-            <a:ext cx="2290586" cy="523220"/>
+            <a:off x="13676269" y="3222051"/>
+            <a:ext cx="2290585" cy="523220"/>
           </a:xfrm>
           <a:prstGeom prst="rect">
             <a:avLst/>
@@ -4078,8 +4602,8 @@
         </p:nvSpPr>
         <p:spPr>
           <a:xfrm>
-            <a:off x="17422833" y="673887"/>
-            <a:ext cx="1279316" cy="400110"/>
+            <a:off x="17422835" y="673887"/>
+            <a:ext cx="1279315" cy="400238"/>
           </a:xfrm>
           <a:prstGeom prst="rect">
             <a:avLst/>
@@ -4093,10 +4617,10 @@
           <a:lstStyle/>
           <a:p>
             <a:r>
-              <a:rPr lang="en-US" altLang="zh-CN" sz="2000" dirty="0"/>
+              <a:rPr lang="en-US" altLang="zh-CN" sz="2001" dirty="0"/>
               <a:t>1248</a:t>
             </a:r>
-            <a:endParaRPr lang="zh-CN" altLang="en-US" sz="2000" dirty="0"/>
+            <a:endParaRPr lang="zh-CN" altLang="en-US" sz="2001" dirty="0"/>
           </a:p>
         </p:txBody>
       </p:sp>
@@ -4114,8 +4638,8 @@
         </p:nvSpPr>
         <p:spPr>
           <a:xfrm>
-            <a:off x="16636335" y="3545216"/>
-            <a:ext cx="754156" cy="400110"/>
+            <a:off x="16636336" y="3545218"/>
+            <a:ext cx="754156" cy="400238"/>
           </a:xfrm>
           <a:prstGeom prst="rect">
             <a:avLst/>
@@ -4129,10 +4653,10 @@
           <a:lstStyle/>
           <a:p>
             <a:r>
-              <a:rPr lang="en-US" altLang="zh-CN" sz="2000" dirty="0"/>
+              <a:rPr lang="en-US" altLang="zh-CN" sz="2001" dirty="0"/>
               <a:t>800</a:t>
             </a:r>
-            <a:endParaRPr lang="zh-CN" altLang="en-US" sz="2000" dirty="0"/>
+            <a:endParaRPr lang="zh-CN" altLang="en-US" sz="2001" dirty="0"/>
           </a:p>
         </p:txBody>
       </p:sp>
@@ -4150,8 +4674,8 @@
         </p:nvSpPr>
         <p:spPr>
           <a:xfrm rot="5400000" flipV="1">
-            <a:off x="16379494" y="2969747"/>
-            <a:ext cx="4680514" cy="834072"/>
+            <a:off x="16379493" y="2969750"/>
+            <a:ext cx="4680515" cy="834071"/>
           </a:xfrm>
           <a:prstGeom prst="parallelogram">
             <a:avLst>
@@ -4198,8 +4722,8 @@
         </p:nvSpPr>
         <p:spPr>
           <a:xfrm>
-            <a:off x="18367925" y="684419"/>
-            <a:ext cx="1279316" cy="400110"/>
+            <a:off x="18367927" y="684420"/>
+            <a:ext cx="1279315" cy="400238"/>
           </a:xfrm>
           <a:prstGeom prst="rect">
             <a:avLst/>
@@ -4213,10 +4737,10 @@
           <a:lstStyle/>
           <a:p>
             <a:r>
-              <a:rPr lang="en-US" altLang="zh-CN" sz="2000" dirty="0"/>
+              <a:rPr lang="en-US" altLang="zh-CN" sz="2001" dirty="0"/>
               <a:t>1248</a:t>
             </a:r>
-            <a:endParaRPr lang="zh-CN" altLang="en-US" sz="2000" dirty="0"/>
+            <a:endParaRPr lang="zh-CN" altLang="en-US" sz="2001" dirty="0"/>
           </a:p>
         </p:txBody>
       </p:sp>
@@ -4235,7 +4759,7 @@
         <p:spPr>
           <a:xfrm>
             <a:off x="19328668" y="3555748"/>
-            <a:ext cx="754156" cy="400110"/>
+            <a:ext cx="754156" cy="400238"/>
           </a:xfrm>
           <a:prstGeom prst="rect">
             <a:avLst/>
@@ -4249,10 +4773,10 @@
           <a:lstStyle/>
           <a:p>
             <a:r>
-              <a:rPr lang="en-US" altLang="zh-CN" sz="2000" dirty="0"/>
+              <a:rPr lang="en-US" altLang="zh-CN" sz="2001" dirty="0"/>
               <a:t>800</a:t>
             </a:r>
-            <a:endParaRPr lang="zh-CN" altLang="en-US" sz="2000" dirty="0"/>
+            <a:endParaRPr lang="zh-CN" altLang="en-US" sz="2001" dirty="0"/>
           </a:p>
         </p:txBody>
       </p:sp>
@@ -4270,8 +4794,8 @@
         </p:nvSpPr>
         <p:spPr>
           <a:xfrm rot="5400000" flipV="1">
-            <a:off x="15372001" y="3011965"/>
-            <a:ext cx="4680514" cy="834072"/>
+            <a:off x="15372001" y="3011967"/>
+            <a:ext cx="4680515" cy="834071"/>
           </a:xfrm>
           <a:prstGeom prst="parallelogram">
             <a:avLst>
@@ -4318,8 +4842,8 @@
         </p:nvSpPr>
         <p:spPr>
           <a:xfrm>
-            <a:off x="20736099" y="1712162"/>
-            <a:ext cx="3854370" cy="2748523"/>
+            <a:off x="20736099" y="1712164"/>
+            <a:ext cx="3854370" cy="2748522"/>
           </a:xfrm>
           <a:prstGeom prst="rect">
             <a:avLst/>
@@ -4367,8 +4891,8 @@
         </p:nvSpPr>
         <p:spPr>
           <a:xfrm>
-            <a:off x="20736099" y="1712161"/>
-            <a:ext cx="3289042" cy="2748523"/>
+            <a:off x="20736098" y="1712161"/>
+            <a:ext cx="3289043" cy="2748522"/>
           </a:xfrm>
           <a:prstGeom prst="rect">
             <a:avLst/>
@@ -4416,8 +4940,8 @@
         </p:nvSpPr>
         <p:spPr>
           <a:xfrm>
-            <a:off x="23950811" y="1111996"/>
-            <a:ext cx="834072" cy="400110"/>
+            <a:off x="23950813" y="1111997"/>
+            <a:ext cx="834071" cy="400238"/>
           </a:xfrm>
           <a:prstGeom prst="rect">
             <a:avLst/>
@@ -4431,14 +4955,14 @@
           <a:lstStyle/>
           <a:p>
             <a:r>
-              <a:rPr lang="en-US" altLang="zh-CN" sz="2000" dirty="0">
+              <a:rPr lang="en-US" altLang="zh-CN" sz="2001" dirty="0">
                 <a:solidFill>
                   <a:srgbClr val="00B0F0"/>
                 </a:solidFill>
               </a:rPr>
               <a:t>1248</a:t>
             </a:r>
-            <a:endParaRPr lang="zh-CN" altLang="en-US" sz="2000" dirty="0">
+            <a:endParaRPr lang="zh-CN" altLang="en-US" sz="2001" dirty="0">
               <a:solidFill>
                 <a:srgbClr val="00B0F0"/>
               </a:solidFill>
@@ -4460,8 +4984,8 @@
         </p:nvSpPr>
         <p:spPr>
           <a:xfrm>
-            <a:off x="21740962" y="1096020"/>
-            <a:ext cx="1279316" cy="400110"/>
+            <a:off x="21740965" y="1096022"/>
+            <a:ext cx="1279315" cy="400238"/>
           </a:xfrm>
           <a:prstGeom prst="rect">
             <a:avLst/>
@@ -4475,14 +4999,14 @@
           <a:lstStyle/>
           <a:p>
             <a:r>
-              <a:rPr lang="en-US" altLang="zh-CN" sz="2000" dirty="0">
+              <a:rPr lang="en-US" altLang="zh-CN" sz="2001" dirty="0">
                 <a:solidFill>
                   <a:srgbClr val="FF0000"/>
                 </a:solidFill>
               </a:rPr>
               <a:t>1201</a:t>
             </a:r>
-            <a:endParaRPr lang="zh-CN" altLang="en-US" sz="2000" dirty="0">
+            <a:endParaRPr lang="zh-CN" altLang="en-US" sz="2001" dirty="0">
               <a:solidFill>
                 <a:srgbClr val="FF0000"/>
               </a:solidFill>
@@ -4504,8 +5028,8 @@
         </p:nvSpPr>
         <p:spPr>
           <a:xfrm>
-            <a:off x="1748866" y="673887"/>
-            <a:ext cx="5533245" cy="707886"/>
+            <a:off x="1748869" y="673888"/>
+            <a:ext cx="5533244" cy="708207"/>
           </a:xfrm>
           <a:prstGeom prst="rect">
             <a:avLst/>
@@ -4519,10 +5043,10 @@
           <a:lstStyle/>
           <a:p>
             <a:r>
-              <a:rPr lang="en-US" altLang="zh-CN" sz="4000" dirty="0"/>
+              <a:rPr lang="en-US" altLang="zh-CN" sz="4002" dirty="0"/>
               <a:t>transform</a:t>
             </a:r>
-            <a:endParaRPr lang="zh-CN" altLang="en-US" sz="4000" dirty="0"/>
+            <a:endParaRPr lang="zh-CN" altLang="en-US" sz="4002" dirty="0"/>
           </a:p>
         </p:txBody>
       </p:sp>
@@ -4540,8 +5064,8 @@
         </p:nvSpPr>
         <p:spPr>
           <a:xfrm>
-            <a:off x="5094710" y="793838"/>
-            <a:ext cx="4078533" cy="523220"/>
+            <a:off x="5094710" y="793839"/>
+            <a:ext cx="4078532" cy="523220"/>
           </a:xfrm>
           <a:prstGeom prst="rect">
             <a:avLst/>
@@ -4591,8 +5115,8 @@
         </p:nvSpPr>
         <p:spPr>
           <a:xfrm>
-            <a:off x="16503575" y="5835369"/>
-            <a:ext cx="3251438" cy="707886"/>
+            <a:off x="16503576" y="5835370"/>
+            <a:ext cx="3251439" cy="708143"/>
           </a:xfrm>
           <a:prstGeom prst="rect">
             <a:avLst/>
@@ -4607,30 +5131,30 @@
           <a:p>
             <a:pPr algn="ctr"/>
             <a:r>
-              <a:rPr lang="zh-CN" altLang="en-US" sz="2000" dirty="0"/>
+              <a:rPr lang="zh-CN" altLang="en-US" sz="2001" dirty="0"/>
               <a:t>一个</a:t>
             </a:r>
             <a:r>
-              <a:rPr lang="en-US" altLang="zh-CN" sz="2000" dirty="0"/>
+              <a:rPr lang="en-US" altLang="zh-CN" sz="2001" dirty="0"/>
               <a:t>batch</a:t>
             </a:r>
           </a:p>
           <a:p>
             <a:pPr algn="ctr"/>
             <a:r>
-              <a:rPr lang="en-US" altLang="zh-CN" sz="2000" dirty="0"/>
+              <a:rPr lang="en-US" altLang="zh-CN" sz="2001" dirty="0"/>
               <a:t> </a:t>
             </a:r>
             <a:r>
-              <a:rPr lang="zh-CN" altLang="en-US" sz="2000" dirty="0"/>
+              <a:rPr lang="zh-CN" altLang="en-US" sz="2001" dirty="0"/>
               <a:t>（</a:t>
             </a:r>
             <a:r>
-              <a:rPr lang="en-US" altLang="zh-CN" sz="2000" dirty="0"/>
+              <a:rPr lang="en-US" altLang="zh-CN" sz="2001" dirty="0"/>
               <a:t>2,3,800,1248</a:t>
             </a:r>
             <a:r>
-              <a:rPr lang="zh-CN" altLang="en-US" sz="2000" dirty="0"/>
+              <a:rPr lang="zh-CN" altLang="en-US" sz="2001" dirty="0"/>
               <a:t>）</a:t>
             </a:r>
           </a:p>
@@ -4640,6 +5164,4111 @@
     <p:extLst>
       <p:ext uri="{BB962C8B-B14F-4D97-AF65-F5344CB8AC3E}">
         <p14:creationId xmlns:p14="http://schemas.microsoft.com/office/powerpoint/2010/main" val="3420690393"/>
+      </p:ext>
+    </p:extLst>
+  </p:cSld>
+  <p:clrMapOvr>
+    <a:masterClrMapping/>
+  </p:clrMapOvr>
+</p:sld>
+</file>
+
+<file path=ppt/slides/slide2.xml><?xml version="1.0" encoding="utf-8"?>
+<p:sld xmlns:a="http://schemas.openxmlformats.org/drawingml/2006/main" xmlns:r="http://schemas.openxmlformats.org/officeDocument/2006/relationships" xmlns:p="http://schemas.openxmlformats.org/presentationml/2006/main">
+  <p:cSld>
+    <p:spTree>
+      <p:nvGrpSpPr>
+        <p:cNvPr id="1" name=""/>
+        <p:cNvGrpSpPr/>
+        <p:nvPr/>
+      </p:nvGrpSpPr>
+      <p:grpSpPr>
+        <a:xfrm>
+          <a:off x="0" y="0"/>
+          <a:ext cx="0" cy="0"/>
+          <a:chOff x="0" y="0"/>
+          <a:chExt cx="0" cy="0"/>
+        </a:xfrm>
+      </p:grpSpPr>
+      <p:sp>
+        <p:nvSpPr>
+          <p:cNvPr id="6" name="平行四边形 5">
+            <a:extLst>
+              <a:ext uri="{FF2B5EF4-FFF2-40B4-BE49-F238E27FC236}">
+                <a16:creationId xmlns:a16="http://schemas.microsoft.com/office/drawing/2014/main" id="{C828BFDF-FDAE-46B3-B063-DF1622E067A7}"/>
+              </a:ext>
+            </a:extLst>
+          </p:cNvPr>
+          <p:cNvSpPr/>
+          <p:nvPr/>
+        </p:nvSpPr>
+        <p:spPr>
+          <a:xfrm rot="5400000" flipV="1">
+            <a:off x="-757040" y="2861374"/>
+            <a:ext cx="4680514" cy="834072"/>
+          </a:xfrm>
+          <a:prstGeom prst="parallelogram">
+            <a:avLst>
+              <a:gd name="adj" fmla="val 52632"/>
+            </a:avLst>
+          </a:prstGeom>
+        </p:spPr>
+        <p:style>
+          <a:lnRef idx="2">
+            <a:schemeClr val="accent1">
+              <a:shade val="50000"/>
+            </a:schemeClr>
+          </a:lnRef>
+          <a:fillRef idx="1">
+            <a:schemeClr val="accent1"/>
+          </a:fillRef>
+          <a:effectRef idx="0">
+            <a:schemeClr val="accent1"/>
+          </a:effectRef>
+          <a:fontRef idx="minor">
+            <a:schemeClr val="lt1"/>
+          </a:fontRef>
+        </p:style>
+        <p:txBody>
+          <a:bodyPr rtlCol="0" anchor="ctr"/>
+          <a:lstStyle/>
+          <a:p>
+            <a:pPr algn="ctr"/>
+            <a:endParaRPr lang="zh-CN" altLang="en-US" dirty="0"/>
+          </a:p>
+        </p:txBody>
+      </p:sp>
+      <p:sp>
+        <p:nvSpPr>
+          <p:cNvPr id="7" name="文本框 6">
+            <a:extLst>
+              <a:ext uri="{FF2B5EF4-FFF2-40B4-BE49-F238E27FC236}">
+                <a16:creationId xmlns:a16="http://schemas.microsoft.com/office/drawing/2014/main" id="{1E29E18F-282E-41DE-AD9E-6FA330A67491}"/>
+              </a:ext>
+            </a:extLst>
+          </p:cNvPr>
+          <p:cNvSpPr txBox="1"/>
+          <p:nvPr/>
+        </p:nvSpPr>
+        <p:spPr>
+          <a:xfrm>
+            <a:off x="1231393" y="576047"/>
+            <a:ext cx="1279315" cy="400238"/>
+          </a:xfrm>
+          <a:prstGeom prst="rect">
+            <a:avLst/>
+          </a:prstGeom>
+          <a:noFill/>
+        </p:spPr>
+        <p:txBody>
+          <a:bodyPr wrap="square" rtlCol="0">
+            <a:spAutoFit/>
+          </a:bodyPr>
+          <a:lstStyle/>
+          <a:p>
+            <a:r>
+              <a:rPr lang="en-US" altLang="zh-CN" sz="2001" dirty="0"/>
+              <a:t>1248</a:t>
+            </a:r>
+            <a:endParaRPr lang="zh-CN" altLang="en-US" sz="2001" dirty="0"/>
+          </a:p>
+        </p:txBody>
+      </p:sp>
+      <p:sp>
+        <p:nvSpPr>
+          <p:cNvPr id="8" name="文本框 7">
+            <a:extLst>
+              <a:ext uri="{FF2B5EF4-FFF2-40B4-BE49-F238E27FC236}">
+                <a16:creationId xmlns:a16="http://schemas.microsoft.com/office/drawing/2014/main" id="{FF8EA9B9-8A44-4598-AEB6-AA7EAD7BCB5F}"/>
+              </a:ext>
+            </a:extLst>
+          </p:cNvPr>
+          <p:cNvSpPr txBox="1"/>
+          <p:nvPr/>
+        </p:nvSpPr>
+        <p:spPr>
+          <a:xfrm>
+            <a:off x="2057549" y="2023419"/>
+            <a:ext cx="754156" cy="400238"/>
+          </a:xfrm>
+          <a:prstGeom prst="rect">
+            <a:avLst/>
+          </a:prstGeom>
+          <a:noFill/>
+        </p:spPr>
+        <p:txBody>
+          <a:bodyPr wrap="square" rtlCol="0">
+            <a:spAutoFit/>
+          </a:bodyPr>
+          <a:lstStyle/>
+          <a:p>
+            <a:r>
+              <a:rPr lang="en-US" altLang="zh-CN" sz="2001" dirty="0"/>
+              <a:t>800</a:t>
+            </a:r>
+            <a:endParaRPr lang="zh-CN" altLang="en-US" sz="2001" dirty="0"/>
+          </a:p>
+        </p:txBody>
+      </p:sp>
+      <p:cxnSp>
+        <p:nvCxnSpPr>
+          <p:cNvPr id="11" name="直接箭头连接符 10">
+            <a:extLst>
+              <a:ext uri="{FF2B5EF4-FFF2-40B4-BE49-F238E27FC236}">
+                <a16:creationId xmlns:a16="http://schemas.microsoft.com/office/drawing/2014/main" id="{DCB13274-DF7A-41DC-9AC2-6913104AF02C}"/>
+              </a:ext>
+            </a:extLst>
+          </p:cNvPr>
+          <p:cNvCxnSpPr>
+            <a:cxnSpLocks/>
+          </p:cNvCxnSpPr>
+          <p:nvPr/>
+        </p:nvCxnSpPr>
+        <p:spPr>
+          <a:xfrm>
+            <a:off x="2310510" y="2941841"/>
+            <a:ext cx="840278" cy="0"/>
+          </a:xfrm>
+          <a:prstGeom prst="straightConnector1">
+            <a:avLst/>
+          </a:prstGeom>
+          <a:ln w="63500">
+            <a:tailEnd type="triangle"/>
+          </a:ln>
+        </p:spPr>
+        <p:style>
+          <a:lnRef idx="1">
+            <a:schemeClr val="accent1"/>
+          </a:lnRef>
+          <a:fillRef idx="0">
+            <a:schemeClr val="accent1"/>
+          </a:fillRef>
+          <a:effectRef idx="0">
+            <a:schemeClr val="accent1"/>
+          </a:effectRef>
+          <a:fontRef idx="minor">
+            <a:schemeClr val="tx1"/>
+          </a:fontRef>
+        </p:style>
+      </p:cxnSp>
+      <p:sp>
+        <p:nvSpPr>
+          <p:cNvPr id="15" name="矩形: 圆角 14">
+            <a:extLst>
+              <a:ext uri="{FF2B5EF4-FFF2-40B4-BE49-F238E27FC236}">
+                <a16:creationId xmlns:a16="http://schemas.microsoft.com/office/drawing/2014/main" id="{5D078E08-2020-497D-8BBF-174A3D1E3979}"/>
+              </a:ext>
+            </a:extLst>
+          </p:cNvPr>
+          <p:cNvSpPr/>
+          <p:nvPr/>
+        </p:nvSpPr>
+        <p:spPr>
+          <a:xfrm>
+            <a:off x="3421881" y="2030385"/>
+            <a:ext cx="2936241" cy="1822911"/>
+          </a:xfrm>
+          <a:prstGeom prst="roundRect">
+            <a:avLst/>
+          </a:prstGeom>
+        </p:spPr>
+        <p:style>
+          <a:lnRef idx="2">
+            <a:schemeClr val="accent4">
+              <a:shade val="50000"/>
+            </a:schemeClr>
+          </a:lnRef>
+          <a:fillRef idx="1">
+            <a:schemeClr val="accent4"/>
+          </a:fillRef>
+          <a:effectRef idx="0">
+            <a:schemeClr val="accent4"/>
+          </a:effectRef>
+          <a:fontRef idx="minor">
+            <a:schemeClr val="lt1"/>
+          </a:fontRef>
+        </p:style>
+        <p:txBody>
+          <a:bodyPr rtlCol="0" anchor="ctr"/>
+          <a:lstStyle/>
+          <a:p>
+            <a:pPr algn="ctr"/>
+            <a:r>
+              <a:rPr lang="en-US" altLang="zh-CN" sz="2800" dirty="0"/>
+              <a:t>Backbone</a:t>
+            </a:r>
+          </a:p>
+        </p:txBody>
+      </p:sp>
+      <p:sp>
+        <p:nvSpPr>
+          <p:cNvPr id="17" name="文本框 16">
+            <a:extLst>
+              <a:ext uri="{FF2B5EF4-FFF2-40B4-BE49-F238E27FC236}">
+                <a16:creationId xmlns:a16="http://schemas.microsoft.com/office/drawing/2014/main" id="{E7DC19E1-7D28-40A2-9DEC-F8482492D290}"/>
+              </a:ext>
+            </a:extLst>
+          </p:cNvPr>
+          <p:cNvSpPr txBox="1"/>
+          <p:nvPr/>
+        </p:nvSpPr>
+        <p:spPr>
+          <a:xfrm>
+            <a:off x="2510708" y="3914256"/>
+            <a:ext cx="4673278" cy="1323439"/>
+          </a:xfrm>
+          <a:prstGeom prst="rect">
+            <a:avLst/>
+          </a:prstGeom>
+          <a:noFill/>
+        </p:spPr>
+        <p:txBody>
+          <a:bodyPr wrap="square">
+            <a:spAutoFit/>
+          </a:bodyPr>
+          <a:lstStyle/>
+          <a:p>
+            <a:pPr algn="ctr"/>
+            <a:r>
+              <a:rPr lang="zh-CN" altLang="en-US" sz="2000" dirty="0"/>
+              <a:t>以</a:t>
+            </a:r>
+            <a:r>
+              <a:rPr lang="en-US" altLang="zh-CN" sz="2000" dirty="0"/>
+              <a:t>VGG16</a:t>
+            </a:r>
+            <a:r>
+              <a:rPr lang="zh-CN" altLang="en-US" sz="2000" dirty="0"/>
+              <a:t>为例：</a:t>
+            </a:r>
+            <a:endParaRPr lang="en-US" altLang="zh-CN" sz="2000" dirty="0"/>
+          </a:p>
+          <a:p>
+            <a:pPr algn="ctr"/>
+            <a:r>
+              <a:rPr lang="zh-CN" altLang="en-US" sz="2000" dirty="0"/>
+              <a:t>取</a:t>
+            </a:r>
+            <a:r>
+              <a:rPr lang="en-US" altLang="zh-CN" sz="2000" dirty="0"/>
+              <a:t>3×3</a:t>
+            </a:r>
+            <a:r>
+              <a:rPr lang="zh-CN" altLang="en-US" sz="2000" dirty="0"/>
+              <a:t>卷积核，</a:t>
+            </a:r>
+            <a:r>
+              <a:rPr lang="en-US" altLang="zh-CN" sz="2000" dirty="0"/>
+              <a:t>padding=1</a:t>
+            </a:r>
+            <a:r>
+              <a:rPr lang="zh-CN" altLang="en-US" sz="2000" dirty="0"/>
+              <a:t>，</a:t>
+            </a:r>
+            <a:endParaRPr lang="en-US" altLang="zh-CN" sz="2000" dirty="0"/>
+          </a:p>
+          <a:p>
+            <a:pPr algn="ctr"/>
+            <a:r>
+              <a:rPr lang="en-US" altLang="zh-CN" sz="2000" dirty="0"/>
+              <a:t>stride=1, pooling</a:t>
+            </a:r>
+            <a:r>
+              <a:rPr lang="zh-CN" altLang="en-US" sz="2000" dirty="0"/>
+              <a:t>层</a:t>
+            </a:r>
+            <a:r>
+              <a:rPr lang="en-US" altLang="zh-CN" sz="2000" dirty="0"/>
+              <a:t> 4</a:t>
+            </a:r>
+            <a:r>
+              <a:rPr lang="zh-CN" altLang="en-US" sz="2000" dirty="0"/>
+              <a:t>个</a:t>
+            </a:r>
+            <a:endParaRPr lang="en-US" altLang="zh-CN" sz="2000" dirty="0"/>
+          </a:p>
+          <a:p>
+            <a:pPr algn="ctr"/>
+            <a:r>
+              <a:rPr lang="zh-CN" altLang="en-US" sz="2000" dirty="0"/>
+              <a:t>使得</a:t>
+            </a:r>
+            <a:r>
+              <a:rPr lang="en-US" altLang="zh-CN" sz="2000" dirty="0"/>
+              <a:t>feature</a:t>
+            </a:r>
+            <a:r>
+              <a:rPr lang="zh-CN" altLang="en-US" sz="2000" dirty="0"/>
+              <a:t>图放缩到输入图的</a:t>
+            </a:r>
+            <a:r>
+              <a:rPr lang="en-US" altLang="zh-CN" sz="2000" dirty="0"/>
+              <a:t>1/16</a:t>
+            </a:r>
+            <a:endParaRPr lang="zh-CN" altLang="en-US" sz="2000" dirty="0"/>
+          </a:p>
+        </p:txBody>
+      </p:sp>
+      <p:sp>
+        <p:nvSpPr>
+          <p:cNvPr id="18" name="平行四边形 17">
+            <a:extLst>
+              <a:ext uri="{FF2B5EF4-FFF2-40B4-BE49-F238E27FC236}">
+                <a16:creationId xmlns:a16="http://schemas.microsoft.com/office/drawing/2014/main" id="{6CDE493D-CDD9-47F3-903D-C467506B7BDC}"/>
+              </a:ext>
+            </a:extLst>
+          </p:cNvPr>
+          <p:cNvSpPr/>
+          <p:nvPr/>
+        </p:nvSpPr>
+        <p:spPr>
+          <a:xfrm rot="5400000" flipV="1">
+            <a:off x="7399753" y="2589010"/>
+            <a:ext cx="1169999" cy="208801"/>
+          </a:xfrm>
+          <a:prstGeom prst="parallelogram">
+            <a:avLst>
+              <a:gd name="adj" fmla="val 52632"/>
+            </a:avLst>
+          </a:prstGeom>
+        </p:spPr>
+        <p:style>
+          <a:lnRef idx="2">
+            <a:schemeClr val="accent1">
+              <a:shade val="50000"/>
+            </a:schemeClr>
+          </a:lnRef>
+          <a:fillRef idx="1">
+            <a:schemeClr val="accent1"/>
+          </a:fillRef>
+          <a:effectRef idx="0">
+            <a:schemeClr val="accent1"/>
+          </a:effectRef>
+          <a:fontRef idx="minor">
+            <a:schemeClr val="lt1"/>
+          </a:fontRef>
+        </p:style>
+        <p:txBody>
+          <a:bodyPr rtlCol="0" anchor="ctr"/>
+          <a:lstStyle/>
+          <a:p>
+            <a:pPr algn="ctr"/>
+            <a:endParaRPr lang="zh-CN" altLang="en-US" dirty="0"/>
+          </a:p>
+        </p:txBody>
+      </p:sp>
+      <p:sp>
+        <p:nvSpPr>
+          <p:cNvPr id="19" name="文本框 18">
+            <a:extLst>
+              <a:ext uri="{FF2B5EF4-FFF2-40B4-BE49-F238E27FC236}">
+                <a16:creationId xmlns:a16="http://schemas.microsoft.com/office/drawing/2014/main" id="{1FF5850B-E034-4350-8CEB-DFB3C3E30274}"/>
+              </a:ext>
+            </a:extLst>
+          </p:cNvPr>
+          <p:cNvSpPr txBox="1"/>
+          <p:nvPr/>
+        </p:nvSpPr>
+        <p:spPr>
+          <a:xfrm>
+            <a:off x="7542374" y="1477729"/>
+            <a:ext cx="1279315" cy="523220"/>
+          </a:xfrm>
+          <a:prstGeom prst="rect">
+            <a:avLst/>
+          </a:prstGeom>
+          <a:noFill/>
+        </p:spPr>
+        <p:txBody>
+          <a:bodyPr wrap="square" rtlCol="0">
+            <a:spAutoFit/>
+          </a:bodyPr>
+          <a:lstStyle/>
+          <a:p>
+            <a:r>
+              <a:rPr lang="en-US" altLang="zh-CN" sz="2800" dirty="0"/>
+              <a:t>W</a:t>
+            </a:r>
+            <a:r>
+              <a:rPr lang="zh-CN" altLang="en-US" sz="2800" dirty="0"/>
+              <a:t>：</a:t>
+            </a:r>
+            <a:r>
+              <a:rPr lang="en-US" altLang="zh-CN" sz="2800" dirty="0"/>
+              <a:t>78</a:t>
+            </a:r>
+            <a:endParaRPr lang="zh-CN" altLang="en-US" sz="2800" dirty="0"/>
+          </a:p>
+        </p:txBody>
+      </p:sp>
+      <p:sp>
+        <p:nvSpPr>
+          <p:cNvPr id="20" name="文本框 19">
+            <a:extLst>
+              <a:ext uri="{FF2B5EF4-FFF2-40B4-BE49-F238E27FC236}">
+                <a16:creationId xmlns:a16="http://schemas.microsoft.com/office/drawing/2014/main" id="{EA2246C5-243C-4C6F-936E-77EB62CD46C0}"/>
+              </a:ext>
+            </a:extLst>
+          </p:cNvPr>
+          <p:cNvSpPr txBox="1"/>
+          <p:nvPr/>
+        </p:nvSpPr>
+        <p:spPr>
+          <a:xfrm>
+            <a:off x="8178735" y="2229648"/>
+            <a:ext cx="1279315" cy="523220"/>
+          </a:xfrm>
+          <a:prstGeom prst="rect">
+            <a:avLst/>
+          </a:prstGeom>
+          <a:noFill/>
+        </p:spPr>
+        <p:txBody>
+          <a:bodyPr wrap="square" rtlCol="0">
+            <a:spAutoFit/>
+          </a:bodyPr>
+          <a:lstStyle/>
+          <a:p>
+            <a:r>
+              <a:rPr lang="en-US" altLang="zh-CN" sz="2800" dirty="0"/>
+              <a:t>H</a:t>
+            </a:r>
+            <a:r>
+              <a:rPr lang="zh-CN" altLang="en-US" sz="2800" dirty="0"/>
+              <a:t>：</a:t>
+            </a:r>
+            <a:r>
+              <a:rPr lang="en-US" altLang="zh-CN" sz="2800" dirty="0"/>
+              <a:t>50</a:t>
+            </a:r>
+            <a:endParaRPr lang="zh-CN" altLang="en-US" sz="2800" dirty="0"/>
+          </a:p>
+        </p:txBody>
+      </p:sp>
+      <p:sp>
+        <p:nvSpPr>
+          <p:cNvPr id="23" name="文本框 22">
+            <a:extLst>
+              <a:ext uri="{FF2B5EF4-FFF2-40B4-BE49-F238E27FC236}">
+                <a16:creationId xmlns:a16="http://schemas.microsoft.com/office/drawing/2014/main" id="{0C29BCB6-5709-4BA1-A6A0-FFF86585E39B}"/>
+              </a:ext>
+            </a:extLst>
+          </p:cNvPr>
+          <p:cNvSpPr txBox="1"/>
+          <p:nvPr/>
+        </p:nvSpPr>
+        <p:spPr>
+          <a:xfrm>
+            <a:off x="699044" y="5843264"/>
+            <a:ext cx="1513701" cy="523220"/>
+          </a:xfrm>
+          <a:prstGeom prst="rect">
+            <a:avLst/>
+          </a:prstGeom>
+          <a:noFill/>
+        </p:spPr>
+        <p:txBody>
+          <a:bodyPr wrap="square" rtlCol="0">
+            <a:spAutoFit/>
+          </a:bodyPr>
+          <a:lstStyle/>
+          <a:p>
+            <a:r>
+              <a:rPr lang="en-US" altLang="zh-CN" sz="2800" dirty="0"/>
+              <a:t>(1,3,M,N)</a:t>
+            </a:r>
+            <a:endParaRPr lang="zh-CN" altLang="en-US" sz="2800" dirty="0"/>
+          </a:p>
+        </p:txBody>
+      </p:sp>
+      <p:sp>
+        <p:nvSpPr>
+          <p:cNvPr id="24" name="文本框 23">
+            <a:extLst>
+              <a:ext uri="{FF2B5EF4-FFF2-40B4-BE49-F238E27FC236}">
+                <a16:creationId xmlns:a16="http://schemas.microsoft.com/office/drawing/2014/main" id="{6D40B077-5EB0-4CE0-8036-8B3A96BEB2E5}"/>
+              </a:ext>
+            </a:extLst>
+          </p:cNvPr>
+          <p:cNvSpPr txBox="1"/>
+          <p:nvPr/>
+        </p:nvSpPr>
+        <p:spPr>
+          <a:xfrm>
+            <a:off x="7094310" y="3526840"/>
+            <a:ext cx="2175441" cy="523220"/>
+          </a:xfrm>
+          <a:prstGeom prst="rect">
+            <a:avLst/>
+          </a:prstGeom>
+          <a:noFill/>
+        </p:spPr>
+        <p:txBody>
+          <a:bodyPr wrap="square" rtlCol="0">
+            <a:spAutoFit/>
+          </a:bodyPr>
+          <a:lstStyle/>
+          <a:p>
+            <a:r>
+              <a:rPr lang="en-US" altLang="zh-CN" sz="2800" dirty="0"/>
+              <a:t>(1,512,W,H)</a:t>
+            </a:r>
+            <a:endParaRPr lang="zh-CN" altLang="en-US" sz="2800" dirty="0"/>
+          </a:p>
+        </p:txBody>
+      </p:sp>
+      <p:cxnSp>
+        <p:nvCxnSpPr>
+          <p:cNvPr id="26" name="直接箭头连接符 25">
+            <a:extLst>
+              <a:ext uri="{FF2B5EF4-FFF2-40B4-BE49-F238E27FC236}">
+                <a16:creationId xmlns:a16="http://schemas.microsoft.com/office/drawing/2014/main" id="{C2B280A3-7742-4C02-A2BE-61C97AF0DF0B}"/>
+              </a:ext>
+            </a:extLst>
+          </p:cNvPr>
+          <p:cNvCxnSpPr>
+            <a:cxnSpLocks/>
+          </p:cNvCxnSpPr>
+          <p:nvPr/>
+        </p:nvCxnSpPr>
+        <p:spPr>
+          <a:xfrm>
+            <a:off x="6618350" y="2927616"/>
+            <a:ext cx="840278" cy="0"/>
+          </a:xfrm>
+          <a:prstGeom prst="straightConnector1">
+            <a:avLst/>
+          </a:prstGeom>
+          <a:ln w="63500">
+            <a:tailEnd type="triangle"/>
+          </a:ln>
+        </p:spPr>
+        <p:style>
+          <a:lnRef idx="1">
+            <a:schemeClr val="accent1"/>
+          </a:lnRef>
+          <a:fillRef idx="0">
+            <a:schemeClr val="accent1"/>
+          </a:fillRef>
+          <a:effectRef idx="0">
+            <a:schemeClr val="accent1"/>
+          </a:effectRef>
+          <a:fontRef idx="minor">
+            <a:schemeClr val="tx1"/>
+          </a:fontRef>
+        </p:style>
+      </p:cxnSp>
+      <p:cxnSp>
+        <p:nvCxnSpPr>
+          <p:cNvPr id="27" name="直接箭头连接符 26">
+            <a:extLst>
+              <a:ext uri="{FF2B5EF4-FFF2-40B4-BE49-F238E27FC236}">
+                <a16:creationId xmlns:a16="http://schemas.microsoft.com/office/drawing/2014/main" id="{B07803D1-36A0-4ED6-AA24-3C84BD0BCE54}"/>
+              </a:ext>
+            </a:extLst>
+          </p:cNvPr>
+          <p:cNvCxnSpPr>
+            <a:cxnSpLocks/>
+          </p:cNvCxnSpPr>
+          <p:nvPr/>
+        </p:nvCxnSpPr>
+        <p:spPr>
+          <a:xfrm>
+            <a:off x="8401550" y="2926600"/>
+            <a:ext cx="840278" cy="0"/>
+          </a:xfrm>
+          <a:prstGeom prst="straightConnector1">
+            <a:avLst/>
+          </a:prstGeom>
+          <a:ln w="63500">
+            <a:tailEnd type="triangle"/>
+          </a:ln>
+        </p:spPr>
+        <p:style>
+          <a:lnRef idx="1">
+            <a:schemeClr val="accent1"/>
+          </a:lnRef>
+          <a:fillRef idx="0">
+            <a:schemeClr val="accent1"/>
+          </a:fillRef>
+          <a:effectRef idx="0">
+            <a:schemeClr val="accent1"/>
+          </a:effectRef>
+          <a:fontRef idx="minor">
+            <a:schemeClr val="tx1"/>
+          </a:fontRef>
+        </p:style>
+      </p:cxnSp>
+      <p:sp>
+        <p:nvSpPr>
+          <p:cNvPr id="28" name="矩形: 圆角 27">
+            <a:extLst>
+              <a:ext uri="{FF2B5EF4-FFF2-40B4-BE49-F238E27FC236}">
+                <a16:creationId xmlns:a16="http://schemas.microsoft.com/office/drawing/2014/main" id="{C7A4A87B-61E2-4427-B20D-B63C53E0BF58}"/>
+              </a:ext>
+            </a:extLst>
+          </p:cNvPr>
+          <p:cNvSpPr/>
+          <p:nvPr/>
+        </p:nvSpPr>
+        <p:spPr>
+          <a:xfrm>
+            <a:off x="9479666" y="2592729"/>
+            <a:ext cx="2025569" cy="1041720"/>
+          </a:xfrm>
+          <a:prstGeom prst="roundRect">
+            <a:avLst/>
+          </a:prstGeom>
+          <a:solidFill>
+            <a:schemeClr val="accent6">
+              <a:lumMod val="60000"/>
+              <a:lumOff val="40000"/>
+            </a:schemeClr>
+          </a:solidFill>
+        </p:spPr>
+        <p:style>
+          <a:lnRef idx="1">
+            <a:schemeClr val="accent6"/>
+          </a:lnRef>
+          <a:fillRef idx="2">
+            <a:schemeClr val="accent6"/>
+          </a:fillRef>
+          <a:effectRef idx="1">
+            <a:schemeClr val="accent6"/>
+          </a:effectRef>
+          <a:fontRef idx="minor">
+            <a:schemeClr val="dk1"/>
+          </a:fontRef>
+        </p:style>
+        <p:txBody>
+          <a:bodyPr rtlCol="0" anchor="ctr"/>
+          <a:lstStyle/>
+          <a:p>
+            <a:pPr algn="ctr"/>
+            <a:r>
+              <a:rPr lang="en-US" altLang="zh-CN" sz="2000" dirty="0"/>
+              <a:t>3×3</a:t>
+            </a:r>
+            <a:r>
+              <a:rPr lang="zh-CN" altLang="en-US" sz="2000" dirty="0"/>
+              <a:t>卷积</a:t>
+            </a:r>
+          </a:p>
+        </p:txBody>
+      </p:sp>
+      <p:sp>
+        <p:nvSpPr>
+          <p:cNvPr id="29" name="文本框 28">
+            <a:extLst>
+              <a:ext uri="{FF2B5EF4-FFF2-40B4-BE49-F238E27FC236}">
+                <a16:creationId xmlns:a16="http://schemas.microsoft.com/office/drawing/2014/main" id="{428F8B8C-B8B4-4355-BCD9-2B9B0EB9AFF8}"/>
+              </a:ext>
+            </a:extLst>
+          </p:cNvPr>
+          <p:cNvSpPr txBox="1"/>
+          <p:nvPr/>
+        </p:nvSpPr>
+        <p:spPr>
+          <a:xfrm>
+            <a:off x="8517962" y="4149272"/>
+            <a:ext cx="3948975" cy="923330"/>
+          </a:xfrm>
+          <a:prstGeom prst="rect">
+            <a:avLst/>
+          </a:prstGeom>
+          <a:noFill/>
+        </p:spPr>
+        <p:txBody>
+          <a:bodyPr wrap="square" rtlCol="0">
+            <a:spAutoFit/>
+          </a:bodyPr>
+          <a:lstStyle/>
+          <a:p>
+            <a:pPr algn="ctr"/>
+            <a:r>
+              <a:rPr lang="zh-CN" altLang="en-US" dirty="0"/>
+              <a:t>进一步提取特征</a:t>
+            </a:r>
+            <a:endParaRPr lang="en-US" altLang="zh-CN" sz="1800" dirty="0"/>
+          </a:p>
+          <a:p>
+            <a:pPr algn="ctr"/>
+            <a:r>
+              <a:rPr lang="en-US" altLang="zh-CN" sz="1800" dirty="0"/>
+              <a:t>padding=1</a:t>
+            </a:r>
+            <a:r>
+              <a:rPr lang="zh-CN" altLang="en-US" sz="1800" dirty="0"/>
+              <a:t>，</a:t>
+            </a:r>
+            <a:r>
+              <a:rPr lang="en-US" altLang="zh-CN" sz="1800" dirty="0"/>
+              <a:t>stride=1,</a:t>
+            </a:r>
+          </a:p>
+          <a:p>
+            <a:pPr algn="ctr"/>
+            <a:r>
+              <a:rPr lang="zh-CN" altLang="en-US" sz="1800" dirty="0"/>
+              <a:t>保证输入输出通道数相同</a:t>
+            </a:r>
+            <a:endParaRPr lang="zh-CN" altLang="en-US" dirty="0"/>
+          </a:p>
+        </p:txBody>
+      </p:sp>
+      <p:grpSp>
+        <p:nvGrpSpPr>
+          <p:cNvPr id="47" name="组合 46">
+            <a:extLst>
+              <a:ext uri="{FF2B5EF4-FFF2-40B4-BE49-F238E27FC236}">
+                <a16:creationId xmlns:a16="http://schemas.microsoft.com/office/drawing/2014/main" id="{F37EF498-FD7C-4855-8422-D97311BF5FB1}"/>
+              </a:ext>
+            </a:extLst>
+          </p:cNvPr>
+          <p:cNvGrpSpPr/>
+          <p:nvPr/>
+        </p:nvGrpSpPr>
+        <p:grpSpPr>
+          <a:xfrm>
+            <a:off x="12662770" y="1477729"/>
+            <a:ext cx="1934722" cy="1800681"/>
+            <a:chOff x="12662770" y="1477729"/>
+            <a:chExt cx="1934722" cy="1800681"/>
+          </a:xfrm>
+        </p:grpSpPr>
+        <p:sp>
+          <p:nvSpPr>
+            <p:cNvPr id="34" name="平行四边形 33">
+              <a:extLst>
+                <a:ext uri="{FF2B5EF4-FFF2-40B4-BE49-F238E27FC236}">
+                  <a16:creationId xmlns:a16="http://schemas.microsoft.com/office/drawing/2014/main" id="{B33D24CC-9B67-4864-9B04-A925338FA9FA}"/>
+                </a:ext>
+              </a:extLst>
+            </p:cNvPr>
+            <p:cNvSpPr/>
+            <p:nvPr/>
+          </p:nvSpPr>
+          <p:spPr>
+            <a:xfrm rot="5400000" flipV="1">
+              <a:off x="12520149" y="2589010"/>
+              <a:ext cx="1169999" cy="208801"/>
+            </a:xfrm>
+            <a:prstGeom prst="parallelogram">
+              <a:avLst>
+                <a:gd name="adj" fmla="val 52632"/>
+              </a:avLst>
+            </a:prstGeom>
+          </p:spPr>
+          <p:style>
+            <a:lnRef idx="2">
+              <a:schemeClr val="accent1">
+                <a:shade val="50000"/>
+              </a:schemeClr>
+            </a:lnRef>
+            <a:fillRef idx="1">
+              <a:schemeClr val="accent1"/>
+            </a:fillRef>
+            <a:effectRef idx="0">
+              <a:schemeClr val="accent1"/>
+            </a:effectRef>
+            <a:fontRef idx="minor">
+              <a:schemeClr val="lt1"/>
+            </a:fontRef>
+          </p:style>
+          <p:txBody>
+            <a:bodyPr rtlCol="0" anchor="ctr"/>
+            <a:lstStyle/>
+            <a:p>
+              <a:pPr algn="ctr"/>
+              <a:endParaRPr lang="zh-CN" altLang="en-US" dirty="0"/>
+            </a:p>
+          </p:txBody>
+        </p:sp>
+        <p:sp>
+          <p:nvSpPr>
+            <p:cNvPr id="35" name="文本框 34">
+              <a:extLst>
+                <a:ext uri="{FF2B5EF4-FFF2-40B4-BE49-F238E27FC236}">
+                  <a16:creationId xmlns:a16="http://schemas.microsoft.com/office/drawing/2014/main" id="{827070B4-6D5A-452F-90BD-684BDAC9D17F}"/>
+                </a:ext>
+              </a:extLst>
+            </p:cNvPr>
+            <p:cNvSpPr txBox="1"/>
+            <p:nvPr/>
+          </p:nvSpPr>
+          <p:spPr>
+            <a:xfrm>
+              <a:off x="12662770" y="1477729"/>
+              <a:ext cx="1279315" cy="523220"/>
+            </a:xfrm>
+            <a:prstGeom prst="rect">
+              <a:avLst/>
+            </a:prstGeom>
+            <a:noFill/>
+          </p:spPr>
+          <p:txBody>
+            <a:bodyPr wrap="square" rtlCol="0">
+              <a:spAutoFit/>
+            </a:bodyPr>
+            <a:lstStyle/>
+            <a:p>
+              <a:r>
+                <a:rPr lang="en-US" altLang="zh-CN" sz="2800" dirty="0"/>
+                <a:t>W</a:t>
+              </a:r>
+              <a:r>
+                <a:rPr lang="zh-CN" altLang="en-US" sz="2800" dirty="0"/>
+                <a:t>：</a:t>
+              </a:r>
+              <a:r>
+                <a:rPr lang="en-US" altLang="zh-CN" sz="2800" dirty="0"/>
+                <a:t>78</a:t>
+              </a:r>
+              <a:endParaRPr lang="zh-CN" altLang="en-US" sz="2800" dirty="0"/>
+            </a:p>
+          </p:txBody>
+        </p:sp>
+        <p:sp>
+          <p:nvSpPr>
+            <p:cNvPr id="36" name="文本框 35">
+              <a:extLst>
+                <a:ext uri="{FF2B5EF4-FFF2-40B4-BE49-F238E27FC236}">
+                  <a16:creationId xmlns:a16="http://schemas.microsoft.com/office/drawing/2014/main" id="{F30D8EB9-5A46-47E5-9D7B-338C5822C31D}"/>
+                </a:ext>
+              </a:extLst>
+            </p:cNvPr>
+            <p:cNvSpPr txBox="1"/>
+            <p:nvPr/>
+          </p:nvSpPr>
+          <p:spPr>
+            <a:xfrm>
+              <a:off x="13318177" y="2246257"/>
+              <a:ext cx="1279315" cy="523220"/>
+            </a:xfrm>
+            <a:prstGeom prst="rect">
+              <a:avLst/>
+            </a:prstGeom>
+            <a:noFill/>
+          </p:spPr>
+          <p:txBody>
+            <a:bodyPr wrap="square" rtlCol="0">
+              <a:spAutoFit/>
+            </a:bodyPr>
+            <a:lstStyle/>
+            <a:p>
+              <a:r>
+                <a:rPr lang="en-US" altLang="zh-CN" sz="2800" dirty="0"/>
+                <a:t>H</a:t>
+              </a:r>
+              <a:r>
+                <a:rPr lang="zh-CN" altLang="en-US" sz="2800" dirty="0"/>
+                <a:t>：</a:t>
+              </a:r>
+              <a:r>
+                <a:rPr lang="en-US" altLang="zh-CN" sz="2800" dirty="0"/>
+                <a:t>50</a:t>
+              </a:r>
+              <a:endParaRPr lang="zh-CN" altLang="en-US" sz="2800" dirty="0"/>
+            </a:p>
+          </p:txBody>
+        </p:sp>
+      </p:grpSp>
+      <p:sp>
+        <p:nvSpPr>
+          <p:cNvPr id="37" name="文本框 36">
+            <a:extLst>
+              <a:ext uri="{FF2B5EF4-FFF2-40B4-BE49-F238E27FC236}">
+                <a16:creationId xmlns:a16="http://schemas.microsoft.com/office/drawing/2014/main" id="{29FA1078-B265-4225-BD47-68DE6B494BCF}"/>
+              </a:ext>
+            </a:extLst>
+          </p:cNvPr>
+          <p:cNvSpPr txBox="1"/>
+          <p:nvPr/>
+        </p:nvSpPr>
+        <p:spPr>
+          <a:xfrm>
+            <a:off x="12214706" y="3526840"/>
+            <a:ext cx="2175441" cy="523220"/>
+          </a:xfrm>
+          <a:prstGeom prst="rect">
+            <a:avLst/>
+          </a:prstGeom>
+          <a:noFill/>
+        </p:spPr>
+        <p:txBody>
+          <a:bodyPr wrap="square" rtlCol="0">
+            <a:spAutoFit/>
+          </a:bodyPr>
+          <a:lstStyle/>
+          <a:p>
+            <a:r>
+              <a:rPr lang="en-US" altLang="zh-CN" sz="2800" dirty="0"/>
+              <a:t>(1,512,W,H)</a:t>
+            </a:r>
+            <a:endParaRPr lang="zh-CN" altLang="en-US" sz="2800" dirty="0"/>
+          </a:p>
+        </p:txBody>
+      </p:sp>
+      <p:cxnSp>
+        <p:nvCxnSpPr>
+          <p:cNvPr id="38" name="直接箭头连接符 37">
+            <a:extLst>
+              <a:ext uri="{FF2B5EF4-FFF2-40B4-BE49-F238E27FC236}">
+                <a16:creationId xmlns:a16="http://schemas.microsoft.com/office/drawing/2014/main" id="{62B6C41A-2E76-4BA8-A69D-C766819835C5}"/>
+              </a:ext>
+            </a:extLst>
+          </p:cNvPr>
+          <p:cNvCxnSpPr>
+            <a:cxnSpLocks/>
+          </p:cNvCxnSpPr>
+          <p:nvPr/>
+        </p:nvCxnSpPr>
+        <p:spPr>
+          <a:xfrm>
+            <a:off x="11738746" y="2921520"/>
+            <a:ext cx="840278" cy="0"/>
+          </a:xfrm>
+          <a:prstGeom prst="straightConnector1">
+            <a:avLst/>
+          </a:prstGeom>
+          <a:ln w="63500">
+            <a:tailEnd type="triangle"/>
+          </a:ln>
+        </p:spPr>
+        <p:style>
+          <a:lnRef idx="1">
+            <a:schemeClr val="accent1"/>
+          </a:lnRef>
+          <a:fillRef idx="0">
+            <a:schemeClr val="accent1"/>
+          </a:fillRef>
+          <a:effectRef idx="0">
+            <a:schemeClr val="accent1"/>
+          </a:effectRef>
+          <a:fontRef idx="minor">
+            <a:schemeClr val="tx1"/>
+          </a:fontRef>
+        </p:style>
+      </p:cxnSp>
+      <p:cxnSp>
+        <p:nvCxnSpPr>
+          <p:cNvPr id="41" name="直接连接符 40">
+            <a:extLst>
+              <a:ext uri="{FF2B5EF4-FFF2-40B4-BE49-F238E27FC236}">
+                <a16:creationId xmlns:a16="http://schemas.microsoft.com/office/drawing/2014/main" id="{D439D8DC-9B9A-4CE4-9480-68294AD1DFCA}"/>
+              </a:ext>
+            </a:extLst>
+          </p:cNvPr>
+          <p:cNvCxnSpPr>
+            <a:cxnSpLocks/>
+          </p:cNvCxnSpPr>
+          <p:nvPr/>
+        </p:nvCxnSpPr>
+        <p:spPr>
+          <a:xfrm flipV="1">
+            <a:off x="2057549" y="2907323"/>
+            <a:ext cx="17238636" cy="34517"/>
+          </a:xfrm>
+          <a:prstGeom prst="line">
+            <a:avLst/>
+          </a:prstGeom>
+        </p:spPr>
+        <p:style>
+          <a:lnRef idx="1">
+            <a:schemeClr val="accent1"/>
+          </a:lnRef>
+          <a:fillRef idx="0">
+            <a:schemeClr val="accent1"/>
+          </a:fillRef>
+          <a:effectRef idx="0">
+            <a:schemeClr val="accent1"/>
+          </a:effectRef>
+          <a:fontRef idx="minor">
+            <a:schemeClr val="tx1"/>
+          </a:fontRef>
+        </p:style>
+      </p:cxnSp>
+      <p:sp>
+        <p:nvSpPr>
+          <p:cNvPr id="44" name="左大括号 43">
+            <a:extLst>
+              <a:ext uri="{FF2B5EF4-FFF2-40B4-BE49-F238E27FC236}">
+                <a16:creationId xmlns:a16="http://schemas.microsoft.com/office/drawing/2014/main" id="{C9D55D98-2CF4-45A8-B3DB-186949F21BA6}"/>
+              </a:ext>
+            </a:extLst>
+          </p:cNvPr>
+          <p:cNvSpPr/>
+          <p:nvPr/>
+        </p:nvSpPr>
+        <p:spPr>
+          <a:xfrm>
+            <a:off x="14417977" y="1262354"/>
+            <a:ext cx="208802" cy="3289937"/>
+          </a:xfrm>
+          <a:prstGeom prst="leftBrace">
+            <a:avLst>
+              <a:gd name="adj1" fmla="val 47688"/>
+              <a:gd name="adj2" fmla="val 50000"/>
+            </a:avLst>
+          </a:prstGeom>
+          <a:ln w="63500"/>
+        </p:spPr>
+        <p:style>
+          <a:lnRef idx="1">
+            <a:schemeClr val="accent1"/>
+          </a:lnRef>
+          <a:fillRef idx="0">
+            <a:schemeClr val="accent1"/>
+          </a:fillRef>
+          <a:effectRef idx="0">
+            <a:schemeClr val="accent1"/>
+          </a:effectRef>
+          <a:fontRef idx="minor">
+            <a:schemeClr val="tx1"/>
+          </a:fontRef>
+        </p:style>
+        <p:txBody>
+          <a:bodyPr rtlCol="0" anchor="ctr"/>
+          <a:lstStyle/>
+          <a:p>
+            <a:pPr algn="ctr"/>
+            <a:endParaRPr lang="zh-CN" altLang="en-US"/>
+          </a:p>
+        </p:txBody>
+      </p:sp>
+      <p:sp>
+        <p:nvSpPr>
+          <p:cNvPr id="45" name="矩形: 圆角 44">
+            <a:extLst>
+              <a:ext uri="{FF2B5EF4-FFF2-40B4-BE49-F238E27FC236}">
+                <a16:creationId xmlns:a16="http://schemas.microsoft.com/office/drawing/2014/main" id="{C4EF37FA-6B75-4CAD-AC57-5C0F0A0A9978}"/>
+              </a:ext>
+            </a:extLst>
+          </p:cNvPr>
+          <p:cNvSpPr/>
+          <p:nvPr/>
+        </p:nvSpPr>
+        <p:spPr>
+          <a:xfrm>
+            <a:off x="14853920" y="1056640"/>
+            <a:ext cx="2000907" cy="878267"/>
+          </a:xfrm>
+          <a:prstGeom prst="roundRect">
+            <a:avLst/>
+          </a:prstGeom>
+        </p:spPr>
+        <p:style>
+          <a:lnRef idx="2">
+            <a:schemeClr val="accent2">
+              <a:shade val="50000"/>
+            </a:schemeClr>
+          </a:lnRef>
+          <a:fillRef idx="1">
+            <a:schemeClr val="accent2"/>
+          </a:fillRef>
+          <a:effectRef idx="0">
+            <a:schemeClr val="accent2"/>
+          </a:effectRef>
+          <a:fontRef idx="minor">
+            <a:schemeClr val="lt1"/>
+          </a:fontRef>
+        </p:style>
+        <p:txBody>
+          <a:bodyPr rtlCol="0" anchor="ctr"/>
+          <a:lstStyle/>
+          <a:p>
+            <a:pPr algn="ctr"/>
+            <a:r>
+              <a:rPr lang="en-US" altLang="zh-CN" sz="1800" dirty="0"/>
+              <a:t>1×1</a:t>
+            </a:r>
+            <a:r>
+              <a:rPr lang="zh-CN" altLang="en-US" sz="1800" dirty="0"/>
+              <a:t>卷积</a:t>
+            </a:r>
+          </a:p>
+        </p:txBody>
+      </p:sp>
+      <p:sp>
+        <p:nvSpPr>
+          <p:cNvPr id="46" name="矩形: 圆角 45">
+            <a:extLst>
+              <a:ext uri="{FF2B5EF4-FFF2-40B4-BE49-F238E27FC236}">
+                <a16:creationId xmlns:a16="http://schemas.microsoft.com/office/drawing/2014/main" id="{F168026F-47EF-40BF-8FB8-15955626820A}"/>
+              </a:ext>
+            </a:extLst>
+          </p:cNvPr>
+          <p:cNvSpPr/>
+          <p:nvPr/>
+        </p:nvSpPr>
+        <p:spPr>
+          <a:xfrm>
+            <a:off x="14834753" y="4113157"/>
+            <a:ext cx="2000907" cy="878267"/>
+          </a:xfrm>
+          <a:prstGeom prst="roundRect">
+            <a:avLst/>
+          </a:prstGeom>
+        </p:spPr>
+        <p:style>
+          <a:lnRef idx="2">
+            <a:schemeClr val="accent2">
+              <a:shade val="50000"/>
+            </a:schemeClr>
+          </a:lnRef>
+          <a:fillRef idx="1">
+            <a:schemeClr val="accent2"/>
+          </a:fillRef>
+          <a:effectRef idx="0">
+            <a:schemeClr val="accent2"/>
+          </a:effectRef>
+          <a:fontRef idx="minor">
+            <a:schemeClr val="lt1"/>
+          </a:fontRef>
+        </p:style>
+        <p:txBody>
+          <a:bodyPr rtlCol="0" anchor="ctr"/>
+          <a:lstStyle/>
+          <a:p>
+            <a:pPr algn="ctr"/>
+            <a:r>
+              <a:rPr lang="en-US" altLang="zh-CN" sz="1800" dirty="0"/>
+              <a:t>1×1</a:t>
+            </a:r>
+            <a:r>
+              <a:rPr lang="zh-CN" altLang="en-US" sz="1800" dirty="0"/>
+              <a:t>卷积</a:t>
+            </a:r>
+          </a:p>
+        </p:txBody>
+      </p:sp>
+      <p:grpSp>
+        <p:nvGrpSpPr>
+          <p:cNvPr id="48" name="组合 47">
+            <a:extLst>
+              <a:ext uri="{FF2B5EF4-FFF2-40B4-BE49-F238E27FC236}">
+                <a16:creationId xmlns:a16="http://schemas.microsoft.com/office/drawing/2014/main" id="{06EEA70A-0E84-4805-AB28-39AAE490066B}"/>
+              </a:ext>
+            </a:extLst>
+          </p:cNvPr>
+          <p:cNvGrpSpPr/>
+          <p:nvPr/>
+        </p:nvGrpSpPr>
+        <p:grpSpPr>
+          <a:xfrm>
+            <a:off x="17603651" y="214507"/>
+            <a:ext cx="1934722" cy="1800681"/>
+            <a:chOff x="12662770" y="1477729"/>
+            <a:chExt cx="1934722" cy="1800681"/>
+          </a:xfrm>
+        </p:grpSpPr>
+        <p:sp>
+          <p:nvSpPr>
+            <p:cNvPr id="49" name="平行四边形 48">
+              <a:extLst>
+                <a:ext uri="{FF2B5EF4-FFF2-40B4-BE49-F238E27FC236}">
+                  <a16:creationId xmlns:a16="http://schemas.microsoft.com/office/drawing/2014/main" id="{77D47763-E26F-478D-BC64-9CAC13C990E1}"/>
+                </a:ext>
+              </a:extLst>
+            </p:cNvPr>
+            <p:cNvSpPr/>
+            <p:nvPr/>
+          </p:nvSpPr>
+          <p:spPr>
+            <a:xfrm rot="5400000" flipV="1">
+              <a:off x="12520149" y="2589010"/>
+              <a:ext cx="1169999" cy="208801"/>
+            </a:xfrm>
+            <a:prstGeom prst="parallelogram">
+              <a:avLst>
+                <a:gd name="adj" fmla="val 52632"/>
+              </a:avLst>
+            </a:prstGeom>
+          </p:spPr>
+          <p:style>
+            <a:lnRef idx="2">
+              <a:schemeClr val="accent1">
+                <a:shade val="50000"/>
+              </a:schemeClr>
+            </a:lnRef>
+            <a:fillRef idx="1">
+              <a:schemeClr val="accent1"/>
+            </a:fillRef>
+            <a:effectRef idx="0">
+              <a:schemeClr val="accent1"/>
+            </a:effectRef>
+            <a:fontRef idx="minor">
+              <a:schemeClr val="lt1"/>
+            </a:fontRef>
+          </p:style>
+          <p:txBody>
+            <a:bodyPr rtlCol="0" anchor="ctr"/>
+            <a:lstStyle/>
+            <a:p>
+              <a:pPr algn="ctr"/>
+              <a:endParaRPr lang="zh-CN" altLang="en-US" dirty="0"/>
+            </a:p>
+          </p:txBody>
+        </p:sp>
+        <p:sp>
+          <p:nvSpPr>
+            <p:cNvPr id="50" name="文本框 49">
+              <a:extLst>
+                <a:ext uri="{FF2B5EF4-FFF2-40B4-BE49-F238E27FC236}">
+                  <a16:creationId xmlns:a16="http://schemas.microsoft.com/office/drawing/2014/main" id="{67C1FB0B-8EE6-4E76-84E5-E902E9DF989F}"/>
+                </a:ext>
+              </a:extLst>
+            </p:cNvPr>
+            <p:cNvSpPr txBox="1"/>
+            <p:nvPr/>
+          </p:nvSpPr>
+          <p:spPr>
+            <a:xfrm>
+              <a:off x="12662770" y="1477729"/>
+              <a:ext cx="1279315" cy="523220"/>
+            </a:xfrm>
+            <a:prstGeom prst="rect">
+              <a:avLst/>
+            </a:prstGeom>
+            <a:noFill/>
+          </p:spPr>
+          <p:txBody>
+            <a:bodyPr wrap="square" rtlCol="0">
+              <a:spAutoFit/>
+            </a:bodyPr>
+            <a:lstStyle/>
+            <a:p>
+              <a:r>
+                <a:rPr lang="en-US" altLang="zh-CN" sz="2800" dirty="0"/>
+                <a:t>W</a:t>
+              </a:r>
+              <a:r>
+                <a:rPr lang="zh-CN" altLang="en-US" sz="2800" dirty="0"/>
+                <a:t>：</a:t>
+              </a:r>
+              <a:r>
+                <a:rPr lang="en-US" altLang="zh-CN" sz="2800" dirty="0"/>
+                <a:t>78</a:t>
+              </a:r>
+              <a:endParaRPr lang="zh-CN" altLang="en-US" sz="2800" dirty="0"/>
+            </a:p>
+          </p:txBody>
+        </p:sp>
+        <p:sp>
+          <p:nvSpPr>
+            <p:cNvPr id="51" name="文本框 50">
+              <a:extLst>
+                <a:ext uri="{FF2B5EF4-FFF2-40B4-BE49-F238E27FC236}">
+                  <a16:creationId xmlns:a16="http://schemas.microsoft.com/office/drawing/2014/main" id="{7F7C591F-00E1-4218-AD24-DD6AFF6D907F}"/>
+                </a:ext>
+              </a:extLst>
+            </p:cNvPr>
+            <p:cNvSpPr txBox="1"/>
+            <p:nvPr/>
+          </p:nvSpPr>
+          <p:spPr>
+            <a:xfrm>
+              <a:off x="13318177" y="2246257"/>
+              <a:ext cx="1279315" cy="523220"/>
+            </a:xfrm>
+            <a:prstGeom prst="rect">
+              <a:avLst/>
+            </a:prstGeom>
+            <a:noFill/>
+          </p:spPr>
+          <p:txBody>
+            <a:bodyPr wrap="square" rtlCol="0">
+              <a:spAutoFit/>
+            </a:bodyPr>
+            <a:lstStyle/>
+            <a:p>
+              <a:r>
+                <a:rPr lang="en-US" altLang="zh-CN" sz="2800" dirty="0"/>
+                <a:t>H</a:t>
+              </a:r>
+              <a:r>
+                <a:rPr lang="zh-CN" altLang="en-US" sz="2800" dirty="0"/>
+                <a:t>：</a:t>
+              </a:r>
+              <a:r>
+                <a:rPr lang="en-US" altLang="zh-CN" sz="2800" dirty="0"/>
+                <a:t>50</a:t>
+              </a:r>
+              <a:endParaRPr lang="zh-CN" altLang="en-US" sz="2800" dirty="0"/>
+            </a:p>
+          </p:txBody>
+        </p:sp>
+      </p:grpSp>
+      <p:grpSp>
+        <p:nvGrpSpPr>
+          <p:cNvPr id="52" name="组合 51">
+            <a:extLst>
+              <a:ext uri="{FF2B5EF4-FFF2-40B4-BE49-F238E27FC236}">
+                <a16:creationId xmlns:a16="http://schemas.microsoft.com/office/drawing/2014/main" id="{215D09A6-03CE-4246-B1B8-20EF6206AB6B}"/>
+              </a:ext>
+            </a:extLst>
+          </p:cNvPr>
+          <p:cNvGrpSpPr/>
+          <p:nvPr/>
+        </p:nvGrpSpPr>
+        <p:grpSpPr>
+          <a:xfrm>
+            <a:off x="17579852" y="3284443"/>
+            <a:ext cx="1934722" cy="1800681"/>
+            <a:chOff x="12662770" y="1477729"/>
+            <a:chExt cx="1934722" cy="1800681"/>
+          </a:xfrm>
+        </p:grpSpPr>
+        <p:sp>
+          <p:nvSpPr>
+            <p:cNvPr id="53" name="平行四边形 52">
+              <a:extLst>
+                <a:ext uri="{FF2B5EF4-FFF2-40B4-BE49-F238E27FC236}">
+                  <a16:creationId xmlns:a16="http://schemas.microsoft.com/office/drawing/2014/main" id="{D0804C56-984A-4C81-AF98-F11A5C7391FA}"/>
+                </a:ext>
+              </a:extLst>
+            </p:cNvPr>
+            <p:cNvSpPr/>
+            <p:nvPr/>
+          </p:nvSpPr>
+          <p:spPr>
+            <a:xfrm rot="5400000" flipV="1">
+              <a:off x="12520149" y="2589010"/>
+              <a:ext cx="1169999" cy="208801"/>
+            </a:xfrm>
+            <a:prstGeom prst="parallelogram">
+              <a:avLst>
+                <a:gd name="adj" fmla="val 52632"/>
+              </a:avLst>
+            </a:prstGeom>
+          </p:spPr>
+          <p:style>
+            <a:lnRef idx="2">
+              <a:schemeClr val="accent1">
+                <a:shade val="50000"/>
+              </a:schemeClr>
+            </a:lnRef>
+            <a:fillRef idx="1">
+              <a:schemeClr val="accent1"/>
+            </a:fillRef>
+            <a:effectRef idx="0">
+              <a:schemeClr val="accent1"/>
+            </a:effectRef>
+            <a:fontRef idx="minor">
+              <a:schemeClr val="lt1"/>
+            </a:fontRef>
+          </p:style>
+          <p:txBody>
+            <a:bodyPr rtlCol="0" anchor="ctr"/>
+            <a:lstStyle/>
+            <a:p>
+              <a:pPr algn="ctr"/>
+              <a:endParaRPr lang="zh-CN" altLang="en-US" dirty="0"/>
+            </a:p>
+          </p:txBody>
+        </p:sp>
+        <p:sp>
+          <p:nvSpPr>
+            <p:cNvPr id="54" name="文本框 53">
+              <a:extLst>
+                <a:ext uri="{FF2B5EF4-FFF2-40B4-BE49-F238E27FC236}">
+                  <a16:creationId xmlns:a16="http://schemas.microsoft.com/office/drawing/2014/main" id="{08FAF5C8-C54E-4F46-AF37-DD7DA0CE10BE}"/>
+                </a:ext>
+              </a:extLst>
+            </p:cNvPr>
+            <p:cNvSpPr txBox="1"/>
+            <p:nvPr/>
+          </p:nvSpPr>
+          <p:spPr>
+            <a:xfrm>
+              <a:off x="12662770" y="1477729"/>
+              <a:ext cx="1279315" cy="523220"/>
+            </a:xfrm>
+            <a:prstGeom prst="rect">
+              <a:avLst/>
+            </a:prstGeom>
+            <a:noFill/>
+          </p:spPr>
+          <p:txBody>
+            <a:bodyPr wrap="square" rtlCol="0">
+              <a:spAutoFit/>
+            </a:bodyPr>
+            <a:lstStyle/>
+            <a:p>
+              <a:r>
+                <a:rPr lang="en-US" altLang="zh-CN" sz="2800" dirty="0"/>
+                <a:t>W</a:t>
+              </a:r>
+              <a:r>
+                <a:rPr lang="zh-CN" altLang="en-US" sz="2800" dirty="0"/>
+                <a:t>：</a:t>
+              </a:r>
+              <a:r>
+                <a:rPr lang="en-US" altLang="zh-CN" sz="2800" dirty="0"/>
+                <a:t>78</a:t>
+              </a:r>
+              <a:endParaRPr lang="zh-CN" altLang="en-US" sz="2800" dirty="0"/>
+            </a:p>
+          </p:txBody>
+        </p:sp>
+        <p:sp>
+          <p:nvSpPr>
+            <p:cNvPr id="55" name="文本框 54">
+              <a:extLst>
+                <a:ext uri="{FF2B5EF4-FFF2-40B4-BE49-F238E27FC236}">
+                  <a16:creationId xmlns:a16="http://schemas.microsoft.com/office/drawing/2014/main" id="{5514D7FE-1F9D-4F5E-BA82-26255727230C}"/>
+                </a:ext>
+              </a:extLst>
+            </p:cNvPr>
+            <p:cNvSpPr txBox="1"/>
+            <p:nvPr/>
+          </p:nvSpPr>
+          <p:spPr>
+            <a:xfrm>
+              <a:off x="13318177" y="2246257"/>
+              <a:ext cx="1279315" cy="523220"/>
+            </a:xfrm>
+            <a:prstGeom prst="rect">
+              <a:avLst/>
+            </a:prstGeom>
+            <a:noFill/>
+          </p:spPr>
+          <p:txBody>
+            <a:bodyPr wrap="square" rtlCol="0">
+              <a:spAutoFit/>
+            </a:bodyPr>
+            <a:lstStyle/>
+            <a:p>
+              <a:r>
+                <a:rPr lang="en-US" altLang="zh-CN" sz="2800" dirty="0"/>
+                <a:t>H</a:t>
+              </a:r>
+              <a:r>
+                <a:rPr lang="zh-CN" altLang="en-US" sz="2800" dirty="0"/>
+                <a:t>：</a:t>
+              </a:r>
+              <a:r>
+                <a:rPr lang="en-US" altLang="zh-CN" sz="2800" dirty="0"/>
+                <a:t>50</a:t>
+              </a:r>
+              <a:endParaRPr lang="zh-CN" altLang="en-US" sz="2800" dirty="0"/>
+            </a:p>
+          </p:txBody>
+        </p:sp>
+      </p:grpSp>
+      <p:sp>
+        <p:nvSpPr>
+          <p:cNvPr id="56" name="文本框 55">
+            <a:extLst>
+              <a:ext uri="{FF2B5EF4-FFF2-40B4-BE49-F238E27FC236}">
+                <a16:creationId xmlns:a16="http://schemas.microsoft.com/office/drawing/2014/main" id="{D73E5B9D-5026-46F2-81DD-D1ACDF936516}"/>
+              </a:ext>
+            </a:extLst>
+          </p:cNvPr>
+          <p:cNvSpPr txBox="1"/>
+          <p:nvPr/>
+        </p:nvSpPr>
+        <p:spPr>
+          <a:xfrm>
+            <a:off x="17120744" y="2035583"/>
+            <a:ext cx="2175441" cy="523220"/>
+          </a:xfrm>
+          <a:prstGeom prst="rect">
+            <a:avLst/>
+          </a:prstGeom>
+          <a:noFill/>
+        </p:spPr>
+        <p:txBody>
+          <a:bodyPr wrap="square" rtlCol="0">
+            <a:spAutoFit/>
+          </a:bodyPr>
+          <a:lstStyle/>
+          <a:p>
+            <a:r>
+              <a:rPr lang="en-US" altLang="zh-CN" sz="2800" dirty="0"/>
+              <a:t>(1,9x2,W,H)</a:t>
+            </a:r>
+            <a:endParaRPr lang="zh-CN" altLang="en-US" sz="2800" dirty="0"/>
+          </a:p>
+        </p:txBody>
+      </p:sp>
+      <p:sp>
+        <p:nvSpPr>
+          <p:cNvPr id="57" name="文本框 56">
+            <a:extLst>
+              <a:ext uri="{FF2B5EF4-FFF2-40B4-BE49-F238E27FC236}">
+                <a16:creationId xmlns:a16="http://schemas.microsoft.com/office/drawing/2014/main" id="{7B430950-0130-4C58-A812-25E3D5D94D92}"/>
+              </a:ext>
+            </a:extLst>
+          </p:cNvPr>
+          <p:cNvSpPr txBox="1"/>
+          <p:nvPr/>
+        </p:nvSpPr>
+        <p:spPr>
+          <a:xfrm>
+            <a:off x="17120744" y="5162068"/>
+            <a:ext cx="2175441" cy="523220"/>
+          </a:xfrm>
+          <a:prstGeom prst="rect">
+            <a:avLst/>
+          </a:prstGeom>
+          <a:noFill/>
+        </p:spPr>
+        <p:txBody>
+          <a:bodyPr wrap="square" rtlCol="0">
+            <a:spAutoFit/>
+          </a:bodyPr>
+          <a:lstStyle/>
+          <a:p>
+            <a:r>
+              <a:rPr lang="en-US" altLang="zh-CN" sz="2800" dirty="0"/>
+              <a:t>(1,9x4,W,H)</a:t>
+            </a:r>
+            <a:endParaRPr lang="zh-CN" altLang="en-US" sz="2800" dirty="0"/>
+          </a:p>
+        </p:txBody>
+      </p:sp>
+      <p:pic>
+        <p:nvPicPr>
+          <p:cNvPr id="59" name="图片 58">
+            <a:extLst>
+              <a:ext uri="{FF2B5EF4-FFF2-40B4-BE49-F238E27FC236}">
+                <a16:creationId xmlns:a16="http://schemas.microsoft.com/office/drawing/2014/main" id="{CC39AE29-40BB-4710-B46D-78FFE7922E6F}"/>
+              </a:ext>
+            </a:extLst>
+          </p:cNvPr>
+          <p:cNvPicPr>
+            <a:picLocks noChangeAspect="1"/>
+          </p:cNvPicPr>
+          <p:nvPr/>
+        </p:nvPicPr>
+        <p:blipFill rotWithShape="1">
+          <a:blip r:embed="rId2"/>
+          <a:srcRect b="50000"/>
+          <a:stretch/>
+        </p:blipFill>
+        <p:spPr>
+          <a:xfrm>
+            <a:off x="19469534" y="869761"/>
+            <a:ext cx="5346287" cy="1238650"/>
+          </a:xfrm>
+          <a:prstGeom prst="rect">
+            <a:avLst/>
+          </a:prstGeom>
+        </p:spPr>
+      </p:pic>
+      <p:pic>
+        <p:nvPicPr>
+          <p:cNvPr id="61" name="图片 60">
+            <a:extLst>
+              <a:ext uri="{FF2B5EF4-FFF2-40B4-BE49-F238E27FC236}">
+                <a16:creationId xmlns:a16="http://schemas.microsoft.com/office/drawing/2014/main" id="{4B066433-CCF3-4D56-95D5-C8AF39CABC0F}"/>
+              </a:ext>
+            </a:extLst>
+          </p:cNvPr>
+          <p:cNvPicPr>
+            <a:picLocks noChangeAspect="1"/>
+          </p:cNvPicPr>
+          <p:nvPr/>
+        </p:nvPicPr>
+        <p:blipFill rotWithShape="1">
+          <a:blip r:embed="rId2"/>
+          <a:srcRect t="51062"/>
+          <a:stretch/>
+        </p:blipFill>
+        <p:spPr>
+          <a:xfrm>
+            <a:off x="19469533" y="3634449"/>
+            <a:ext cx="5346287" cy="1212341"/>
+          </a:xfrm>
+          <a:prstGeom prst="rect">
+            <a:avLst/>
+          </a:prstGeom>
+        </p:spPr>
+      </p:pic>
+    </p:spTree>
+    <p:extLst>
+      <p:ext uri="{BB962C8B-B14F-4D97-AF65-F5344CB8AC3E}">
+        <p14:creationId xmlns:p14="http://schemas.microsoft.com/office/powerpoint/2010/main" val="1331497462"/>
+      </p:ext>
+    </p:extLst>
+  </p:cSld>
+  <p:clrMapOvr>
+    <a:masterClrMapping/>
+  </p:clrMapOvr>
+</p:sld>
+</file>
+
+<file path=ppt/slides/slide3.xml><?xml version="1.0" encoding="utf-8"?>
+<p:sld xmlns:a="http://schemas.openxmlformats.org/drawingml/2006/main" xmlns:r="http://schemas.openxmlformats.org/officeDocument/2006/relationships" xmlns:p="http://schemas.openxmlformats.org/presentationml/2006/main">
+  <p:cSld>
+    <p:spTree>
+      <p:nvGrpSpPr>
+        <p:cNvPr id="1" name=""/>
+        <p:cNvGrpSpPr/>
+        <p:nvPr/>
+      </p:nvGrpSpPr>
+      <p:grpSpPr>
+        <a:xfrm>
+          <a:off x="0" y="0"/>
+          <a:ext cx="0" cy="0"/>
+          <a:chOff x="0" y="0"/>
+          <a:chExt cx="0" cy="0"/>
+        </a:xfrm>
+      </p:grpSpPr>
+      <p:sp>
+        <p:nvSpPr>
+          <p:cNvPr id="18" name="平行四边形 17">
+            <a:extLst>
+              <a:ext uri="{FF2B5EF4-FFF2-40B4-BE49-F238E27FC236}">
+                <a16:creationId xmlns:a16="http://schemas.microsoft.com/office/drawing/2014/main" id="{6CDE493D-CDD9-47F3-903D-C467506B7BDC}"/>
+              </a:ext>
+            </a:extLst>
+          </p:cNvPr>
+          <p:cNvSpPr/>
+          <p:nvPr/>
+        </p:nvSpPr>
+        <p:spPr>
+          <a:xfrm rot="5400000" flipV="1">
+            <a:off x="4061130" y="2904421"/>
+            <a:ext cx="1169999" cy="208801"/>
+          </a:xfrm>
+          <a:prstGeom prst="parallelogram">
+            <a:avLst>
+              <a:gd name="adj" fmla="val 52632"/>
+            </a:avLst>
+          </a:prstGeom>
+        </p:spPr>
+        <p:style>
+          <a:lnRef idx="2">
+            <a:schemeClr val="accent1">
+              <a:shade val="50000"/>
+            </a:schemeClr>
+          </a:lnRef>
+          <a:fillRef idx="1">
+            <a:schemeClr val="accent1"/>
+          </a:fillRef>
+          <a:effectRef idx="0">
+            <a:schemeClr val="accent1"/>
+          </a:effectRef>
+          <a:fontRef idx="minor">
+            <a:schemeClr val="lt1"/>
+          </a:fontRef>
+        </p:style>
+        <p:txBody>
+          <a:bodyPr rtlCol="0" anchor="ctr"/>
+          <a:lstStyle/>
+          <a:p>
+            <a:pPr algn="ctr"/>
+            <a:endParaRPr lang="zh-CN" altLang="en-US" dirty="0"/>
+          </a:p>
+        </p:txBody>
+      </p:sp>
+      <p:sp>
+        <p:nvSpPr>
+          <p:cNvPr id="19" name="文本框 18">
+            <a:extLst>
+              <a:ext uri="{FF2B5EF4-FFF2-40B4-BE49-F238E27FC236}">
+                <a16:creationId xmlns:a16="http://schemas.microsoft.com/office/drawing/2014/main" id="{1FF5850B-E034-4350-8CEB-DFB3C3E30274}"/>
+              </a:ext>
+            </a:extLst>
+          </p:cNvPr>
+          <p:cNvSpPr txBox="1"/>
+          <p:nvPr/>
+        </p:nvSpPr>
+        <p:spPr>
+          <a:xfrm>
+            <a:off x="4203751" y="1793140"/>
+            <a:ext cx="1279315" cy="523220"/>
+          </a:xfrm>
+          <a:prstGeom prst="rect">
+            <a:avLst/>
+          </a:prstGeom>
+          <a:noFill/>
+        </p:spPr>
+        <p:txBody>
+          <a:bodyPr wrap="square" rtlCol="0">
+            <a:spAutoFit/>
+          </a:bodyPr>
+          <a:lstStyle/>
+          <a:p>
+            <a:r>
+              <a:rPr lang="en-US" altLang="zh-CN" sz="2800" dirty="0"/>
+              <a:t>W</a:t>
+            </a:r>
+            <a:r>
+              <a:rPr lang="zh-CN" altLang="en-US" sz="2800" dirty="0"/>
+              <a:t>：</a:t>
+            </a:r>
+            <a:r>
+              <a:rPr lang="en-US" altLang="zh-CN" sz="2800" dirty="0"/>
+              <a:t>78</a:t>
+            </a:r>
+            <a:endParaRPr lang="zh-CN" altLang="en-US" sz="2800" dirty="0"/>
+          </a:p>
+        </p:txBody>
+      </p:sp>
+      <p:sp>
+        <p:nvSpPr>
+          <p:cNvPr id="20" name="文本框 19">
+            <a:extLst>
+              <a:ext uri="{FF2B5EF4-FFF2-40B4-BE49-F238E27FC236}">
+                <a16:creationId xmlns:a16="http://schemas.microsoft.com/office/drawing/2014/main" id="{EA2246C5-243C-4C6F-936E-77EB62CD46C0}"/>
+              </a:ext>
+            </a:extLst>
+          </p:cNvPr>
+          <p:cNvSpPr txBox="1"/>
+          <p:nvPr/>
+        </p:nvSpPr>
+        <p:spPr>
+          <a:xfrm>
+            <a:off x="4840112" y="2545059"/>
+            <a:ext cx="1279315" cy="523220"/>
+          </a:xfrm>
+          <a:prstGeom prst="rect">
+            <a:avLst/>
+          </a:prstGeom>
+          <a:noFill/>
+        </p:spPr>
+        <p:txBody>
+          <a:bodyPr wrap="square" rtlCol="0">
+            <a:spAutoFit/>
+          </a:bodyPr>
+          <a:lstStyle/>
+          <a:p>
+            <a:r>
+              <a:rPr lang="en-US" altLang="zh-CN" sz="2800" dirty="0"/>
+              <a:t>H</a:t>
+            </a:r>
+            <a:r>
+              <a:rPr lang="zh-CN" altLang="en-US" sz="2800" dirty="0"/>
+              <a:t>：</a:t>
+            </a:r>
+            <a:r>
+              <a:rPr lang="en-US" altLang="zh-CN" sz="2800" dirty="0"/>
+              <a:t>50</a:t>
+            </a:r>
+            <a:endParaRPr lang="zh-CN" altLang="en-US" sz="2800" dirty="0"/>
+          </a:p>
+        </p:txBody>
+      </p:sp>
+      <p:sp>
+        <p:nvSpPr>
+          <p:cNvPr id="24" name="文本框 23">
+            <a:extLst>
+              <a:ext uri="{FF2B5EF4-FFF2-40B4-BE49-F238E27FC236}">
+                <a16:creationId xmlns:a16="http://schemas.microsoft.com/office/drawing/2014/main" id="{6D40B077-5EB0-4CE0-8036-8B3A96BEB2E5}"/>
+              </a:ext>
+            </a:extLst>
+          </p:cNvPr>
+          <p:cNvSpPr txBox="1"/>
+          <p:nvPr/>
+        </p:nvSpPr>
+        <p:spPr>
+          <a:xfrm>
+            <a:off x="3755687" y="3842251"/>
+            <a:ext cx="2175441" cy="523220"/>
+          </a:xfrm>
+          <a:prstGeom prst="rect">
+            <a:avLst/>
+          </a:prstGeom>
+          <a:noFill/>
+        </p:spPr>
+        <p:txBody>
+          <a:bodyPr wrap="square" rtlCol="0">
+            <a:spAutoFit/>
+          </a:bodyPr>
+          <a:lstStyle/>
+          <a:p>
+            <a:r>
+              <a:rPr lang="en-US" altLang="zh-CN" sz="2800" dirty="0"/>
+              <a:t>(1,512,W,H)</a:t>
+            </a:r>
+            <a:endParaRPr lang="zh-CN" altLang="en-US" sz="2800" dirty="0"/>
+          </a:p>
+        </p:txBody>
+      </p:sp>
+      <p:cxnSp>
+        <p:nvCxnSpPr>
+          <p:cNvPr id="27" name="直接箭头连接符 26">
+            <a:extLst>
+              <a:ext uri="{FF2B5EF4-FFF2-40B4-BE49-F238E27FC236}">
+                <a16:creationId xmlns:a16="http://schemas.microsoft.com/office/drawing/2014/main" id="{B07803D1-36A0-4ED6-AA24-3C84BD0BCE54}"/>
+              </a:ext>
+            </a:extLst>
+          </p:cNvPr>
+          <p:cNvCxnSpPr>
+            <a:cxnSpLocks/>
+          </p:cNvCxnSpPr>
+          <p:nvPr/>
+        </p:nvCxnSpPr>
+        <p:spPr>
+          <a:xfrm>
+            <a:off x="5062927" y="3242011"/>
+            <a:ext cx="840278" cy="0"/>
+          </a:xfrm>
+          <a:prstGeom prst="straightConnector1">
+            <a:avLst/>
+          </a:prstGeom>
+          <a:ln w="63500">
+            <a:tailEnd type="triangle"/>
+          </a:ln>
+        </p:spPr>
+        <p:style>
+          <a:lnRef idx="1">
+            <a:schemeClr val="accent1"/>
+          </a:lnRef>
+          <a:fillRef idx="0">
+            <a:schemeClr val="accent1"/>
+          </a:fillRef>
+          <a:effectRef idx="0">
+            <a:schemeClr val="accent1"/>
+          </a:effectRef>
+          <a:fontRef idx="minor">
+            <a:schemeClr val="tx1"/>
+          </a:fontRef>
+        </p:style>
+      </p:cxnSp>
+      <p:sp>
+        <p:nvSpPr>
+          <p:cNvPr id="28" name="矩形: 圆角 27">
+            <a:extLst>
+              <a:ext uri="{FF2B5EF4-FFF2-40B4-BE49-F238E27FC236}">
+                <a16:creationId xmlns:a16="http://schemas.microsoft.com/office/drawing/2014/main" id="{C7A4A87B-61E2-4427-B20D-B63C53E0BF58}"/>
+              </a:ext>
+            </a:extLst>
+          </p:cNvPr>
+          <p:cNvSpPr/>
+          <p:nvPr/>
+        </p:nvSpPr>
+        <p:spPr>
+          <a:xfrm>
+            <a:off x="6141043" y="2908140"/>
+            <a:ext cx="2025569" cy="1041720"/>
+          </a:xfrm>
+          <a:prstGeom prst="roundRect">
+            <a:avLst/>
+          </a:prstGeom>
+          <a:solidFill>
+            <a:schemeClr val="accent6">
+              <a:lumMod val="60000"/>
+              <a:lumOff val="40000"/>
+            </a:schemeClr>
+          </a:solidFill>
+        </p:spPr>
+        <p:style>
+          <a:lnRef idx="1">
+            <a:schemeClr val="accent6"/>
+          </a:lnRef>
+          <a:fillRef idx="2">
+            <a:schemeClr val="accent6"/>
+          </a:fillRef>
+          <a:effectRef idx="1">
+            <a:schemeClr val="accent6"/>
+          </a:effectRef>
+          <a:fontRef idx="minor">
+            <a:schemeClr val="dk1"/>
+          </a:fontRef>
+        </p:style>
+        <p:txBody>
+          <a:bodyPr rtlCol="0" anchor="ctr"/>
+          <a:lstStyle/>
+          <a:p>
+            <a:pPr algn="ctr"/>
+            <a:r>
+              <a:rPr lang="en-US" altLang="zh-CN" sz="2000" dirty="0"/>
+              <a:t>3×3</a:t>
+            </a:r>
+            <a:r>
+              <a:rPr lang="zh-CN" altLang="en-US" sz="2000" dirty="0"/>
+              <a:t>卷积</a:t>
+            </a:r>
+          </a:p>
+        </p:txBody>
+      </p:sp>
+      <p:sp>
+        <p:nvSpPr>
+          <p:cNvPr id="29" name="文本框 28">
+            <a:extLst>
+              <a:ext uri="{FF2B5EF4-FFF2-40B4-BE49-F238E27FC236}">
+                <a16:creationId xmlns:a16="http://schemas.microsoft.com/office/drawing/2014/main" id="{428F8B8C-B8B4-4355-BCD9-2B9B0EB9AFF8}"/>
+              </a:ext>
+            </a:extLst>
+          </p:cNvPr>
+          <p:cNvSpPr txBox="1"/>
+          <p:nvPr/>
+        </p:nvSpPr>
+        <p:spPr>
+          <a:xfrm>
+            <a:off x="5179339" y="4464683"/>
+            <a:ext cx="3948975" cy="923330"/>
+          </a:xfrm>
+          <a:prstGeom prst="rect">
+            <a:avLst/>
+          </a:prstGeom>
+          <a:noFill/>
+        </p:spPr>
+        <p:txBody>
+          <a:bodyPr wrap="square" rtlCol="0">
+            <a:spAutoFit/>
+          </a:bodyPr>
+          <a:lstStyle/>
+          <a:p>
+            <a:pPr algn="ctr"/>
+            <a:r>
+              <a:rPr lang="zh-CN" altLang="en-US" dirty="0"/>
+              <a:t>进一步提取特征</a:t>
+            </a:r>
+            <a:endParaRPr lang="en-US" altLang="zh-CN" sz="1800" dirty="0"/>
+          </a:p>
+          <a:p>
+            <a:pPr algn="ctr"/>
+            <a:r>
+              <a:rPr lang="en-US" altLang="zh-CN" sz="1800" dirty="0"/>
+              <a:t>padding=1</a:t>
+            </a:r>
+            <a:r>
+              <a:rPr lang="zh-CN" altLang="en-US" sz="1800" dirty="0"/>
+              <a:t>，</a:t>
+            </a:r>
+            <a:r>
+              <a:rPr lang="en-US" altLang="zh-CN" sz="1800" dirty="0"/>
+              <a:t>stride=1,</a:t>
+            </a:r>
+          </a:p>
+          <a:p>
+            <a:pPr algn="ctr"/>
+            <a:r>
+              <a:rPr lang="zh-CN" altLang="en-US" sz="1800" dirty="0"/>
+              <a:t>保证输入输出通道数相同</a:t>
+            </a:r>
+            <a:endParaRPr lang="zh-CN" altLang="en-US" dirty="0"/>
+          </a:p>
+        </p:txBody>
+      </p:sp>
+      <p:grpSp>
+        <p:nvGrpSpPr>
+          <p:cNvPr id="47" name="组合 46">
+            <a:extLst>
+              <a:ext uri="{FF2B5EF4-FFF2-40B4-BE49-F238E27FC236}">
+                <a16:creationId xmlns:a16="http://schemas.microsoft.com/office/drawing/2014/main" id="{F37EF498-FD7C-4855-8422-D97311BF5FB1}"/>
+              </a:ext>
+            </a:extLst>
+          </p:cNvPr>
+          <p:cNvGrpSpPr/>
+          <p:nvPr/>
+        </p:nvGrpSpPr>
+        <p:grpSpPr>
+          <a:xfrm>
+            <a:off x="9324147" y="1793140"/>
+            <a:ext cx="1934722" cy="1800681"/>
+            <a:chOff x="12662770" y="1477729"/>
+            <a:chExt cx="1934722" cy="1800681"/>
+          </a:xfrm>
+        </p:grpSpPr>
+        <p:sp>
+          <p:nvSpPr>
+            <p:cNvPr id="34" name="平行四边形 33">
+              <a:extLst>
+                <a:ext uri="{FF2B5EF4-FFF2-40B4-BE49-F238E27FC236}">
+                  <a16:creationId xmlns:a16="http://schemas.microsoft.com/office/drawing/2014/main" id="{B33D24CC-9B67-4864-9B04-A925338FA9FA}"/>
+                </a:ext>
+              </a:extLst>
+            </p:cNvPr>
+            <p:cNvSpPr/>
+            <p:nvPr/>
+          </p:nvSpPr>
+          <p:spPr>
+            <a:xfrm rot="5400000" flipV="1">
+              <a:off x="12520149" y="2589010"/>
+              <a:ext cx="1169999" cy="208801"/>
+            </a:xfrm>
+            <a:prstGeom prst="parallelogram">
+              <a:avLst>
+                <a:gd name="adj" fmla="val 52632"/>
+              </a:avLst>
+            </a:prstGeom>
+          </p:spPr>
+          <p:style>
+            <a:lnRef idx="2">
+              <a:schemeClr val="accent1">
+                <a:shade val="50000"/>
+              </a:schemeClr>
+            </a:lnRef>
+            <a:fillRef idx="1">
+              <a:schemeClr val="accent1"/>
+            </a:fillRef>
+            <a:effectRef idx="0">
+              <a:schemeClr val="accent1"/>
+            </a:effectRef>
+            <a:fontRef idx="minor">
+              <a:schemeClr val="lt1"/>
+            </a:fontRef>
+          </p:style>
+          <p:txBody>
+            <a:bodyPr rtlCol="0" anchor="ctr"/>
+            <a:lstStyle/>
+            <a:p>
+              <a:pPr algn="ctr"/>
+              <a:endParaRPr lang="zh-CN" altLang="en-US" dirty="0"/>
+            </a:p>
+          </p:txBody>
+        </p:sp>
+        <p:sp>
+          <p:nvSpPr>
+            <p:cNvPr id="35" name="文本框 34">
+              <a:extLst>
+                <a:ext uri="{FF2B5EF4-FFF2-40B4-BE49-F238E27FC236}">
+                  <a16:creationId xmlns:a16="http://schemas.microsoft.com/office/drawing/2014/main" id="{827070B4-6D5A-452F-90BD-684BDAC9D17F}"/>
+                </a:ext>
+              </a:extLst>
+            </p:cNvPr>
+            <p:cNvSpPr txBox="1"/>
+            <p:nvPr/>
+          </p:nvSpPr>
+          <p:spPr>
+            <a:xfrm>
+              <a:off x="12662770" y="1477729"/>
+              <a:ext cx="1279315" cy="523220"/>
+            </a:xfrm>
+            <a:prstGeom prst="rect">
+              <a:avLst/>
+            </a:prstGeom>
+            <a:noFill/>
+          </p:spPr>
+          <p:txBody>
+            <a:bodyPr wrap="square" rtlCol="0">
+              <a:spAutoFit/>
+            </a:bodyPr>
+            <a:lstStyle/>
+            <a:p>
+              <a:r>
+                <a:rPr lang="en-US" altLang="zh-CN" sz="2800" dirty="0"/>
+                <a:t>W</a:t>
+              </a:r>
+              <a:r>
+                <a:rPr lang="zh-CN" altLang="en-US" sz="2800" dirty="0"/>
+                <a:t>：</a:t>
+              </a:r>
+              <a:r>
+                <a:rPr lang="en-US" altLang="zh-CN" sz="2800" dirty="0"/>
+                <a:t>78</a:t>
+              </a:r>
+              <a:endParaRPr lang="zh-CN" altLang="en-US" sz="2800" dirty="0"/>
+            </a:p>
+          </p:txBody>
+        </p:sp>
+        <p:sp>
+          <p:nvSpPr>
+            <p:cNvPr id="36" name="文本框 35">
+              <a:extLst>
+                <a:ext uri="{FF2B5EF4-FFF2-40B4-BE49-F238E27FC236}">
+                  <a16:creationId xmlns:a16="http://schemas.microsoft.com/office/drawing/2014/main" id="{F30D8EB9-5A46-47E5-9D7B-338C5822C31D}"/>
+                </a:ext>
+              </a:extLst>
+            </p:cNvPr>
+            <p:cNvSpPr txBox="1"/>
+            <p:nvPr/>
+          </p:nvSpPr>
+          <p:spPr>
+            <a:xfrm>
+              <a:off x="13318177" y="2246257"/>
+              <a:ext cx="1279315" cy="523220"/>
+            </a:xfrm>
+            <a:prstGeom prst="rect">
+              <a:avLst/>
+            </a:prstGeom>
+            <a:noFill/>
+          </p:spPr>
+          <p:txBody>
+            <a:bodyPr wrap="square" rtlCol="0">
+              <a:spAutoFit/>
+            </a:bodyPr>
+            <a:lstStyle/>
+            <a:p>
+              <a:r>
+                <a:rPr lang="en-US" altLang="zh-CN" sz="2800" dirty="0"/>
+                <a:t>H</a:t>
+              </a:r>
+              <a:r>
+                <a:rPr lang="zh-CN" altLang="en-US" sz="2800" dirty="0"/>
+                <a:t>：</a:t>
+              </a:r>
+              <a:r>
+                <a:rPr lang="en-US" altLang="zh-CN" sz="2800" dirty="0"/>
+                <a:t>50</a:t>
+              </a:r>
+              <a:endParaRPr lang="zh-CN" altLang="en-US" sz="2800" dirty="0"/>
+            </a:p>
+          </p:txBody>
+        </p:sp>
+      </p:grpSp>
+      <p:sp>
+        <p:nvSpPr>
+          <p:cNvPr id="37" name="文本框 36">
+            <a:extLst>
+              <a:ext uri="{FF2B5EF4-FFF2-40B4-BE49-F238E27FC236}">
+                <a16:creationId xmlns:a16="http://schemas.microsoft.com/office/drawing/2014/main" id="{29FA1078-B265-4225-BD47-68DE6B494BCF}"/>
+              </a:ext>
+            </a:extLst>
+          </p:cNvPr>
+          <p:cNvSpPr txBox="1"/>
+          <p:nvPr/>
+        </p:nvSpPr>
+        <p:spPr>
+          <a:xfrm>
+            <a:off x="8876083" y="3842251"/>
+            <a:ext cx="2175441" cy="523220"/>
+          </a:xfrm>
+          <a:prstGeom prst="rect">
+            <a:avLst/>
+          </a:prstGeom>
+          <a:noFill/>
+        </p:spPr>
+        <p:txBody>
+          <a:bodyPr wrap="square" rtlCol="0">
+            <a:spAutoFit/>
+          </a:bodyPr>
+          <a:lstStyle/>
+          <a:p>
+            <a:r>
+              <a:rPr lang="en-US" altLang="zh-CN" sz="2800" dirty="0"/>
+              <a:t>(1,512,W,H)</a:t>
+            </a:r>
+            <a:endParaRPr lang="zh-CN" altLang="en-US" sz="2800" dirty="0"/>
+          </a:p>
+        </p:txBody>
+      </p:sp>
+      <p:cxnSp>
+        <p:nvCxnSpPr>
+          <p:cNvPr id="38" name="直接箭头连接符 37">
+            <a:extLst>
+              <a:ext uri="{FF2B5EF4-FFF2-40B4-BE49-F238E27FC236}">
+                <a16:creationId xmlns:a16="http://schemas.microsoft.com/office/drawing/2014/main" id="{62B6C41A-2E76-4BA8-A69D-C766819835C5}"/>
+              </a:ext>
+            </a:extLst>
+          </p:cNvPr>
+          <p:cNvCxnSpPr>
+            <a:cxnSpLocks/>
+          </p:cNvCxnSpPr>
+          <p:nvPr/>
+        </p:nvCxnSpPr>
+        <p:spPr>
+          <a:xfrm>
+            <a:off x="8400123" y="3236931"/>
+            <a:ext cx="840278" cy="0"/>
+          </a:xfrm>
+          <a:prstGeom prst="straightConnector1">
+            <a:avLst/>
+          </a:prstGeom>
+          <a:ln w="63500">
+            <a:tailEnd type="triangle"/>
+          </a:ln>
+        </p:spPr>
+        <p:style>
+          <a:lnRef idx="1">
+            <a:schemeClr val="accent1"/>
+          </a:lnRef>
+          <a:fillRef idx="0">
+            <a:schemeClr val="accent1"/>
+          </a:fillRef>
+          <a:effectRef idx="0">
+            <a:schemeClr val="accent1"/>
+          </a:effectRef>
+          <a:fontRef idx="minor">
+            <a:schemeClr val="tx1"/>
+          </a:fontRef>
+        </p:style>
+      </p:cxnSp>
+      <p:sp>
+        <p:nvSpPr>
+          <p:cNvPr id="44" name="左大括号 43">
+            <a:extLst>
+              <a:ext uri="{FF2B5EF4-FFF2-40B4-BE49-F238E27FC236}">
+                <a16:creationId xmlns:a16="http://schemas.microsoft.com/office/drawing/2014/main" id="{C9D55D98-2CF4-45A8-B3DB-186949F21BA6}"/>
+              </a:ext>
+            </a:extLst>
+          </p:cNvPr>
+          <p:cNvSpPr/>
+          <p:nvPr/>
+        </p:nvSpPr>
+        <p:spPr>
+          <a:xfrm>
+            <a:off x="11079354" y="1577765"/>
+            <a:ext cx="208802" cy="3289937"/>
+          </a:xfrm>
+          <a:prstGeom prst="leftBrace">
+            <a:avLst>
+              <a:gd name="adj1" fmla="val 47688"/>
+              <a:gd name="adj2" fmla="val 50000"/>
+            </a:avLst>
+          </a:prstGeom>
+          <a:ln w="63500"/>
+        </p:spPr>
+        <p:style>
+          <a:lnRef idx="1">
+            <a:schemeClr val="accent1"/>
+          </a:lnRef>
+          <a:fillRef idx="0">
+            <a:schemeClr val="accent1"/>
+          </a:fillRef>
+          <a:effectRef idx="0">
+            <a:schemeClr val="accent1"/>
+          </a:effectRef>
+          <a:fontRef idx="minor">
+            <a:schemeClr val="tx1"/>
+          </a:fontRef>
+        </p:style>
+        <p:txBody>
+          <a:bodyPr rtlCol="0" anchor="ctr"/>
+          <a:lstStyle/>
+          <a:p>
+            <a:pPr algn="ctr"/>
+            <a:endParaRPr lang="zh-CN" altLang="en-US"/>
+          </a:p>
+        </p:txBody>
+      </p:sp>
+      <p:sp>
+        <p:nvSpPr>
+          <p:cNvPr id="45" name="矩形: 圆角 44">
+            <a:extLst>
+              <a:ext uri="{FF2B5EF4-FFF2-40B4-BE49-F238E27FC236}">
+                <a16:creationId xmlns:a16="http://schemas.microsoft.com/office/drawing/2014/main" id="{C4EF37FA-6B75-4CAD-AC57-5C0F0A0A9978}"/>
+              </a:ext>
+            </a:extLst>
+          </p:cNvPr>
+          <p:cNvSpPr/>
+          <p:nvPr/>
+        </p:nvSpPr>
+        <p:spPr>
+          <a:xfrm>
+            <a:off x="11515297" y="1372051"/>
+            <a:ext cx="2000907" cy="878267"/>
+          </a:xfrm>
+          <a:prstGeom prst="roundRect">
+            <a:avLst/>
+          </a:prstGeom>
+        </p:spPr>
+        <p:style>
+          <a:lnRef idx="2">
+            <a:schemeClr val="accent2">
+              <a:shade val="50000"/>
+            </a:schemeClr>
+          </a:lnRef>
+          <a:fillRef idx="1">
+            <a:schemeClr val="accent2"/>
+          </a:fillRef>
+          <a:effectRef idx="0">
+            <a:schemeClr val="accent2"/>
+          </a:effectRef>
+          <a:fontRef idx="minor">
+            <a:schemeClr val="lt1"/>
+          </a:fontRef>
+        </p:style>
+        <p:txBody>
+          <a:bodyPr rtlCol="0" anchor="ctr"/>
+          <a:lstStyle/>
+          <a:p>
+            <a:pPr algn="ctr"/>
+            <a:r>
+              <a:rPr lang="en-US" altLang="zh-CN" sz="1800" dirty="0"/>
+              <a:t>1×1</a:t>
+            </a:r>
+            <a:r>
+              <a:rPr lang="zh-CN" altLang="en-US" sz="2000" dirty="0"/>
+              <a:t>卷积</a:t>
+            </a:r>
+            <a:endParaRPr lang="zh-CN" altLang="en-US" sz="1800" dirty="0"/>
+          </a:p>
+        </p:txBody>
+      </p:sp>
+      <p:sp>
+        <p:nvSpPr>
+          <p:cNvPr id="46" name="矩形: 圆角 45">
+            <a:extLst>
+              <a:ext uri="{FF2B5EF4-FFF2-40B4-BE49-F238E27FC236}">
+                <a16:creationId xmlns:a16="http://schemas.microsoft.com/office/drawing/2014/main" id="{F168026F-47EF-40BF-8FB8-15955626820A}"/>
+              </a:ext>
+            </a:extLst>
+          </p:cNvPr>
+          <p:cNvSpPr/>
+          <p:nvPr/>
+        </p:nvSpPr>
+        <p:spPr>
+          <a:xfrm>
+            <a:off x="11496130" y="4428568"/>
+            <a:ext cx="2000907" cy="878267"/>
+          </a:xfrm>
+          <a:prstGeom prst="roundRect">
+            <a:avLst/>
+          </a:prstGeom>
+        </p:spPr>
+        <p:style>
+          <a:lnRef idx="2">
+            <a:schemeClr val="accent2">
+              <a:shade val="50000"/>
+            </a:schemeClr>
+          </a:lnRef>
+          <a:fillRef idx="1">
+            <a:schemeClr val="accent2"/>
+          </a:fillRef>
+          <a:effectRef idx="0">
+            <a:schemeClr val="accent2"/>
+          </a:effectRef>
+          <a:fontRef idx="minor">
+            <a:schemeClr val="lt1"/>
+          </a:fontRef>
+        </p:style>
+        <p:txBody>
+          <a:bodyPr rtlCol="0" anchor="ctr"/>
+          <a:lstStyle/>
+          <a:p>
+            <a:pPr algn="ctr"/>
+            <a:r>
+              <a:rPr lang="en-US" altLang="zh-CN" sz="1800" dirty="0"/>
+              <a:t>1×1</a:t>
+            </a:r>
+            <a:r>
+              <a:rPr lang="zh-CN" altLang="en-US" sz="2000" dirty="0"/>
+              <a:t>卷积</a:t>
+            </a:r>
+            <a:endParaRPr lang="zh-CN" altLang="en-US" sz="1800" dirty="0"/>
+          </a:p>
+        </p:txBody>
+      </p:sp>
+      <p:grpSp>
+        <p:nvGrpSpPr>
+          <p:cNvPr id="48" name="组合 47">
+            <a:extLst>
+              <a:ext uri="{FF2B5EF4-FFF2-40B4-BE49-F238E27FC236}">
+                <a16:creationId xmlns:a16="http://schemas.microsoft.com/office/drawing/2014/main" id="{06EEA70A-0E84-4805-AB28-39AAE490066B}"/>
+              </a:ext>
+            </a:extLst>
+          </p:cNvPr>
+          <p:cNvGrpSpPr/>
+          <p:nvPr/>
+        </p:nvGrpSpPr>
+        <p:grpSpPr>
+          <a:xfrm>
+            <a:off x="14265028" y="529918"/>
+            <a:ext cx="1934722" cy="1800681"/>
+            <a:chOff x="12662770" y="1477729"/>
+            <a:chExt cx="1934722" cy="1800681"/>
+          </a:xfrm>
+        </p:grpSpPr>
+        <p:sp>
+          <p:nvSpPr>
+            <p:cNvPr id="49" name="平行四边形 48">
+              <a:extLst>
+                <a:ext uri="{FF2B5EF4-FFF2-40B4-BE49-F238E27FC236}">
+                  <a16:creationId xmlns:a16="http://schemas.microsoft.com/office/drawing/2014/main" id="{77D47763-E26F-478D-BC64-9CAC13C990E1}"/>
+                </a:ext>
+              </a:extLst>
+            </p:cNvPr>
+            <p:cNvSpPr/>
+            <p:nvPr/>
+          </p:nvSpPr>
+          <p:spPr>
+            <a:xfrm rot="5400000" flipV="1">
+              <a:off x="12520149" y="2589010"/>
+              <a:ext cx="1169999" cy="208801"/>
+            </a:xfrm>
+            <a:prstGeom prst="parallelogram">
+              <a:avLst>
+                <a:gd name="adj" fmla="val 52632"/>
+              </a:avLst>
+            </a:prstGeom>
+          </p:spPr>
+          <p:style>
+            <a:lnRef idx="2">
+              <a:schemeClr val="accent1">
+                <a:shade val="50000"/>
+              </a:schemeClr>
+            </a:lnRef>
+            <a:fillRef idx="1">
+              <a:schemeClr val="accent1"/>
+            </a:fillRef>
+            <a:effectRef idx="0">
+              <a:schemeClr val="accent1"/>
+            </a:effectRef>
+            <a:fontRef idx="minor">
+              <a:schemeClr val="lt1"/>
+            </a:fontRef>
+          </p:style>
+          <p:txBody>
+            <a:bodyPr rtlCol="0" anchor="ctr"/>
+            <a:lstStyle/>
+            <a:p>
+              <a:pPr algn="ctr"/>
+              <a:endParaRPr lang="zh-CN" altLang="en-US" dirty="0"/>
+            </a:p>
+          </p:txBody>
+        </p:sp>
+        <p:sp>
+          <p:nvSpPr>
+            <p:cNvPr id="50" name="文本框 49">
+              <a:extLst>
+                <a:ext uri="{FF2B5EF4-FFF2-40B4-BE49-F238E27FC236}">
+                  <a16:creationId xmlns:a16="http://schemas.microsoft.com/office/drawing/2014/main" id="{67C1FB0B-8EE6-4E76-84E5-E902E9DF989F}"/>
+                </a:ext>
+              </a:extLst>
+            </p:cNvPr>
+            <p:cNvSpPr txBox="1"/>
+            <p:nvPr/>
+          </p:nvSpPr>
+          <p:spPr>
+            <a:xfrm>
+              <a:off x="12662770" y="1477729"/>
+              <a:ext cx="1279315" cy="523220"/>
+            </a:xfrm>
+            <a:prstGeom prst="rect">
+              <a:avLst/>
+            </a:prstGeom>
+            <a:noFill/>
+          </p:spPr>
+          <p:txBody>
+            <a:bodyPr wrap="square" rtlCol="0">
+              <a:spAutoFit/>
+            </a:bodyPr>
+            <a:lstStyle/>
+            <a:p>
+              <a:r>
+                <a:rPr lang="en-US" altLang="zh-CN" sz="2800" dirty="0"/>
+                <a:t>W</a:t>
+              </a:r>
+              <a:r>
+                <a:rPr lang="zh-CN" altLang="en-US" sz="2800" dirty="0"/>
+                <a:t>：</a:t>
+              </a:r>
+              <a:r>
+                <a:rPr lang="en-US" altLang="zh-CN" sz="2800" dirty="0"/>
+                <a:t>78</a:t>
+              </a:r>
+              <a:endParaRPr lang="zh-CN" altLang="en-US" sz="2800" dirty="0"/>
+            </a:p>
+          </p:txBody>
+        </p:sp>
+        <p:sp>
+          <p:nvSpPr>
+            <p:cNvPr id="51" name="文本框 50">
+              <a:extLst>
+                <a:ext uri="{FF2B5EF4-FFF2-40B4-BE49-F238E27FC236}">
+                  <a16:creationId xmlns:a16="http://schemas.microsoft.com/office/drawing/2014/main" id="{7F7C591F-00E1-4218-AD24-DD6AFF6D907F}"/>
+                </a:ext>
+              </a:extLst>
+            </p:cNvPr>
+            <p:cNvSpPr txBox="1"/>
+            <p:nvPr/>
+          </p:nvSpPr>
+          <p:spPr>
+            <a:xfrm>
+              <a:off x="13318177" y="2246257"/>
+              <a:ext cx="1279315" cy="523220"/>
+            </a:xfrm>
+            <a:prstGeom prst="rect">
+              <a:avLst/>
+            </a:prstGeom>
+            <a:noFill/>
+          </p:spPr>
+          <p:txBody>
+            <a:bodyPr wrap="square" rtlCol="0">
+              <a:spAutoFit/>
+            </a:bodyPr>
+            <a:lstStyle/>
+            <a:p>
+              <a:r>
+                <a:rPr lang="en-US" altLang="zh-CN" sz="2800" dirty="0"/>
+                <a:t>H</a:t>
+              </a:r>
+              <a:r>
+                <a:rPr lang="zh-CN" altLang="en-US" sz="2800" dirty="0"/>
+                <a:t>：</a:t>
+              </a:r>
+              <a:r>
+                <a:rPr lang="en-US" altLang="zh-CN" sz="2800" dirty="0"/>
+                <a:t>50</a:t>
+              </a:r>
+              <a:endParaRPr lang="zh-CN" altLang="en-US" sz="2800" dirty="0"/>
+            </a:p>
+          </p:txBody>
+        </p:sp>
+      </p:grpSp>
+      <p:grpSp>
+        <p:nvGrpSpPr>
+          <p:cNvPr id="52" name="组合 51">
+            <a:extLst>
+              <a:ext uri="{FF2B5EF4-FFF2-40B4-BE49-F238E27FC236}">
+                <a16:creationId xmlns:a16="http://schemas.microsoft.com/office/drawing/2014/main" id="{215D09A6-03CE-4246-B1B8-20EF6206AB6B}"/>
+              </a:ext>
+            </a:extLst>
+          </p:cNvPr>
+          <p:cNvGrpSpPr/>
+          <p:nvPr/>
+        </p:nvGrpSpPr>
+        <p:grpSpPr>
+          <a:xfrm>
+            <a:off x="14241229" y="3599854"/>
+            <a:ext cx="1934722" cy="1800681"/>
+            <a:chOff x="12662770" y="1477729"/>
+            <a:chExt cx="1934722" cy="1800681"/>
+          </a:xfrm>
+        </p:grpSpPr>
+        <p:sp>
+          <p:nvSpPr>
+            <p:cNvPr id="53" name="平行四边形 52">
+              <a:extLst>
+                <a:ext uri="{FF2B5EF4-FFF2-40B4-BE49-F238E27FC236}">
+                  <a16:creationId xmlns:a16="http://schemas.microsoft.com/office/drawing/2014/main" id="{D0804C56-984A-4C81-AF98-F11A5C7391FA}"/>
+                </a:ext>
+              </a:extLst>
+            </p:cNvPr>
+            <p:cNvSpPr/>
+            <p:nvPr/>
+          </p:nvSpPr>
+          <p:spPr>
+            <a:xfrm rot="5400000" flipV="1">
+              <a:off x="12520149" y="2589010"/>
+              <a:ext cx="1169999" cy="208801"/>
+            </a:xfrm>
+            <a:prstGeom prst="parallelogram">
+              <a:avLst>
+                <a:gd name="adj" fmla="val 52632"/>
+              </a:avLst>
+            </a:prstGeom>
+          </p:spPr>
+          <p:style>
+            <a:lnRef idx="2">
+              <a:schemeClr val="accent1">
+                <a:shade val="50000"/>
+              </a:schemeClr>
+            </a:lnRef>
+            <a:fillRef idx="1">
+              <a:schemeClr val="accent1"/>
+            </a:fillRef>
+            <a:effectRef idx="0">
+              <a:schemeClr val="accent1"/>
+            </a:effectRef>
+            <a:fontRef idx="minor">
+              <a:schemeClr val="lt1"/>
+            </a:fontRef>
+          </p:style>
+          <p:txBody>
+            <a:bodyPr rtlCol="0" anchor="ctr"/>
+            <a:lstStyle/>
+            <a:p>
+              <a:pPr algn="ctr"/>
+              <a:endParaRPr lang="zh-CN" altLang="en-US" dirty="0"/>
+            </a:p>
+          </p:txBody>
+        </p:sp>
+        <p:sp>
+          <p:nvSpPr>
+            <p:cNvPr id="54" name="文本框 53">
+              <a:extLst>
+                <a:ext uri="{FF2B5EF4-FFF2-40B4-BE49-F238E27FC236}">
+                  <a16:creationId xmlns:a16="http://schemas.microsoft.com/office/drawing/2014/main" id="{08FAF5C8-C54E-4F46-AF37-DD7DA0CE10BE}"/>
+                </a:ext>
+              </a:extLst>
+            </p:cNvPr>
+            <p:cNvSpPr txBox="1"/>
+            <p:nvPr/>
+          </p:nvSpPr>
+          <p:spPr>
+            <a:xfrm>
+              <a:off x="12662770" y="1477729"/>
+              <a:ext cx="1279315" cy="523220"/>
+            </a:xfrm>
+            <a:prstGeom prst="rect">
+              <a:avLst/>
+            </a:prstGeom>
+            <a:noFill/>
+          </p:spPr>
+          <p:txBody>
+            <a:bodyPr wrap="square" rtlCol="0">
+              <a:spAutoFit/>
+            </a:bodyPr>
+            <a:lstStyle/>
+            <a:p>
+              <a:r>
+                <a:rPr lang="en-US" altLang="zh-CN" sz="2800" dirty="0"/>
+                <a:t>W</a:t>
+              </a:r>
+              <a:r>
+                <a:rPr lang="zh-CN" altLang="en-US" sz="2800" dirty="0"/>
+                <a:t>：</a:t>
+              </a:r>
+              <a:r>
+                <a:rPr lang="en-US" altLang="zh-CN" sz="2800" dirty="0"/>
+                <a:t>78</a:t>
+              </a:r>
+              <a:endParaRPr lang="zh-CN" altLang="en-US" sz="2800" dirty="0"/>
+            </a:p>
+          </p:txBody>
+        </p:sp>
+        <p:sp>
+          <p:nvSpPr>
+            <p:cNvPr id="55" name="文本框 54">
+              <a:extLst>
+                <a:ext uri="{FF2B5EF4-FFF2-40B4-BE49-F238E27FC236}">
+                  <a16:creationId xmlns:a16="http://schemas.microsoft.com/office/drawing/2014/main" id="{5514D7FE-1F9D-4F5E-BA82-26255727230C}"/>
+                </a:ext>
+              </a:extLst>
+            </p:cNvPr>
+            <p:cNvSpPr txBox="1"/>
+            <p:nvPr/>
+          </p:nvSpPr>
+          <p:spPr>
+            <a:xfrm>
+              <a:off x="13318177" y="2246257"/>
+              <a:ext cx="1279315" cy="523220"/>
+            </a:xfrm>
+            <a:prstGeom prst="rect">
+              <a:avLst/>
+            </a:prstGeom>
+            <a:noFill/>
+          </p:spPr>
+          <p:txBody>
+            <a:bodyPr wrap="square" rtlCol="0">
+              <a:spAutoFit/>
+            </a:bodyPr>
+            <a:lstStyle/>
+            <a:p>
+              <a:r>
+                <a:rPr lang="en-US" altLang="zh-CN" sz="2800" dirty="0"/>
+                <a:t>H</a:t>
+              </a:r>
+              <a:r>
+                <a:rPr lang="zh-CN" altLang="en-US" sz="2800" dirty="0"/>
+                <a:t>：</a:t>
+              </a:r>
+              <a:r>
+                <a:rPr lang="en-US" altLang="zh-CN" sz="2800" dirty="0"/>
+                <a:t>50</a:t>
+              </a:r>
+              <a:endParaRPr lang="zh-CN" altLang="en-US" sz="2800" dirty="0"/>
+            </a:p>
+          </p:txBody>
+        </p:sp>
+      </p:grpSp>
+      <p:sp>
+        <p:nvSpPr>
+          <p:cNvPr id="56" name="文本框 55">
+            <a:extLst>
+              <a:ext uri="{FF2B5EF4-FFF2-40B4-BE49-F238E27FC236}">
+                <a16:creationId xmlns:a16="http://schemas.microsoft.com/office/drawing/2014/main" id="{D73E5B9D-5026-46F2-81DD-D1ACDF936516}"/>
+              </a:ext>
+            </a:extLst>
+          </p:cNvPr>
+          <p:cNvSpPr txBox="1"/>
+          <p:nvPr/>
+        </p:nvSpPr>
+        <p:spPr>
+          <a:xfrm>
+            <a:off x="13873561" y="2427194"/>
+            <a:ext cx="2175441" cy="523220"/>
+          </a:xfrm>
+          <a:prstGeom prst="rect">
+            <a:avLst/>
+          </a:prstGeom>
+          <a:noFill/>
+        </p:spPr>
+        <p:txBody>
+          <a:bodyPr wrap="square" rtlCol="0">
+            <a:spAutoFit/>
+          </a:bodyPr>
+          <a:lstStyle/>
+          <a:p>
+            <a:r>
+              <a:rPr lang="en-US" altLang="zh-CN" sz="2800" dirty="0"/>
+              <a:t>(1,9x2,W,H)</a:t>
+            </a:r>
+            <a:endParaRPr lang="zh-CN" altLang="en-US" sz="2800" dirty="0"/>
+          </a:p>
+        </p:txBody>
+      </p:sp>
+      <p:sp>
+        <p:nvSpPr>
+          <p:cNvPr id="57" name="文本框 56">
+            <a:extLst>
+              <a:ext uri="{FF2B5EF4-FFF2-40B4-BE49-F238E27FC236}">
+                <a16:creationId xmlns:a16="http://schemas.microsoft.com/office/drawing/2014/main" id="{7B430950-0130-4C58-A812-25E3D5D94D92}"/>
+              </a:ext>
+            </a:extLst>
+          </p:cNvPr>
+          <p:cNvSpPr txBox="1"/>
+          <p:nvPr/>
+        </p:nvSpPr>
+        <p:spPr>
+          <a:xfrm>
+            <a:off x="13873561" y="5477479"/>
+            <a:ext cx="2175441" cy="523220"/>
+          </a:xfrm>
+          <a:prstGeom prst="rect">
+            <a:avLst/>
+          </a:prstGeom>
+          <a:noFill/>
+        </p:spPr>
+        <p:txBody>
+          <a:bodyPr wrap="square" rtlCol="0">
+            <a:spAutoFit/>
+          </a:bodyPr>
+          <a:lstStyle/>
+          <a:p>
+            <a:r>
+              <a:rPr lang="en-US" altLang="zh-CN" sz="2800" dirty="0"/>
+              <a:t>(1,9x4,W,H)</a:t>
+            </a:r>
+            <a:endParaRPr lang="zh-CN" altLang="en-US" sz="2800" dirty="0"/>
+          </a:p>
+        </p:txBody>
+      </p:sp>
+      <p:pic>
+        <p:nvPicPr>
+          <p:cNvPr id="59" name="图片 58">
+            <a:extLst>
+              <a:ext uri="{FF2B5EF4-FFF2-40B4-BE49-F238E27FC236}">
+                <a16:creationId xmlns:a16="http://schemas.microsoft.com/office/drawing/2014/main" id="{CC39AE29-40BB-4710-B46D-78FFE7922E6F}"/>
+              </a:ext>
+            </a:extLst>
+          </p:cNvPr>
+          <p:cNvPicPr>
+            <a:picLocks noChangeAspect="1"/>
+          </p:cNvPicPr>
+          <p:nvPr/>
+        </p:nvPicPr>
+        <p:blipFill rotWithShape="1">
+          <a:blip r:embed="rId2"/>
+          <a:srcRect b="50000"/>
+          <a:stretch/>
+        </p:blipFill>
+        <p:spPr>
+          <a:xfrm>
+            <a:off x="16049002" y="815905"/>
+            <a:ext cx="7727828" cy="1790415"/>
+          </a:xfrm>
+          <a:prstGeom prst="rect">
+            <a:avLst/>
+          </a:prstGeom>
+        </p:spPr>
+      </p:pic>
+      <p:pic>
+        <p:nvPicPr>
+          <p:cNvPr id="61" name="图片 60">
+            <a:extLst>
+              <a:ext uri="{FF2B5EF4-FFF2-40B4-BE49-F238E27FC236}">
+                <a16:creationId xmlns:a16="http://schemas.microsoft.com/office/drawing/2014/main" id="{4B066433-CCF3-4D56-95D5-C8AF39CABC0F}"/>
+              </a:ext>
+            </a:extLst>
+          </p:cNvPr>
+          <p:cNvPicPr>
+            <a:picLocks noChangeAspect="1"/>
+          </p:cNvPicPr>
+          <p:nvPr/>
+        </p:nvPicPr>
+        <p:blipFill rotWithShape="1">
+          <a:blip r:embed="rId2"/>
+          <a:srcRect t="51062"/>
+          <a:stretch/>
+        </p:blipFill>
+        <p:spPr>
+          <a:xfrm>
+            <a:off x="16130910" y="3949860"/>
+            <a:ext cx="7645920" cy="1733813"/>
+          </a:xfrm>
+          <a:prstGeom prst="rect">
+            <a:avLst/>
+          </a:prstGeom>
+        </p:spPr>
+      </p:pic>
+      <p:sp>
+        <p:nvSpPr>
+          <p:cNvPr id="2" name="文本框 1">
+            <a:extLst>
+              <a:ext uri="{FF2B5EF4-FFF2-40B4-BE49-F238E27FC236}">
+                <a16:creationId xmlns:a16="http://schemas.microsoft.com/office/drawing/2014/main" id="{A00505BF-1868-4701-9509-3E876AF5BA14}"/>
+              </a:ext>
+            </a:extLst>
+          </p:cNvPr>
+          <p:cNvSpPr txBox="1"/>
+          <p:nvPr/>
+        </p:nvSpPr>
+        <p:spPr>
+          <a:xfrm>
+            <a:off x="3416579" y="452393"/>
+            <a:ext cx="3525520" cy="708207"/>
+          </a:xfrm>
+          <a:prstGeom prst="rect">
+            <a:avLst/>
+          </a:prstGeom>
+          <a:noFill/>
+        </p:spPr>
+        <p:txBody>
+          <a:bodyPr wrap="square" rtlCol="0">
+            <a:spAutoFit/>
+          </a:bodyPr>
+          <a:lstStyle/>
+          <a:p>
+            <a:r>
+              <a:rPr lang="en-US" altLang="zh-CN" sz="4002" dirty="0"/>
+              <a:t>RPN Head</a:t>
+            </a:r>
+            <a:endParaRPr lang="zh-CN" altLang="en-US" sz="4002" dirty="0"/>
+          </a:p>
+        </p:txBody>
+      </p:sp>
+    </p:spTree>
+    <p:extLst>
+      <p:ext uri="{BB962C8B-B14F-4D97-AF65-F5344CB8AC3E}">
+        <p14:creationId xmlns:p14="http://schemas.microsoft.com/office/powerpoint/2010/main" val="1059211872"/>
+      </p:ext>
+    </p:extLst>
+  </p:cSld>
+  <p:clrMapOvr>
+    <a:masterClrMapping/>
+  </p:clrMapOvr>
+</p:sld>
+</file>
+
+<file path=ppt/slides/slide4.xml><?xml version="1.0" encoding="utf-8"?>
+<p:sld xmlns:a="http://schemas.openxmlformats.org/drawingml/2006/main" xmlns:r="http://schemas.openxmlformats.org/officeDocument/2006/relationships" xmlns:p="http://schemas.openxmlformats.org/presentationml/2006/main">
+  <p:cSld>
+    <p:spTree>
+      <p:nvGrpSpPr>
+        <p:cNvPr id="1" name=""/>
+        <p:cNvGrpSpPr/>
+        <p:nvPr/>
+      </p:nvGrpSpPr>
+      <p:grpSpPr>
+        <a:xfrm>
+          <a:off x="0" y="0"/>
+          <a:ext cx="0" cy="0"/>
+          <a:chOff x="0" y="0"/>
+          <a:chExt cx="0" cy="0"/>
+        </a:xfrm>
+      </p:grpSpPr>
+      <p:grpSp>
+        <p:nvGrpSpPr>
+          <p:cNvPr id="19" name="组合 18">
+            <a:extLst>
+              <a:ext uri="{FF2B5EF4-FFF2-40B4-BE49-F238E27FC236}">
+                <a16:creationId xmlns:a16="http://schemas.microsoft.com/office/drawing/2014/main" id="{618C2C50-D30B-4EE4-9820-E0C10C03733B}"/>
+              </a:ext>
+            </a:extLst>
+          </p:cNvPr>
+          <p:cNvGrpSpPr/>
+          <p:nvPr/>
+        </p:nvGrpSpPr>
+        <p:grpSpPr>
+          <a:xfrm>
+            <a:off x="7215282" y="263164"/>
+            <a:ext cx="7454096" cy="6141609"/>
+            <a:chOff x="6925722" y="1075104"/>
+            <a:chExt cx="7454096" cy="5413089"/>
+          </a:xfrm>
+        </p:grpSpPr>
+        <p:sp>
+          <p:nvSpPr>
+            <p:cNvPr id="8" name="文本框 7">
+              <a:extLst>
+                <a:ext uri="{FF2B5EF4-FFF2-40B4-BE49-F238E27FC236}">
+                  <a16:creationId xmlns:a16="http://schemas.microsoft.com/office/drawing/2014/main" id="{C30A0956-AE33-4135-B45F-B134B5F9E55D}"/>
+                </a:ext>
+              </a:extLst>
+            </p:cNvPr>
+            <p:cNvSpPr txBox="1"/>
+            <p:nvPr/>
+          </p:nvSpPr>
+          <p:spPr>
+            <a:xfrm>
+              <a:off x="6925722" y="1075104"/>
+              <a:ext cx="7454096" cy="1437721"/>
+            </a:xfrm>
+            <a:prstGeom prst="rect">
+              <a:avLst/>
+            </a:prstGeom>
+            <a:noFill/>
+          </p:spPr>
+          <p:txBody>
+            <a:bodyPr wrap="square" rtlCol="0">
+              <a:spAutoFit/>
+            </a:bodyPr>
+            <a:lstStyle/>
+            <a:p>
+              <a:pPr algn="ctr"/>
+              <a:r>
+                <a:rPr lang="zh-CN" altLang="en-US" sz="2000" dirty="0"/>
+                <a:t>将每一个特征图上的像素映射回输入到</a:t>
+              </a:r>
+              <a:r>
+                <a:rPr lang="en-US" altLang="zh-CN" sz="2000" dirty="0"/>
+                <a:t>backbone</a:t>
+              </a:r>
+              <a:r>
+                <a:rPr lang="zh-CN" altLang="en-US" sz="2000" dirty="0"/>
+                <a:t>的图上</a:t>
+              </a:r>
+              <a:endParaRPr lang="en-US" altLang="zh-CN" sz="2000" dirty="0"/>
+            </a:p>
+            <a:p>
+              <a:pPr algn="ctr"/>
+              <a:r>
+                <a:rPr lang="zh-CN" altLang="en-US" sz="2000" dirty="0"/>
+                <a:t>对于缩放</a:t>
+              </a:r>
+              <a:r>
+                <a:rPr lang="en-US" altLang="zh-CN" sz="2000" dirty="0"/>
+                <a:t>16</a:t>
+              </a:r>
+              <a:r>
+                <a:rPr lang="zh-CN" altLang="en-US" sz="2000" dirty="0"/>
+                <a:t>倍的图，相当于每间隔</a:t>
+              </a:r>
+              <a:r>
+                <a:rPr lang="en-US" altLang="zh-CN" sz="2000" dirty="0"/>
+                <a:t>16</a:t>
+              </a:r>
+              <a:r>
+                <a:rPr lang="zh-CN" altLang="en-US" sz="2000" dirty="0"/>
+                <a:t>个像素原图会有一个投影点</a:t>
+              </a:r>
+              <a:endParaRPr lang="en-US" altLang="zh-CN" sz="2000" dirty="0"/>
+            </a:p>
+            <a:p>
+              <a:pPr algn="ctr"/>
+              <a:r>
+                <a:rPr lang="zh-CN" altLang="en-US" sz="2000" dirty="0"/>
+                <a:t>生成三种比例</a:t>
+              </a:r>
+              <a:r>
+                <a:rPr lang="en-US" altLang="zh-CN" sz="2000" dirty="0"/>
+                <a:t>1:1</a:t>
+              </a:r>
+              <a:r>
+                <a:rPr lang="zh-CN" altLang="en-US" sz="2000" dirty="0"/>
+                <a:t>、</a:t>
+              </a:r>
+              <a:r>
+                <a:rPr lang="en-US" altLang="zh-CN" sz="2000" dirty="0"/>
+                <a:t>1:2</a:t>
+              </a:r>
+              <a:r>
+                <a:rPr lang="zh-CN" altLang="en-US" sz="2000" dirty="0"/>
+                <a:t>、</a:t>
+              </a:r>
+              <a:r>
+                <a:rPr lang="en-US" altLang="zh-CN" sz="2000" dirty="0"/>
+                <a:t>2:1</a:t>
+              </a:r>
+              <a:r>
+                <a:rPr lang="zh-CN" altLang="en-US" sz="2000" dirty="0"/>
+                <a:t>，三种面积</a:t>
+              </a:r>
+              <a:r>
+                <a:rPr lang="en-US" altLang="zh-CN" sz="2000" dirty="0"/>
+                <a:t>128²</a:t>
+              </a:r>
+              <a:r>
+                <a:rPr lang="zh-CN" altLang="en-US" sz="2000" dirty="0"/>
+                <a:t>、</a:t>
+              </a:r>
+              <a:r>
+                <a:rPr lang="en-US" altLang="zh-CN" sz="2000" dirty="0"/>
+                <a:t>256²</a:t>
+              </a:r>
+              <a:r>
+                <a:rPr lang="zh-CN" altLang="en-US" sz="2000" dirty="0"/>
+                <a:t>、</a:t>
+              </a:r>
+              <a:r>
+                <a:rPr lang="en-US" altLang="zh-CN" sz="2000" dirty="0"/>
+                <a:t>512²</a:t>
+              </a:r>
+            </a:p>
+            <a:p>
+              <a:pPr algn="ctr"/>
+              <a:r>
+                <a:rPr lang="zh-CN" altLang="en-US" sz="2000" dirty="0"/>
+                <a:t>共计</a:t>
+              </a:r>
+              <a:r>
+                <a:rPr lang="en-US" altLang="zh-CN" sz="2000" dirty="0"/>
+                <a:t>9</a:t>
+              </a:r>
+              <a:r>
+                <a:rPr lang="zh-CN" altLang="en-US" sz="2000" dirty="0"/>
+                <a:t>种</a:t>
+              </a:r>
+              <a:r>
+                <a:rPr lang="en-US" altLang="zh-CN" sz="2000" dirty="0"/>
+                <a:t>anchor</a:t>
+              </a:r>
+              <a:r>
+                <a:rPr lang="zh-CN" altLang="en-US" sz="2000" dirty="0"/>
+                <a:t>，</a:t>
+              </a:r>
+              <a:r>
+                <a:rPr lang="en-US" altLang="zh-CN" sz="2000" dirty="0"/>
+                <a:t>anchor</a:t>
+              </a:r>
+              <a:r>
+                <a:rPr lang="zh-CN" altLang="en-US" sz="2000" dirty="0"/>
+                <a:t>中心在原图中的映射点上</a:t>
+              </a:r>
+            </a:p>
+            <a:p>
+              <a:pPr algn="ctr"/>
+              <a:endParaRPr lang="zh-CN" altLang="en-US" sz="2000" dirty="0"/>
+            </a:p>
+          </p:txBody>
+        </p:sp>
+        <p:pic>
+          <p:nvPicPr>
+            <p:cNvPr id="18" name="图片 17">
+              <a:extLst>
+                <a:ext uri="{FF2B5EF4-FFF2-40B4-BE49-F238E27FC236}">
+                  <a16:creationId xmlns:a16="http://schemas.microsoft.com/office/drawing/2014/main" id="{C892C9FC-F43D-4D8E-B6F1-E7BC9F805EDB}"/>
+                </a:ext>
+              </a:extLst>
+            </p:cNvPr>
+            <p:cNvPicPr>
+              <a:picLocks noChangeAspect="1"/>
+            </p:cNvPicPr>
+            <p:nvPr/>
+          </p:nvPicPr>
+          <p:blipFill>
+            <a:blip r:embed="rId3"/>
+            <a:stretch>
+              <a:fillRect/>
+            </a:stretch>
+          </p:blipFill>
+          <p:spPr>
+            <a:xfrm>
+              <a:off x="13293376" y="4572001"/>
+              <a:ext cx="1086442" cy="1916192"/>
+            </a:xfrm>
+            <a:prstGeom prst="rect">
+              <a:avLst/>
+            </a:prstGeom>
+          </p:spPr>
+        </p:pic>
+      </p:grpSp>
+      <p:sp>
+        <p:nvSpPr>
+          <p:cNvPr id="21" name="文本框 20">
+            <a:extLst>
+              <a:ext uri="{FF2B5EF4-FFF2-40B4-BE49-F238E27FC236}">
+                <a16:creationId xmlns:a16="http://schemas.microsoft.com/office/drawing/2014/main" id="{10432D5F-4BB0-4085-884E-E587887FF548}"/>
+              </a:ext>
+            </a:extLst>
+          </p:cNvPr>
+          <p:cNvSpPr txBox="1"/>
+          <p:nvPr/>
+        </p:nvSpPr>
+        <p:spPr>
+          <a:xfrm>
+            <a:off x="739438" y="370887"/>
+            <a:ext cx="4038600" cy="707886"/>
+          </a:xfrm>
+          <a:prstGeom prst="rect">
+            <a:avLst/>
+          </a:prstGeom>
+          <a:noFill/>
+        </p:spPr>
+        <p:txBody>
+          <a:bodyPr wrap="square" rtlCol="0">
+            <a:spAutoFit/>
+          </a:bodyPr>
+          <a:lstStyle/>
+          <a:p>
+            <a:r>
+              <a:rPr lang="en-US" altLang="zh-CN" sz="4000" dirty="0"/>
+              <a:t>Anchor Generator</a:t>
+            </a:r>
+            <a:endParaRPr lang="zh-CN" altLang="en-US" sz="4000" dirty="0"/>
+          </a:p>
+        </p:txBody>
+      </p:sp>
+      <p:grpSp>
+        <p:nvGrpSpPr>
+          <p:cNvPr id="24" name="组合 23">
+            <a:extLst>
+              <a:ext uri="{FF2B5EF4-FFF2-40B4-BE49-F238E27FC236}">
+                <a16:creationId xmlns:a16="http://schemas.microsoft.com/office/drawing/2014/main" id="{331B1725-2747-40A0-A337-DB6DEF2BA146}"/>
+              </a:ext>
+            </a:extLst>
+          </p:cNvPr>
+          <p:cNvGrpSpPr/>
+          <p:nvPr/>
+        </p:nvGrpSpPr>
+        <p:grpSpPr>
+          <a:xfrm>
+            <a:off x="6999840" y="2222554"/>
+            <a:ext cx="8558119" cy="4635446"/>
+            <a:chOff x="6576261" y="1967695"/>
+            <a:chExt cx="7803557" cy="4051344"/>
+          </a:xfrm>
+        </p:grpSpPr>
+        <p:grpSp>
+          <p:nvGrpSpPr>
+            <p:cNvPr id="28" name="组合 27">
+              <a:extLst>
+                <a:ext uri="{FF2B5EF4-FFF2-40B4-BE49-F238E27FC236}">
+                  <a16:creationId xmlns:a16="http://schemas.microsoft.com/office/drawing/2014/main" id="{C91295D1-18A2-4BDE-852B-F6356964C683}"/>
+                </a:ext>
+              </a:extLst>
+            </p:cNvPr>
+            <p:cNvGrpSpPr/>
+            <p:nvPr/>
+          </p:nvGrpSpPr>
+          <p:grpSpPr>
+            <a:xfrm>
+              <a:off x="6576261" y="1967695"/>
+              <a:ext cx="7803556" cy="4051344"/>
+              <a:chOff x="10845478" y="1310995"/>
+              <a:chExt cx="7803556" cy="4051344"/>
+            </a:xfrm>
+          </p:grpSpPr>
+          <p:pic>
+            <p:nvPicPr>
+              <p:cNvPr id="30" name="图片 29">
+                <a:extLst>
+                  <a:ext uri="{FF2B5EF4-FFF2-40B4-BE49-F238E27FC236}">
+                    <a16:creationId xmlns:a16="http://schemas.microsoft.com/office/drawing/2014/main" id="{FB5B483C-C599-47AC-A683-74326A312F29}"/>
+                  </a:ext>
+                </a:extLst>
+              </p:cNvPr>
+              <p:cNvPicPr>
+                <a:picLocks noChangeAspect="1"/>
+              </p:cNvPicPr>
+              <p:nvPr/>
+            </p:nvPicPr>
+            <p:blipFill>
+              <a:blip r:embed="rId4"/>
+              <a:stretch>
+                <a:fillRect/>
+              </a:stretch>
+            </p:blipFill>
+            <p:spPr>
+              <a:xfrm>
+                <a:off x="10845478" y="1544388"/>
+                <a:ext cx="7803556" cy="3817951"/>
+              </a:xfrm>
+              <a:prstGeom prst="rect">
+                <a:avLst/>
+              </a:prstGeom>
+            </p:spPr>
+          </p:pic>
+          <p:cxnSp>
+            <p:nvCxnSpPr>
+              <p:cNvPr id="31" name="直接箭头连接符 30">
+                <a:extLst>
+                  <a:ext uri="{FF2B5EF4-FFF2-40B4-BE49-F238E27FC236}">
+                    <a16:creationId xmlns:a16="http://schemas.microsoft.com/office/drawing/2014/main" id="{D12A85BA-1644-40F3-9749-CF8542435B8C}"/>
+                  </a:ext>
+                </a:extLst>
+              </p:cNvPr>
+              <p:cNvCxnSpPr/>
+              <p:nvPr/>
+            </p:nvCxnSpPr>
+            <p:spPr>
+              <a:xfrm>
+                <a:off x="11262360" y="1661160"/>
+                <a:ext cx="1284287" cy="0"/>
+              </a:xfrm>
+              <a:prstGeom prst="straightConnector1">
+                <a:avLst/>
+              </a:prstGeom>
+              <a:ln>
+                <a:headEnd type="triangle"/>
+                <a:tailEnd type="triangle"/>
+              </a:ln>
+            </p:spPr>
+            <p:style>
+              <a:lnRef idx="1">
+                <a:schemeClr val="accent1"/>
+              </a:lnRef>
+              <a:fillRef idx="0">
+                <a:schemeClr val="accent1"/>
+              </a:fillRef>
+              <a:effectRef idx="0">
+                <a:schemeClr val="accent1"/>
+              </a:effectRef>
+              <a:fontRef idx="minor">
+                <a:schemeClr val="tx1"/>
+              </a:fontRef>
+            </p:style>
+          </p:cxnSp>
+          <p:sp>
+            <p:nvSpPr>
+              <p:cNvPr id="32" name="文本框 31">
+                <a:extLst>
+                  <a:ext uri="{FF2B5EF4-FFF2-40B4-BE49-F238E27FC236}">
+                    <a16:creationId xmlns:a16="http://schemas.microsoft.com/office/drawing/2014/main" id="{96288296-200E-433F-814A-39E8E46E96BB}"/>
+                  </a:ext>
+                </a:extLst>
+              </p:cNvPr>
+              <p:cNvSpPr txBox="1"/>
+              <p:nvPr/>
+            </p:nvSpPr>
+            <p:spPr>
+              <a:xfrm>
+                <a:off x="11696700" y="1310995"/>
+                <a:ext cx="647700" cy="369332"/>
+              </a:xfrm>
+              <a:prstGeom prst="rect">
+                <a:avLst/>
+              </a:prstGeom>
+              <a:noFill/>
+            </p:spPr>
+            <p:txBody>
+              <a:bodyPr wrap="square" rtlCol="0">
+                <a:spAutoFit/>
+              </a:bodyPr>
+              <a:lstStyle/>
+              <a:p>
+                <a:r>
+                  <a:rPr lang="en-US" altLang="zh-CN" dirty="0"/>
+                  <a:t>16</a:t>
+                </a:r>
+                <a:endParaRPr lang="zh-CN" altLang="en-US" dirty="0"/>
+              </a:p>
+            </p:txBody>
+          </p:sp>
+        </p:grpSp>
+        <p:pic>
+          <p:nvPicPr>
+            <p:cNvPr id="29" name="图片 28">
+              <a:extLst>
+                <a:ext uri="{FF2B5EF4-FFF2-40B4-BE49-F238E27FC236}">
+                  <a16:creationId xmlns:a16="http://schemas.microsoft.com/office/drawing/2014/main" id="{2E8CA212-9091-4134-A3B9-7F608906C735}"/>
+                </a:ext>
+              </a:extLst>
+            </p:cNvPr>
+            <p:cNvPicPr>
+              <a:picLocks noChangeAspect="1"/>
+            </p:cNvPicPr>
+            <p:nvPr/>
+          </p:nvPicPr>
+          <p:blipFill>
+            <a:blip r:embed="rId3"/>
+            <a:stretch>
+              <a:fillRect/>
+            </a:stretch>
+          </p:blipFill>
+          <p:spPr>
+            <a:xfrm>
+              <a:off x="13293376" y="4572001"/>
+              <a:ext cx="1086442" cy="1447038"/>
+            </a:xfrm>
+            <a:prstGeom prst="rect">
+              <a:avLst/>
+            </a:prstGeom>
+          </p:spPr>
+        </p:pic>
+      </p:grpSp>
+      <p:sp>
+        <p:nvSpPr>
+          <p:cNvPr id="35" name="文本框 34">
+            <a:extLst>
+              <a:ext uri="{FF2B5EF4-FFF2-40B4-BE49-F238E27FC236}">
+                <a16:creationId xmlns:a16="http://schemas.microsoft.com/office/drawing/2014/main" id="{D5671A80-51CA-4055-A358-95DFACC1C97D}"/>
+              </a:ext>
+            </a:extLst>
+          </p:cNvPr>
+          <p:cNvSpPr txBox="1"/>
+          <p:nvPr/>
+        </p:nvSpPr>
+        <p:spPr>
+          <a:xfrm>
+            <a:off x="13990320" y="5500612"/>
+            <a:ext cx="2080643" cy="400110"/>
+          </a:xfrm>
+          <a:prstGeom prst="rect">
+            <a:avLst/>
+          </a:prstGeom>
+          <a:noFill/>
+        </p:spPr>
+        <p:txBody>
+          <a:bodyPr wrap="square" rtlCol="0">
+            <a:spAutoFit/>
+          </a:bodyPr>
+          <a:lstStyle/>
+          <a:p>
+            <a:r>
+              <a:rPr lang="en-US" altLang="zh-CN" sz="2000" dirty="0"/>
+              <a:t>Feature map</a:t>
+            </a:r>
+            <a:endParaRPr lang="zh-CN" altLang="en-US" sz="2000" dirty="0"/>
+          </a:p>
+        </p:txBody>
+      </p:sp>
+      <p:sp>
+        <p:nvSpPr>
+          <p:cNvPr id="36" name="文本框 35">
+            <a:extLst>
+              <a:ext uri="{FF2B5EF4-FFF2-40B4-BE49-F238E27FC236}">
+                <a16:creationId xmlns:a16="http://schemas.microsoft.com/office/drawing/2014/main" id="{04F84310-9564-4433-A7E2-14BE90497010}"/>
+              </a:ext>
+            </a:extLst>
+          </p:cNvPr>
+          <p:cNvSpPr txBox="1"/>
+          <p:nvPr/>
+        </p:nvSpPr>
+        <p:spPr>
+          <a:xfrm>
+            <a:off x="13236082" y="2560608"/>
+            <a:ext cx="2685900" cy="400110"/>
+          </a:xfrm>
+          <a:prstGeom prst="rect">
+            <a:avLst/>
+          </a:prstGeom>
+          <a:noFill/>
+        </p:spPr>
+        <p:txBody>
+          <a:bodyPr wrap="square" rtlCol="0">
+            <a:spAutoFit/>
+          </a:bodyPr>
+          <a:lstStyle/>
+          <a:p>
+            <a:r>
+              <a:rPr lang="zh-CN" altLang="en-US" sz="2000" dirty="0"/>
+              <a:t>共有</a:t>
+            </a:r>
+            <a:r>
+              <a:rPr lang="en-US" altLang="zh-CN" sz="2000" dirty="0"/>
+              <a:t>9×H×W</a:t>
+            </a:r>
+            <a:r>
+              <a:rPr lang="zh-CN" altLang="en-US" sz="2000" dirty="0"/>
+              <a:t>个</a:t>
+            </a:r>
+            <a:r>
+              <a:rPr lang="en-US" altLang="zh-CN" sz="2000" dirty="0"/>
+              <a:t>anchor</a:t>
+            </a:r>
+            <a:endParaRPr lang="zh-CN" altLang="en-US" sz="2000" dirty="0"/>
+          </a:p>
+        </p:txBody>
+      </p:sp>
+      <p:sp>
+        <p:nvSpPr>
+          <p:cNvPr id="37" name="AutoShape 2">
+            <a:extLst>
+              <a:ext uri="{FF2B5EF4-FFF2-40B4-BE49-F238E27FC236}">
+                <a16:creationId xmlns:a16="http://schemas.microsoft.com/office/drawing/2014/main" id="{4EF2C04B-31D3-4D06-9C9F-C0BF11578C98}"/>
+              </a:ext>
+            </a:extLst>
+          </p:cNvPr>
+          <p:cNvSpPr>
+            <a:spLocks noChangeAspect="1" noChangeArrowheads="1"/>
+          </p:cNvSpPr>
+          <p:nvPr/>
+        </p:nvSpPr>
+        <p:spPr bwMode="auto">
+          <a:xfrm>
+            <a:off x="12447588" y="3459480"/>
+            <a:ext cx="304800" cy="304800"/>
+          </a:xfrm>
+          <a:prstGeom prst="rect">
+            <a:avLst/>
+          </a:prstGeom>
+          <a:noFill/>
+          <a:extLst>
+            <a:ext uri="{909E8E84-426E-40DD-AFC4-6F175D3DCCD1}">
+              <a14:hiddenFill xmlns:a14="http://schemas.microsoft.com/office/drawing/2010/main">
+                <a:solidFill>
+                  <a:srgbClr val="FFFFFF"/>
+                </a:solidFill>
+              </a14:hiddenFill>
+            </a:ext>
+          </a:extLst>
+        </p:spPr>
+        <p:txBody>
+          <a:bodyPr vert="horz" wrap="square" lIns="91440" tIns="45720" rIns="91440" bIns="45720" numCol="1" anchor="t" anchorCtr="0" compatLnSpc="1">
+            <a:prstTxWarp prst="textNoShape">
+              <a:avLst/>
+            </a:prstTxWarp>
+          </a:bodyPr>
+          <a:lstStyle/>
+          <a:p>
+            <a:endParaRPr lang="zh-CN" altLang="en-US"/>
+          </a:p>
+        </p:txBody>
+      </p:sp>
+      <p:pic>
+        <p:nvPicPr>
+          <p:cNvPr id="39" name="图片 38">
+            <a:extLst>
+              <a:ext uri="{FF2B5EF4-FFF2-40B4-BE49-F238E27FC236}">
+                <a16:creationId xmlns:a16="http://schemas.microsoft.com/office/drawing/2014/main" id="{BC3C6103-9FA3-40E6-BE12-75EAC3249067}"/>
+              </a:ext>
+            </a:extLst>
+          </p:cNvPr>
+          <p:cNvPicPr>
+            <a:picLocks noChangeAspect="1"/>
+          </p:cNvPicPr>
+          <p:nvPr/>
+        </p:nvPicPr>
+        <p:blipFill>
+          <a:blip r:embed="rId5" cstate="print">
+            <a:clrChange>
+              <a:clrFrom>
+                <a:srgbClr val="FFFFFF"/>
+              </a:clrFrom>
+              <a:clrTo>
+                <a:srgbClr val="FFFFFF">
+                  <a:alpha val="0"/>
+                </a:srgbClr>
+              </a:clrTo>
+            </a:clrChange>
+            <a:extLst>
+              <a:ext uri="{28A0092B-C50C-407E-A947-70E740481C1C}">
+                <a14:useLocalDpi xmlns:a14="http://schemas.microsoft.com/office/drawing/2010/main" val="0"/>
+              </a:ext>
+            </a:extLst>
+          </a:blip>
+          <a:stretch>
+            <a:fillRect/>
+          </a:stretch>
+        </p:blipFill>
+        <p:spPr>
+          <a:xfrm>
+            <a:off x="9007724" y="1631423"/>
+            <a:ext cx="2808892" cy="2673342"/>
+          </a:xfrm>
+          <a:prstGeom prst="rect">
+            <a:avLst/>
+          </a:prstGeom>
+        </p:spPr>
+      </p:pic>
+      <p:pic>
+        <p:nvPicPr>
+          <p:cNvPr id="40" name="图片 39">
+            <a:extLst>
+              <a:ext uri="{FF2B5EF4-FFF2-40B4-BE49-F238E27FC236}">
+                <a16:creationId xmlns:a16="http://schemas.microsoft.com/office/drawing/2014/main" id="{DD18FB3E-5929-4D01-8EC8-BBC1C444AA9B}"/>
+              </a:ext>
+            </a:extLst>
+          </p:cNvPr>
+          <p:cNvPicPr>
+            <a:picLocks noChangeAspect="1"/>
+          </p:cNvPicPr>
+          <p:nvPr/>
+        </p:nvPicPr>
+        <p:blipFill>
+          <a:blip r:embed="rId5" cstate="print">
+            <a:clrChange>
+              <a:clrFrom>
+                <a:srgbClr val="FFFFFF"/>
+              </a:clrFrom>
+              <a:clrTo>
+                <a:srgbClr val="FFFFFF">
+                  <a:alpha val="0"/>
+                </a:srgbClr>
+              </a:clrTo>
+            </a:clrChange>
+            <a:extLst>
+              <a:ext uri="{28A0092B-C50C-407E-A947-70E740481C1C}">
+                <a14:useLocalDpi xmlns:a14="http://schemas.microsoft.com/office/drawing/2010/main" val="0"/>
+              </a:ext>
+            </a:extLst>
+          </a:blip>
+          <a:stretch>
+            <a:fillRect/>
+          </a:stretch>
+        </p:blipFill>
+        <p:spPr>
+          <a:xfrm>
+            <a:off x="9011572" y="2760663"/>
+            <a:ext cx="2808892" cy="2673342"/>
+          </a:xfrm>
+          <a:prstGeom prst="rect">
+            <a:avLst/>
+          </a:prstGeom>
+        </p:spPr>
+      </p:pic>
+      <p:pic>
+        <p:nvPicPr>
+          <p:cNvPr id="41" name="图片 40">
+            <a:extLst>
+              <a:ext uri="{FF2B5EF4-FFF2-40B4-BE49-F238E27FC236}">
+                <a16:creationId xmlns:a16="http://schemas.microsoft.com/office/drawing/2014/main" id="{BD177E6C-C198-4D12-8434-1B7F7B146D67}"/>
+              </a:ext>
+            </a:extLst>
+          </p:cNvPr>
+          <p:cNvPicPr>
+            <a:picLocks noChangeAspect="1"/>
+          </p:cNvPicPr>
+          <p:nvPr/>
+        </p:nvPicPr>
+        <p:blipFill>
+          <a:blip r:embed="rId5" cstate="print">
+            <a:clrChange>
+              <a:clrFrom>
+                <a:srgbClr val="FFFFFF"/>
+              </a:clrFrom>
+              <a:clrTo>
+                <a:srgbClr val="FFFFFF">
+                  <a:alpha val="0"/>
+                </a:srgbClr>
+              </a:clrTo>
+            </a:clrChange>
+            <a:extLst>
+              <a:ext uri="{28A0092B-C50C-407E-A947-70E740481C1C}">
+                <a14:useLocalDpi xmlns:a14="http://schemas.microsoft.com/office/drawing/2010/main" val="0"/>
+              </a:ext>
+            </a:extLst>
+          </a:blip>
+          <a:stretch>
+            <a:fillRect/>
+          </a:stretch>
+        </p:blipFill>
+        <p:spPr>
+          <a:xfrm>
+            <a:off x="9011572" y="3938695"/>
+            <a:ext cx="2808892" cy="2673342"/>
+          </a:xfrm>
+          <a:prstGeom prst="rect">
+            <a:avLst/>
+          </a:prstGeom>
+        </p:spPr>
+      </p:pic>
+      <p:sp>
+        <p:nvSpPr>
+          <p:cNvPr id="42" name="矩形 41">
+            <a:extLst>
+              <a:ext uri="{FF2B5EF4-FFF2-40B4-BE49-F238E27FC236}">
+                <a16:creationId xmlns:a16="http://schemas.microsoft.com/office/drawing/2014/main" id="{23AC4CA2-7D87-4A7D-99B3-6E9F7C141C14}"/>
+              </a:ext>
+            </a:extLst>
+          </p:cNvPr>
+          <p:cNvSpPr/>
+          <p:nvPr/>
+        </p:nvSpPr>
+        <p:spPr>
+          <a:xfrm>
+            <a:off x="9120039" y="1631423"/>
+            <a:ext cx="2696577" cy="1287882"/>
+          </a:xfrm>
+          <a:prstGeom prst="rect">
+            <a:avLst/>
+          </a:prstGeom>
+          <a:noFill/>
+          <a:ln w="63500">
+            <a:solidFill>
+              <a:schemeClr val="accent6"/>
+            </a:solidFill>
+          </a:ln>
+        </p:spPr>
+        <p:style>
+          <a:lnRef idx="2">
+            <a:schemeClr val="accent1">
+              <a:shade val="50000"/>
+            </a:schemeClr>
+          </a:lnRef>
+          <a:fillRef idx="1">
+            <a:schemeClr val="accent1"/>
+          </a:fillRef>
+          <a:effectRef idx="0">
+            <a:schemeClr val="accent1"/>
+          </a:effectRef>
+          <a:fontRef idx="minor">
+            <a:schemeClr val="lt1"/>
+          </a:fontRef>
+        </p:style>
+        <p:txBody>
+          <a:bodyPr rtlCol="0" anchor="ctr"/>
+          <a:lstStyle/>
+          <a:p>
+            <a:pPr algn="ctr"/>
+            <a:endParaRPr lang="zh-CN" altLang="en-US"/>
+          </a:p>
+        </p:txBody>
+      </p:sp>
+      <p:sp>
+        <p:nvSpPr>
+          <p:cNvPr id="45" name="对话气泡: 矩形 44">
+            <a:extLst>
+              <a:ext uri="{FF2B5EF4-FFF2-40B4-BE49-F238E27FC236}">
+                <a16:creationId xmlns:a16="http://schemas.microsoft.com/office/drawing/2014/main" id="{30E4C21F-6B3B-4686-8EB4-58A3E2850CE4}"/>
+              </a:ext>
+            </a:extLst>
+          </p:cNvPr>
+          <p:cNvSpPr/>
+          <p:nvPr/>
+        </p:nvSpPr>
+        <p:spPr>
+          <a:xfrm>
+            <a:off x="14041245" y="1398507"/>
+            <a:ext cx="1473200" cy="1031941"/>
+          </a:xfrm>
+          <a:prstGeom prst="wedgeRectCallout">
+            <a:avLst>
+              <a:gd name="adj1" fmla="val -185157"/>
+              <a:gd name="adj2" fmla="val 51670"/>
+            </a:avLst>
+          </a:prstGeom>
+          <a:noFill/>
+          <a:ln w="63500">
+            <a:solidFill>
+              <a:schemeClr val="accent6"/>
+            </a:solidFill>
+          </a:ln>
+        </p:spPr>
+        <p:style>
+          <a:lnRef idx="2">
+            <a:schemeClr val="accent1">
+              <a:shade val="50000"/>
+            </a:schemeClr>
+          </a:lnRef>
+          <a:fillRef idx="1">
+            <a:schemeClr val="accent1"/>
+          </a:fillRef>
+          <a:effectRef idx="0">
+            <a:schemeClr val="accent1"/>
+          </a:effectRef>
+          <a:fontRef idx="minor">
+            <a:schemeClr val="lt1"/>
+          </a:fontRef>
+        </p:style>
+        <p:txBody>
+          <a:bodyPr rtlCol="0" anchor="ctr"/>
+          <a:lstStyle/>
+          <a:p>
+            <a:pPr algn="ctr"/>
+            <a:endParaRPr lang="zh-CN" altLang="en-US">
+              <a:ln>
+                <a:solidFill>
+                  <a:schemeClr val="accent6"/>
+                </a:solidFill>
+              </a:ln>
+            </a:endParaRPr>
+          </a:p>
+        </p:txBody>
+      </p:sp>
+      <p:sp>
+        <p:nvSpPr>
+          <p:cNvPr id="46" name="文本框 45">
+            <a:extLst>
+              <a:ext uri="{FF2B5EF4-FFF2-40B4-BE49-F238E27FC236}">
+                <a16:creationId xmlns:a16="http://schemas.microsoft.com/office/drawing/2014/main" id="{FAE79693-A979-40A4-AF24-AD0522729C0C}"/>
+              </a:ext>
+            </a:extLst>
+          </p:cNvPr>
+          <p:cNvSpPr txBox="1"/>
+          <p:nvPr/>
+        </p:nvSpPr>
+        <p:spPr>
+          <a:xfrm>
+            <a:off x="13916974" y="1607984"/>
+            <a:ext cx="1721742" cy="646331"/>
+          </a:xfrm>
+          <a:prstGeom prst="rect">
+            <a:avLst/>
+          </a:prstGeom>
+          <a:noFill/>
+        </p:spPr>
+        <p:txBody>
+          <a:bodyPr wrap="square" rtlCol="0">
+            <a:spAutoFit/>
+          </a:bodyPr>
+          <a:lstStyle/>
+          <a:p>
+            <a:pPr algn="ctr"/>
+            <a:r>
+              <a:rPr lang="zh-CN" altLang="en-US" dirty="0"/>
+              <a:t>越界的</a:t>
+            </a:r>
+            <a:r>
+              <a:rPr lang="en-US" altLang="zh-CN" dirty="0"/>
+              <a:t>anchor</a:t>
+            </a:r>
+            <a:r>
+              <a:rPr lang="zh-CN" altLang="en-US" dirty="0"/>
+              <a:t>直接剔除</a:t>
+            </a:r>
+          </a:p>
+        </p:txBody>
+      </p:sp>
+    </p:spTree>
+    <p:extLst>
+      <p:ext uri="{BB962C8B-B14F-4D97-AF65-F5344CB8AC3E}">
+        <p14:creationId xmlns:p14="http://schemas.microsoft.com/office/powerpoint/2010/main" val="1458655398"/>
+      </p:ext>
+    </p:extLst>
+  </p:cSld>
+  <p:clrMapOvr>
+    <a:masterClrMapping/>
+  </p:clrMapOvr>
+</p:sld>
+</file>
+
+<file path=ppt/slides/slide5.xml><?xml version="1.0" encoding="utf-8"?>
+<p:sld xmlns:a="http://schemas.openxmlformats.org/drawingml/2006/main" xmlns:r="http://schemas.openxmlformats.org/officeDocument/2006/relationships" xmlns:p="http://schemas.openxmlformats.org/presentationml/2006/main">
+  <p:cSld>
+    <p:spTree>
+      <p:nvGrpSpPr>
+        <p:cNvPr id="1" name=""/>
+        <p:cNvGrpSpPr/>
+        <p:nvPr/>
+      </p:nvGrpSpPr>
+      <p:grpSpPr>
+        <a:xfrm>
+          <a:off x="0" y="0"/>
+          <a:ext cx="0" cy="0"/>
+          <a:chOff x="0" y="0"/>
+          <a:chExt cx="0" cy="0"/>
+        </a:xfrm>
+      </p:grpSpPr>
+      <p:sp>
+        <p:nvSpPr>
+          <p:cNvPr id="7" name="矩形 6">
+            <a:extLst>
+              <a:ext uri="{FF2B5EF4-FFF2-40B4-BE49-F238E27FC236}">
+                <a16:creationId xmlns:a16="http://schemas.microsoft.com/office/drawing/2014/main" id="{AB511445-FB1F-4933-A07A-640A106C8A0C}"/>
+              </a:ext>
+            </a:extLst>
+          </p:cNvPr>
+          <p:cNvSpPr/>
+          <p:nvPr/>
+        </p:nvSpPr>
+        <p:spPr>
+          <a:xfrm>
+            <a:off x="4085863" y="2893671"/>
+            <a:ext cx="3842796" cy="2980481"/>
+          </a:xfrm>
+          <a:prstGeom prst="rect">
+            <a:avLst/>
+          </a:prstGeom>
+          <a:noFill/>
+          <a:ln w="63500">
+            <a:solidFill>
+              <a:schemeClr val="accent5"/>
+            </a:solidFill>
+          </a:ln>
+        </p:spPr>
+        <p:style>
+          <a:lnRef idx="2">
+            <a:schemeClr val="accent1">
+              <a:shade val="50000"/>
+            </a:schemeClr>
+          </a:lnRef>
+          <a:fillRef idx="1">
+            <a:schemeClr val="accent1"/>
+          </a:fillRef>
+          <a:effectRef idx="0">
+            <a:schemeClr val="accent1"/>
+          </a:effectRef>
+          <a:fontRef idx="minor">
+            <a:schemeClr val="lt1"/>
+          </a:fontRef>
+        </p:style>
+        <p:txBody>
+          <a:bodyPr rtlCol="0" anchor="ctr"/>
+          <a:lstStyle/>
+          <a:p>
+            <a:pPr algn="ctr"/>
+            <a:endParaRPr lang="zh-CN" altLang="en-US"/>
+          </a:p>
+        </p:txBody>
+      </p:sp>
+      <p:sp>
+        <p:nvSpPr>
+          <p:cNvPr id="8" name="矩形 7">
+            <a:extLst>
+              <a:ext uri="{FF2B5EF4-FFF2-40B4-BE49-F238E27FC236}">
+                <a16:creationId xmlns:a16="http://schemas.microsoft.com/office/drawing/2014/main" id="{C11A7A1D-CE93-44A1-B2BE-ADB73385843A}"/>
+              </a:ext>
+            </a:extLst>
+          </p:cNvPr>
+          <p:cNvSpPr/>
+          <p:nvPr/>
+        </p:nvSpPr>
+        <p:spPr>
+          <a:xfrm>
+            <a:off x="4525701" y="2176041"/>
+            <a:ext cx="3970117" cy="3698111"/>
+          </a:xfrm>
+          <a:prstGeom prst="rect">
+            <a:avLst/>
+          </a:prstGeom>
+          <a:noFill/>
+          <a:ln w="63500">
+            <a:solidFill>
+              <a:srgbClr val="FF0000"/>
+            </a:solidFill>
+          </a:ln>
+        </p:spPr>
+        <p:style>
+          <a:lnRef idx="2">
+            <a:schemeClr val="accent1">
+              <a:shade val="50000"/>
+            </a:schemeClr>
+          </a:lnRef>
+          <a:fillRef idx="1">
+            <a:schemeClr val="accent1"/>
+          </a:fillRef>
+          <a:effectRef idx="0">
+            <a:schemeClr val="accent1"/>
+          </a:effectRef>
+          <a:fontRef idx="minor">
+            <a:schemeClr val="lt1"/>
+          </a:fontRef>
+        </p:style>
+        <p:txBody>
+          <a:bodyPr rtlCol="0" anchor="ctr"/>
+          <a:lstStyle/>
+          <a:p>
+            <a:pPr algn="ctr"/>
+            <a:endParaRPr lang="zh-CN" altLang="en-US" dirty="0"/>
+          </a:p>
+        </p:txBody>
+      </p:sp>
+      <p:sp>
+        <p:nvSpPr>
+          <p:cNvPr id="9" name="矩形 8">
+            <a:extLst>
+              <a:ext uri="{FF2B5EF4-FFF2-40B4-BE49-F238E27FC236}">
+                <a16:creationId xmlns:a16="http://schemas.microsoft.com/office/drawing/2014/main" id="{6D9DCEF9-2A0E-4EEC-A852-A0F961E5D624}"/>
+              </a:ext>
+            </a:extLst>
+          </p:cNvPr>
+          <p:cNvSpPr/>
+          <p:nvPr/>
+        </p:nvSpPr>
+        <p:spPr>
+          <a:xfrm>
+            <a:off x="5046562" y="1425617"/>
+            <a:ext cx="3970117" cy="4448536"/>
+          </a:xfrm>
+          <a:prstGeom prst="rect">
+            <a:avLst/>
+          </a:prstGeom>
+          <a:noFill/>
+          <a:ln w="63500">
+            <a:solidFill>
+              <a:schemeClr val="accent6"/>
+            </a:solidFill>
+          </a:ln>
+        </p:spPr>
+        <p:style>
+          <a:lnRef idx="2">
+            <a:schemeClr val="accent1">
+              <a:shade val="50000"/>
+            </a:schemeClr>
+          </a:lnRef>
+          <a:fillRef idx="1">
+            <a:schemeClr val="accent1"/>
+          </a:fillRef>
+          <a:effectRef idx="0">
+            <a:schemeClr val="accent1"/>
+          </a:effectRef>
+          <a:fontRef idx="minor">
+            <a:schemeClr val="lt1"/>
+          </a:fontRef>
+        </p:style>
+        <p:txBody>
+          <a:bodyPr rtlCol="0" anchor="ctr"/>
+          <a:lstStyle/>
+          <a:p>
+            <a:pPr algn="ctr"/>
+            <a:endParaRPr lang="zh-CN" altLang="en-US"/>
+          </a:p>
+        </p:txBody>
+      </p:sp>
+      <p:sp>
+        <p:nvSpPr>
+          <p:cNvPr id="10" name="文本框 9">
+            <a:extLst>
+              <a:ext uri="{FF2B5EF4-FFF2-40B4-BE49-F238E27FC236}">
+                <a16:creationId xmlns:a16="http://schemas.microsoft.com/office/drawing/2014/main" id="{E0CD54E5-4EC9-4A66-9431-3FF9EFF57E10}"/>
+              </a:ext>
+            </a:extLst>
+          </p:cNvPr>
+          <p:cNvSpPr txBox="1"/>
+          <p:nvPr/>
+        </p:nvSpPr>
+        <p:spPr>
+          <a:xfrm>
+            <a:off x="7182091" y="840840"/>
+            <a:ext cx="1834588" cy="584775"/>
+          </a:xfrm>
+          <a:prstGeom prst="rect">
+            <a:avLst/>
+          </a:prstGeom>
+          <a:noFill/>
+        </p:spPr>
+        <p:txBody>
+          <a:bodyPr wrap="square" rtlCol="0">
+            <a:spAutoFit/>
+          </a:bodyPr>
+          <a:lstStyle/>
+          <a:p>
+            <a:r>
+              <a:rPr lang="en-US" altLang="zh-CN" sz="3200" b="1" dirty="0">
+                <a:solidFill>
+                  <a:schemeClr val="accent6"/>
+                </a:solidFill>
+              </a:rPr>
+              <a:t>GT</a:t>
+            </a:r>
+            <a:r>
+              <a:rPr lang="zh-CN" altLang="en-US" sz="3200" b="1" dirty="0">
+                <a:solidFill>
+                  <a:schemeClr val="accent6"/>
+                </a:solidFill>
+              </a:rPr>
+              <a:t>（</a:t>
+            </a:r>
+            <a:r>
+              <a:rPr lang="en-US" altLang="zh-CN" sz="3200" b="1" dirty="0">
+                <a:solidFill>
+                  <a:schemeClr val="accent6"/>
+                </a:solidFill>
+              </a:rPr>
+              <a:t>G</a:t>
+            </a:r>
+            <a:r>
+              <a:rPr lang="zh-CN" altLang="en-US" sz="3200" b="1" dirty="0">
+                <a:solidFill>
+                  <a:schemeClr val="accent6"/>
+                </a:solidFill>
+              </a:rPr>
+              <a:t>*）</a:t>
+            </a:r>
+          </a:p>
+        </p:txBody>
+      </p:sp>
+      <p:sp>
+        <p:nvSpPr>
+          <p:cNvPr id="11" name="文本框 10">
+            <a:extLst>
+              <a:ext uri="{FF2B5EF4-FFF2-40B4-BE49-F238E27FC236}">
+                <a16:creationId xmlns:a16="http://schemas.microsoft.com/office/drawing/2014/main" id="{909A9FE7-FDFF-4B4F-9A33-297DC8F17FC3}"/>
+              </a:ext>
+            </a:extLst>
+          </p:cNvPr>
+          <p:cNvSpPr txBox="1"/>
+          <p:nvPr/>
+        </p:nvSpPr>
+        <p:spPr>
+          <a:xfrm>
+            <a:off x="6018835" y="1636474"/>
+            <a:ext cx="2476983" cy="584775"/>
+          </a:xfrm>
+          <a:prstGeom prst="rect">
+            <a:avLst/>
+          </a:prstGeom>
+          <a:noFill/>
+        </p:spPr>
+        <p:txBody>
+          <a:bodyPr wrap="square" rtlCol="0">
+            <a:spAutoFit/>
+          </a:bodyPr>
+          <a:lstStyle/>
+          <a:p>
+            <a:r>
+              <a:rPr lang="en-US" altLang="zh-CN" sz="3200" b="1" dirty="0">
+                <a:solidFill>
+                  <a:srgbClr val="FF0000"/>
+                </a:solidFill>
+              </a:rPr>
+              <a:t>proposal</a:t>
+            </a:r>
+            <a:r>
+              <a:rPr lang="zh-CN" altLang="en-US" sz="3200" b="1" dirty="0">
+                <a:solidFill>
+                  <a:srgbClr val="FF0000"/>
+                </a:solidFill>
+              </a:rPr>
+              <a:t>（</a:t>
+            </a:r>
+            <a:r>
+              <a:rPr lang="en-US" altLang="zh-CN" sz="3200" b="1" dirty="0">
+                <a:solidFill>
+                  <a:srgbClr val="FF0000"/>
+                </a:solidFill>
+              </a:rPr>
+              <a:t>G</a:t>
+            </a:r>
+            <a:r>
+              <a:rPr lang="zh-CN" altLang="en-US" sz="3200" b="1" dirty="0">
+                <a:solidFill>
+                  <a:srgbClr val="FF0000"/>
+                </a:solidFill>
+              </a:rPr>
+              <a:t>）</a:t>
+            </a:r>
+          </a:p>
+        </p:txBody>
+      </p:sp>
+      <p:sp>
+        <p:nvSpPr>
+          <p:cNvPr id="12" name="文本框 11">
+            <a:extLst>
+              <a:ext uri="{FF2B5EF4-FFF2-40B4-BE49-F238E27FC236}">
+                <a16:creationId xmlns:a16="http://schemas.microsoft.com/office/drawing/2014/main" id="{75824B78-D0CB-44F3-A389-6A606BAF3365}"/>
+              </a:ext>
+            </a:extLst>
+          </p:cNvPr>
+          <p:cNvSpPr txBox="1"/>
+          <p:nvPr/>
+        </p:nvSpPr>
+        <p:spPr>
+          <a:xfrm>
+            <a:off x="5622402" y="2354104"/>
+            <a:ext cx="2476983" cy="584775"/>
+          </a:xfrm>
+          <a:prstGeom prst="rect">
+            <a:avLst/>
+          </a:prstGeom>
+          <a:noFill/>
+        </p:spPr>
+        <p:txBody>
+          <a:bodyPr wrap="square" rtlCol="0">
+            <a:spAutoFit/>
+          </a:bodyPr>
+          <a:lstStyle/>
+          <a:p>
+            <a:r>
+              <a:rPr lang="en-US" altLang="zh-CN" sz="3200" b="1" dirty="0">
+                <a:solidFill>
+                  <a:schemeClr val="accent5"/>
+                </a:solidFill>
+              </a:rPr>
+              <a:t>anchor</a:t>
+            </a:r>
+            <a:r>
+              <a:rPr lang="zh-CN" altLang="en-US" sz="3200" b="1" dirty="0">
+                <a:solidFill>
+                  <a:schemeClr val="accent5"/>
+                </a:solidFill>
+              </a:rPr>
+              <a:t>（</a:t>
+            </a:r>
+            <a:r>
+              <a:rPr lang="en-US" altLang="zh-CN" sz="3200" b="1" dirty="0">
+                <a:solidFill>
+                  <a:schemeClr val="accent5"/>
+                </a:solidFill>
+              </a:rPr>
+              <a:t>Ga</a:t>
+            </a:r>
+            <a:r>
+              <a:rPr lang="zh-CN" altLang="en-US" sz="3200" b="1" dirty="0">
+                <a:solidFill>
+                  <a:schemeClr val="accent5"/>
+                </a:solidFill>
+              </a:rPr>
+              <a:t>）</a:t>
+            </a:r>
+          </a:p>
+        </p:txBody>
+      </p:sp>
+    </p:spTree>
+    <p:extLst>
+      <p:ext uri="{BB962C8B-B14F-4D97-AF65-F5344CB8AC3E}">
+        <p14:creationId xmlns:p14="http://schemas.microsoft.com/office/powerpoint/2010/main" val="1466651031"/>
       </p:ext>
     </p:extLst>
   </p:cSld>
@@ -4908,4 +9537,299 @@
     </a:ext>
   </a:extLst>
 </a:theme>
+</file>
+
+<file path=ppt/theme/theme2.xml><?xml version="1.0" encoding="utf-8"?>
+<a:theme xmlns:a="http://schemas.openxmlformats.org/drawingml/2006/main" name="Office 主题​​">
+  <a:themeElements>
+    <a:clrScheme name="Office">
+      <a:dk1>
+        <a:sysClr val="windowText" lastClr="000000"/>
+      </a:dk1>
+      <a:lt1>
+        <a:sysClr val="window" lastClr="FFFFFF"/>
+      </a:lt1>
+      <a:dk2>
+        <a:srgbClr val="44546A"/>
+      </a:dk2>
+      <a:lt2>
+        <a:srgbClr val="E7E6E6"/>
+      </a:lt2>
+      <a:accent1>
+        <a:srgbClr val="4472C4"/>
+      </a:accent1>
+      <a:accent2>
+        <a:srgbClr val="ED7D31"/>
+      </a:accent2>
+      <a:accent3>
+        <a:srgbClr val="A5A5A5"/>
+      </a:accent3>
+      <a:accent4>
+        <a:srgbClr val="FFC000"/>
+      </a:accent4>
+      <a:accent5>
+        <a:srgbClr val="5B9BD5"/>
+      </a:accent5>
+      <a:accent6>
+        <a:srgbClr val="70AD47"/>
+      </a:accent6>
+      <a:hlink>
+        <a:srgbClr val="0563C1"/>
+      </a:hlink>
+      <a:folHlink>
+        <a:srgbClr val="954F72"/>
+      </a:folHlink>
+    </a:clrScheme>
+    <a:fontScheme name="Office">
+      <a:majorFont>
+        <a:latin typeface="等线 Light" panose="020F0302020204030204"/>
+        <a:ea typeface=""/>
+        <a:cs typeface=""/>
+        <a:font script="Jpan" typeface="游ゴシック Light"/>
+        <a:font script="Hang" typeface="맑은 고딕"/>
+        <a:font script="Hans" typeface="等线 Light"/>
+        <a:font script="Hant" typeface="新細明體"/>
+        <a:font script="Arab" typeface="Times New Roman"/>
+        <a:font script="Hebr" typeface="Times New Roman"/>
+        <a:font script="Thai" typeface="Angsana New"/>
+        <a:font script="Ethi" typeface="Nyala"/>
+        <a:font script="Beng" typeface="Vrinda"/>
+        <a:font script="Gujr" typeface="Shruti"/>
+        <a:font script="Khmr" typeface="MoolBoran"/>
+        <a:font script="Knda" typeface="Tunga"/>
+        <a:font script="Guru" typeface="Raavi"/>
+        <a:font script="Cans" typeface="Euphemia"/>
+        <a:font script="Cher" typeface="Plantagenet Cherokee"/>
+        <a:font script="Yiii" typeface="Microsoft Yi Baiti"/>
+        <a:font script="Tibt" typeface="Microsoft Himalaya"/>
+        <a:font script="Thaa" typeface="MV Boli"/>
+        <a:font script="Deva" typeface="Mangal"/>
+        <a:font script="Telu" typeface="Gautami"/>
+        <a:font script="Taml" typeface="Latha"/>
+        <a:font script="Syrc" typeface="Estrangelo Edessa"/>
+        <a:font script="Orya" typeface="Kalinga"/>
+        <a:font script="Mlym" typeface="Kartika"/>
+        <a:font script="Laoo" typeface="DokChampa"/>
+        <a:font script="Sinh" typeface="Iskoola Pota"/>
+        <a:font script="Mong" typeface="Mongolian Baiti"/>
+        <a:font script="Viet" typeface="Times New Roman"/>
+        <a:font script="Uigh" typeface="Microsoft Uighur"/>
+        <a:font script="Geor" typeface="Sylfaen"/>
+        <a:font script="Armn" typeface="Arial"/>
+        <a:font script="Bugi" typeface="Leelawadee UI"/>
+        <a:font script="Bopo" typeface="Microsoft JhengHei"/>
+        <a:font script="Java" typeface="Javanese Text"/>
+        <a:font script="Lisu" typeface="Segoe UI"/>
+        <a:font script="Mymr" typeface="Myanmar Text"/>
+        <a:font script="Nkoo" typeface="Ebrima"/>
+        <a:font script="Olck" typeface="Nirmala UI"/>
+        <a:font script="Osma" typeface="Ebrima"/>
+        <a:font script="Phag" typeface="Phagspa"/>
+        <a:font script="Syrn" typeface="Estrangelo Edessa"/>
+        <a:font script="Syrj" typeface="Estrangelo Edessa"/>
+        <a:font script="Syre" typeface="Estrangelo Edessa"/>
+        <a:font script="Sora" typeface="Nirmala UI"/>
+        <a:font script="Tale" typeface="Microsoft Tai Le"/>
+        <a:font script="Talu" typeface="Microsoft New Tai Lue"/>
+        <a:font script="Tfng" typeface="Ebrima"/>
+      </a:majorFont>
+      <a:minorFont>
+        <a:latin typeface="等线" panose="020F0502020204030204"/>
+        <a:ea typeface=""/>
+        <a:cs typeface=""/>
+        <a:font script="Jpan" typeface="游ゴシック"/>
+        <a:font script="Hang" typeface="맑은 고딕"/>
+        <a:font script="Hans" typeface="等线"/>
+        <a:font script="Hant" typeface="新細明體"/>
+        <a:font script="Arab" typeface="Arial"/>
+        <a:font script="Hebr" typeface="Arial"/>
+        <a:font script="Thai" typeface="Cordia New"/>
+        <a:font script="Ethi" typeface="Nyala"/>
+        <a:font script="Beng" typeface="Vrinda"/>
+        <a:font script="Gujr" typeface="Shruti"/>
+        <a:font script="Khmr" typeface="DaunPenh"/>
+        <a:font script="Knda" typeface="Tunga"/>
+        <a:font script="Guru" typeface="Raavi"/>
+        <a:font script="Cans" typeface="Euphemia"/>
+        <a:font script="Cher" typeface="Plantagenet Cherokee"/>
+        <a:font script="Yiii" typeface="Microsoft Yi Baiti"/>
+        <a:font script="Tibt" typeface="Microsoft Himalaya"/>
+        <a:font script="Thaa" typeface="MV Boli"/>
+        <a:font script="Deva" typeface="Mangal"/>
+        <a:font script="Telu" typeface="Gautami"/>
+        <a:font script="Taml" typeface="Latha"/>
+        <a:font script="Syrc" typeface="Estrangelo Edessa"/>
+        <a:font script="Orya" typeface="Kalinga"/>
+        <a:font script="Mlym" typeface="Kartika"/>
+        <a:font script="Laoo" typeface="DokChampa"/>
+        <a:font script="Sinh" typeface="Iskoola Pota"/>
+        <a:font script="Mong" typeface="Mongolian Baiti"/>
+        <a:font script="Viet" typeface="Arial"/>
+        <a:font script="Uigh" typeface="Microsoft Uighur"/>
+        <a:font script="Geor" typeface="Sylfaen"/>
+        <a:font script="Armn" typeface="Arial"/>
+        <a:font script="Bugi" typeface="Leelawadee UI"/>
+        <a:font script="Bopo" typeface="Microsoft JhengHei"/>
+        <a:font script="Java" typeface="Javanese Text"/>
+        <a:font script="Lisu" typeface="Segoe UI"/>
+        <a:font script="Mymr" typeface="Myanmar Text"/>
+        <a:font script="Nkoo" typeface="Ebrima"/>
+        <a:font script="Olck" typeface="Nirmala UI"/>
+        <a:font script="Osma" typeface="Ebrima"/>
+        <a:font script="Phag" typeface="Phagspa"/>
+        <a:font script="Syrn" typeface="Estrangelo Edessa"/>
+        <a:font script="Syrj" typeface="Estrangelo Edessa"/>
+        <a:font script="Syre" typeface="Estrangelo Edessa"/>
+        <a:font script="Sora" typeface="Nirmala UI"/>
+        <a:font script="Tale" typeface="Microsoft Tai Le"/>
+        <a:font script="Talu" typeface="Microsoft New Tai Lue"/>
+        <a:font script="Tfng" typeface="Ebrima"/>
+      </a:minorFont>
+    </a:fontScheme>
+    <a:fmtScheme name="Office">
+      <a:fillStyleLst>
+        <a:solidFill>
+          <a:schemeClr val="phClr"/>
+        </a:solidFill>
+        <a:gradFill rotWithShape="1">
+          <a:gsLst>
+            <a:gs pos="0">
+              <a:schemeClr val="phClr">
+                <a:lumMod val="110000"/>
+                <a:satMod val="105000"/>
+                <a:tint val="67000"/>
+              </a:schemeClr>
+            </a:gs>
+            <a:gs pos="50000">
+              <a:schemeClr val="phClr">
+                <a:lumMod val="105000"/>
+                <a:satMod val="103000"/>
+                <a:tint val="73000"/>
+              </a:schemeClr>
+            </a:gs>
+            <a:gs pos="100000">
+              <a:schemeClr val="phClr">
+                <a:lumMod val="105000"/>
+                <a:satMod val="109000"/>
+                <a:tint val="81000"/>
+              </a:schemeClr>
+            </a:gs>
+          </a:gsLst>
+          <a:lin ang="5400000" scaled="0"/>
+        </a:gradFill>
+        <a:gradFill rotWithShape="1">
+          <a:gsLst>
+            <a:gs pos="0">
+              <a:schemeClr val="phClr">
+                <a:satMod val="103000"/>
+                <a:lumMod val="102000"/>
+                <a:tint val="94000"/>
+              </a:schemeClr>
+            </a:gs>
+            <a:gs pos="50000">
+              <a:schemeClr val="phClr">
+                <a:satMod val="110000"/>
+                <a:lumMod val="100000"/>
+                <a:shade val="100000"/>
+              </a:schemeClr>
+            </a:gs>
+            <a:gs pos="100000">
+              <a:schemeClr val="phClr">
+                <a:lumMod val="99000"/>
+                <a:satMod val="120000"/>
+                <a:shade val="78000"/>
+              </a:schemeClr>
+            </a:gs>
+          </a:gsLst>
+          <a:lin ang="5400000" scaled="0"/>
+        </a:gradFill>
+      </a:fillStyleLst>
+      <a:lnStyleLst>
+        <a:ln w="6350" cap="flat" cmpd="sng" algn="ctr">
+          <a:solidFill>
+            <a:schemeClr val="phClr"/>
+          </a:solidFill>
+          <a:prstDash val="solid"/>
+          <a:miter lim="800000"/>
+        </a:ln>
+        <a:ln w="12700" cap="flat" cmpd="sng" algn="ctr">
+          <a:solidFill>
+            <a:schemeClr val="phClr"/>
+          </a:solidFill>
+          <a:prstDash val="solid"/>
+          <a:miter lim="800000"/>
+        </a:ln>
+        <a:ln w="19050" cap="flat" cmpd="sng" algn="ctr">
+          <a:solidFill>
+            <a:schemeClr val="phClr"/>
+          </a:solidFill>
+          <a:prstDash val="solid"/>
+          <a:miter lim="800000"/>
+        </a:ln>
+      </a:lnStyleLst>
+      <a:effectStyleLst>
+        <a:effectStyle>
+          <a:effectLst/>
+        </a:effectStyle>
+        <a:effectStyle>
+          <a:effectLst/>
+        </a:effectStyle>
+        <a:effectStyle>
+          <a:effectLst>
+            <a:outerShdw blurRad="57150" dist="19050" dir="5400000" algn="ctr" rotWithShape="0">
+              <a:srgbClr val="000000">
+                <a:alpha val="63000"/>
+              </a:srgbClr>
+            </a:outerShdw>
+          </a:effectLst>
+        </a:effectStyle>
+      </a:effectStyleLst>
+      <a:bgFillStyleLst>
+        <a:solidFill>
+          <a:schemeClr val="phClr"/>
+        </a:solidFill>
+        <a:solidFill>
+          <a:schemeClr val="phClr">
+            <a:tint val="95000"/>
+            <a:satMod val="170000"/>
+          </a:schemeClr>
+        </a:solidFill>
+        <a:gradFill rotWithShape="1">
+          <a:gsLst>
+            <a:gs pos="0">
+              <a:schemeClr val="phClr">
+                <a:tint val="93000"/>
+                <a:satMod val="150000"/>
+                <a:shade val="98000"/>
+                <a:lumMod val="102000"/>
+              </a:schemeClr>
+            </a:gs>
+            <a:gs pos="50000">
+              <a:schemeClr val="phClr">
+                <a:tint val="98000"/>
+                <a:satMod val="130000"/>
+                <a:shade val="90000"/>
+                <a:lumMod val="103000"/>
+              </a:schemeClr>
+            </a:gs>
+            <a:gs pos="100000">
+              <a:schemeClr val="phClr">
+                <a:shade val="63000"/>
+                <a:satMod val="120000"/>
+              </a:schemeClr>
+            </a:gs>
+          </a:gsLst>
+          <a:lin ang="5400000" scaled="0"/>
+        </a:gradFill>
+      </a:bgFillStyleLst>
+    </a:fmtScheme>
+  </a:themeElements>
+  <a:objectDefaults/>
+  <a:extraClrSchemeLst/>
+  <a:extLst>
+    <a:ext uri="{05A4C25C-085E-4340-85A3-A5531E510DB2}">
+      <thm15:themeFamily xmlns:thm15="http://schemas.microsoft.com/office/thememl/2012/main" name="Office Theme" id="{62F939B6-93AF-4DB8-9C6B-D6C7DFDC589F}" vid="{4A3C46E8-61CC-4603-A589-7422A47A8E4A}"/>
+    </a:ext>
+  </a:extLst>
+</a:theme>
 </file>
--- a/Week 3/Note/picture_make.pptx
+++ b/Week 3/Note/picture_make.pptx
@@ -5,7 +5,7 @@
     <p:sldMasterId id="2147483660" r:id="rId1"/>
   </p:sldMasterIdLst>
   <p:notesMasterIdLst>
-    <p:notesMasterId r:id="rId7"/>
+    <p:notesMasterId r:id="rId9"/>
   </p:notesMasterIdLst>
   <p:sldIdLst>
     <p:sldId id="256" r:id="rId2"/>
@@ -13,6 +13,8 @@
     <p:sldId id="259" r:id="rId4"/>
     <p:sldId id="258" r:id="rId5"/>
     <p:sldId id="260" r:id="rId6"/>
+    <p:sldId id="262" r:id="rId7"/>
+    <p:sldId id="261" r:id="rId8"/>
   </p:sldIdLst>
   <p:sldSz cx="25199975" cy="6858000"/>
   <p:notesSz cx="6858000" cy="9144000"/>
@@ -201,7 +203,7 @@
           <a:p>
             <a:fld id="{5463FFE8-AA1E-4009-8551-EA4375000452}" type="datetimeFigureOut">
               <a:rPr lang="zh-CN" altLang="en-US" smtClean="0"/>
-              <a:t>2021/7/26</a:t>
+              <a:t>2021/7/27</a:t>
             </a:fld>
             <a:endParaRPr lang="zh-CN" altLang="en-US"/>
           </a:p>
@@ -767,7 +769,7 @@
           <a:p>
             <a:fld id="{D997B5FA-0921-464F-AAE1-844C04324D75}" type="datetimeFigureOut">
               <a:rPr lang="zh-CN" altLang="en-US" smtClean="0"/>
-              <a:t>2021/7/26</a:t>
+              <a:t>2021/7/27</a:t>
             </a:fld>
             <a:endParaRPr lang="zh-CN" altLang="en-US"/>
           </a:p>
@@ -937,7 +939,7 @@
           <a:p>
             <a:fld id="{D997B5FA-0921-464F-AAE1-844C04324D75}" type="datetimeFigureOut">
               <a:rPr lang="zh-CN" altLang="en-US" smtClean="0"/>
-              <a:t>2021/7/26</a:t>
+              <a:t>2021/7/27</a:t>
             </a:fld>
             <a:endParaRPr lang="zh-CN" altLang="en-US"/>
           </a:p>
@@ -1117,7 +1119,7 @@
           <a:p>
             <a:fld id="{D997B5FA-0921-464F-AAE1-844C04324D75}" type="datetimeFigureOut">
               <a:rPr lang="zh-CN" altLang="en-US" smtClean="0"/>
-              <a:t>2021/7/26</a:t>
+              <a:t>2021/7/27</a:t>
             </a:fld>
             <a:endParaRPr lang="zh-CN" altLang="en-US"/>
           </a:p>
@@ -1287,7 +1289,7 @@
           <a:p>
             <a:fld id="{D997B5FA-0921-464F-AAE1-844C04324D75}" type="datetimeFigureOut">
               <a:rPr lang="zh-CN" altLang="en-US" smtClean="0"/>
-              <a:t>2021/7/26</a:t>
+              <a:t>2021/7/27</a:t>
             </a:fld>
             <a:endParaRPr lang="zh-CN" altLang="en-US"/>
           </a:p>
@@ -1533,7 +1535,7 @@
           <a:p>
             <a:fld id="{D997B5FA-0921-464F-AAE1-844C04324D75}" type="datetimeFigureOut">
               <a:rPr lang="zh-CN" altLang="en-US" smtClean="0"/>
-              <a:t>2021/7/26</a:t>
+              <a:t>2021/7/27</a:t>
             </a:fld>
             <a:endParaRPr lang="zh-CN" altLang="en-US"/>
           </a:p>
@@ -1765,7 +1767,7 @@
           <a:p>
             <a:fld id="{D997B5FA-0921-464F-AAE1-844C04324D75}" type="datetimeFigureOut">
               <a:rPr lang="zh-CN" altLang="en-US" smtClean="0"/>
-              <a:t>2021/7/26</a:t>
+              <a:t>2021/7/27</a:t>
             </a:fld>
             <a:endParaRPr lang="zh-CN" altLang="en-US"/>
           </a:p>
@@ -2132,7 +2134,7 @@
           <a:p>
             <a:fld id="{D997B5FA-0921-464F-AAE1-844C04324D75}" type="datetimeFigureOut">
               <a:rPr lang="zh-CN" altLang="en-US" smtClean="0"/>
-              <a:t>2021/7/26</a:t>
+              <a:t>2021/7/27</a:t>
             </a:fld>
             <a:endParaRPr lang="zh-CN" altLang="en-US"/>
           </a:p>
@@ -2250,7 +2252,7 @@
           <a:p>
             <a:fld id="{D997B5FA-0921-464F-AAE1-844C04324D75}" type="datetimeFigureOut">
               <a:rPr lang="zh-CN" altLang="en-US" smtClean="0"/>
-              <a:t>2021/7/26</a:t>
+              <a:t>2021/7/27</a:t>
             </a:fld>
             <a:endParaRPr lang="zh-CN" altLang="en-US"/>
           </a:p>
@@ -2345,7 +2347,7 @@
           <a:p>
             <a:fld id="{D997B5FA-0921-464F-AAE1-844C04324D75}" type="datetimeFigureOut">
               <a:rPr lang="zh-CN" altLang="en-US" smtClean="0"/>
-              <a:t>2021/7/26</a:t>
+              <a:t>2021/7/27</a:t>
             </a:fld>
             <a:endParaRPr lang="zh-CN" altLang="en-US"/>
           </a:p>
@@ -2622,7 +2624,7 @@
           <a:p>
             <a:fld id="{D997B5FA-0921-464F-AAE1-844C04324D75}" type="datetimeFigureOut">
               <a:rPr lang="zh-CN" altLang="en-US" smtClean="0"/>
-              <a:t>2021/7/26</a:t>
+              <a:t>2021/7/27</a:t>
             </a:fld>
             <a:endParaRPr lang="zh-CN" altLang="en-US"/>
           </a:p>
@@ -2879,7 +2881,7 @@
           <a:p>
             <a:fld id="{D997B5FA-0921-464F-AAE1-844C04324D75}" type="datetimeFigureOut">
               <a:rPr lang="zh-CN" altLang="en-US" smtClean="0"/>
-              <a:t>2021/7/26</a:t>
+              <a:t>2021/7/27</a:t>
             </a:fld>
             <a:endParaRPr lang="zh-CN" altLang="en-US"/>
           </a:p>
@@ -3092,7 +3094,7 @@
           <a:p>
             <a:fld id="{D997B5FA-0921-464F-AAE1-844C04324D75}" type="datetimeFigureOut">
               <a:rPr lang="zh-CN" altLang="en-US" smtClean="0"/>
-              <a:t>2021/7/26</a:t>
+              <a:t>2021/7/27</a:t>
             </a:fld>
             <a:endParaRPr lang="zh-CN" altLang="en-US"/>
           </a:p>
@@ -9269,6 +9271,7227 @@
     <p:extLst>
       <p:ext uri="{BB962C8B-B14F-4D97-AF65-F5344CB8AC3E}">
         <p14:creationId xmlns:p14="http://schemas.microsoft.com/office/powerpoint/2010/main" val="1466651031"/>
+      </p:ext>
+    </p:extLst>
+  </p:cSld>
+  <p:clrMapOvr>
+    <a:masterClrMapping/>
+  </p:clrMapOvr>
+</p:sld>
+</file>
+
+<file path=ppt/slides/slide6.xml><?xml version="1.0" encoding="utf-8"?>
+<p:sld xmlns:a="http://schemas.openxmlformats.org/drawingml/2006/main" xmlns:r="http://schemas.openxmlformats.org/officeDocument/2006/relationships" xmlns:p="http://schemas.openxmlformats.org/presentationml/2006/main">
+  <p:cSld>
+    <p:spTree>
+      <p:nvGrpSpPr>
+        <p:cNvPr id="1" name=""/>
+        <p:cNvGrpSpPr/>
+        <p:nvPr/>
+      </p:nvGrpSpPr>
+      <p:grpSpPr>
+        <a:xfrm>
+          <a:off x="0" y="0"/>
+          <a:ext cx="0" cy="0"/>
+          <a:chOff x="0" y="0"/>
+          <a:chExt cx="0" cy="0"/>
+        </a:xfrm>
+      </p:grpSpPr>
+      <p:cxnSp>
+        <p:nvCxnSpPr>
+          <p:cNvPr id="27" name="直接箭头连接符 26">
+            <a:extLst>
+              <a:ext uri="{FF2B5EF4-FFF2-40B4-BE49-F238E27FC236}">
+                <a16:creationId xmlns:a16="http://schemas.microsoft.com/office/drawing/2014/main" id="{B07803D1-36A0-4ED6-AA24-3C84BD0BCE54}"/>
+              </a:ext>
+            </a:extLst>
+          </p:cNvPr>
+          <p:cNvCxnSpPr>
+            <a:cxnSpLocks/>
+          </p:cNvCxnSpPr>
+          <p:nvPr/>
+        </p:nvCxnSpPr>
+        <p:spPr>
+          <a:xfrm>
+            <a:off x="3902537" y="4011515"/>
+            <a:ext cx="1920909" cy="5974"/>
+          </a:xfrm>
+          <a:prstGeom prst="straightConnector1">
+            <a:avLst/>
+          </a:prstGeom>
+          <a:ln w="63500">
+            <a:tailEnd type="triangle"/>
+          </a:ln>
+        </p:spPr>
+        <p:style>
+          <a:lnRef idx="1">
+            <a:schemeClr val="accent1"/>
+          </a:lnRef>
+          <a:fillRef idx="0">
+            <a:schemeClr val="accent1"/>
+          </a:fillRef>
+          <a:effectRef idx="0">
+            <a:schemeClr val="accent1"/>
+          </a:effectRef>
+          <a:fontRef idx="minor">
+            <a:schemeClr val="tx1"/>
+          </a:fontRef>
+        </p:style>
+      </p:cxnSp>
+      <p:grpSp>
+        <p:nvGrpSpPr>
+          <p:cNvPr id="21" name="组合 20">
+            <a:extLst>
+              <a:ext uri="{FF2B5EF4-FFF2-40B4-BE49-F238E27FC236}">
+                <a16:creationId xmlns:a16="http://schemas.microsoft.com/office/drawing/2014/main" id="{E87AEB18-28E4-40A9-8746-272156540AFB}"/>
+              </a:ext>
+            </a:extLst>
+          </p:cNvPr>
+          <p:cNvGrpSpPr/>
+          <p:nvPr/>
+        </p:nvGrpSpPr>
+        <p:grpSpPr>
+          <a:xfrm>
+            <a:off x="1849557" y="2397713"/>
+            <a:ext cx="2136745" cy="3045404"/>
+            <a:chOff x="1028942" y="1326029"/>
+            <a:chExt cx="2136745" cy="3045404"/>
+          </a:xfrm>
+        </p:grpSpPr>
+        <p:grpSp>
+          <p:nvGrpSpPr>
+            <p:cNvPr id="10" name="组合 9">
+              <a:extLst>
+                <a:ext uri="{FF2B5EF4-FFF2-40B4-BE49-F238E27FC236}">
+                  <a16:creationId xmlns:a16="http://schemas.microsoft.com/office/drawing/2014/main" id="{B6E0DF7A-BA1A-42E8-A0F9-274306642053}"/>
+                </a:ext>
+              </a:extLst>
+            </p:cNvPr>
+            <p:cNvGrpSpPr/>
+            <p:nvPr/>
+          </p:nvGrpSpPr>
+          <p:grpSpPr>
+            <a:xfrm>
+              <a:off x="1028942" y="1934907"/>
+              <a:ext cx="1907598" cy="2436526"/>
+              <a:chOff x="661978" y="1621480"/>
+              <a:chExt cx="1072644" cy="2436526"/>
+            </a:xfrm>
+          </p:grpSpPr>
+          <p:sp>
+            <p:nvSpPr>
+              <p:cNvPr id="24" name="文本框 23">
+                <a:extLst>
+                  <a:ext uri="{FF2B5EF4-FFF2-40B4-BE49-F238E27FC236}">
+                    <a16:creationId xmlns:a16="http://schemas.microsoft.com/office/drawing/2014/main" id="{6D40B077-5EB0-4CE0-8036-8B3A96BEB2E5}"/>
+                  </a:ext>
+                </a:extLst>
+              </p:cNvPr>
+              <p:cNvSpPr txBox="1"/>
+              <p:nvPr/>
+            </p:nvSpPr>
+            <p:spPr>
+              <a:xfrm>
+                <a:off x="661978" y="3534786"/>
+                <a:ext cx="1045832" cy="523220"/>
+              </a:xfrm>
+              <a:prstGeom prst="rect">
+                <a:avLst/>
+              </a:prstGeom>
+              <a:noFill/>
+            </p:spPr>
+            <p:txBody>
+              <a:bodyPr wrap="square" rtlCol="0">
+                <a:spAutoFit/>
+              </a:bodyPr>
+              <a:lstStyle/>
+              <a:p>
+                <a:r>
+                  <a:rPr lang="en-US" altLang="zh-CN" sz="2800" dirty="0"/>
+                  <a:t>(9×H×W, 4)</a:t>
+                </a:r>
+                <a:endParaRPr lang="zh-CN" altLang="en-US" sz="2800" dirty="0"/>
+              </a:p>
+            </p:txBody>
+          </p:sp>
+          <p:grpSp>
+            <p:nvGrpSpPr>
+              <p:cNvPr id="5" name="组合 4">
+                <a:extLst>
+                  <a:ext uri="{FF2B5EF4-FFF2-40B4-BE49-F238E27FC236}">
+                    <a16:creationId xmlns:a16="http://schemas.microsoft.com/office/drawing/2014/main" id="{0C3840E3-8C9F-4B2D-BF3E-7FE6D342A466}"/>
+                  </a:ext>
+                </a:extLst>
+              </p:cNvPr>
+              <p:cNvGrpSpPr/>
+              <p:nvPr/>
+            </p:nvGrpSpPr>
+            <p:grpSpPr>
+              <a:xfrm>
+                <a:off x="688790" y="1621480"/>
+                <a:ext cx="1045832" cy="1874646"/>
+                <a:chOff x="1092040" y="2270856"/>
+                <a:chExt cx="543785" cy="866144"/>
+              </a:xfrm>
+            </p:grpSpPr>
+            <p:sp>
+              <p:nvSpPr>
+                <p:cNvPr id="3" name="立方体 2">
+                  <a:extLst>
+                    <a:ext uri="{FF2B5EF4-FFF2-40B4-BE49-F238E27FC236}">
+                      <a16:creationId xmlns:a16="http://schemas.microsoft.com/office/drawing/2014/main" id="{B3FB541C-22E2-429A-8F6C-F118AC3EA642}"/>
+                    </a:ext>
+                  </a:extLst>
+                </p:cNvPr>
+                <p:cNvSpPr/>
+                <p:nvPr/>
+              </p:nvSpPr>
+              <p:spPr>
+                <a:xfrm>
+                  <a:off x="1092040" y="2869473"/>
+                  <a:ext cx="543785" cy="267527"/>
+                </a:xfrm>
+                <a:prstGeom prst="cube">
+                  <a:avLst/>
+                </a:prstGeom>
+              </p:spPr>
+              <p:style>
+                <a:lnRef idx="2">
+                  <a:schemeClr val="accent1">
+                    <a:shade val="50000"/>
+                  </a:schemeClr>
+                </a:lnRef>
+                <a:fillRef idx="1">
+                  <a:schemeClr val="accent1"/>
+                </a:fillRef>
+                <a:effectRef idx="0">
+                  <a:schemeClr val="accent1"/>
+                </a:effectRef>
+                <a:fontRef idx="minor">
+                  <a:schemeClr val="lt1"/>
+                </a:fontRef>
+              </p:style>
+              <p:txBody>
+                <a:bodyPr rtlCol="0" anchor="ctr"/>
+                <a:lstStyle/>
+                <a:p>
+                  <a:pPr algn="ctr"/>
+                  <a:endParaRPr lang="zh-CN" altLang="en-US" dirty="0"/>
+                </a:p>
+              </p:txBody>
+            </p:sp>
+            <p:sp>
+              <p:nvSpPr>
+                <p:cNvPr id="42" name="立方体 41">
+                  <a:extLst>
+                    <a:ext uri="{FF2B5EF4-FFF2-40B4-BE49-F238E27FC236}">
+                      <a16:creationId xmlns:a16="http://schemas.microsoft.com/office/drawing/2014/main" id="{94C59D0E-FA63-41FA-8185-059F40D0675E}"/>
+                    </a:ext>
+                  </a:extLst>
+                </p:cNvPr>
+                <p:cNvSpPr/>
+                <p:nvPr/>
+              </p:nvSpPr>
+              <p:spPr>
+                <a:xfrm>
+                  <a:off x="1092040" y="2669934"/>
+                  <a:ext cx="543785" cy="267527"/>
+                </a:xfrm>
+                <a:prstGeom prst="cube">
+                  <a:avLst/>
+                </a:prstGeom>
+                <a:solidFill>
+                  <a:schemeClr val="accent6"/>
+                </a:solidFill>
+              </p:spPr>
+              <p:style>
+                <a:lnRef idx="2">
+                  <a:schemeClr val="accent1">
+                    <a:shade val="50000"/>
+                  </a:schemeClr>
+                </a:lnRef>
+                <a:fillRef idx="1">
+                  <a:schemeClr val="accent1"/>
+                </a:fillRef>
+                <a:effectRef idx="0">
+                  <a:schemeClr val="accent1"/>
+                </a:effectRef>
+                <a:fontRef idx="minor">
+                  <a:schemeClr val="lt1"/>
+                </a:fontRef>
+              </p:style>
+              <p:txBody>
+                <a:bodyPr rtlCol="0" anchor="ctr"/>
+                <a:lstStyle/>
+                <a:p>
+                  <a:pPr algn="ctr"/>
+                  <a:endParaRPr lang="zh-CN" altLang="en-US" dirty="0"/>
+                </a:p>
+              </p:txBody>
+            </p:sp>
+            <p:sp>
+              <p:nvSpPr>
+                <p:cNvPr id="62" name="立方体 61">
+                  <a:extLst>
+                    <a:ext uri="{FF2B5EF4-FFF2-40B4-BE49-F238E27FC236}">
+                      <a16:creationId xmlns:a16="http://schemas.microsoft.com/office/drawing/2014/main" id="{C8030BE4-0571-4D38-954C-1C49F5BEAA4E}"/>
+                    </a:ext>
+                  </a:extLst>
+                </p:cNvPr>
+                <p:cNvSpPr/>
+                <p:nvPr/>
+              </p:nvSpPr>
+              <p:spPr>
+                <a:xfrm>
+                  <a:off x="1092040" y="2470395"/>
+                  <a:ext cx="543785" cy="267527"/>
+                </a:xfrm>
+                <a:prstGeom prst="cube">
+                  <a:avLst/>
+                </a:prstGeom>
+                <a:solidFill>
+                  <a:schemeClr val="accent4">
+                    <a:lumMod val="40000"/>
+                    <a:lumOff val="60000"/>
+                  </a:schemeClr>
+                </a:solidFill>
+              </p:spPr>
+              <p:style>
+                <a:lnRef idx="2">
+                  <a:schemeClr val="accent1">
+                    <a:shade val="50000"/>
+                  </a:schemeClr>
+                </a:lnRef>
+                <a:fillRef idx="1">
+                  <a:schemeClr val="accent1"/>
+                </a:fillRef>
+                <a:effectRef idx="0">
+                  <a:schemeClr val="accent1"/>
+                </a:effectRef>
+                <a:fontRef idx="minor">
+                  <a:schemeClr val="lt1"/>
+                </a:fontRef>
+              </p:style>
+              <p:txBody>
+                <a:bodyPr rtlCol="0" anchor="ctr"/>
+                <a:lstStyle/>
+                <a:p>
+                  <a:pPr algn="ctr"/>
+                  <a:endParaRPr lang="zh-CN" altLang="en-US"/>
+                </a:p>
+              </p:txBody>
+            </p:sp>
+            <p:sp>
+              <p:nvSpPr>
+                <p:cNvPr id="63" name="立方体 62">
+                  <a:extLst>
+                    <a:ext uri="{FF2B5EF4-FFF2-40B4-BE49-F238E27FC236}">
+                      <a16:creationId xmlns:a16="http://schemas.microsoft.com/office/drawing/2014/main" id="{BD855F89-75D6-4376-9E81-652EFA2E35B6}"/>
+                    </a:ext>
+                  </a:extLst>
+                </p:cNvPr>
+                <p:cNvSpPr/>
+                <p:nvPr/>
+              </p:nvSpPr>
+              <p:spPr>
+                <a:xfrm>
+                  <a:off x="1092040" y="2270856"/>
+                  <a:ext cx="543785" cy="267527"/>
+                </a:xfrm>
+                <a:prstGeom prst="cube">
+                  <a:avLst/>
+                </a:prstGeom>
+                <a:solidFill>
+                  <a:schemeClr val="accent2"/>
+                </a:solidFill>
+              </p:spPr>
+              <p:style>
+                <a:lnRef idx="2">
+                  <a:schemeClr val="accent1">
+                    <a:shade val="50000"/>
+                  </a:schemeClr>
+                </a:lnRef>
+                <a:fillRef idx="1">
+                  <a:schemeClr val="accent1"/>
+                </a:fillRef>
+                <a:effectRef idx="0">
+                  <a:schemeClr val="accent1"/>
+                </a:effectRef>
+                <a:fontRef idx="minor">
+                  <a:schemeClr val="lt1"/>
+                </a:fontRef>
+              </p:style>
+              <p:txBody>
+                <a:bodyPr rtlCol="0" anchor="ctr"/>
+                <a:lstStyle/>
+                <a:p>
+                  <a:pPr algn="ctr"/>
+                  <a:endParaRPr lang="zh-CN" altLang="en-US" dirty="0"/>
+                </a:p>
+              </p:txBody>
+            </p:sp>
+          </p:grpSp>
+        </p:grpSp>
+        <p:sp>
+          <p:nvSpPr>
+            <p:cNvPr id="64" name="文本框 63">
+              <a:extLst>
+                <a:ext uri="{FF2B5EF4-FFF2-40B4-BE49-F238E27FC236}">
+                  <a16:creationId xmlns:a16="http://schemas.microsoft.com/office/drawing/2014/main" id="{112A3A4E-71C0-4A6E-8D06-61033B7886F1}"/>
+                </a:ext>
+              </a:extLst>
+            </p:cNvPr>
+            <p:cNvSpPr txBox="1"/>
+            <p:nvPr/>
+          </p:nvSpPr>
+          <p:spPr>
+            <a:xfrm>
+              <a:off x="1118795" y="1326029"/>
+              <a:ext cx="2046892" cy="523220"/>
+            </a:xfrm>
+            <a:prstGeom prst="rect">
+              <a:avLst/>
+            </a:prstGeom>
+            <a:noFill/>
+          </p:spPr>
+          <p:txBody>
+            <a:bodyPr wrap="square" rtlCol="0">
+              <a:spAutoFit/>
+            </a:bodyPr>
+            <a:lstStyle/>
+            <a:p>
+              <a:r>
+                <a:rPr lang="en-US" altLang="zh-CN" sz="2800" dirty="0" err="1"/>
+                <a:t>anchors_reg</a:t>
+              </a:r>
+              <a:endParaRPr lang="zh-CN" altLang="en-US" sz="2800" dirty="0"/>
+            </a:p>
+          </p:txBody>
+        </p:sp>
+      </p:grpSp>
+      <p:sp>
+        <p:nvSpPr>
+          <p:cNvPr id="67" name="文本框 66">
+            <a:extLst>
+              <a:ext uri="{FF2B5EF4-FFF2-40B4-BE49-F238E27FC236}">
+                <a16:creationId xmlns:a16="http://schemas.microsoft.com/office/drawing/2014/main" id="{17DFC03C-079F-4424-84B0-073EA03287F2}"/>
+              </a:ext>
+            </a:extLst>
+          </p:cNvPr>
+          <p:cNvSpPr txBox="1"/>
+          <p:nvPr/>
+        </p:nvSpPr>
+        <p:spPr>
+          <a:xfrm>
+            <a:off x="3783233" y="3592021"/>
+            <a:ext cx="2175441" cy="400110"/>
+          </a:xfrm>
+          <a:prstGeom prst="rect">
+            <a:avLst/>
+          </a:prstGeom>
+          <a:noFill/>
+        </p:spPr>
+        <p:txBody>
+          <a:bodyPr wrap="square">
+            <a:spAutoFit/>
+          </a:bodyPr>
+          <a:lstStyle/>
+          <a:p>
+            <a:pPr algn="ctr"/>
+            <a:r>
+              <a:rPr lang="zh-CN" altLang="en-US" sz="2000" dirty="0"/>
+              <a:t>样本选择</a:t>
+            </a:r>
+            <a:r>
+              <a:rPr lang="en-US" altLang="zh-CN" sz="2000" dirty="0"/>
+              <a:t>&amp;filter</a:t>
+            </a:r>
+            <a:endParaRPr lang="zh-CN" altLang="en-US" sz="2000" dirty="0"/>
+          </a:p>
+        </p:txBody>
+      </p:sp>
+      <p:sp>
+        <p:nvSpPr>
+          <p:cNvPr id="16" name="文本框 15">
+            <a:extLst>
+              <a:ext uri="{FF2B5EF4-FFF2-40B4-BE49-F238E27FC236}">
+                <a16:creationId xmlns:a16="http://schemas.microsoft.com/office/drawing/2014/main" id="{00D499E7-C29C-41BF-9006-E6446F0F9F3F}"/>
+              </a:ext>
+            </a:extLst>
+          </p:cNvPr>
+          <p:cNvSpPr txBox="1"/>
+          <p:nvPr/>
+        </p:nvSpPr>
+        <p:spPr>
+          <a:xfrm>
+            <a:off x="1098405" y="5991582"/>
+            <a:ext cx="3362218" cy="707886"/>
+          </a:xfrm>
+          <a:prstGeom prst="rect">
+            <a:avLst/>
+          </a:prstGeom>
+          <a:noFill/>
+        </p:spPr>
+        <p:txBody>
+          <a:bodyPr wrap="square" rtlCol="0">
+            <a:spAutoFit/>
+          </a:bodyPr>
+          <a:lstStyle/>
+          <a:p>
+            <a:pPr algn="ctr"/>
+            <a:r>
+              <a:rPr lang="zh-CN" altLang="en-US" sz="2000" dirty="0"/>
+              <a:t>这里只考虑</a:t>
+            </a:r>
+            <a:r>
+              <a:rPr lang="en-US" altLang="zh-CN" sz="2000" dirty="0"/>
+              <a:t>reg</a:t>
+            </a:r>
+            <a:r>
+              <a:rPr lang="zh-CN" altLang="en-US" sz="2000" dirty="0"/>
+              <a:t>信息的变化，但实际也要记录</a:t>
+            </a:r>
+            <a:r>
+              <a:rPr lang="en-US" altLang="zh-CN" sz="2000" dirty="0" err="1"/>
+              <a:t>cls</a:t>
+            </a:r>
+            <a:r>
+              <a:rPr lang="zh-CN" altLang="en-US" sz="2000" dirty="0"/>
+              <a:t>信息</a:t>
+            </a:r>
+          </a:p>
+        </p:txBody>
+      </p:sp>
+      <p:grpSp>
+        <p:nvGrpSpPr>
+          <p:cNvPr id="68" name="组合 67">
+            <a:extLst>
+              <a:ext uri="{FF2B5EF4-FFF2-40B4-BE49-F238E27FC236}">
+                <a16:creationId xmlns:a16="http://schemas.microsoft.com/office/drawing/2014/main" id="{8443BE4D-0F7D-4DC5-BE26-C393A0C8C60B}"/>
+              </a:ext>
+            </a:extLst>
+          </p:cNvPr>
+          <p:cNvGrpSpPr/>
+          <p:nvPr/>
+        </p:nvGrpSpPr>
+        <p:grpSpPr>
+          <a:xfrm>
+            <a:off x="5240706" y="2397713"/>
+            <a:ext cx="2608908" cy="2999068"/>
+            <a:chOff x="-1456403" y="1365728"/>
+            <a:chExt cx="9709931" cy="2999068"/>
+          </a:xfrm>
+        </p:grpSpPr>
+        <p:grpSp>
+          <p:nvGrpSpPr>
+            <p:cNvPr id="69" name="组合 68">
+              <a:extLst>
+                <a:ext uri="{FF2B5EF4-FFF2-40B4-BE49-F238E27FC236}">
+                  <a16:creationId xmlns:a16="http://schemas.microsoft.com/office/drawing/2014/main" id="{20A2DEA8-FC8D-4A48-8BB6-585C421197D7}"/>
+                </a:ext>
+              </a:extLst>
+            </p:cNvPr>
+            <p:cNvGrpSpPr/>
+            <p:nvPr/>
+          </p:nvGrpSpPr>
+          <p:grpSpPr>
+            <a:xfrm>
+              <a:off x="-442779" y="1934907"/>
+              <a:ext cx="8096635" cy="2429889"/>
+              <a:chOff x="-165572" y="1621480"/>
+              <a:chExt cx="4552745" cy="2429889"/>
+            </a:xfrm>
+          </p:grpSpPr>
+          <p:sp>
+            <p:nvSpPr>
+              <p:cNvPr id="71" name="文本框 70">
+                <a:extLst>
+                  <a:ext uri="{FF2B5EF4-FFF2-40B4-BE49-F238E27FC236}">
+                    <a16:creationId xmlns:a16="http://schemas.microsoft.com/office/drawing/2014/main" id="{220B21EE-F4BF-4D22-88C5-92EFE33C714C}"/>
+                  </a:ext>
+                </a:extLst>
+              </p:cNvPr>
+              <p:cNvSpPr txBox="1"/>
+              <p:nvPr/>
+            </p:nvSpPr>
+            <p:spPr>
+              <a:xfrm>
+                <a:off x="-165572" y="3528149"/>
+                <a:ext cx="4552745" cy="523220"/>
+              </a:xfrm>
+              <a:prstGeom prst="rect">
+                <a:avLst/>
+              </a:prstGeom>
+              <a:noFill/>
+            </p:spPr>
+            <p:txBody>
+              <a:bodyPr wrap="square" rtlCol="0">
+                <a:spAutoFit/>
+              </a:bodyPr>
+              <a:lstStyle/>
+              <a:p>
+                <a:r>
+                  <a:rPr lang="en-US" altLang="zh-CN" sz="2800" dirty="0"/>
+                  <a:t>(512, 4)</a:t>
+                </a:r>
+                <a:endParaRPr lang="zh-CN" altLang="en-US" sz="2800" dirty="0"/>
+              </a:p>
+            </p:txBody>
+          </p:sp>
+          <p:grpSp>
+            <p:nvGrpSpPr>
+              <p:cNvPr id="72" name="组合 71">
+                <a:extLst>
+                  <a:ext uri="{FF2B5EF4-FFF2-40B4-BE49-F238E27FC236}">
+                    <a16:creationId xmlns:a16="http://schemas.microsoft.com/office/drawing/2014/main" id="{CA6296E9-F219-41FA-9C90-81159C5556B5}"/>
+                  </a:ext>
+                </a:extLst>
+              </p:cNvPr>
+              <p:cNvGrpSpPr/>
+              <p:nvPr/>
+            </p:nvGrpSpPr>
+            <p:grpSpPr>
+              <a:xfrm>
+                <a:off x="688790" y="1621480"/>
+                <a:ext cx="1045832" cy="1874646"/>
+                <a:chOff x="1092040" y="2270856"/>
+                <a:chExt cx="543785" cy="866144"/>
+              </a:xfrm>
+            </p:grpSpPr>
+            <p:sp>
+              <p:nvSpPr>
+                <p:cNvPr id="73" name="立方体 72">
+                  <a:extLst>
+                    <a:ext uri="{FF2B5EF4-FFF2-40B4-BE49-F238E27FC236}">
+                      <a16:creationId xmlns:a16="http://schemas.microsoft.com/office/drawing/2014/main" id="{347CD762-BD53-4039-831F-7FB773128E64}"/>
+                    </a:ext>
+                  </a:extLst>
+                </p:cNvPr>
+                <p:cNvSpPr/>
+                <p:nvPr/>
+              </p:nvSpPr>
+              <p:spPr>
+                <a:xfrm>
+                  <a:off x="1092040" y="2869473"/>
+                  <a:ext cx="543785" cy="267527"/>
+                </a:xfrm>
+                <a:prstGeom prst="cube">
+                  <a:avLst/>
+                </a:prstGeom>
+              </p:spPr>
+              <p:style>
+                <a:lnRef idx="2">
+                  <a:schemeClr val="accent1">
+                    <a:shade val="50000"/>
+                  </a:schemeClr>
+                </a:lnRef>
+                <a:fillRef idx="1">
+                  <a:schemeClr val="accent1"/>
+                </a:fillRef>
+                <a:effectRef idx="0">
+                  <a:schemeClr val="accent1"/>
+                </a:effectRef>
+                <a:fontRef idx="minor">
+                  <a:schemeClr val="lt1"/>
+                </a:fontRef>
+              </p:style>
+              <p:txBody>
+                <a:bodyPr rtlCol="0" anchor="ctr"/>
+                <a:lstStyle/>
+                <a:p>
+                  <a:pPr algn="ctr"/>
+                  <a:endParaRPr lang="zh-CN" altLang="en-US" dirty="0"/>
+                </a:p>
+              </p:txBody>
+            </p:sp>
+            <p:sp>
+              <p:nvSpPr>
+                <p:cNvPr id="74" name="立方体 73">
+                  <a:extLst>
+                    <a:ext uri="{FF2B5EF4-FFF2-40B4-BE49-F238E27FC236}">
+                      <a16:creationId xmlns:a16="http://schemas.microsoft.com/office/drawing/2014/main" id="{544FC254-0B0A-430B-9EF2-DEFB3833ED8B}"/>
+                    </a:ext>
+                  </a:extLst>
+                </p:cNvPr>
+                <p:cNvSpPr/>
+                <p:nvPr/>
+              </p:nvSpPr>
+              <p:spPr>
+                <a:xfrm>
+                  <a:off x="1092040" y="2669934"/>
+                  <a:ext cx="543785" cy="267527"/>
+                </a:xfrm>
+                <a:prstGeom prst="cube">
+                  <a:avLst/>
+                </a:prstGeom>
+                <a:solidFill>
+                  <a:schemeClr val="accent6"/>
+                </a:solidFill>
+              </p:spPr>
+              <p:style>
+                <a:lnRef idx="2">
+                  <a:schemeClr val="accent1">
+                    <a:shade val="50000"/>
+                  </a:schemeClr>
+                </a:lnRef>
+                <a:fillRef idx="1">
+                  <a:schemeClr val="accent1"/>
+                </a:fillRef>
+                <a:effectRef idx="0">
+                  <a:schemeClr val="accent1"/>
+                </a:effectRef>
+                <a:fontRef idx="minor">
+                  <a:schemeClr val="lt1"/>
+                </a:fontRef>
+              </p:style>
+              <p:txBody>
+                <a:bodyPr rtlCol="0" anchor="ctr"/>
+                <a:lstStyle/>
+                <a:p>
+                  <a:pPr algn="ctr"/>
+                  <a:endParaRPr lang="zh-CN" altLang="en-US" dirty="0"/>
+                </a:p>
+              </p:txBody>
+            </p:sp>
+            <p:sp>
+              <p:nvSpPr>
+                <p:cNvPr id="75" name="立方体 74">
+                  <a:extLst>
+                    <a:ext uri="{FF2B5EF4-FFF2-40B4-BE49-F238E27FC236}">
+                      <a16:creationId xmlns:a16="http://schemas.microsoft.com/office/drawing/2014/main" id="{37B4806C-4C2F-4C86-BE3A-0C8EB86E45DD}"/>
+                    </a:ext>
+                  </a:extLst>
+                </p:cNvPr>
+                <p:cNvSpPr/>
+                <p:nvPr/>
+              </p:nvSpPr>
+              <p:spPr>
+                <a:xfrm>
+                  <a:off x="1092040" y="2470395"/>
+                  <a:ext cx="543785" cy="267527"/>
+                </a:xfrm>
+                <a:prstGeom prst="cube">
+                  <a:avLst/>
+                </a:prstGeom>
+                <a:solidFill>
+                  <a:schemeClr val="accent4">
+                    <a:lumMod val="40000"/>
+                    <a:lumOff val="60000"/>
+                  </a:schemeClr>
+                </a:solidFill>
+              </p:spPr>
+              <p:style>
+                <a:lnRef idx="2">
+                  <a:schemeClr val="accent1">
+                    <a:shade val="50000"/>
+                  </a:schemeClr>
+                </a:lnRef>
+                <a:fillRef idx="1">
+                  <a:schemeClr val="accent1"/>
+                </a:fillRef>
+                <a:effectRef idx="0">
+                  <a:schemeClr val="accent1"/>
+                </a:effectRef>
+                <a:fontRef idx="minor">
+                  <a:schemeClr val="lt1"/>
+                </a:fontRef>
+              </p:style>
+              <p:txBody>
+                <a:bodyPr rtlCol="0" anchor="ctr"/>
+                <a:lstStyle/>
+                <a:p>
+                  <a:pPr algn="ctr"/>
+                  <a:endParaRPr lang="zh-CN" altLang="en-US"/>
+                </a:p>
+              </p:txBody>
+            </p:sp>
+            <p:sp>
+              <p:nvSpPr>
+                <p:cNvPr id="76" name="立方体 75">
+                  <a:extLst>
+                    <a:ext uri="{FF2B5EF4-FFF2-40B4-BE49-F238E27FC236}">
+                      <a16:creationId xmlns:a16="http://schemas.microsoft.com/office/drawing/2014/main" id="{6558C57B-15DE-4DC8-92B0-C6242FF1318A}"/>
+                    </a:ext>
+                  </a:extLst>
+                </p:cNvPr>
+                <p:cNvSpPr/>
+                <p:nvPr/>
+              </p:nvSpPr>
+              <p:spPr>
+                <a:xfrm>
+                  <a:off x="1092040" y="2270856"/>
+                  <a:ext cx="543785" cy="267527"/>
+                </a:xfrm>
+                <a:prstGeom prst="cube">
+                  <a:avLst/>
+                </a:prstGeom>
+                <a:solidFill>
+                  <a:schemeClr val="accent2"/>
+                </a:solidFill>
+              </p:spPr>
+              <p:style>
+                <a:lnRef idx="2">
+                  <a:schemeClr val="accent1">
+                    <a:shade val="50000"/>
+                  </a:schemeClr>
+                </a:lnRef>
+                <a:fillRef idx="1">
+                  <a:schemeClr val="accent1"/>
+                </a:fillRef>
+                <a:effectRef idx="0">
+                  <a:schemeClr val="accent1"/>
+                </a:effectRef>
+                <a:fontRef idx="minor">
+                  <a:schemeClr val="lt1"/>
+                </a:fontRef>
+              </p:style>
+              <p:txBody>
+                <a:bodyPr rtlCol="0" anchor="ctr"/>
+                <a:lstStyle/>
+                <a:p>
+                  <a:pPr algn="ctr"/>
+                  <a:endParaRPr lang="zh-CN" altLang="en-US" dirty="0"/>
+                </a:p>
+              </p:txBody>
+            </p:sp>
+          </p:grpSp>
+        </p:grpSp>
+        <p:sp>
+          <p:nvSpPr>
+            <p:cNvPr id="70" name="文本框 69">
+              <a:extLst>
+                <a:ext uri="{FF2B5EF4-FFF2-40B4-BE49-F238E27FC236}">
+                  <a16:creationId xmlns:a16="http://schemas.microsoft.com/office/drawing/2014/main" id="{F2FC3AAA-2118-4BED-8DCD-CBD61E624B7E}"/>
+                </a:ext>
+              </a:extLst>
+            </p:cNvPr>
+            <p:cNvSpPr txBox="1"/>
+            <p:nvPr/>
+          </p:nvSpPr>
+          <p:spPr>
+            <a:xfrm>
+              <a:off x="-1456403" y="1365728"/>
+              <a:ext cx="9709931" cy="523220"/>
+            </a:xfrm>
+            <a:prstGeom prst="rect">
+              <a:avLst/>
+            </a:prstGeom>
+            <a:noFill/>
+          </p:spPr>
+          <p:txBody>
+            <a:bodyPr wrap="square" rtlCol="0">
+              <a:spAutoFit/>
+            </a:bodyPr>
+            <a:lstStyle/>
+            <a:p>
+              <a:r>
+                <a:rPr lang="en-US" altLang="zh-CN" sz="2800" dirty="0" err="1"/>
+                <a:t>proposals_reg</a:t>
+              </a:r>
+              <a:endParaRPr lang="zh-CN" altLang="en-US" sz="2800" dirty="0"/>
+            </a:p>
+          </p:txBody>
+        </p:sp>
+      </p:grpSp>
+      <p:sp>
+        <p:nvSpPr>
+          <p:cNvPr id="22" name="文本框 21">
+            <a:extLst>
+              <a:ext uri="{FF2B5EF4-FFF2-40B4-BE49-F238E27FC236}">
+                <a16:creationId xmlns:a16="http://schemas.microsoft.com/office/drawing/2014/main" id="{FED7F499-6CEE-48CB-8E4D-D86F0A67AC52}"/>
+              </a:ext>
+            </a:extLst>
+          </p:cNvPr>
+          <p:cNvSpPr txBox="1"/>
+          <p:nvPr/>
+        </p:nvSpPr>
+        <p:spPr>
+          <a:xfrm>
+            <a:off x="5126926" y="6004120"/>
+            <a:ext cx="2811215" cy="707886"/>
+          </a:xfrm>
+          <a:prstGeom prst="rect">
+            <a:avLst/>
+          </a:prstGeom>
+          <a:noFill/>
+        </p:spPr>
+        <p:txBody>
+          <a:bodyPr wrap="square" rtlCol="0">
+            <a:spAutoFit/>
+          </a:bodyPr>
+          <a:lstStyle/>
+          <a:p>
+            <a:pPr algn="ctr"/>
+            <a:r>
+              <a:rPr lang="en-US" altLang="zh-CN" sz="2000" dirty="0"/>
+              <a:t>512</a:t>
+            </a:r>
+            <a:r>
+              <a:rPr lang="zh-CN" altLang="en-US" sz="2000" dirty="0"/>
+              <a:t>是设定的</a:t>
+            </a:r>
+            <a:endParaRPr lang="en-US" altLang="zh-CN" sz="2000" dirty="0"/>
+          </a:p>
+          <a:p>
+            <a:pPr algn="ctr"/>
+            <a:r>
+              <a:rPr lang="zh-CN" altLang="en-US" sz="2000" dirty="0"/>
+              <a:t>正负样本数之和</a:t>
+            </a:r>
+          </a:p>
+        </p:txBody>
+      </p:sp>
+      <p:sp>
+        <p:nvSpPr>
+          <p:cNvPr id="77" name="文本框 76">
+            <a:extLst>
+              <a:ext uri="{FF2B5EF4-FFF2-40B4-BE49-F238E27FC236}">
+                <a16:creationId xmlns:a16="http://schemas.microsoft.com/office/drawing/2014/main" id="{78719F2C-0FCF-4E81-A4A0-2802806880D0}"/>
+              </a:ext>
+            </a:extLst>
+          </p:cNvPr>
+          <p:cNvSpPr txBox="1"/>
+          <p:nvPr/>
+        </p:nvSpPr>
+        <p:spPr>
+          <a:xfrm>
+            <a:off x="10951364" y="6041096"/>
+            <a:ext cx="2811215" cy="707886"/>
+          </a:xfrm>
+          <a:prstGeom prst="rect">
+            <a:avLst/>
+          </a:prstGeom>
+          <a:noFill/>
+        </p:spPr>
+        <p:txBody>
+          <a:bodyPr wrap="square" rtlCol="0">
+            <a:spAutoFit/>
+          </a:bodyPr>
+          <a:lstStyle/>
+          <a:p>
+            <a:pPr algn="ctr"/>
+            <a:r>
+              <a:rPr lang="zh-CN" altLang="en-US" sz="2000" dirty="0"/>
+              <a:t>第二个</a:t>
+            </a:r>
+            <a:r>
+              <a:rPr lang="en-US" altLang="zh-CN" sz="2000" dirty="0"/>
+              <a:t>512</a:t>
+            </a:r>
+            <a:r>
+              <a:rPr lang="zh-CN" altLang="en-US" sz="2000" dirty="0"/>
+              <a:t>是设定的</a:t>
+            </a:r>
+            <a:r>
+              <a:rPr lang="en-US" altLang="zh-CN" sz="2000" dirty="0"/>
+              <a:t>backbone</a:t>
+            </a:r>
+            <a:r>
+              <a:rPr lang="zh-CN" altLang="en-US" sz="2000" dirty="0"/>
+              <a:t>输出通道数</a:t>
+            </a:r>
+          </a:p>
+        </p:txBody>
+      </p:sp>
+      <p:cxnSp>
+        <p:nvCxnSpPr>
+          <p:cNvPr id="78" name="直接箭头连接符 77">
+            <a:extLst>
+              <a:ext uri="{FF2B5EF4-FFF2-40B4-BE49-F238E27FC236}">
+                <a16:creationId xmlns:a16="http://schemas.microsoft.com/office/drawing/2014/main" id="{E76B9948-839C-4A39-9440-5347CAF0FF88}"/>
+              </a:ext>
+            </a:extLst>
+          </p:cNvPr>
+          <p:cNvCxnSpPr>
+            <a:cxnSpLocks/>
+          </p:cNvCxnSpPr>
+          <p:nvPr/>
+        </p:nvCxnSpPr>
+        <p:spPr>
+          <a:xfrm>
+            <a:off x="9723671" y="3990348"/>
+            <a:ext cx="1723254" cy="5006"/>
+          </a:xfrm>
+          <a:prstGeom prst="straightConnector1">
+            <a:avLst/>
+          </a:prstGeom>
+          <a:ln w="63500">
+            <a:tailEnd type="triangle"/>
+          </a:ln>
+        </p:spPr>
+        <p:style>
+          <a:lnRef idx="1">
+            <a:schemeClr val="accent1"/>
+          </a:lnRef>
+          <a:fillRef idx="0">
+            <a:schemeClr val="accent1"/>
+          </a:fillRef>
+          <a:effectRef idx="0">
+            <a:schemeClr val="accent1"/>
+          </a:effectRef>
+          <a:fontRef idx="minor">
+            <a:schemeClr val="tx1"/>
+          </a:fontRef>
+        </p:style>
+      </p:cxnSp>
+      <p:sp>
+        <p:nvSpPr>
+          <p:cNvPr id="79" name="文本框 78">
+            <a:extLst>
+              <a:ext uri="{FF2B5EF4-FFF2-40B4-BE49-F238E27FC236}">
+                <a16:creationId xmlns:a16="http://schemas.microsoft.com/office/drawing/2014/main" id="{0504F62F-4D3E-4466-8E56-3D7B4B256856}"/>
+              </a:ext>
+            </a:extLst>
+          </p:cNvPr>
+          <p:cNvSpPr txBox="1"/>
+          <p:nvPr/>
+        </p:nvSpPr>
+        <p:spPr>
+          <a:xfrm>
+            <a:off x="9552397" y="2678976"/>
+            <a:ext cx="2177468" cy="1323439"/>
+          </a:xfrm>
+          <a:prstGeom prst="rect">
+            <a:avLst/>
+          </a:prstGeom>
+          <a:noFill/>
+        </p:spPr>
+        <p:txBody>
+          <a:bodyPr wrap="square">
+            <a:spAutoFit/>
+          </a:bodyPr>
+          <a:lstStyle/>
+          <a:p>
+            <a:pPr algn="ctr"/>
+            <a:r>
+              <a:rPr lang="zh-CN" altLang="en-US" sz="2000" dirty="0"/>
+              <a:t>将</a:t>
+            </a:r>
+            <a:r>
+              <a:rPr lang="en-US" altLang="zh-CN" sz="2000" dirty="0"/>
+              <a:t>proposals</a:t>
+            </a:r>
+            <a:r>
+              <a:rPr lang="zh-CN" altLang="en-US" sz="2000" dirty="0"/>
+              <a:t>映射到</a:t>
+            </a:r>
+            <a:r>
+              <a:rPr lang="en-US" altLang="zh-CN" sz="2000" dirty="0"/>
+              <a:t>feature map</a:t>
+            </a:r>
+            <a:r>
+              <a:rPr lang="zh-CN" altLang="en-US" sz="2000" dirty="0"/>
+              <a:t>上</a:t>
+            </a:r>
+            <a:endParaRPr lang="en-US" altLang="zh-CN" sz="2000" dirty="0"/>
+          </a:p>
+          <a:p>
+            <a:pPr algn="ctr"/>
+            <a:r>
+              <a:rPr lang="zh-CN" altLang="en-US" sz="2000" dirty="0"/>
+              <a:t>大小变为原来的</a:t>
+            </a:r>
+            <a:r>
+              <a:rPr lang="en-US" altLang="zh-CN" sz="2000" dirty="0"/>
+              <a:t>1/16</a:t>
+            </a:r>
+            <a:endParaRPr lang="zh-CN" altLang="en-US" sz="2000" dirty="0"/>
+          </a:p>
+        </p:txBody>
+      </p:sp>
+      <p:sp>
+        <p:nvSpPr>
+          <p:cNvPr id="81" name="平行四边形 80">
+            <a:extLst>
+              <a:ext uri="{FF2B5EF4-FFF2-40B4-BE49-F238E27FC236}">
+                <a16:creationId xmlns:a16="http://schemas.microsoft.com/office/drawing/2014/main" id="{F2049CEF-8458-4E06-B0EE-88FB6E01044C}"/>
+              </a:ext>
+            </a:extLst>
+          </p:cNvPr>
+          <p:cNvSpPr/>
+          <p:nvPr/>
+        </p:nvSpPr>
+        <p:spPr>
+          <a:xfrm rot="5400000" flipV="1">
+            <a:off x="7665110" y="3741630"/>
+            <a:ext cx="1993161" cy="495107"/>
+          </a:xfrm>
+          <a:prstGeom prst="parallelogram">
+            <a:avLst>
+              <a:gd name="adj" fmla="val 52632"/>
+            </a:avLst>
+          </a:prstGeom>
+        </p:spPr>
+        <p:style>
+          <a:lnRef idx="2">
+            <a:schemeClr val="accent1">
+              <a:shade val="50000"/>
+            </a:schemeClr>
+          </a:lnRef>
+          <a:fillRef idx="1">
+            <a:schemeClr val="accent1"/>
+          </a:fillRef>
+          <a:effectRef idx="0">
+            <a:schemeClr val="accent1"/>
+          </a:effectRef>
+          <a:fontRef idx="minor">
+            <a:schemeClr val="lt1"/>
+          </a:fontRef>
+        </p:style>
+        <p:txBody>
+          <a:bodyPr rtlCol="0" anchor="ctr"/>
+          <a:lstStyle/>
+          <a:p>
+            <a:pPr algn="ctr"/>
+            <a:endParaRPr lang="zh-CN" altLang="en-US" dirty="0"/>
+          </a:p>
+        </p:txBody>
+      </p:sp>
+      <p:sp>
+        <p:nvSpPr>
+          <p:cNvPr id="84" name="平行四边形 83">
+            <a:extLst>
+              <a:ext uri="{FF2B5EF4-FFF2-40B4-BE49-F238E27FC236}">
+                <a16:creationId xmlns:a16="http://schemas.microsoft.com/office/drawing/2014/main" id="{210933F5-C6BA-4072-B7E4-CBEEEC0ABA48}"/>
+              </a:ext>
+            </a:extLst>
+          </p:cNvPr>
+          <p:cNvSpPr/>
+          <p:nvPr/>
+        </p:nvSpPr>
+        <p:spPr>
+          <a:xfrm rot="5400000" flipV="1">
+            <a:off x="7708113" y="3349009"/>
+            <a:ext cx="2700366" cy="771451"/>
+          </a:xfrm>
+          <a:prstGeom prst="parallelogram">
+            <a:avLst>
+              <a:gd name="adj" fmla="val 52632"/>
+            </a:avLst>
+          </a:prstGeom>
+          <a:solidFill>
+            <a:schemeClr val="accent2">
+              <a:lumMod val="75000"/>
+            </a:schemeClr>
+          </a:solidFill>
+        </p:spPr>
+        <p:style>
+          <a:lnRef idx="2">
+            <a:schemeClr val="accent1">
+              <a:shade val="50000"/>
+            </a:schemeClr>
+          </a:lnRef>
+          <a:fillRef idx="1">
+            <a:schemeClr val="accent1"/>
+          </a:fillRef>
+          <a:effectRef idx="0">
+            <a:schemeClr val="accent1"/>
+          </a:effectRef>
+          <a:fontRef idx="minor">
+            <a:schemeClr val="lt1"/>
+          </a:fontRef>
+        </p:style>
+        <p:txBody>
+          <a:bodyPr rtlCol="0" anchor="ctr"/>
+          <a:lstStyle/>
+          <a:p>
+            <a:pPr algn="ctr"/>
+            <a:endParaRPr lang="zh-CN" altLang="en-US" dirty="0"/>
+          </a:p>
+        </p:txBody>
+      </p:sp>
+      <p:sp>
+        <p:nvSpPr>
+          <p:cNvPr id="85" name="平行四边形 84">
+            <a:extLst>
+              <a:ext uri="{FF2B5EF4-FFF2-40B4-BE49-F238E27FC236}">
+                <a16:creationId xmlns:a16="http://schemas.microsoft.com/office/drawing/2014/main" id="{4C823C5A-6D75-4576-A778-1CE2D1FE6282}"/>
+              </a:ext>
+            </a:extLst>
+          </p:cNvPr>
+          <p:cNvSpPr/>
+          <p:nvPr/>
+        </p:nvSpPr>
+        <p:spPr>
+          <a:xfrm rot="5400000" flipV="1">
+            <a:off x="8317399" y="3527067"/>
+            <a:ext cx="1993157" cy="495118"/>
+          </a:xfrm>
+          <a:prstGeom prst="parallelogram">
+            <a:avLst>
+              <a:gd name="adj" fmla="val 52632"/>
+            </a:avLst>
+          </a:prstGeom>
+          <a:solidFill>
+            <a:srgbClr val="7030A0"/>
+          </a:solidFill>
+        </p:spPr>
+        <p:style>
+          <a:lnRef idx="2">
+            <a:schemeClr val="accent1">
+              <a:shade val="50000"/>
+            </a:schemeClr>
+          </a:lnRef>
+          <a:fillRef idx="1">
+            <a:schemeClr val="accent1"/>
+          </a:fillRef>
+          <a:effectRef idx="0">
+            <a:schemeClr val="accent1"/>
+          </a:effectRef>
+          <a:fontRef idx="minor">
+            <a:schemeClr val="lt1"/>
+          </a:fontRef>
+        </p:style>
+        <p:txBody>
+          <a:bodyPr rtlCol="0" anchor="ctr"/>
+          <a:lstStyle/>
+          <a:p>
+            <a:pPr algn="ctr"/>
+            <a:endParaRPr lang="zh-CN" altLang="en-US" dirty="0"/>
+          </a:p>
+        </p:txBody>
+      </p:sp>
+      <p:cxnSp>
+        <p:nvCxnSpPr>
+          <p:cNvPr id="86" name="直接箭头连接符 85">
+            <a:extLst>
+              <a:ext uri="{FF2B5EF4-FFF2-40B4-BE49-F238E27FC236}">
+                <a16:creationId xmlns:a16="http://schemas.microsoft.com/office/drawing/2014/main" id="{7E62D915-6F66-4267-98FD-4889AECEE7DD}"/>
+              </a:ext>
+            </a:extLst>
+          </p:cNvPr>
+          <p:cNvCxnSpPr>
+            <a:cxnSpLocks/>
+          </p:cNvCxnSpPr>
+          <p:nvPr/>
+        </p:nvCxnSpPr>
+        <p:spPr>
+          <a:xfrm>
+            <a:off x="6597396" y="3990979"/>
+            <a:ext cx="1647199" cy="0"/>
+          </a:xfrm>
+          <a:prstGeom prst="straightConnector1">
+            <a:avLst/>
+          </a:prstGeom>
+          <a:ln w="63500">
+            <a:tailEnd type="triangle"/>
+          </a:ln>
+        </p:spPr>
+        <p:style>
+          <a:lnRef idx="1">
+            <a:schemeClr val="accent1"/>
+          </a:lnRef>
+          <a:fillRef idx="0">
+            <a:schemeClr val="accent1"/>
+          </a:fillRef>
+          <a:effectRef idx="0">
+            <a:schemeClr val="accent1"/>
+          </a:effectRef>
+          <a:fontRef idx="minor">
+            <a:schemeClr val="tx1"/>
+          </a:fontRef>
+        </p:style>
+      </p:cxnSp>
+      <p:sp>
+        <p:nvSpPr>
+          <p:cNvPr id="87" name="文本框 86">
+            <a:extLst>
+              <a:ext uri="{FF2B5EF4-FFF2-40B4-BE49-F238E27FC236}">
+                <a16:creationId xmlns:a16="http://schemas.microsoft.com/office/drawing/2014/main" id="{3CC3E126-0D2A-476B-AB14-46B772975F94}"/>
+              </a:ext>
+            </a:extLst>
+          </p:cNvPr>
+          <p:cNvSpPr txBox="1"/>
+          <p:nvPr/>
+        </p:nvSpPr>
+        <p:spPr>
+          <a:xfrm>
+            <a:off x="6348939" y="2889897"/>
+            <a:ext cx="2175441" cy="1015663"/>
+          </a:xfrm>
+          <a:prstGeom prst="rect">
+            <a:avLst/>
+          </a:prstGeom>
+          <a:noFill/>
+        </p:spPr>
+        <p:txBody>
+          <a:bodyPr wrap="square">
+            <a:spAutoFit/>
+          </a:bodyPr>
+          <a:lstStyle/>
+          <a:p>
+            <a:pPr algn="ctr"/>
+            <a:r>
+              <a:rPr lang="zh-CN" altLang="en-US" sz="2000" dirty="0"/>
+              <a:t>根据</a:t>
+            </a:r>
+            <a:r>
+              <a:rPr lang="en-US" altLang="zh-CN" sz="2000" dirty="0"/>
+              <a:t>reg</a:t>
+            </a:r>
+            <a:r>
+              <a:rPr lang="zh-CN" altLang="en-US" sz="2000" dirty="0"/>
+              <a:t>信息</a:t>
+            </a:r>
+            <a:endParaRPr lang="en-US" altLang="zh-CN" sz="2000" dirty="0"/>
+          </a:p>
+          <a:p>
+            <a:pPr algn="ctr"/>
+            <a:r>
+              <a:rPr lang="zh-CN" altLang="en-US" sz="2000" dirty="0"/>
+              <a:t>提取输入图像中的</a:t>
+            </a:r>
+            <a:r>
+              <a:rPr lang="en-US" altLang="zh-CN" sz="2000" dirty="0"/>
+              <a:t>proposal</a:t>
+            </a:r>
+            <a:r>
+              <a:rPr lang="zh-CN" altLang="en-US" sz="2000" dirty="0"/>
+              <a:t>图</a:t>
+            </a:r>
+          </a:p>
+        </p:txBody>
+      </p:sp>
+      <p:sp>
+        <p:nvSpPr>
+          <p:cNvPr id="88" name="文本框 87">
+            <a:extLst>
+              <a:ext uri="{FF2B5EF4-FFF2-40B4-BE49-F238E27FC236}">
+                <a16:creationId xmlns:a16="http://schemas.microsoft.com/office/drawing/2014/main" id="{535159E9-54D0-4D7D-A646-2733CB7F561C}"/>
+              </a:ext>
+            </a:extLst>
+          </p:cNvPr>
+          <p:cNvSpPr txBox="1"/>
+          <p:nvPr/>
+        </p:nvSpPr>
+        <p:spPr>
+          <a:xfrm>
+            <a:off x="8360752" y="1752993"/>
+            <a:ext cx="1696647" cy="523220"/>
+          </a:xfrm>
+          <a:prstGeom prst="rect">
+            <a:avLst/>
+          </a:prstGeom>
+          <a:noFill/>
+        </p:spPr>
+        <p:txBody>
+          <a:bodyPr wrap="square">
+            <a:spAutoFit/>
+          </a:bodyPr>
+          <a:lstStyle/>
+          <a:p>
+            <a:r>
+              <a:rPr lang="en-US" altLang="zh-CN" sz="2800" dirty="0"/>
+              <a:t>proposals</a:t>
+            </a:r>
+            <a:endParaRPr lang="zh-CN" altLang="en-US" sz="2800" dirty="0"/>
+          </a:p>
+        </p:txBody>
+      </p:sp>
+      <p:grpSp>
+        <p:nvGrpSpPr>
+          <p:cNvPr id="39" name="组合 38">
+            <a:extLst>
+              <a:ext uri="{FF2B5EF4-FFF2-40B4-BE49-F238E27FC236}">
+                <a16:creationId xmlns:a16="http://schemas.microsoft.com/office/drawing/2014/main" id="{BE782F12-4D22-4FAD-8347-789F811833FF}"/>
+              </a:ext>
+            </a:extLst>
+          </p:cNvPr>
+          <p:cNvGrpSpPr/>
+          <p:nvPr/>
+        </p:nvGrpSpPr>
+        <p:grpSpPr>
+          <a:xfrm>
+            <a:off x="11684947" y="3204790"/>
+            <a:ext cx="495119" cy="1390884"/>
+            <a:chOff x="11776948" y="1318654"/>
+            <a:chExt cx="1147400" cy="2700366"/>
+          </a:xfrm>
+        </p:grpSpPr>
+        <p:sp>
+          <p:nvSpPr>
+            <p:cNvPr id="89" name="平行四边形 88">
+              <a:extLst>
+                <a:ext uri="{FF2B5EF4-FFF2-40B4-BE49-F238E27FC236}">
+                  <a16:creationId xmlns:a16="http://schemas.microsoft.com/office/drawing/2014/main" id="{901A4366-584F-49C0-8066-71214A726F4E}"/>
+                </a:ext>
+              </a:extLst>
+            </p:cNvPr>
+            <p:cNvSpPr/>
+            <p:nvPr/>
+          </p:nvSpPr>
+          <p:spPr>
+            <a:xfrm rot="5400000" flipV="1">
+              <a:off x="11027921" y="2675732"/>
+              <a:ext cx="1993161" cy="495107"/>
+            </a:xfrm>
+            <a:prstGeom prst="parallelogram">
+              <a:avLst>
+                <a:gd name="adj" fmla="val 52632"/>
+              </a:avLst>
+            </a:prstGeom>
+          </p:spPr>
+          <p:style>
+            <a:lnRef idx="2">
+              <a:schemeClr val="accent1">
+                <a:shade val="50000"/>
+              </a:schemeClr>
+            </a:lnRef>
+            <a:fillRef idx="1">
+              <a:schemeClr val="accent1"/>
+            </a:fillRef>
+            <a:effectRef idx="0">
+              <a:schemeClr val="accent1"/>
+            </a:effectRef>
+            <a:fontRef idx="minor">
+              <a:schemeClr val="lt1"/>
+            </a:fontRef>
+          </p:style>
+          <p:txBody>
+            <a:bodyPr rtlCol="0" anchor="ctr"/>
+            <a:lstStyle/>
+            <a:p>
+              <a:pPr algn="ctr"/>
+              <a:endParaRPr lang="zh-CN" altLang="en-US" dirty="0"/>
+            </a:p>
+          </p:txBody>
+        </p:sp>
+        <p:sp>
+          <p:nvSpPr>
+            <p:cNvPr id="90" name="平行四边形 89">
+              <a:extLst>
+                <a:ext uri="{FF2B5EF4-FFF2-40B4-BE49-F238E27FC236}">
+                  <a16:creationId xmlns:a16="http://schemas.microsoft.com/office/drawing/2014/main" id="{57D75FFC-B8AD-4BDE-9A51-BDF2259682D9}"/>
+                </a:ext>
+              </a:extLst>
+            </p:cNvPr>
+            <p:cNvSpPr/>
+            <p:nvPr/>
+          </p:nvSpPr>
+          <p:spPr>
+            <a:xfrm rot="5400000" flipV="1">
+              <a:off x="11070924" y="2283111"/>
+              <a:ext cx="2700366" cy="771451"/>
+            </a:xfrm>
+            <a:prstGeom prst="parallelogram">
+              <a:avLst>
+                <a:gd name="adj" fmla="val 52632"/>
+              </a:avLst>
+            </a:prstGeom>
+            <a:solidFill>
+              <a:schemeClr val="accent2">
+                <a:lumMod val="75000"/>
+              </a:schemeClr>
+            </a:solidFill>
+          </p:spPr>
+          <p:style>
+            <a:lnRef idx="2">
+              <a:schemeClr val="accent1">
+                <a:shade val="50000"/>
+              </a:schemeClr>
+            </a:lnRef>
+            <a:fillRef idx="1">
+              <a:schemeClr val="accent1"/>
+            </a:fillRef>
+            <a:effectRef idx="0">
+              <a:schemeClr val="accent1"/>
+            </a:effectRef>
+            <a:fontRef idx="minor">
+              <a:schemeClr val="lt1"/>
+            </a:fontRef>
+          </p:style>
+          <p:txBody>
+            <a:bodyPr rtlCol="0" anchor="ctr"/>
+            <a:lstStyle/>
+            <a:p>
+              <a:pPr algn="ctr"/>
+              <a:endParaRPr lang="zh-CN" altLang="en-US" dirty="0"/>
+            </a:p>
+          </p:txBody>
+        </p:sp>
+        <p:sp>
+          <p:nvSpPr>
+            <p:cNvPr id="91" name="平行四边形 90">
+              <a:extLst>
+                <a:ext uri="{FF2B5EF4-FFF2-40B4-BE49-F238E27FC236}">
+                  <a16:creationId xmlns:a16="http://schemas.microsoft.com/office/drawing/2014/main" id="{B30048E5-040F-45C2-9088-D49C1E90796F}"/>
+                </a:ext>
+              </a:extLst>
+            </p:cNvPr>
+            <p:cNvSpPr/>
+            <p:nvPr/>
+          </p:nvSpPr>
+          <p:spPr>
+            <a:xfrm rot="5400000" flipV="1">
+              <a:off x="11680210" y="2461169"/>
+              <a:ext cx="1993157" cy="495118"/>
+            </a:xfrm>
+            <a:prstGeom prst="parallelogram">
+              <a:avLst>
+                <a:gd name="adj" fmla="val 52632"/>
+              </a:avLst>
+            </a:prstGeom>
+            <a:solidFill>
+              <a:srgbClr val="7030A0"/>
+            </a:solidFill>
+          </p:spPr>
+          <p:style>
+            <a:lnRef idx="2">
+              <a:schemeClr val="accent1">
+                <a:shade val="50000"/>
+              </a:schemeClr>
+            </a:lnRef>
+            <a:fillRef idx="1">
+              <a:schemeClr val="accent1"/>
+            </a:fillRef>
+            <a:effectRef idx="0">
+              <a:schemeClr val="accent1"/>
+            </a:effectRef>
+            <a:fontRef idx="minor">
+              <a:schemeClr val="lt1"/>
+            </a:fontRef>
+          </p:style>
+          <p:txBody>
+            <a:bodyPr rtlCol="0" anchor="ctr"/>
+            <a:lstStyle/>
+            <a:p>
+              <a:pPr algn="ctr"/>
+              <a:endParaRPr lang="zh-CN" altLang="en-US" dirty="0"/>
+            </a:p>
+          </p:txBody>
+        </p:sp>
+      </p:grpSp>
+      <p:sp>
+        <p:nvSpPr>
+          <p:cNvPr id="92" name="文本框 91">
+            <a:extLst>
+              <a:ext uri="{FF2B5EF4-FFF2-40B4-BE49-F238E27FC236}">
+                <a16:creationId xmlns:a16="http://schemas.microsoft.com/office/drawing/2014/main" id="{70A3798B-B952-4534-B208-CFB865D2677F}"/>
+              </a:ext>
+            </a:extLst>
+          </p:cNvPr>
+          <p:cNvSpPr txBox="1"/>
+          <p:nvPr/>
+        </p:nvSpPr>
+        <p:spPr>
+          <a:xfrm>
+            <a:off x="10972709" y="1667318"/>
+            <a:ext cx="2177469" cy="954107"/>
+          </a:xfrm>
+          <a:prstGeom prst="rect">
+            <a:avLst/>
+          </a:prstGeom>
+          <a:noFill/>
+        </p:spPr>
+        <p:txBody>
+          <a:bodyPr wrap="square">
+            <a:spAutoFit/>
+          </a:bodyPr>
+          <a:lstStyle/>
+          <a:p>
+            <a:r>
+              <a:rPr lang="en-US" altLang="zh-CN" sz="2800" dirty="0"/>
+              <a:t>proposals on</a:t>
+            </a:r>
+          </a:p>
+          <a:p>
+            <a:r>
+              <a:rPr lang="en-US" altLang="zh-CN" sz="2800" dirty="0"/>
+              <a:t>feature map</a:t>
+            </a:r>
+            <a:endParaRPr lang="zh-CN" altLang="en-US" sz="2800" dirty="0"/>
+          </a:p>
+        </p:txBody>
+      </p:sp>
+      <p:cxnSp>
+        <p:nvCxnSpPr>
+          <p:cNvPr id="93" name="直接箭头连接符 92">
+            <a:extLst>
+              <a:ext uri="{FF2B5EF4-FFF2-40B4-BE49-F238E27FC236}">
+                <a16:creationId xmlns:a16="http://schemas.microsoft.com/office/drawing/2014/main" id="{BFBDD081-C387-494F-A7FC-1515E497719A}"/>
+              </a:ext>
+            </a:extLst>
+          </p:cNvPr>
+          <p:cNvCxnSpPr>
+            <a:cxnSpLocks/>
+          </p:cNvCxnSpPr>
+          <p:nvPr/>
+        </p:nvCxnSpPr>
+        <p:spPr>
+          <a:xfrm flipV="1">
+            <a:off x="12391531" y="3977790"/>
+            <a:ext cx="3111645" cy="1052"/>
+          </a:xfrm>
+          <a:prstGeom prst="straightConnector1">
+            <a:avLst/>
+          </a:prstGeom>
+          <a:ln w="63500">
+            <a:tailEnd type="triangle"/>
+          </a:ln>
+        </p:spPr>
+        <p:style>
+          <a:lnRef idx="1">
+            <a:schemeClr val="accent1"/>
+          </a:lnRef>
+          <a:fillRef idx="0">
+            <a:schemeClr val="accent1"/>
+          </a:fillRef>
+          <a:effectRef idx="0">
+            <a:schemeClr val="accent1"/>
+          </a:effectRef>
+          <a:fontRef idx="minor">
+            <a:schemeClr val="tx1"/>
+          </a:fontRef>
+        </p:style>
+      </p:cxnSp>
+      <p:sp>
+        <p:nvSpPr>
+          <p:cNvPr id="94" name="文本框 93">
+            <a:extLst>
+              <a:ext uri="{FF2B5EF4-FFF2-40B4-BE49-F238E27FC236}">
+                <a16:creationId xmlns:a16="http://schemas.microsoft.com/office/drawing/2014/main" id="{A30C9953-D2D9-4452-845F-F35F0CC83CF3}"/>
+              </a:ext>
+            </a:extLst>
+          </p:cNvPr>
+          <p:cNvSpPr txBox="1"/>
+          <p:nvPr/>
+        </p:nvSpPr>
+        <p:spPr>
+          <a:xfrm>
+            <a:off x="12422968" y="2654351"/>
+            <a:ext cx="2892436" cy="1323439"/>
+          </a:xfrm>
+          <a:prstGeom prst="rect">
+            <a:avLst/>
+          </a:prstGeom>
+          <a:noFill/>
+        </p:spPr>
+        <p:txBody>
+          <a:bodyPr wrap="square">
+            <a:spAutoFit/>
+          </a:bodyPr>
+          <a:lstStyle/>
+          <a:p>
+            <a:pPr algn="ctr"/>
+            <a:r>
+              <a:rPr lang="zh-CN" altLang="en-US" sz="2000" dirty="0"/>
+              <a:t>将</a:t>
+            </a:r>
+            <a:r>
+              <a:rPr lang="en-US" altLang="zh-CN" sz="2000" dirty="0"/>
+              <a:t>feature map</a:t>
+            </a:r>
+            <a:r>
+              <a:rPr lang="zh-CN" altLang="en-US" sz="2000" dirty="0"/>
+              <a:t>上的每个</a:t>
+            </a:r>
+            <a:r>
+              <a:rPr lang="en-US" altLang="zh-CN" sz="2000" dirty="0"/>
+              <a:t>proposal</a:t>
+            </a:r>
+            <a:r>
+              <a:rPr lang="zh-CN" altLang="en-US" sz="2000" dirty="0"/>
+              <a:t>按近似等比划分成</a:t>
+            </a:r>
+            <a:r>
+              <a:rPr lang="en-US" altLang="zh-CN" sz="2000" dirty="0"/>
+              <a:t>7x7</a:t>
+            </a:r>
+            <a:r>
+              <a:rPr lang="zh-CN" altLang="en-US" sz="2000" dirty="0"/>
+              <a:t>的区域，每个区域内进行</a:t>
+            </a:r>
+            <a:r>
+              <a:rPr lang="en-US" altLang="zh-CN" sz="2000" dirty="0"/>
+              <a:t>max pooling</a:t>
+            </a:r>
+            <a:endParaRPr lang="zh-CN" altLang="en-US" sz="2000" dirty="0"/>
+          </a:p>
+        </p:txBody>
+      </p:sp>
+      <p:grpSp>
+        <p:nvGrpSpPr>
+          <p:cNvPr id="96" name="组合 95">
+            <a:extLst>
+              <a:ext uri="{FF2B5EF4-FFF2-40B4-BE49-F238E27FC236}">
+                <a16:creationId xmlns:a16="http://schemas.microsoft.com/office/drawing/2014/main" id="{685AECA7-934C-4853-A57F-A02CF2F30595}"/>
+              </a:ext>
+            </a:extLst>
+          </p:cNvPr>
+          <p:cNvGrpSpPr/>
+          <p:nvPr/>
+        </p:nvGrpSpPr>
+        <p:grpSpPr>
+          <a:xfrm>
+            <a:off x="15689974" y="3404138"/>
+            <a:ext cx="495116" cy="1026623"/>
+            <a:chOff x="11776948" y="1926704"/>
+            <a:chExt cx="1147394" cy="1993162"/>
+          </a:xfrm>
+        </p:grpSpPr>
+        <p:sp>
+          <p:nvSpPr>
+            <p:cNvPr id="97" name="平行四边形 96">
+              <a:extLst>
+                <a:ext uri="{FF2B5EF4-FFF2-40B4-BE49-F238E27FC236}">
+                  <a16:creationId xmlns:a16="http://schemas.microsoft.com/office/drawing/2014/main" id="{EE1FDAD2-AA1A-49A0-9D98-2BA5EFC4278D}"/>
+                </a:ext>
+              </a:extLst>
+            </p:cNvPr>
+            <p:cNvSpPr/>
+            <p:nvPr/>
+          </p:nvSpPr>
+          <p:spPr>
+            <a:xfrm rot="5400000" flipV="1">
+              <a:off x="11027921" y="2675732"/>
+              <a:ext cx="1993161" cy="495107"/>
+            </a:xfrm>
+            <a:prstGeom prst="parallelogram">
+              <a:avLst>
+                <a:gd name="adj" fmla="val 52632"/>
+              </a:avLst>
+            </a:prstGeom>
+          </p:spPr>
+          <p:style>
+            <a:lnRef idx="2">
+              <a:schemeClr val="accent1">
+                <a:shade val="50000"/>
+              </a:schemeClr>
+            </a:lnRef>
+            <a:fillRef idx="1">
+              <a:schemeClr val="accent1"/>
+            </a:fillRef>
+            <a:effectRef idx="0">
+              <a:schemeClr val="accent1"/>
+            </a:effectRef>
+            <a:fontRef idx="minor">
+              <a:schemeClr val="lt1"/>
+            </a:fontRef>
+          </p:style>
+          <p:txBody>
+            <a:bodyPr rtlCol="0" anchor="ctr"/>
+            <a:lstStyle/>
+            <a:p>
+              <a:pPr algn="ctr"/>
+              <a:endParaRPr lang="zh-CN" altLang="en-US" dirty="0"/>
+            </a:p>
+          </p:txBody>
+        </p:sp>
+        <p:sp>
+          <p:nvSpPr>
+            <p:cNvPr id="98" name="平行四边形 97">
+              <a:extLst>
+                <a:ext uri="{FF2B5EF4-FFF2-40B4-BE49-F238E27FC236}">
+                  <a16:creationId xmlns:a16="http://schemas.microsoft.com/office/drawing/2014/main" id="{0DBFB51F-9B9B-4EA5-BE51-22633BF1045A}"/>
+                </a:ext>
+              </a:extLst>
+            </p:cNvPr>
+            <p:cNvSpPr/>
+            <p:nvPr/>
+          </p:nvSpPr>
+          <p:spPr>
+            <a:xfrm rot="5400000" flipV="1">
+              <a:off x="11354064" y="2675729"/>
+              <a:ext cx="1993159" cy="495110"/>
+            </a:xfrm>
+            <a:prstGeom prst="parallelogram">
+              <a:avLst>
+                <a:gd name="adj" fmla="val 52632"/>
+              </a:avLst>
+            </a:prstGeom>
+            <a:solidFill>
+              <a:schemeClr val="accent2">
+                <a:lumMod val="75000"/>
+              </a:schemeClr>
+            </a:solidFill>
+          </p:spPr>
+          <p:style>
+            <a:lnRef idx="2">
+              <a:schemeClr val="accent1">
+                <a:shade val="50000"/>
+              </a:schemeClr>
+            </a:lnRef>
+            <a:fillRef idx="1">
+              <a:schemeClr val="accent1"/>
+            </a:fillRef>
+            <a:effectRef idx="0">
+              <a:schemeClr val="accent1"/>
+            </a:effectRef>
+            <a:fontRef idx="minor">
+              <a:schemeClr val="lt1"/>
+            </a:fontRef>
+          </p:style>
+          <p:txBody>
+            <a:bodyPr rtlCol="0" anchor="ctr"/>
+            <a:lstStyle/>
+            <a:p>
+              <a:pPr algn="ctr"/>
+              <a:endParaRPr lang="zh-CN" altLang="en-US" dirty="0"/>
+            </a:p>
+          </p:txBody>
+        </p:sp>
+        <p:sp>
+          <p:nvSpPr>
+            <p:cNvPr id="99" name="平行四边形 98">
+              <a:extLst>
+                <a:ext uri="{FF2B5EF4-FFF2-40B4-BE49-F238E27FC236}">
+                  <a16:creationId xmlns:a16="http://schemas.microsoft.com/office/drawing/2014/main" id="{B1C90DE7-390E-4469-9AB2-9DBC391045CA}"/>
+                </a:ext>
+              </a:extLst>
+            </p:cNvPr>
+            <p:cNvSpPr/>
+            <p:nvPr/>
+          </p:nvSpPr>
+          <p:spPr>
+            <a:xfrm rot="5400000" flipV="1">
+              <a:off x="11680205" y="2675725"/>
+              <a:ext cx="1993156" cy="495118"/>
+            </a:xfrm>
+            <a:prstGeom prst="parallelogram">
+              <a:avLst>
+                <a:gd name="adj" fmla="val 52632"/>
+              </a:avLst>
+            </a:prstGeom>
+            <a:solidFill>
+              <a:srgbClr val="7030A0"/>
+            </a:solidFill>
+          </p:spPr>
+          <p:style>
+            <a:lnRef idx="2">
+              <a:schemeClr val="accent1">
+                <a:shade val="50000"/>
+              </a:schemeClr>
+            </a:lnRef>
+            <a:fillRef idx="1">
+              <a:schemeClr val="accent1"/>
+            </a:fillRef>
+            <a:effectRef idx="0">
+              <a:schemeClr val="accent1"/>
+            </a:effectRef>
+            <a:fontRef idx="minor">
+              <a:schemeClr val="lt1"/>
+            </a:fontRef>
+          </p:style>
+          <p:txBody>
+            <a:bodyPr rtlCol="0" anchor="ctr"/>
+            <a:lstStyle/>
+            <a:p>
+              <a:pPr algn="ctr"/>
+              <a:endParaRPr lang="zh-CN" altLang="en-US" dirty="0"/>
+            </a:p>
+          </p:txBody>
+        </p:sp>
+      </p:grpSp>
+      <p:sp>
+        <p:nvSpPr>
+          <p:cNvPr id="100" name="文本框 99">
+            <a:extLst>
+              <a:ext uri="{FF2B5EF4-FFF2-40B4-BE49-F238E27FC236}">
+                <a16:creationId xmlns:a16="http://schemas.microsoft.com/office/drawing/2014/main" id="{ACE72D94-A758-4697-8451-72A7020F2BE5}"/>
+              </a:ext>
+            </a:extLst>
+          </p:cNvPr>
+          <p:cNvSpPr txBox="1"/>
+          <p:nvPr/>
+        </p:nvSpPr>
+        <p:spPr>
+          <a:xfrm>
+            <a:off x="14849811" y="4611951"/>
+            <a:ext cx="2175440" cy="523220"/>
+          </a:xfrm>
+          <a:prstGeom prst="rect">
+            <a:avLst/>
+          </a:prstGeom>
+          <a:noFill/>
+        </p:spPr>
+        <p:txBody>
+          <a:bodyPr wrap="square" rtlCol="0">
+            <a:spAutoFit/>
+          </a:bodyPr>
+          <a:lstStyle/>
+          <a:p>
+            <a:r>
+              <a:rPr lang="en-US" altLang="zh-CN" sz="2800" dirty="0"/>
+              <a:t>(512,512,7,7)</a:t>
+            </a:r>
+            <a:endParaRPr lang="zh-CN" altLang="en-US" sz="2800" dirty="0"/>
+          </a:p>
+        </p:txBody>
+      </p:sp>
+      <p:sp>
+        <p:nvSpPr>
+          <p:cNvPr id="101" name="文本框 100">
+            <a:extLst>
+              <a:ext uri="{FF2B5EF4-FFF2-40B4-BE49-F238E27FC236}">
+                <a16:creationId xmlns:a16="http://schemas.microsoft.com/office/drawing/2014/main" id="{B27861A6-677E-41E5-A75D-7B86D662F689}"/>
+              </a:ext>
+            </a:extLst>
+          </p:cNvPr>
+          <p:cNvSpPr txBox="1"/>
+          <p:nvPr/>
+        </p:nvSpPr>
+        <p:spPr>
+          <a:xfrm>
+            <a:off x="7821524" y="5232620"/>
+            <a:ext cx="2175440" cy="523220"/>
+          </a:xfrm>
+          <a:prstGeom prst="rect">
+            <a:avLst/>
+          </a:prstGeom>
+          <a:noFill/>
+        </p:spPr>
+        <p:txBody>
+          <a:bodyPr wrap="square" rtlCol="0">
+            <a:spAutoFit/>
+          </a:bodyPr>
+          <a:lstStyle/>
+          <a:p>
+            <a:r>
+              <a:rPr lang="en-US" altLang="zh-CN" sz="2800" dirty="0"/>
+              <a:t>(512, 3, .. , ..)</a:t>
+            </a:r>
+            <a:endParaRPr lang="zh-CN" altLang="en-US" sz="2800" dirty="0"/>
+          </a:p>
+        </p:txBody>
+      </p:sp>
+      <p:sp>
+        <p:nvSpPr>
+          <p:cNvPr id="102" name="文本框 101">
+            <a:extLst>
+              <a:ext uri="{FF2B5EF4-FFF2-40B4-BE49-F238E27FC236}">
+                <a16:creationId xmlns:a16="http://schemas.microsoft.com/office/drawing/2014/main" id="{C851F515-36FE-4DFD-A880-77B6697D727E}"/>
+              </a:ext>
+            </a:extLst>
+          </p:cNvPr>
+          <p:cNvSpPr txBox="1"/>
+          <p:nvPr/>
+        </p:nvSpPr>
+        <p:spPr>
+          <a:xfrm>
+            <a:off x="8146870" y="6002058"/>
+            <a:ext cx="2811214" cy="400110"/>
+          </a:xfrm>
+          <a:prstGeom prst="rect">
+            <a:avLst/>
+          </a:prstGeom>
+          <a:noFill/>
+        </p:spPr>
+        <p:txBody>
+          <a:bodyPr wrap="square" rtlCol="0">
+            <a:spAutoFit/>
+          </a:bodyPr>
+          <a:lstStyle/>
+          <a:p>
+            <a:r>
+              <a:rPr lang="en-US" altLang="zh-CN" sz="2000" dirty="0"/>
+              <a:t>proposals</a:t>
+            </a:r>
+            <a:r>
+              <a:rPr lang="zh-CN" altLang="en-US" sz="2000" dirty="0"/>
+              <a:t>的大小不统一</a:t>
+            </a:r>
+          </a:p>
+        </p:txBody>
+      </p:sp>
+      <p:sp>
+        <p:nvSpPr>
+          <p:cNvPr id="103" name="文本框 102">
+            <a:extLst>
+              <a:ext uri="{FF2B5EF4-FFF2-40B4-BE49-F238E27FC236}">
+                <a16:creationId xmlns:a16="http://schemas.microsoft.com/office/drawing/2014/main" id="{9BBBACD0-61F0-40B3-BE0A-5F91D5F54A71}"/>
+              </a:ext>
+            </a:extLst>
+          </p:cNvPr>
+          <p:cNvSpPr txBox="1"/>
+          <p:nvPr/>
+        </p:nvSpPr>
+        <p:spPr>
+          <a:xfrm>
+            <a:off x="10830185" y="4638206"/>
+            <a:ext cx="2462518" cy="523220"/>
+          </a:xfrm>
+          <a:prstGeom prst="rect">
+            <a:avLst/>
+          </a:prstGeom>
+          <a:noFill/>
+        </p:spPr>
+        <p:txBody>
+          <a:bodyPr wrap="square" rtlCol="0">
+            <a:spAutoFit/>
+          </a:bodyPr>
+          <a:lstStyle/>
+          <a:p>
+            <a:r>
+              <a:rPr lang="en-US" altLang="zh-CN" sz="2800" dirty="0"/>
+              <a:t>(512, 512, .. , ..)</a:t>
+            </a:r>
+            <a:endParaRPr lang="zh-CN" altLang="en-US" sz="2800" dirty="0"/>
+          </a:p>
+        </p:txBody>
+      </p:sp>
+      <p:sp>
+        <p:nvSpPr>
+          <p:cNvPr id="105" name="文本框 104">
+            <a:extLst>
+              <a:ext uri="{FF2B5EF4-FFF2-40B4-BE49-F238E27FC236}">
+                <a16:creationId xmlns:a16="http://schemas.microsoft.com/office/drawing/2014/main" id="{E4E4ABE7-2053-4C6E-A11F-1ABE847EB8BC}"/>
+              </a:ext>
+            </a:extLst>
+          </p:cNvPr>
+          <p:cNvSpPr txBox="1"/>
+          <p:nvPr/>
+        </p:nvSpPr>
+        <p:spPr>
+          <a:xfrm>
+            <a:off x="14934268" y="6048225"/>
+            <a:ext cx="1938701" cy="707886"/>
+          </a:xfrm>
+          <a:prstGeom prst="rect">
+            <a:avLst/>
+          </a:prstGeom>
+          <a:noFill/>
+        </p:spPr>
+        <p:txBody>
+          <a:bodyPr wrap="square" rtlCol="0">
+            <a:spAutoFit/>
+          </a:bodyPr>
+          <a:lstStyle/>
+          <a:p>
+            <a:pPr algn="ctr"/>
+            <a:r>
+              <a:rPr lang="zh-CN" altLang="en-US" sz="2000" dirty="0"/>
+              <a:t>经过</a:t>
+            </a:r>
+            <a:r>
+              <a:rPr lang="en-US" altLang="zh-CN" sz="2000" dirty="0" err="1"/>
+              <a:t>maxpooling</a:t>
+            </a:r>
+            <a:r>
+              <a:rPr lang="zh-CN" altLang="en-US" sz="2000" dirty="0"/>
+              <a:t>尺寸统一为</a:t>
+            </a:r>
+            <a:r>
+              <a:rPr lang="en-US" altLang="zh-CN" sz="2000" dirty="0"/>
+              <a:t>7×7</a:t>
+            </a:r>
+            <a:endParaRPr lang="zh-CN" altLang="en-US" sz="2000" dirty="0"/>
+          </a:p>
+        </p:txBody>
+      </p:sp>
+      <p:cxnSp>
+        <p:nvCxnSpPr>
+          <p:cNvPr id="106" name="直接箭头连接符 105">
+            <a:extLst>
+              <a:ext uri="{FF2B5EF4-FFF2-40B4-BE49-F238E27FC236}">
+                <a16:creationId xmlns:a16="http://schemas.microsoft.com/office/drawing/2014/main" id="{D0D12A6F-85F8-459D-B97A-6F4BAC82B5F4}"/>
+              </a:ext>
+            </a:extLst>
+          </p:cNvPr>
+          <p:cNvCxnSpPr>
+            <a:cxnSpLocks/>
+          </p:cNvCxnSpPr>
+          <p:nvPr/>
+        </p:nvCxnSpPr>
+        <p:spPr>
+          <a:xfrm flipV="1">
+            <a:off x="16372155" y="3989183"/>
+            <a:ext cx="907660" cy="331"/>
+          </a:xfrm>
+          <a:prstGeom prst="straightConnector1">
+            <a:avLst/>
+          </a:prstGeom>
+          <a:ln w="63500">
+            <a:tailEnd type="triangle"/>
+          </a:ln>
+        </p:spPr>
+        <p:style>
+          <a:lnRef idx="1">
+            <a:schemeClr val="accent1"/>
+          </a:lnRef>
+          <a:fillRef idx="0">
+            <a:schemeClr val="accent1"/>
+          </a:fillRef>
+          <a:effectRef idx="0">
+            <a:schemeClr val="accent1"/>
+          </a:effectRef>
+          <a:fontRef idx="minor">
+            <a:schemeClr val="tx1"/>
+          </a:fontRef>
+        </p:style>
+      </p:cxnSp>
+      <p:sp>
+        <p:nvSpPr>
+          <p:cNvPr id="109" name="矩形: 圆角 108">
+            <a:extLst>
+              <a:ext uri="{FF2B5EF4-FFF2-40B4-BE49-F238E27FC236}">
+                <a16:creationId xmlns:a16="http://schemas.microsoft.com/office/drawing/2014/main" id="{9CAC0B1D-4A85-4FD4-B178-8C5274999B86}"/>
+              </a:ext>
+            </a:extLst>
+          </p:cNvPr>
+          <p:cNvSpPr/>
+          <p:nvPr/>
+        </p:nvSpPr>
+        <p:spPr>
+          <a:xfrm>
+            <a:off x="17449148" y="3545916"/>
+            <a:ext cx="1376163" cy="794383"/>
+          </a:xfrm>
+          <a:prstGeom prst="roundRect">
+            <a:avLst/>
+          </a:prstGeom>
+        </p:spPr>
+        <p:style>
+          <a:lnRef idx="2">
+            <a:schemeClr val="accent6">
+              <a:shade val="50000"/>
+            </a:schemeClr>
+          </a:lnRef>
+          <a:fillRef idx="1">
+            <a:schemeClr val="accent6"/>
+          </a:fillRef>
+          <a:effectRef idx="0">
+            <a:schemeClr val="accent6"/>
+          </a:effectRef>
+          <a:fontRef idx="minor">
+            <a:schemeClr val="lt1"/>
+          </a:fontRef>
+        </p:style>
+        <p:txBody>
+          <a:bodyPr rtlCol="0" anchor="ctr"/>
+          <a:lstStyle/>
+          <a:p>
+            <a:pPr algn="ctr"/>
+            <a:r>
+              <a:rPr lang="en-US" altLang="zh-CN" sz="2000" dirty="0"/>
+              <a:t>Two </a:t>
+            </a:r>
+            <a:r>
+              <a:rPr lang="en-US" altLang="zh-CN" sz="2000" dirty="0" err="1"/>
+              <a:t>MLPHead</a:t>
+            </a:r>
+            <a:endParaRPr lang="zh-CN" altLang="en-US" sz="2000" dirty="0"/>
+          </a:p>
+        </p:txBody>
+      </p:sp>
+      <p:sp>
+        <p:nvSpPr>
+          <p:cNvPr id="111" name="左大括号 110">
+            <a:extLst>
+              <a:ext uri="{FF2B5EF4-FFF2-40B4-BE49-F238E27FC236}">
+                <a16:creationId xmlns:a16="http://schemas.microsoft.com/office/drawing/2014/main" id="{C6BD4EFE-BEF6-4B47-9E11-CC8929642E5F}"/>
+              </a:ext>
+            </a:extLst>
+          </p:cNvPr>
+          <p:cNvSpPr/>
+          <p:nvPr/>
+        </p:nvSpPr>
+        <p:spPr>
+          <a:xfrm rot="5400000">
+            <a:off x="10996806" y="-2777603"/>
+            <a:ext cx="965093" cy="8848532"/>
+          </a:xfrm>
+          <a:prstGeom prst="leftBrace">
+            <a:avLst>
+              <a:gd name="adj1" fmla="val 72287"/>
+              <a:gd name="adj2" fmla="val 48935"/>
+            </a:avLst>
+          </a:prstGeom>
+          <a:ln w="63500">
+            <a:solidFill>
+              <a:srgbClr val="FF0000"/>
+            </a:solidFill>
+          </a:ln>
+        </p:spPr>
+        <p:style>
+          <a:lnRef idx="1">
+            <a:schemeClr val="accent1"/>
+          </a:lnRef>
+          <a:fillRef idx="0">
+            <a:schemeClr val="accent1"/>
+          </a:fillRef>
+          <a:effectRef idx="0">
+            <a:schemeClr val="accent1"/>
+          </a:effectRef>
+          <a:fontRef idx="minor">
+            <a:schemeClr val="tx1"/>
+          </a:fontRef>
+        </p:style>
+        <p:txBody>
+          <a:bodyPr rtlCol="0" anchor="ctr"/>
+          <a:lstStyle/>
+          <a:p>
+            <a:pPr algn="ctr"/>
+            <a:endParaRPr lang="zh-CN" altLang="en-US" dirty="0"/>
+          </a:p>
+        </p:txBody>
+      </p:sp>
+      <p:sp>
+        <p:nvSpPr>
+          <p:cNvPr id="112" name="文本框 111">
+            <a:extLst>
+              <a:ext uri="{FF2B5EF4-FFF2-40B4-BE49-F238E27FC236}">
+                <a16:creationId xmlns:a16="http://schemas.microsoft.com/office/drawing/2014/main" id="{206BCAF1-B829-4423-95B6-A40A6CB723C6}"/>
+              </a:ext>
+            </a:extLst>
+          </p:cNvPr>
+          <p:cNvSpPr txBox="1"/>
+          <p:nvPr/>
+        </p:nvSpPr>
+        <p:spPr>
+          <a:xfrm>
+            <a:off x="10375301" y="341135"/>
+            <a:ext cx="2832938" cy="707886"/>
+          </a:xfrm>
+          <a:prstGeom prst="rect">
+            <a:avLst/>
+          </a:prstGeom>
+          <a:noFill/>
+        </p:spPr>
+        <p:txBody>
+          <a:bodyPr wrap="square" rtlCol="0">
+            <a:spAutoFit/>
+          </a:bodyPr>
+          <a:lstStyle/>
+          <a:p>
+            <a:r>
+              <a:rPr lang="en-US" altLang="zh-CN" sz="4000" dirty="0"/>
+              <a:t>ROI Pooling</a:t>
+            </a:r>
+            <a:endParaRPr lang="zh-CN" altLang="en-US" sz="4000" dirty="0"/>
+          </a:p>
+        </p:txBody>
+      </p:sp>
+    </p:spTree>
+    <p:extLst>
+      <p:ext uri="{BB962C8B-B14F-4D97-AF65-F5344CB8AC3E}">
+        <p14:creationId xmlns:p14="http://schemas.microsoft.com/office/powerpoint/2010/main" val="3253518331"/>
+      </p:ext>
+    </p:extLst>
+  </p:cSld>
+  <p:clrMapOvr>
+    <a:masterClrMapping/>
+  </p:clrMapOvr>
+</p:sld>
+</file>
+
+<file path=ppt/slides/slide7.xml><?xml version="1.0" encoding="utf-8"?>
+<p:sld xmlns:a="http://schemas.openxmlformats.org/drawingml/2006/main" xmlns:r="http://schemas.openxmlformats.org/officeDocument/2006/relationships" xmlns:p="http://schemas.openxmlformats.org/presentationml/2006/main">
+  <p:cSld>
+    <p:spTree>
+      <p:nvGrpSpPr>
+        <p:cNvPr id="1" name=""/>
+        <p:cNvGrpSpPr/>
+        <p:nvPr/>
+      </p:nvGrpSpPr>
+      <p:grpSpPr>
+        <a:xfrm>
+          <a:off x="0" y="0"/>
+          <a:ext cx="0" cy="0"/>
+          <a:chOff x="0" y="0"/>
+          <a:chExt cx="0" cy="0"/>
+        </a:xfrm>
+      </p:grpSpPr>
+      <p:grpSp>
+        <p:nvGrpSpPr>
+          <p:cNvPr id="4" name="组合 3">
+            <a:extLst>
+              <a:ext uri="{FF2B5EF4-FFF2-40B4-BE49-F238E27FC236}">
+                <a16:creationId xmlns:a16="http://schemas.microsoft.com/office/drawing/2014/main" id="{EC5E2DD0-35E4-407D-911A-DDB832E91783}"/>
+              </a:ext>
+            </a:extLst>
+          </p:cNvPr>
+          <p:cNvGrpSpPr/>
+          <p:nvPr/>
+        </p:nvGrpSpPr>
+        <p:grpSpPr>
+          <a:xfrm>
+            <a:off x="1846384" y="2702390"/>
+            <a:ext cx="495116" cy="1026623"/>
+            <a:chOff x="11776948" y="1926704"/>
+            <a:chExt cx="1147394" cy="1993162"/>
+          </a:xfrm>
+        </p:grpSpPr>
+        <p:sp>
+          <p:nvSpPr>
+            <p:cNvPr id="5" name="平行四边形 4">
+              <a:extLst>
+                <a:ext uri="{FF2B5EF4-FFF2-40B4-BE49-F238E27FC236}">
+                  <a16:creationId xmlns:a16="http://schemas.microsoft.com/office/drawing/2014/main" id="{6676F7D1-9F5B-4ACB-80FB-4B23CD0D81B6}"/>
+                </a:ext>
+              </a:extLst>
+            </p:cNvPr>
+            <p:cNvSpPr/>
+            <p:nvPr/>
+          </p:nvSpPr>
+          <p:spPr>
+            <a:xfrm rot="5400000" flipV="1">
+              <a:off x="11027921" y="2675732"/>
+              <a:ext cx="1993161" cy="495107"/>
+            </a:xfrm>
+            <a:prstGeom prst="parallelogram">
+              <a:avLst>
+                <a:gd name="adj" fmla="val 52632"/>
+              </a:avLst>
+            </a:prstGeom>
+          </p:spPr>
+          <p:style>
+            <a:lnRef idx="2">
+              <a:schemeClr val="accent1">
+                <a:shade val="50000"/>
+              </a:schemeClr>
+            </a:lnRef>
+            <a:fillRef idx="1">
+              <a:schemeClr val="accent1"/>
+            </a:fillRef>
+            <a:effectRef idx="0">
+              <a:schemeClr val="accent1"/>
+            </a:effectRef>
+            <a:fontRef idx="minor">
+              <a:schemeClr val="lt1"/>
+            </a:fontRef>
+          </p:style>
+          <p:txBody>
+            <a:bodyPr rtlCol="0" anchor="ctr"/>
+            <a:lstStyle/>
+            <a:p>
+              <a:pPr algn="ctr"/>
+              <a:endParaRPr lang="zh-CN" altLang="en-US" dirty="0"/>
+            </a:p>
+          </p:txBody>
+        </p:sp>
+        <p:sp>
+          <p:nvSpPr>
+            <p:cNvPr id="6" name="平行四边形 5">
+              <a:extLst>
+                <a:ext uri="{FF2B5EF4-FFF2-40B4-BE49-F238E27FC236}">
+                  <a16:creationId xmlns:a16="http://schemas.microsoft.com/office/drawing/2014/main" id="{11DD95C0-9699-4D8B-B3E7-56FD0669755C}"/>
+                </a:ext>
+              </a:extLst>
+            </p:cNvPr>
+            <p:cNvSpPr/>
+            <p:nvPr/>
+          </p:nvSpPr>
+          <p:spPr>
+            <a:xfrm rot="5400000" flipV="1">
+              <a:off x="11354064" y="2675729"/>
+              <a:ext cx="1993159" cy="495110"/>
+            </a:xfrm>
+            <a:prstGeom prst="parallelogram">
+              <a:avLst>
+                <a:gd name="adj" fmla="val 52632"/>
+              </a:avLst>
+            </a:prstGeom>
+            <a:solidFill>
+              <a:schemeClr val="accent2">
+                <a:lumMod val="75000"/>
+              </a:schemeClr>
+            </a:solidFill>
+          </p:spPr>
+          <p:style>
+            <a:lnRef idx="2">
+              <a:schemeClr val="accent1">
+                <a:shade val="50000"/>
+              </a:schemeClr>
+            </a:lnRef>
+            <a:fillRef idx="1">
+              <a:schemeClr val="accent1"/>
+            </a:fillRef>
+            <a:effectRef idx="0">
+              <a:schemeClr val="accent1"/>
+            </a:effectRef>
+            <a:fontRef idx="minor">
+              <a:schemeClr val="lt1"/>
+            </a:fontRef>
+          </p:style>
+          <p:txBody>
+            <a:bodyPr rtlCol="0" anchor="ctr"/>
+            <a:lstStyle/>
+            <a:p>
+              <a:pPr algn="ctr"/>
+              <a:endParaRPr lang="zh-CN" altLang="en-US" dirty="0"/>
+            </a:p>
+          </p:txBody>
+        </p:sp>
+        <p:sp>
+          <p:nvSpPr>
+            <p:cNvPr id="7" name="平行四边形 6">
+              <a:extLst>
+                <a:ext uri="{FF2B5EF4-FFF2-40B4-BE49-F238E27FC236}">
+                  <a16:creationId xmlns:a16="http://schemas.microsoft.com/office/drawing/2014/main" id="{08C6B40C-2A74-4F52-9399-F0B1967FF2FB}"/>
+                </a:ext>
+              </a:extLst>
+            </p:cNvPr>
+            <p:cNvSpPr/>
+            <p:nvPr/>
+          </p:nvSpPr>
+          <p:spPr>
+            <a:xfrm rot="5400000" flipV="1">
+              <a:off x="11680205" y="2675725"/>
+              <a:ext cx="1993156" cy="495118"/>
+            </a:xfrm>
+            <a:prstGeom prst="parallelogram">
+              <a:avLst>
+                <a:gd name="adj" fmla="val 52632"/>
+              </a:avLst>
+            </a:prstGeom>
+            <a:solidFill>
+              <a:srgbClr val="7030A0"/>
+            </a:solidFill>
+          </p:spPr>
+          <p:style>
+            <a:lnRef idx="2">
+              <a:schemeClr val="accent1">
+                <a:shade val="50000"/>
+              </a:schemeClr>
+            </a:lnRef>
+            <a:fillRef idx="1">
+              <a:schemeClr val="accent1"/>
+            </a:fillRef>
+            <a:effectRef idx="0">
+              <a:schemeClr val="accent1"/>
+            </a:effectRef>
+            <a:fontRef idx="minor">
+              <a:schemeClr val="lt1"/>
+            </a:fontRef>
+          </p:style>
+          <p:txBody>
+            <a:bodyPr rtlCol="0" anchor="ctr"/>
+            <a:lstStyle/>
+            <a:p>
+              <a:pPr algn="ctr"/>
+              <a:endParaRPr lang="zh-CN" altLang="en-US" dirty="0"/>
+            </a:p>
+          </p:txBody>
+        </p:sp>
+      </p:grpSp>
+      <p:sp>
+        <p:nvSpPr>
+          <p:cNvPr id="8" name="文本框 7">
+            <a:extLst>
+              <a:ext uri="{FF2B5EF4-FFF2-40B4-BE49-F238E27FC236}">
+                <a16:creationId xmlns:a16="http://schemas.microsoft.com/office/drawing/2014/main" id="{78CF0EFD-CEC9-43C5-B65B-8927C3DBCD83}"/>
+              </a:ext>
+            </a:extLst>
+          </p:cNvPr>
+          <p:cNvSpPr txBox="1"/>
+          <p:nvPr/>
+        </p:nvSpPr>
+        <p:spPr>
+          <a:xfrm>
+            <a:off x="899398" y="4181130"/>
+            <a:ext cx="2175440" cy="523220"/>
+          </a:xfrm>
+          <a:prstGeom prst="rect">
+            <a:avLst/>
+          </a:prstGeom>
+          <a:noFill/>
+        </p:spPr>
+        <p:txBody>
+          <a:bodyPr wrap="square" rtlCol="0">
+            <a:spAutoFit/>
+          </a:bodyPr>
+          <a:lstStyle/>
+          <a:p>
+            <a:r>
+              <a:rPr lang="en-US" altLang="zh-CN" sz="2800" dirty="0"/>
+              <a:t>(512,512,7,7)</a:t>
+            </a:r>
+            <a:endParaRPr lang="zh-CN" altLang="en-US" sz="2800" dirty="0"/>
+          </a:p>
+        </p:txBody>
+      </p:sp>
+      <p:cxnSp>
+        <p:nvCxnSpPr>
+          <p:cNvPr id="9" name="直接箭头连接符 8">
+            <a:extLst>
+              <a:ext uri="{FF2B5EF4-FFF2-40B4-BE49-F238E27FC236}">
+                <a16:creationId xmlns:a16="http://schemas.microsoft.com/office/drawing/2014/main" id="{B199B464-1A11-46DF-BDC5-872ECC608E8B}"/>
+              </a:ext>
+            </a:extLst>
+          </p:cNvPr>
+          <p:cNvCxnSpPr>
+            <a:cxnSpLocks/>
+          </p:cNvCxnSpPr>
+          <p:nvPr/>
+        </p:nvCxnSpPr>
+        <p:spPr>
+          <a:xfrm flipV="1">
+            <a:off x="2528565" y="3287435"/>
+            <a:ext cx="1291081" cy="332"/>
+          </a:xfrm>
+          <a:prstGeom prst="straightConnector1">
+            <a:avLst/>
+          </a:prstGeom>
+          <a:ln w="63500">
+            <a:tailEnd type="triangle"/>
+          </a:ln>
+        </p:spPr>
+        <p:style>
+          <a:lnRef idx="1">
+            <a:schemeClr val="accent1"/>
+          </a:lnRef>
+          <a:fillRef idx="0">
+            <a:schemeClr val="accent1"/>
+          </a:fillRef>
+          <a:effectRef idx="0">
+            <a:schemeClr val="accent1"/>
+          </a:effectRef>
+          <a:fontRef idx="minor">
+            <a:schemeClr val="tx1"/>
+          </a:fontRef>
+        </p:style>
+      </p:cxnSp>
+      <p:sp>
+        <p:nvSpPr>
+          <p:cNvPr id="13" name="文本框 12">
+            <a:extLst>
+              <a:ext uri="{FF2B5EF4-FFF2-40B4-BE49-F238E27FC236}">
+                <a16:creationId xmlns:a16="http://schemas.microsoft.com/office/drawing/2014/main" id="{9B30CF3B-E4FC-4B11-B9D1-3EE94CCC1A78}"/>
+              </a:ext>
+            </a:extLst>
+          </p:cNvPr>
+          <p:cNvSpPr txBox="1"/>
+          <p:nvPr/>
+        </p:nvSpPr>
+        <p:spPr>
+          <a:xfrm>
+            <a:off x="2528564" y="2537156"/>
+            <a:ext cx="1291081" cy="707886"/>
+          </a:xfrm>
+          <a:prstGeom prst="rect">
+            <a:avLst/>
+          </a:prstGeom>
+          <a:noFill/>
+        </p:spPr>
+        <p:txBody>
+          <a:bodyPr wrap="square" rtlCol="0">
+            <a:spAutoFit/>
+          </a:bodyPr>
+          <a:lstStyle/>
+          <a:p>
+            <a:pPr algn="ctr"/>
+            <a:r>
+              <a:rPr lang="en-US" altLang="zh-CN" sz="2000" dirty="0"/>
+              <a:t>flatten</a:t>
+            </a:r>
+          </a:p>
+          <a:p>
+            <a:pPr algn="ctr"/>
+            <a:r>
+              <a:rPr lang="zh-CN" altLang="en-US" sz="2000" dirty="0"/>
+              <a:t>拉直向量</a:t>
+            </a:r>
+          </a:p>
+        </p:txBody>
+      </p:sp>
+      <p:grpSp>
+        <p:nvGrpSpPr>
+          <p:cNvPr id="28" name="组合 27">
+            <a:extLst>
+              <a:ext uri="{FF2B5EF4-FFF2-40B4-BE49-F238E27FC236}">
+                <a16:creationId xmlns:a16="http://schemas.microsoft.com/office/drawing/2014/main" id="{6F217B6A-4F92-446E-94EE-EA64258A8779}"/>
+              </a:ext>
+            </a:extLst>
+          </p:cNvPr>
+          <p:cNvGrpSpPr/>
+          <p:nvPr/>
+        </p:nvGrpSpPr>
+        <p:grpSpPr>
+          <a:xfrm>
+            <a:off x="3982764" y="2600130"/>
+            <a:ext cx="281471" cy="1374610"/>
+            <a:chOff x="6758682" y="3698364"/>
+            <a:chExt cx="222213" cy="860721"/>
+          </a:xfrm>
+        </p:grpSpPr>
+        <p:sp>
+          <p:nvSpPr>
+            <p:cNvPr id="24" name="立方体 23">
+              <a:extLst>
+                <a:ext uri="{FF2B5EF4-FFF2-40B4-BE49-F238E27FC236}">
+                  <a16:creationId xmlns:a16="http://schemas.microsoft.com/office/drawing/2014/main" id="{58F9B019-167D-4F62-9EBD-B79BDFB99824}"/>
+                </a:ext>
+              </a:extLst>
+            </p:cNvPr>
+            <p:cNvSpPr/>
+            <p:nvPr/>
+          </p:nvSpPr>
+          <p:spPr>
+            <a:xfrm>
+              <a:off x="6758682" y="4294742"/>
+              <a:ext cx="222213" cy="264343"/>
+            </a:xfrm>
+            <a:prstGeom prst="cube">
+              <a:avLst/>
+            </a:prstGeom>
+          </p:spPr>
+          <p:style>
+            <a:lnRef idx="2">
+              <a:schemeClr val="accent1">
+                <a:shade val="50000"/>
+              </a:schemeClr>
+            </a:lnRef>
+            <a:fillRef idx="1">
+              <a:schemeClr val="accent1"/>
+            </a:fillRef>
+            <a:effectRef idx="0">
+              <a:schemeClr val="accent1"/>
+            </a:effectRef>
+            <a:fontRef idx="minor">
+              <a:schemeClr val="lt1"/>
+            </a:fontRef>
+          </p:style>
+          <p:txBody>
+            <a:bodyPr rtlCol="0" anchor="ctr"/>
+            <a:lstStyle/>
+            <a:p>
+              <a:pPr algn="ctr"/>
+              <a:endParaRPr lang="zh-CN" altLang="en-US" dirty="0"/>
+            </a:p>
+          </p:txBody>
+        </p:sp>
+        <p:sp>
+          <p:nvSpPr>
+            <p:cNvPr id="25" name="立方体 24">
+              <a:extLst>
+                <a:ext uri="{FF2B5EF4-FFF2-40B4-BE49-F238E27FC236}">
+                  <a16:creationId xmlns:a16="http://schemas.microsoft.com/office/drawing/2014/main" id="{A65B2FC7-595C-4706-922C-B3AF437486F2}"/>
+                </a:ext>
+              </a:extLst>
+            </p:cNvPr>
+            <p:cNvSpPr/>
+            <p:nvPr/>
+          </p:nvSpPr>
+          <p:spPr>
+            <a:xfrm>
+              <a:off x="6758682" y="4091940"/>
+              <a:ext cx="222213" cy="264343"/>
+            </a:xfrm>
+            <a:prstGeom prst="cube">
+              <a:avLst/>
+            </a:prstGeom>
+          </p:spPr>
+          <p:style>
+            <a:lnRef idx="2">
+              <a:schemeClr val="accent1">
+                <a:shade val="50000"/>
+              </a:schemeClr>
+            </a:lnRef>
+            <a:fillRef idx="1">
+              <a:schemeClr val="accent1"/>
+            </a:fillRef>
+            <a:effectRef idx="0">
+              <a:schemeClr val="accent1"/>
+            </a:effectRef>
+            <a:fontRef idx="minor">
+              <a:schemeClr val="lt1"/>
+            </a:fontRef>
+          </p:style>
+          <p:txBody>
+            <a:bodyPr rtlCol="0" anchor="ctr"/>
+            <a:lstStyle/>
+            <a:p>
+              <a:pPr algn="ctr"/>
+              <a:endParaRPr lang="zh-CN" altLang="en-US" dirty="0"/>
+            </a:p>
+          </p:txBody>
+        </p:sp>
+        <p:sp>
+          <p:nvSpPr>
+            <p:cNvPr id="26" name="立方体 25">
+              <a:extLst>
+                <a:ext uri="{FF2B5EF4-FFF2-40B4-BE49-F238E27FC236}">
+                  <a16:creationId xmlns:a16="http://schemas.microsoft.com/office/drawing/2014/main" id="{1D1CD84B-9739-4539-A568-721C364D9402}"/>
+                </a:ext>
+              </a:extLst>
+            </p:cNvPr>
+            <p:cNvSpPr/>
+            <p:nvPr/>
+          </p:nvSpPr>
+          <p:spPr>
+            <a:xfrm>
+              <a:off x="6758682" y="3901166"/>
+              <a:ext cx="222213" cy="264343"/>
+            </a:xfrm>
+            <a:prstGeom prst="cube">
+              <a:avLst/>
+            </a:prstGeom>
+          </p:spPr>
+          <p:style>
+            <a:lnRef idx="2">
+              <a:schemeClr val="accent1">
+                <a:shade val="50000"/>
+              </a:schemeClr>
+            </a:lnRef>
+            <a:fillRef idx="1">
+              <a:schemeClr val="accent1"/>
+            </a:fillRef>
+            <a:effectRef idx="0">
+              <a:schemeClr val="accent1"/>
+            </a:effectRef>
+            <a:fontRef idx="minor">
+              <a:schemeClr val="lt1"/>
+            </a:fontRef>
+          </p:style>
+          <p:txBody>
+            <a:bodyPr rtlCol="0" anchor="ctr"/>
+            <a:lstStyle/>
+            <a:p>
+              <a:pPr algn="ctr"/>
+              <a:endParaRPr lang="zh-CN" altLang="en-US" dirty="0"/>
+            </a:p>
+          </p:txBody>
+        </p:sp>
+        <p:sp>
+          <p:nvSpPr>
+            <p:cNvPr id="27" name="立方体 26">
+              <a:extLst>
+                <a:ext uri="{FF2B5EF4-FFF2-40B4-BE49-F238E27FC236}">
+                  <a16:creationId xmlns:a16="http://schemas.microsoft.com/office/drawing/2014/main" id="{5758ADD5-E50F-44B1-AA7C-26D7FFF91507}"/>
+                </a:ext>
+              </a:extLst>
+            </p:cNvPr>
+            <p:cNvSpPr/>
+            <p:nvPr/>
+          </p:nvSpPr>
+          <p:spPr>
+            <a:xfrm>
+              <a:off x="6758682" y="3698364"/>
+              <a:ext cx="222213" cy="264343"/>
+            </a:xfrm>
+            <a:prstGeom prst="cube">
+              <a:avLst/>
+            </a:prstGeom>
+          </p:spPr>
+          <p:style>
+            <a:lnRef idx="2">
+              <a:schemeClr val="accent1">
+                <a:shade val="50000"/>
+              </a:schemeClr>
+            </a:lnRef>
+            <a:fillRef idx="1">
+              <a:schemeClr val="accent1"/>
+            </a:fillRef>
+            <a:effectRef idx="0">
+              <a:schemeClr val="accent1"/>
+            </a:effectRef>
+            <a:fontRef idx="minor">
+              <a:schemeClr val="lt1"/>
+            </a:fontRef>
+          </p:style>
+          <p:txBody>
+            <a:bodyPr rtlCol="0" anchor="ctr"/>
+            <a:lstStyle/>
+            <a:p>
+              <a:pPr algn="ctr"/>
+              <a:endParaRPr lang="zh-CN" altLang="en-US" dirty="0"/>
+            </a:p>
+          </p:txBody>
+        </p:sp>
+      </p:grpSp>
+      <p:grpSp>
+        <p:nvGrpSpPr>
+          <p:cNvPr id="29" name="组合 28">
+            <a:extLst>
+              <a:ext uri="{FF2B5EF4-FFF2-40B4-BE49-F238E27FC236}">
+                <a16:creationId xmlns:a16="http://schemas.microsoft.com/office/drawing/2014/main" id="{6613632D-A39A-4317-9917-C63FFAD95B5A}"/>
+              </a:ext>
+            </a:extLst>
+          </p:cNvPr>
+          <p:cNvGrpSpPr/>
+          <p:nvPr/>
+        </p:nvGrpSpPr>
+        <p:grpSpPr>
+          <a:xfrm>
+            <a:off x="4339277" y="2600130"/>
+            <a:ext cx="281471" cy="1374610"/>
+            <a:chOff x="6758682" y="3698364"/>
+            <a:chExt cx="222213" cy="860721"/>
+          </a:xfrm>
+          <a:solidFill>
+            <a:schemeClr val="accent2">
+              <a:lumMod val="75000"/>
+            </a:schemeClr>
+          </a:solidFill>
+        </p:grpSpPr>
+        <p:sp>
+          <p:nvSpPr>
+            <p:cNvPr id="30" name="立方体 29">
+              <a:extLst>
+                <a:ext uri="{FF2B5EF4-FFF2-40B4-BE49-F238E27FC236}">
+                  <a16:creationId xmlns:a16="http://schemas.microsoft.com/office/drawing/2014/main" id="{F88FA609-AB5A-424F-B10A-395E91311099}"/>
+                </a:ext>
+              </a:extLst>
+            </p:cNvPr>
+            <p:cNvSpPr/>
+            <p:nvPr/>
+          </p:nvSpPr>
+          <p:spPr>
+            <a:xfrm>
+              <a:off x="6758682" y="4294742"/>
+              <a:ext cx="222213" cy="264343"/>
+            </a:xfrm>
+            <a:prstGeom prst="cube">
+              <a:avLst/>
+            </a:prstGeom>
+            <a:grpFill/>
+          </p:spPr>
+          <p:style>
+            <a:lnRef idx="2">
+              <a:schemeClr val="accent1">
+                <a:shade val="50000"/>
+              </a:schemeClr>
+            </a:lnRef>
+            <a:fillRef idx="1">
+              <a:schemeClr val="accent1"/>
+            </a:fillRef>
+            <a:effectRef idx="0">
+              <a:schemeClr val="accent1"/>
+            </a:effectRef>
+            <a:fontRef idx="minor">
+              <a:schemeClr val="lt1"/>
+            </a:fontRef>
+          </p:style>
+          <p:txBody>
+            <a:bodyPr rtlCol="0" anchor="ctr"/>
+            <a:lstStyle/>
+            <a:p>
+              <a:pPr algn="ctr"/>
+              <a:endParaRPr lang="zh-CN" altLang="en-US" dirty="0"/>
+            </a:p>
+          </p:txBody>
+        </p:sp>
+        <p:sp>
+          <p:nvSpPr>
+            <p:cNvPr id="31" name="立方体 30">
+              <a:extLst>
+                <a:ext uri="{FF2B5EF4-FFF2-40B4-BE49-F238E27FC236}">
+                  <a16:creationId xmlns:a16="http://schemas.microsoft.com/office/drawing/2014/main" id="{E7454CF7-0F76-4480-B551-01E458400FC6}"/>
+                </a:ext>
+              </a:extLst>
+            </p:cNvPr>
+            <p:cNvSpPr/>
+            <p:nvPr/>
+          </p:nvSpPr>
+          <p:spPr>
+            <a:xfrm>
+              <a:off x="6758682" y="4091940"/>
+              <a:ext cx="222213" cy="264343"/>
+            </a:xfrm>
+            <a:prstGeom prst="cube">
+              <a:avLst/>
+            </a:prstGeom>
+            <a:grpFill/>
+          </p:spPr>
+          <p:style>
+            <a:lnRef idx="2">
+              <a:schemeClr val="accent1">
+                <a:shade val="50000"/>
+              </a:schemeClr>
+            </a:lnRef>
+            <a:fillRef idx="1">
+              <a:schemeClr val="accent1"/>
+            </a:fillRef>
+            <a:effectRef idx="0">
+              <a:schemeClr val="accent1"/>
+            </a:effectRef>
+            <a:fontRef idx="minor">
+              <a:schemeClr val="lt1"/>
+            </a:fontRef>
+          </p:style>
+          <p:txBody>
+            <a:bodyPr rtlCol="0" anchor="ctr"/>
+            <a:lstStyle/>
+            <a:p>
+              <a:pPr algn="ctr"/>
+              <a:endParaRPr lang="zh-CN" altLang="en-US" dirty="0"/>
+            </a:p>
+          </p:txBody>
+        </p:sp>
+        <p:sp>
+          <p:nvSpPr>
+            <p:cNvPr id="32" name="立方体 31">
+              <a:extLst>
+                <a:ext uri="{FF2B5EF4-FFF2-40B4-BE49-F238E27FC236}">
+                  <a16:creationId xmlns:a16="http://schemas.microsoft.com/office/drawing/2014/main" id="{D80E6843-9F35-44A9-805E-38039CA6F538}"/>
+                </a:ext>
+              </a:extLst>
+            </p:cNvPr>
+            <p:cNvSpPr/>
+            <p:nvPr/>
+          </p:nvSpPr>
+          <p:spPr>
+            <a:xfrm>
+              <a:off x="6758682" y="3901166"/>
+              <a:ext cx="222213" cy="264343"/>
+            </a:xfrm>
+            <a:prstGeom prst="cube">
+              <a:avLst/>
+            </a:prstGeom>
+            <a:grpFill/>
+          </p:spPr>
+          <p:style>
+            <a:lnRef idx="2">
+              <a:schemeClr val="accent1">
+                <a:shade val="50000"/>
+              </a:schemeClr>
+            </a:lnRef>
+            <a:fillRef idx="1">
+              <a:schemeClr val="accent1"/>
+            </a:fillRef>
+            <a:effectRef idx="0">
+              <a:schemeClr val="accent1"/>
+            </a:effectRef>
+            <a:fontRef idx="minor">
+              <a:schemeClr val="lt1"/>
+            </a:fontRef>
+          </p:style>
+          <p:txBody>
+            <a:bodyPr rtlCol="0" anchor="ctr"/>
+            <a:lstStyle/>
+            <a:p>
+              <a:pPr algn="ctr"/>
+              <a:endParaRPr lang="zh-CN" altLang="en-US" dirty="0"/>
+            </a:p>
+          </p:txBody>
+        </p:sp>
+        <p:sp>
+          <p:nvSpPr>
+            <p:cNvPr id="33" name="立方体 32">
+              <a:extLst>
+                <a:ext uri="{FF2B5EF4-FFF2-40B4-BE49-F238E27FC236}">
+                  <a16:creationId xmlns:a16="http://schemas.microsoft.com/office/drawing/2014/main" id="{996F222F-6875-4665-A8D4-F0017B0CF381}"/>
+                </a:ext>
+              </a:extLst>
+            </p:cNvPr>
+            <p:cNvSpPr/>
+            <p:nvPr/>
+          </p:nvSpPr>
+          <p:spPr>
+            <a:xfrm>
+              <a:off x="6758682" y="3698364"/>
+              <a:ext cx="222213" cy="264343"/>
+            </a:xfrm>
+            <a:prstGeom prst="cube">
+              <a:avLst/>
+            </a:prstGeom>
+            <a:grpFill/>
+          </p:spPr>
+          <p:style>
+            <a:lnRef idx="2">
+              <a:schemeClr val="accent1">
+                <a:shade val="50000"/>
+              </a:schemeClr>
+            </a:lnRef>
+            <a:fillRef idx="1">
+              <a:schemeClr val="accent1"/>
+            </a:fillRef>
+            <a:effectRef idx="0">
+              <a:schemeClr val="accent1"/>
+            </a:effectRef>
+            <a:fontRef idx="minor">
+              <a:schemeClr val="lt1"/>
+            </a:fontRef>
+          </p:style>
+          <p:txBody>
+            <a:bodyPr rtlCol="0" anchor="ctr"/>
+            <a:lstStyle/>
+            <a:p>
+              <a:pPr algn="ctr"/>
+              <a:endParaRPr lang="zh-CN" altLang="en-US" dirty="0"/>
+            </a:p>
+          </p:txBody>
+        </p:sp>
+      </p:grpSp>
+      <p:grpSp>
+        <p:nvGrpSpPr>
+          <p:cNvPr id="34" name="组合 33">
+            <a:extLst>
+              <a:ext uri="{FF2B5EF4-FFF2-40B4-BE49-F238E27FC236}">
+                <a16:creationId xmlns:a16="http://schemas.microsoft.com/office/drawing/2014/main" id="{A558E61D-2FF6-4A9A-AEAA-D22110B1F8B2}"/>
+              </a:ext>
+            </a:extLst>
+          </p:cNvPr>
+          <p:cNvGrpSpPr/>
+          <p:nvPr/>
+        </p:nvGrpSpPr>
+        <p:grpSpPr>
+          <a:xfrm>
+            <a:off x="4695255" y="2600130"/>
+            <a:ext cx="281471" cy="1374610"/>
+            <a:chOff x="6758682" y="3698364"/>
+            <a:chExt cx="222213" cy="860721"/>
+          </a:xfrm>
+          <a:solidFill>
+            <a:srgbClr val="7030A0"/>
+          </a:solidFill>
+        </p:grpSpPr>
+        <p:sp>
+          <p:nvSpPr>
+            <p:cNvPr id="35" name="立方体 34">
+              <a:extLst>
+                <a:ext uri="{FF2B5EF4-FFF2-40B4-BE49-F238E27FC236}">
+                  <a16:creationId xmlns:a16="http://schemas.microsoft.com/office/drawing/2014/main" id="{3323D6C5-C678-4F56-A5FE-B6952C0071CA}"/>
+                </a:ext>
+              </a:extLst>
+            </p:cNvPr>
+            <p:cNvSpPr/>
+            <p:nvPr/>
+          </p:nvSpPr>
+          <p:spPr>
+            <a:xfrm>
+              <a:off x="6758682" y="4294742"/>
+              <a:ext cx="222213" cy="264343"/>
+            </a:xfrm>
+            <a:prstGeom prst="cube">
+              <a:avLst/>
+            </a:prstGeom>
+            <a:grpFill/>
+          </p:spPr>
+          <p:style>
+            <a:lnRef idx="2">
+              <a:schemeClr val="accent1">
+                <a:shade val="50000"/>
+              </a:schemeClr>
+            </a:lnRef>
+            <a:fillRef idx="1">
+              <a:schemeClr val="accent1"/>
+            </a:fillRef>
+            <a:effectRef idx="0">
+              <a:schemeClr val="accent1"/>
+            </a:effectRef>
+            <a:fontRef idx="minor">
+              <a:schemeClr val="lt1"/>
+            </a:fontRef>
+          </p:style>
+          <p:txBody>
+            <a:bodyPr rtlCol="0" anchor="ctr"/>
+            <a:lstStyle/>
+            <a:p>
+              <a:pPr algn="ctr"/>
+              <a:endParaRPr lang="zh-CN" altLang="en-US" dirty="0"/>
+            </a:p>
+          </p:txBody>
+        </p:sp>
+        <p:sp>
+          <p:nvSpPr>
+            <p:cNvPr id="36" name="立方体 35">
+              <a:extLst>
+                <a:ext uri="{FF2B5EF4-FFF2-40B4-BE49-F238E27FC236}">
+                  <a16:creationId xmlns:a16="http://schemas.microsoft.com/office/drawing/2014/main" id="{CE03045A-A0E4-45D3-BCC0-FDA67E30AC3A}"/>
+                </a:ext>
+              </a:extLst>
+            </p:cNvPr>
+            <p:cNvSpPr/>
+            <p:nvPr/>
+          </p:nvSpPr>
+          <p:spPr>
+            <a:xfrm>
+              <a:off x="6758682" y="4091940"/>
+              <a:ext cx="222213" cy="264343"/>
+            </a:xfrm>
+            <a:prstGeom prst="cube">
+              <a:avLst/>
+            </a:prstGeom>
+            <a:grpFill/>
+          </p:spPr>
+          <p:style>
+            <a:lnRef idx="2">
+              <a:schemeClr val="accent1">
+                <a:shade val="50000"/>
+              </a:schemeClr>
+            </a:lnRef>
+            <a:fillRef idx="1">
+              <a:schemeClr val="accent1"/>
+            </a:fillRef>
+            <a:effectRef idx="0">
+              <a:schemeClr val="accent1"/>
+            </a:effectRef>
+            <a:fontRef idx="minor">
+              <a:schemeClr val="lt1"/>
+            </a:fontRef>
+          </p:style>
+          <p:txBody>
+            <a:bodyPr rtlCol="0" anchor="ctr"/>
+            <a:lstStyle/>
+            <a:p>
+              <a:pPr algn="ctr"/>
+              <a:endParaRPr lang="zh-CN" altLang="en-US" dirty="0"/>
+            </a:p>
+          </p:txBody>
+        </p:sp>
+        <p:sp>
+          <p:nvSpPr>
+            <p:cNvPr id="37" name="立方体 36">
+              <a:extLst>
+                <a:ext uri="{FF2B5EF4-FFF2-40B4-BE49-F238E27FC236}">
+                  <a16:creationId xmlns:a16="http://schemas.microsoft.com/office/drawing/2014/main" id="{0682998D-6919-4E6F-864F-C2544181105B}"/>
+                </a:ext>
+              </a:extLst>
+            </p:cNvPr>
+            <p:cNvSpPr/>
+            <p:nvPr/>
+          </p:nvSpPr>
+          <p:spPr>
+            <a:xfrm>
+              <a:off x="6758682" y="3901166"/>
+              <a:ext cx="222213" cy="264343"/>
+            </a:xfrm>
+            <a:prstGeom prst="cube">
+              <a:avLst/>
+            </a:prstGeom>
+            <a:grpFill/>
+          </p:spPr>
+          <p:style>
+            <a:lnRef idx="2">
+              <a:schemeClr val="accent1">
+                <a:shade val="50000"/>
+              </a:schemeClr>
+            </a:lnRef>
+            <a:fillRef idx="1">
+              <a:schemeClr val="accent1"/>
+            </a:fillRef>
+            <a:effectRef idx="0">
+              <a:schemeClr val="accent1"/>
+            </a:effectRef>
+            <a:fontRef idx="minor">
+              <a:schemeClr val="lt1"/>
+            </a:fontRef>
+          </p:style>
+          <p:txBody>
+            <a:bodyPr rtlCol="0" anchor="ctr"/>
+            <a:lstStyle/>
+            <a:p>
+              <a:pPr algn="ctr"/>
+              <a:endParaRPr lang="zh-CN" altLang="en-US" dirty="0"/>
+            </a:p>
+          </p:txBody>
+        </p:sp>
+        <p:sp>
+          <p:nvSpPr>
+            <p:cNvPr id="38" name="立方体 37">
+              <a:extLst>
+                <a:ext uri="{FF2B5EF4-FFF2-40B4-BE49-F238E27FC236}">
+                  <a16:creationId xmlns:a16="http://schemas.microsoft.com/office/drawing/2014/main" id="{3790F568-3AE9-4850-81F0-99F518AE4D9D}"/>
+                </a:ext>
+              </a:extLst>
+            </p:cNvPr>
+            <p:cNvSpPr/>
+            <p:nvPr/>
+          </p:nvSpPr>
+          <p:spPr>
+            <a:xfrm>
+              <a:off x="6758682" y="3698364"/>
+              <a:ext cx="222213" cy="264343"/>
+            </a:xfrm>
+            <a:prstGeom prst="cube">
+              <a:avLst/>
+            </a:prstGeom>
+            <a:grpFill/>
+          </p:spPr>
+          <p:style>
+            <a:lnRef idx="2">
+              <a:schemeClr val="accent1">
+                <a:shade val="50000"/>
+              </a:schemeClr>
+            </a:lnRef>
+            <a:fillRef idx="1">
+              <a:schemeClr val="accent1"/>
+            </a:fillRef>
+            <a:effectRef idx="0">
+              <a:schemeClr val="accent1"/>
+            </a:effectRef>
+            <a:fontRef idx="minor">
+              <a:schemeClr val="lt1"/>
+            </a:fontRef>
+          </p:style>
+          <p:txBody>
+            <a:bodyPr rtlCol="0" anchor="ctr"/>
+            <a:lstStyle/>
+            <a:p>
+              <a:pPr algn="ctr"/>
+              <a:endParaRPr lang="zh-CN" altLang="en-US" dirty="0"/>
+            </a:p>
+          </p:txBody>
+        </p:sp>
+      </p:grpSp>
+      <p:sp>
+        <p:nvSpPr>
+          <p:cNvPr id="39" name="文本框 38">
+            <a:extLst>
+              <a:ext uri="{FF2B5EF4-FFF2-40B4-BE49-F238E27FC236}">
+                <a16:creationId xmlns:a16="http://schemas.microsoft.com/office/drawing/2014/main" id="{E72C42F4-7ECE-45DF-9D71-2972F0ACA851}"/>
+              </a:ext>
+            </a:extLst>
+          </p:cNvPr>
+          <p:cNvSpPr txBox="1"/>
+          <p:nvPr/>
+        </p:nvSpPr>
+        <p:spPr>
+          <a:xfrm>
+            <a:off x="3129216" y="4181130"/>
+            <a:ext cx="2377492" cy="523220"/>
+          </a:xfrm>
+          <a:prstGeom prst="rect">
+            <a:avLst/>
+          </a:prstGeom>
+          <a:noFill/>
+        </p:spPr>
+        <p:txBody>
+          <a:bodyPr wrap="square" rtlCol="0">
+            <a:spAutoFit/>
+          </a:bodyPr>
+          <a:lstStyle/>
+          <a:p>
+            <a:r>
+              <a:rPr lang="en-US" altLang="zh-CN" sz="2800" dirty="0"/>
+              <a:t>(512,512×7×7)</a:t>
+            </a:r>
+            <a:endParaRPr lang="zh-CN" altLang="en-US" sz="2800" dirty="0"/>
+          </a:p>
+        </p:txBody>
+      </p:sp>
+      <p:cxnSp>
+        <p:nvCxnSpPr>
+          <p:cNvPr id="40" name="直接箭头连接符 39">
+            <a:extLst>
+              <a:ext uri="{FF2B5EF4-FFF2-40B4-BE49-F238E27FC236}">
+                <a16:creationId xmlns:a16="http://schemas.microsoft.com/office/drawing/2014/main" id="{7B2CF28E-6475-4AF0-8895-6D2A62F5C225}"/>
+              </a:ext>
+            </a:extLst>
+          </p:cNvPr>
+          <p:cNvCxnSpPr>
+            <a:cxnSpLocks/>
+          </p:cNvCxnSpPr>
+          <p:nvPr/>
+        </p:nvCxnSpPr>
+        <p:spPr>
+          <a:xfrm>
+            <a:off x="5051233" y="3287767"/>
+            <a:ext cx="854266" cy="0"/>
+          </a:xfrm>
+          <a:prstGeom prst="straightConnector1">
+            <a:avLst/>
+          </a:prstGeom>
+          <a:ln w="63500">
+            <a:tailEnd type="triangle"/>
+          </a:ln>
+        </p:spPr>
+        <p:style>
+          <a:lnRef idx="1">
+            <a:schemeClr val="accent1"/>
+          </a:lnRef>
+          <a:fillRef idx="0">
+            <a:schemeClr val="accent1"/>
+          </a:fillRef>
+          <a:effectRef idx="0">
+            <a:schemeClr val="accent1"/>
+          </a:effectRef>
+          <a:fontRef idx="minor">
+            <a:schemeClr val="tx1"/>
+          </a:fontRef>
+        </p:style>
+      </p:cxnSp>
+      <p:sp>
+        <p:nvSpPr>
+          <p:cNvPr id="41" name="文本框 40">
+            <a:extLst>
+              <a:ext uri="{FF2B5EF4-FFF2-40B4-BE49-F238E27FC236}">
+                <a16:creationId xmlns:a16="http://schemas.microsoft.com/office/drawing/2014/main" id="{B3E34552-A802-4830-BCC6-B59F97DC29BE}"/>
+              </a:ext>
+            </a:extLst>
+          </p:cNvPr>
+          <p:cNvSpPr txBox="1"/>
+          <p:nvPr/>
+        </p:nvSpPr>
+        <p:spPr>
+          <a:xfrm>
+            <a:off x="5153145" y="2887325"/>
+            <a:ext cx="752354" cy="400110"/>
+          </a:xfrm>
+          <a:prstGeom prst="rect">
+            <a:avLst/>
+          </a:prstGeom>
+          <a:noFill/>
+        </p:spPr>
+        <p:txBody>
+          <a:bodyPr wrap="square" rtlCol="0">
+            <a:spAutoFit/>
+          </a:bodyPr>
+          <a:lstStyle/>
+          <a:p>
+            <a:r>
+              <a:rPr lang="en-US" altLang="zh-CN" sz="2000" dirty="0"/>
+              <a:t>FC1</a:t>
+            </a:r>
+            <a:endParaRPr lang="zh-CN" altLang="en-US" sz="2000" dirty="0"/>
+          </a:p>
+        </p:txBody>
+      </p:sp>
+      <p:grpSp>
+        <p:nvGrpSpPr>
+          <p:cNvPr id="43" name="组合 42">
+            <a:extLst>
+              <a:ext uri="{FF2B5EF4-FFF2-40B4-BE49-F238E27FC236}">
+                <a16:creationId xmlns:a16="http://schemas.microsoft.com/office/drawing/2014/main" id="{95103625-9D69-486E-A27B-FD7E583E908A}"/>
+              </a:ext>
+            </a:extLst>
+          </p:cNvPr>
+          <p:cNvGrpSpPr/>
+          <p:nvPr/>
+        </p:nvGrpSpPr>
+        <p:grpSpPr>
+          <a:xfrm>
+            <a:off x="4338807" y="1304891"/>
+            <a:ext cx="281471" cy="1374610"/>
+            <a:chOff x="6758682" y="3698364"/>
+            <a:chExt cx="222213" cy="860721"/>
+          </a:xfrm>
+          <a:solidFill>
+            <a:schemeClr val="accent2">
+              <a:lumMod val="75000"/>
+            </a:schemeClr>
+          </a:solidFill>
+        </p:grpSpPr>
+        <p:sp>
+          <p:nvSpPr>
+            <p:cNvPr id="44" name="立方体 43">
+              <a:extLst>
+                <a:ext uri="{FF2B5EF4-FFF2-40B4-BE49-F238E27FC236}">
+                  <a16:creationId xmlns:a16="http://schemas.microsoft.com/office/drawing/2014/main" id="{C4633831-FE73-49D3-9F63-5E542924FEE2}"/>
+                </a:ext>
+              </a:extLst>
+            </p:cNvPr>
+            <p:cNvSpPr/>
+            <p:nvPr/>
+          </p:nvSpPr>
+          <p:spPr>
+            <a:xfrm>
+              <a:off x="6758682" y="4294742"/>
+              <a:ext cx="222213" cy="264343"/>
+            </a:xfrm>
+            <a:prstGeom prst="cube">
+              <a:avLst/>
+            </a:prstGeom>
+            <a:grpFill/>
+          </p:spPr>
+          <p:style>
+            <a:lnRef idx="2">
+              <a:schemeClr val="accent1">
+                <a:shade val="50000"/>
+              </a:schemeClr>
+            </a:lnRef>
+            <a:fillRef idx="1">
+              <a:schemeClr val="accent1"/>
+            </a:fillRef>
+            <a:effectRef idx="0">
+              <a:schemeClr val="accent1"/>
+            </a:effectRef>
+            <a:fontRef idx="minor">
+              <a:schemeClr val="lt1"/>
+            </a:fontRef>
+          </p:style>
+          <p:txBody>
+            <a:bodyPr rtlCol="0" anchor="ctr"/>
+            <a:lstStyle/>
+            <a:p>
+              <a:pPr algn="ctr"/>
+              <a:endParaRPr lang="zh-CN" altLang="en-US" dirty="0"/>
+            </a:p>
+          </p:txBody>
+        </p:sp>
+        <p:sp>
+          <p:nvSpPr>
+            <p:cNvPr id="45" name="立方体 44">
+              <a:extLst>
+                <a:ext uri="{FF2B5EF4-FFF2-40B4-BE49-F238E27FC236}">
+                  <a16:creationId xmlns:a16="http://schemas.microsoft.com/office/drawing/2014/main" id="{6CC58734-E89C-4FD7-897D-8FCD80A8153E}"/>
+                </a:ext>
+              </a:extLst>
+            </p:cNvPr>
+            <p:cNvSpPr/>
+            <p:nvPr/>
+          </p:nvSpPr>
+          <p:spPr>
+            <a:xfrm>
+              <a:off x="6758682" y="4091940"/>
+              <a:ext cx="222213" cy="264343"/>
+            </a:xfrm>
+            <a:prstGeom prst="cube">
+              <a:avLst/>
+            </a:prstGeom>
+            <a:grpFill/>
+          </p:spPr>
+          <p:style>
+            <a:lnRef idx="2">
+              <a:schemeClr val="accent1">
+                <a:shade val="50000"/>
+              </a:schemeClr>
+            </a:lnRef>
+            <a:fillRef idx="1">
+              <a:schemeClr val="accent1"/>
+            </a:fillRef>
+            <a:effectRef idx="0">
+              <a:schemeClr val="accent1"/>
+            </a:effectRef>
+            <a:fontRef idx="minor">
+              <a:schemeClr val="lt1"/>
+            </a:fontRef>
+          </p:style>
+          <p:txBody>
+            <a:bodyPr rtlCol="0" anchor="ctr"/>
+            <a:lstStyle/>
+            <a:p>
+              <a:pPr algn="ctr"/>
+              <a:endParaRPr lang="zh-CN" altLang="en-US" dirty="0"/>
+            </a:p>
+          </p:txBody>
+        </p:sp>
+        <p:sp>
+          <p:nvSpPr>
+            <p:cNvPr id="46" name="立方体 45">
+              <a:extLst>
+                <a:ext uri="{FF2B5EF4-FFF2-40B4-BE49-F238E27FC236}">
+                  <a16:creationId xmlns:a16="http://schemas.microsoft.com/office/drawing/2014/main" id="{9336B06D-03E3-4AA2-895D-BE1621E1BE6A}"/>
+                </a:ext>
+              </a:extLst>
+            </p:cNvPr>
+            <p:cNvSpPr/>
+            <p:nvPr/>
+          </p:nvSpPr>
+          <p:spPr>
+            <a:xfrm>
+              <a:off x="6758682" y="3901166"/>
+              <a:ext cx="222213" cy="264343"/>
+            </a:xfrm>
+            <a:prstGeom prst="cube">
+              <a:avLst/>
+            </a:prstGeom>
+            <a:grpFill/>
+          </p:spPr>
+          <p:style>
+            <a:lnRef idx="2">
+              <a:schemeClr val="accent1">
+                <a:shade val="50000"/>
+              </a:schemeClr>
+            </a:lnRef>
+            <a:fillRef idx="1">
+              <a:schemeClr val="accent1"/>
+            </a:fillRef>
+            <a:effectRef idx="0">
+              <a:schemeClr val="accent1"/>
+            </a:effectRef>
+            <a:fontRef idx="minor">
+              <a:schemeClr val="lt1"/>
+            </a:fontRef>
+          </p:style>
+          <p:txBody>
+            <a:bodyPr rtlCol="0" anchor="ctr"/>
+            <a:lstStyle/>
+            <a:p>
+              <a:pPr algn="ctr"/>
+              <a:endParaRPr lang="zh-CN" altLang="en-US" dirty="0"/>
+            </a:p>
+          </p:txBody>
+        </p:sp>
+        <p:sp>
+          <p:nvSpPr>
+            <p:cNvPr id="47" name="立方体 46">
+              <a:extLst>
+                <a:ext uri="{FF2B5EF4-FFF2-40B4-BE49-F238E27FC236}">
+                  <a16:creationId xmlns:a16="http://schemas.microsoft.com/office/drawing/2014/main" id="{29A7A7CB-9242-46B7-9121-5C2A06E21EE5}"/>
+                </a:ext>
+              </a:extLst>
+            </p:cNvPr>
+            <p:cNvSpPr/>
+            <p:nvPr/>
+          </p:nvSpPr>
+          <p:spPr>
+            <a:xfrm>
+              <a:off x="6758682" y="3698364"/>
+              <a:ext cx="222213" cy="264343"/>
+            </a:xfrm>
+            <a:prstGeom prst="cube">
+              <a:avLst/>
+            </a:prstGeom>
+            <a:grpFill/>
+          </p:spPr>
+          <p:style>
+            <a:lnRef idx="2">
+              <a:schemeClr val="accent1">
+                <a:shade val="50000"/>
+              </a:schemeClr>
+            </a:lnRef>
+            <a:fillRef idx="1">
+              <a:schemeClr val="accent1"/>
+            </a:fillRef>
+            <a:effectRef idx="0">
+              <a:schemeClr val="accent1"/>
+            </a:effectRef>
+            <a:fontRef idx="minor">
+              <a:schemeClr val="lt1"/>
+            </a:fontRef>
+          </p:style>
+          <p:txBody>
+            <a:bodyPr rtlCol="0" anchor="ctr"/>
+            <a:lstStyle/>
+            <a:p>
+              <a:pPr algn="ctr"/>
+              <a:endParaRPr lang="zh-CN" altLang="en-US" dirty="0"/>
+            </a:p>
+          </p:txBody>
+        </p:sp>
+      </p:grpSp>
+      <p:grpSp>
+        <p:nvGrpSpPr>
+          <p:cNvPr id="48" name="组合 47">
+            <a:extLst>
+              <a:ext uri="{FF2B5EF4-FFF2-40B4-BE49-F238E27FC236}">
+                <a16:creationId xmlns:a16="http://schemas.microsoft.com/office/drawing/2014/main" id="{508020E3-7CF6-45D1-B0EE-2D1CC524D287}"/>
+              </a:ext>
+            </a:extLst>
+          </p:cNvPr>
+          <p:cNvGrpSpPr/>
+          <p:nvPr/>
+        </p:nvGrpSpPr>
+        <p:grpSpPr>
+          <a:xfrm>
+            <a:off x="3982763" y="1299212"/>
+            <a:ext cx="281471" cy="1374610"/>
+            <a:chOff x="6758682" y="3698364"/>
+            <a:chExt cx="222213" cy="860721"/>
+          </a:xfrm>
+        </p:grpSpPr>
+        <p:sp>
+          <p:nvSpPr>
+            <p:cNvPr id="49" name="立方体 48">
+              <a:extLst>
+                <a:ext uri="{FF2B5EF4-FFF2-40B4-BE49-F238E27FC236}">
+                  <a16:creationId xmlns:a16="http://schemas.microsoft.com/office/drawing/2014/main" id="{785A2DE2-F88B-4E95-B856-F1BAF614627F}"/>
+                </a:ext>
+              </a:extLst>
+            </p:cNvPr>
+            <p:cNvSpPr/>
+            <p:nvPr/>
+          </p:nvSpPr>
+          <p:spPr>
+            <a:xfrm>
+              <a:off x="6758682" y="4294742"/>
+              <a:ext cx="222213" cy="264343"/>
+            </a:xfrm>
+            <a:prstGeom prst="cube">
+              <a:avLst/>
+            </a:prstGeom>
+          </p:spPr>
+          <p:style>
+            <a:lnRef idx="2">
+              <a:schemeClr val="accent1">
+                <a:shade val="50000"/>
+              </a:schemeClr>
+            </a:lnRef>
+            <a:fillRef idx="1">
+              <a:schemeClr val="accent1"/>
+            </a:fillRef>
+            <a:effectRef idx="0">
+              <a:schemeClr val="accent1"/>
+            </a:effectRef>
+            <a:fontRef idx="minor">
+              <a:schemeClr val="lt1"/>
+            </a:fontRef>
+          </p:style>
+          <p:txBody>
+            <a:bodyPr rtlCol="0" anchor="ctr"/>
+            <a:lstStyle/>
+            <a:p>
+              <a:pPr algn="ctr"/>
+              <a:endParaRPr lang="zh-CN" altLang="en-US" dirty="0"/>
+            </a:p>
+          </p:txBody>
+        </p:sp>
+        <p:sp>
+          <p:nvSpPr>
+            <p:cNvPr id="50" name="立方体 49">
+              <a:extLst>
+                <a:ext uri="{FF2B5EF4-FFF2-40B4-BE49-F238E27FC236}">
+                  <a16:creationId xmlns:a16="http://schemas.microsoft.com/office/drawing/2014/main" id="{19B0B0F9-683A-4816-ADEC-669A020B166D}"/>
+                </a:ext>
+              </a:extLst>
+            </p:cNvPr>
+            <p:cNvSpPr/>
+            <p:nvPr/>
+          </p:nvSpPr>
+          <p:spPr>
+            <a:xfrm>
+              <a:off x="6758682" y="4091940"/>
+              <a:ext cx="222213" cy="264343"/>
+            </a:xfrm>
+            <a:prstGeom prst="cube">
+              <a:avLst/>
+            </a:prstGeom>
+          </p:spPr>
+          <p:style>
+            <a:lnRef idx="2">
+              <a:schemeClr val="accent1">
+                <a:shade val="50000"/>
+              </a:schemeClr>
+            </a:lnRef>
+            <a:fillRef idx="1">
+              <a:schemeClr val="accent1"/>
+            </a:fillRef>
+            <a:effectRef idx="0">
+              <a:schemeClr val="accent1"/>
+            </a:effectRef>
+            <a:fontRef idx="minor">
+              <a:schemeClr val="lt1"/>
+            </a:fontRef>
+          </p:style>
+          <p:txBody>
+            <a:bodyPr rtlCol="0" anchor="ctr"/>
+            <a:lstStyle/>
+            <a:p>
+              <a:pPr algn="ctr"/>
+              <a:endParaRPr lang="zh-CN" altLang="en-US" dirty="0"/>
+            </a:p>
+          </p:txBody>
+        </p:sp>
+        <p:sp>
+          <p:nvSpPr>
+            <p:cNvPr id="51" name="立方体 50">
+              <a:extLst>
+                <a:ext uri="{FF2B5EF4-FFF2-40B4-BE49-F238E27FC236}">
+                  <a16:creationId xmlns:a16="http://schemas.microsoft.com/office/drawing/2014/main" id="{D45DE155-2B39-421B-8202-3B16F364CDF5}"/>
+                </a:ext>
+              </a:extLst>
+            </p:cNvPr>
+            <p:cNvSpPr/>
+            <p:nvPr/>
+          </p:nvSpPr>
+          <p:spPr>
+            <a:xfrm>
+              <a:off x="6758682" y="3901166"/>
+              <a:ext cx="222213" cy="264343"/>
+            </a:xfrm>
+            <a:prstGeom prst="cube">
+              <a:avLst/>
+            </a:prstGeom>
+          </p:spPr>
+          <p:style>
+            <a:lnRef idx="2">
+              <a:schemeClr val="accent1">
+                <a:shade val="50000"/>
+              </a:schemeClr>
+            </a:lnRef>
+            <a:fillRef idx="1">
+              <a:schemeClr val="accent1"/>
+            </a:fillRef>
+            <a:effectRef idx="0">
+              <a:schemeClr val="accent1"/>
+            </a:effectRef>
+            <a:fontRef idx="minor">
+              <a:schemeClr val="lt1"/>
+            </a:fontRef>
+          </p:style>
+          <p:txBody>
+            <a:bodyPr rtlCol="0" anchor="ctr"/>
+            <a:lstStyle/>
+            <a:p>
+              <a:pPr algn="ctr"/>
+              <a:endParaRPr lang="zh-CN" altLang="en-US" dirty="0"/>
+            </a:p>
+          </p:txBody>
+        </p:sp>
+        <p:sp>
+          <p:nvSpPr>
+            <p:cNvPr id="52" name="立方体 51">
+              <a:extLst>
+                <a:ext uri="{FF2B5EF4-FFF2-40B4-BE49-F238E27FC236}">
+                  <a16:creationId xmlns:a16="http://schemas.microsoft.com/office/drawing/2014/main" id="{1AF0AFB0-8DD5-4E01-9AD7-D81EEA37699E}"/>
+                </a:ext>
+              </a:extLst>
+            </p:cNvPr>
+            <p:cNvSpPr/>
+            <p:nvPr/>
+          </p:nvSpPr>
+          <p:spPr>
+            <a:xfrm>
+              <a:off x="6758682" y="3698364"/>
+              <a:ext cx="222213" cy="264343"/>
+            </a:xfrm>
+            <a:prstGeom prst="cube">
+              <a:avLst/>
+            </a:prstGeom>
+          </p:spPr>
+          <p:style>
+            <a:lnRef idx="2">
+              <a:schemeClr val="accent1">
+                <a:shade val="50000"/>
+              </a:schemeClr>
+            </a:lnRef>
+            <a:fillRef idx="1">
+              <a:schemeClr val="accent1"/>
+            </a:fillRef>
+            <a:effectRef idx="0">
+              <a:schemeClr val="accent1"/>
+            </a:effectRef>
+            <a:fontRef idx="minor">
+              <a:schemeClr val="lt1"/>
+            </a:fontRef>
+          </p:style>
+          <p:txBody>
+            <a:bodyPr rtlCol="0" anchor="ctr"/>
+            <a:lstStyle/>
+            <a:p>
+              <a:pPr algn="ctr"/>
+              <a:endParaRPr lang="zh-CN" altLang="en-US" dirty="0"/>
+            </a:p>
+          </p:txBody>
+        </p:sp>
+      </p:grpSp>
+      <p:grpSp>
+        <p:nvGrpSpPr>
+          <p:cNvPr id="53" name="组合 52">
+            <a:extLst>
+              <a:ext uri="{FF2B5EF4-FFF2-40B4-BE49-F238E27FC236}">
+                <a16:creationId xmlns:a16="http://schemas.microsoft.com/office/drawing/2014/main" id="{59591F4D-ED97-4DF4-99D2-9D00DF013486}"/>
+              </a:ext>
+            </a:extLst>
+          </p:cNvPr>
+          <p:cNvGrpSpPr/>
+          <p:nvPr/>
+        </p:nvGrpSpPr>
+        <p:grpSpPr>
+          <a:xfrm>
+            <a:off x="4697325" y="1300341"/>
+            <a:ext cx="281471" cy="1374610"/>
+            <a:chOff x="6758682" y="3698364"/>
+            <a:chExt cx="222213" cy="860721"/>
+          </a:xfrm>
+          <a:solidFill>
+            <a:srgbClr val="7030A0"/>
+          </a:solidFill>
+        </p:grpSpPr>
+        <p:sp>
+          <p:nvSpPr>
+            <p:cNvPr id="54" name="立方体 53">
+              <a:extLst>
+                <a:ext uri="{FF2B5EF4-FFF2-40B4-BE49-F238E27FC236}">
+                  <a16:creationId xmlns:a16="http://schemas.microsoft.com/office/drawing/2014/main" id="{56BD60C5-0B11-48A3-B9C4-A5D631898929}"/>
+                </a:ext>
+              </a:extLst>
+            </p:cNvPr>
+            <p:cNvSpPr/>
+            <p:nvPr/>
+          </p:nvSpPr>
+          <p:spPr>
+            <a:xfrm>
+              <a:off x="6758682" y="4294742"/>
+              <a:ext cx="222213" cy="264343"/>
+            </a:xfrm>
+            <a:prstGeom prst="cube">
+              <a:avLst/>
+            </a:prstGeom>
+            <a:grpFill/>
+          </p:spPr>
+          <p:style>
+            <a:lnRef idx="2">
+              <a:schemeClr val="accent1">
+                <a:shade val="50000"/>
+              </a:schemeClr>
+            </a:lnRef>
+            <a:fillRef idx="1">
+              <a:schemeClr val="accent1"/>
+            </a:fillRef>
+            <a:effectRef idx="0">
+              <a:schemeClr val="accent1"/>
+            </a:effectRef>
+            <a:fontRef idx="minor">
+              <a:schemeClr val="lt1"/>
+            </a:fontRef>
+          </p:style>
+          <p:txBody>
+            <a:bodyPr rtlCol="0" anchor="ctr"/>
+            <a:lstStyle/>
+            <a:p>
+              <a:pPr algn="ctr"/>
+              <a:endParaRPr lang="zh-CN" altLang="en-US" dirty="0"/>
+            </a:p>
+          </p:txBody>
+        </p:sp>
+        <p:sp>
+          <p:nvSpPr>
+            <p:cNvPr id="55" name="立方体 54">
+              <a:extLst>
+                <a:ext uri="{FF2B5EF4-FFF2-40B4-BE49-F238E27FC236}">
+                  <a16:creationId xmlns:a16="http://schemas.microsoft.com/office/drawing/2014/main" id="{54928CFB-30BD-44C7-951C-789EEBDC86A4}"/>
+                </a:ext>
+              </a:extLst>
+            </p:cNvPr>
+            <p:cNvSpPr/>
+            <p:nvPr/>
+          </p:nvSpPr>
+          <p:spPr>
+            <a:xfrm>
+              <a:off x="6758682" y="4091940"/>
+              <a:ext cx="222213" cy="264343"/>
+            </a:xfrm>
+            <a:prstGeom prst="cube">
+              <a:avLst/>
+            </a:prstGeom>
+            <a:grpFill/>
+          </p:spPr>
+          <p:style>
+            <a:lnRef idx="2">
+              <a:schemeClr val="accent1">
+                <a:shade val="50000"/>
+              </a:schemeClr>
+            </a:lnRef>
+            <a:fillRef idx="1">
+              <a:schemeClr val="accent1"/>
+            </a:fillRef>
+            <a:effectRef idx="0">
+              <a:schemeClr val="accent1"/>
+            </a:effectRef>
+            <a:fontRef idx="minor">
+              <a:schemeClr val="lt1"/>
+            </a:fontRef>
+          </p:style>
+          <p:txBody>
+            <a:bodyPr rtlCol="0" anchor="ctr"/>
+            <a:lstStyle/>
+            <a:p>
+              <a:pPr algn="ctr"/>
+              <a:endParaRPr lang="zh-CN" altLang="en-US" dirty="0"/>
+            </a:p>
+          </p:txBody>
+        </p:sp>
+        <p:sp>
+          <p:nvSpPr>
+            <p:cNvPr id="56" name="立方体 55">
+              <a:extLst>
+                <a:ext uri="{FF2B5EF4-FFF2-40B4-BE49-F238E27FC236}">
+                  <a16:creationId xmlns:a16="http://schemas.microsoft.com/office/drawing/2014/main" id="{8BFC4174-D18E-4BE8-AC8D-B7C572149418}"/>
+                </a:ext>
+              </a:extLst>
+            </p:cNvPr>
+            <p:cNvSpPr/>
+            <p:nvPr/>
+          </p:nvSpPr>
+          <p:spPr>
+            <a:xfrm>
+              <a:off x="6758682" y="3901166"/>
+              <a:ext cx="222213" cy="264343"/>
+            </a:xfrm>
+            <a:prstGeom prst="cube">
+              <a:avLst/>
+            </a:prstGeom>
+            <a:grpFill/>
+          </p:spPr>
+          <p:style>
+            <a:lnRef idx="2">
+              <a:schemeClr val="accent1">
+                <a:shade val="50000"/>
+              </a:schemeClr>
+            </a:lnRef>
+            <a:fillRef idx="1">
+              <a:schemeClr val="accent1"/>
+            </a:fillRef>
+            <a:effectRef idx="0">
+              <a:schemeClr val="accent1"/>
+            </a:effectRef>
+            <a:fontRef idx="minor">
+              <a:schemeClr val="lt1"/>
+            </a:fontRef>
+          </p:style>
+          <p:txBody>
+            <a:bodyPr rtlCol="0" anchor="ctr"/>
+            <a:lstStyle/>
+            <a:p>
+              <a:pPr algn="ctr"/>
+              <a:endParaRPr lang="zh-CN" altLang="en-US" dirty="0"/>
+            </a:p>
+          </p:txBody>
+        </p:sp>
+        <p:sp>
+          <p:nvSpPr>
+            <p:cNvPr id="57" name="立方体 56">
+              <a:extLst>
+                <a:ext uri="{FF2B5EF4-FFF2-40B4-BE49-F238E27FC236}">
+                  <a16:creationId xmlns:a16="http://schemas.microsoft.com/office/drawing/2014/main" id="{89925312-BD0A-4657-9D65-F13007846370}"/>
+                </a:ext>
+              </a:extLst>
+            </p:cNvPr>
+            <p:cNvSpPr/>
+            <p:nvPr/>
+          </p:nvSpPr>
+          <p:spPr>
+            <a:xfrm>
+              <a:off x="6758682" y="3698364"/>
+              <a:ext cx="222213" cy="264343"/>
+            </a:xfrm>
+            <a:prstGeom prst="cube">
+              <a:avLst/>
+            </a:prstGeom>
+            <a:grpFill/>
+          </p:spPr>
+          <p:style>
+            <a:lnRef idx="2">
+              <a:schemeClr val="accent1">
+                <a:shade val="50000"/>
+              </a:schemeClr>
+            </a:lnRef>
+            <a:fillRef idx="1">
+              <a:schemeClr val="accent1"/>
+            </a:fillRef>
+            <a:effectRef idx="0">
+              <a:schemeClr val="accent1"/>
+            </a:effectRef>
+            <a:fontRef idx="minor">
+              <a:schemeClr val="lt1"/>
+            </a:fontRef>
+          </p:style>
+          <p:txBody>
+            <a:bodyPr rtlCol="0" anchor="ctr"/>
+            <a:lstStyle/>
+            <a:p>
+              <a:pPr algn="ctr"/>
+              <a:endParaRPr lang="zh-CN" altLang="en-US" dirty="0"/>
+            </a:p>
+          </p:txBody>
+        </p:sp>
+      </p:grpSp>
+      <p:grpSp>
+        <p:nvGrpSpPr>
+          <p:cNvPr id="116" name="组合 115">
+            <a:extLst>
+              <a:ext uri="{FF2B5EF4-FFF2-40B4-BE49-F238E27FC236}">
+                <a16:creationId xmlns:a16="http://schemas.microsoft.com/office/drawing/2014/main" id="{D90FE44D-9201-402A-8510-7847AAAF37D6}"/>
+              </a:ext>
+            </a:extLst>
+          </p:cNvPr>
+          <p:cNvGrpSpPr/>
+          <p:nvPr/>
+        </p:nvGrpSpPr>
+        <p:grpSpPr>
+          <a:xfrm>
+            <a:off x="10668576" y="3354188"/>
+            <a:ext cx="993962" cy="1374610"/>
+            <a:chOff x="5998965" y="2600130"/>
+            <a:chExt cx="993962" cy="1374610"/>
+          </a:xfrm>
+        </p:grpSpPr>
+        <p:grpSp>
+          <p:nvGrpSpPr>
+            <p:cNvPr id="58" name="组合 57">
+              <a:extLst>
+                <a:ext uri="{FF2B5EF4-FFF2-40B4-BE49-F238E27FC236}">
+                  <a16:creationId xmlns:a16="http://schemas.microsoft.com/office/drawing/2014/main" id="{C7706BA7-90E8-4337-BE4E-0F9E2C4005C3}"/>
+                </a:ext>
+              </a:extLst>
+            </p:cNvPr>
+            <p:cNvGrpSpPr/>
+            <p:nvPr/>
+          </p:nvGrpSpPr>
+          <p:grpSpPr>
+            <a:xfrm>
+              <a:off x="5998965" y="2600130"/>
+              <a:ext cx="281471" cy="1374610"/>
+              <a:chOff x="6758682" y="3698364"/>
+              <a:chExt cx="222213" cy="860721"/>
+            </a:xfrm>
+          </p:grpSpPr>
+          <p:sp>
+            <p:nvSpPr>
+              <p:cNvPr id="59" name="立方体 58">
+                <a:extLst>
+                  <a:ext uri="{FF2B5EF4-FFF2-40B4-BE49-F238E27FC236}">
+                    <a16:creationId xmlns:a16="http://schemas.microsoft.com/office/drawing/2014/main" id="{1F8E3BD4-C807-4F46-84C0-93A5E63654B4}"/>
+                  </a:ext>
+                </a:extLst>
+              </p:cNvPr>
+              <p:cNvSpPr/>
+              <p:nvPr/>
+            </p:nvSpPr>
+            <p:spPr>
+              <a:xfrm>
+                <a:off x="6758682" y="4294742"/>
+                <a:ext cx="222213" cy="264343"/>
+              </a:xfrm>
+              <a:prstGeom prst="cube">
+                <a:avLst/>
+              </a:prstGeom>
+            </p:spPr>
+            <p:style>
+              <a:lnRef idx="2">
+                <a:schemeClr val="accent1">
+                  <a:shade val="50000"/>
+                </a:schemeClr>
+              </a:lnRef>
+              <a:fillRef idx="1">
+                <a:schemeClr val="accent1"/>
+              </a:fillRef>
+              <a:effectRef idx="0">
+                <a:schemeClr val="accent1"/>
+              </a:effectRef>
+              <a:fontRef idx="minor">
+                <a:schemeClr val="lt1"/>
+              </a:fontRef>
+            </p:style>
+            <p:txBody>
+              <a:bodyPr rtlCol="0" anchor="ctr"/>
+              <a:lstStyle/>
+              <a:p>
+                <a:pPr algn="ctr"/>
+                <a:endParaRPr lang="zh-CN" altLang="en-US" dirty="0"/>
+              </a:p>
+            </p:txBody>
+          </p:sp>
+          <p:sp>
+            <p:nvSpPr>
+              <p:cNvPr id="60" name="立方体 59">
+                <a:extLst>
+                  <a:ext uri="{FF2B5EF4-FFF2-40B4-BE49-F238E27FC236}">
+                    <a16:creationId xmlns:a16="http://schemas.microsoft.com/office/drawing/2014/main" id="{09D955AB-DAFF-4607-86EB-C3D535EEB8D5}"/>
+                  </a:ext>
+                </a:extLst>
+              </p:cNvPr>
+              <p:cNvSpPr/>
+              <p:nvPr/>
+            </p:nvSpPr>
+            <p:spPr>
+              <a:xfrm>
+                <a:off x="6758682" y="4091940"/>
+                <a:ext cx="222213" cy="264343"/>
+              </a:xfrm>
+              <a:prstGeom prst="cube">
+                <a:avLst/>
+              </a:prstGeom>
+            </p:spPr>
+            <p:style>
+              <a:lnRef idx="2">
+                <a:schemeClr val="accent1">
+                  <a:shade val="50000"/>
+                </a:schemeClr>
+              </a:lnRef>
+              <a:fillRef idx="1">
+                <a:schemeClr val="accent1"/>
+              </a:fillRef>
+              <a:effectRef idx="0">
+                <a:schemeClr val="accent1"/>
+              </a:effectRef>
+              <a:fontRef idx="minor">
+                <a:schemeClr val="lt1"/>
+              </a:fontRef>
+            </p:style>
+            <p:txBody>
+              <a:bodyPr rtlCol="0" anchor="ctr"/>
+              <a:lstStyle/>
+              <a:p>
+                <a:pPr algn="ctr"/>
+                <a:endParaRPr lang="zh-CN" altLang="en-US" dirty="0"/>
+              </a:p>
+            </p:txBody>
+          </p:sp>
+          <p:sp>
+            <p:nvSpPr>
+              <p:cNvPr id="61" name="立方体 60">
+                <a:extLst>
+                  <a:ext uri="{FF2B5EF4-FFF2-40B4-BE49-F238E27FC236}">
+                    <a16:creationId xmlns:a16="http://schemas.microsoft.com/office/drawing/2014/main" id="{DD43D6CB-AEAF-4D5C-9B60-DBC6EC910FF2}"/>
+                  </a:ext>
+                </a:extLst>
+              </p:cNvPr>
+              <p:cNvSpPr/>
+              <p:nvPr/>
+            </p:nvSpPr>
+            <p:spPr>
+              <a:xfrm>
+                <a:off x="6758682" y="3901166"/>
+                <a:ext cx="222213" cy="264343"/>
+              </a:xfrm>
+              <a:prstGeom prst="cube">
+                <a:avLst/>
+              </a:prstGeom>
+            </p:spPr>
+            <p:style>
+              <a:lnRef idx="2">
+                <a:schemeClr val="accent1">
+                  <a:shade val="50000"/>
+                </a:schemeClr>
+              </a:lnRef>
+              <a:fillRef idx="1">
+                <a:schemeClr val="accent1"/>
+              </a:fillRef>
+              <a:effectRef idx="0">
+                <a:schemeClr val="accent1"/>
+              </a:effectRef>
+              <a:fontRef idx="minor">
+                <a:schemeClr val="lt1"/>
+              </a:fontRef>
+            </p:style>
+            <p:txBody>
+              <a:bodyPr rtlCol="0" anchor="ctr"/>
+              <a:lstStyle/>
+              <a:p>
+                <a:pPr algn="ctr"/>
+                <a:endParaRPr lang="zh-CN" altLang="en-US" dirty="0"/>
+              </a:p>
+            </p:txBody>
+          </p:sp>
+          <p:sp>
+            <p:nvSpPr>
+              <p:cNvPr id="62" name="立方体 61">
+                <a:extLst>
+                  <a:ext uri="{FF2B5EF4-FFF2-40B4-BE49-F238E27FC236}">
+                    <a16:creationId xmlns:a16="http://schemas.microsoft.com/office/drawing/2014/main" id="{A9610CBA-CA7E-44D3-B70B-E0C3A9B737B1}"/>
+                  </a:ext>
+                </a:extLst>
+              </p:cNvPr>
+              <p:cNvSpPr/>
+              <p:nvPr/>
+            </p:nvSpPr>
+            <p:spPr>
+              <a:xfrm>
+                <a:off x="6758682" y="3698364"/>
+                <a:ext cx="222213" cy="264343"/>
+              </a:xfrm>
+              <a:prstGeom prst="cube">
+                <a:avLst/>
+              </a:prstGeom>
+            </p:spPr>
+            <p:style>
+              <a:lnRef idx="2">
+                <a:schemeClr val="accent1">
+                  <a:shade val="50000"/>
+                </a:schemeClr>
+              </a:lnRef>
+              <a:fillRef idx="1">
+                <a:schemeClr val="accent1"/>
+              </a:fillRef>
+              <a:effectRef idx="0">
+                <a:schemeClr val="accent1"/>
+              </a:effectRef>
+              <a:fontRef idx="minor">
+                <a:schemeClr val="lt1"/>
+              </a:fontRef>
+            </p:style>
+            <p:txBody>
+              <a:bodyPr rtlCol="0" anchor="ctr"/>
+              <a:lstStyle/>
+              <a:p>
+                <a:pPr algn="ctr"/>
+                <a:endParaRPr lang="zh-CN" altLang="en-US" dirty="0"/>
+              </a:p>
+            </p:txBody>
+          </p:sp>
+        </p:grpSp>
+        <p:grpSp>
+          <p:nvGrpSpPr>
+            <p:cNvPr id="63" name="组合 62">
+              <a:extLst>
+                <a:ext uri="{FF2B5EF4-FFF2-40B4-BE49-F238E27FC236}">
+                  <a16:creationId xmlns:a16="http://schemas.microsoft.com/office/drawing/2014/main" id="{F63D4F2B-82B5-4080-9398-26FBB09F44D1}"/>
+                </a:ext>
+              </a:extLst>
+            </p:cNvPr>
+            <p:cNvGrpSpPr/>
+            <p:nvPr/>
+          </p:nvGrpSpPr>
+          <p:grpSpPr>
+            <a:xfrm>
+              <a:off x="6355478" y="2600130"/>
+              <a:ext cx="281471" cy="1374610"/>
+              <a:chOff x="6758682" y="3698364"/>
+              <a:chExt cx="222213" cy="860721"/>
+            </a:xfrm>
+            <a:solidFill>
+              <a:schemeClr val="accent2">
+                <a:lumMod val="75000"/>
+              </a:schemeClr>
+            </a:solidFill>
+          </p:grpSpPr>
+          <p:sp>
+            <p:nvSpPr>
+              <p:cNvPr id="64" name="立方体 63">
+                <a:extLst>
+                  <a:ext uri="{FF2B5EF4-FFF2-40B4-BE49-F238E27FC236}">
+                    <a16:creationId xmlns:a16="http://schemas.microsoft.com/office/drawing/2014/main" id="{DAD5CCEA-4493-478B-B8AB-705BC09C7D04}"/>
+                  </a:ext>
+                </a:extLst>
+              </p:cNvPr>
+              <p:cNvSpPr/>
+              <p:nvPr/>
+            </p:nvSpPr>
+            <p:spPr>
+              <a:xfrm>
+                <a:off x="6758682" y="4294742"/>
+                <a:ext cx="222213" cy="264343"/>
+              </a:xfrm>
+              <a:prstGeom prst="cube">
+                <a:avLst/>
+              </a:prstGeom>
+              <a:grpFill/>
+            </p:spPr>
+            <p:style>
+              <a:lnRef idx="2">
+                <a:schemeClr val="accent1">
+                  <a:shade val="50000"/>
+                </a:schemeClr>
+              </a:lnRef>
+              <a:fillRef idx="1">
+                <a:schemeClr val="accent1"/>
+              </a:fillRef>
+              <a:effectRef idx="0">
+                <a:schemeClr val="accent1"/>
+              </a:effectRef>
+              <a:fontRef idx="minor">
+                <a:schemeClr val="lt1"/>
+              </a:fontRef>
+            </p:style>
+            <p:txBody>
+              <a:bodyPr rtlCol="0" anchor="ctr"/>
+              <a:lstStyle/>
+              <a:p>
+                <a:pPr algn="ctr"/>
+                <a:endParaRPr lang="zh-CN" altLang="en-US" dirty="0"/>
+              </a:p>
+            </p:txBody>
+          </p:sp>
+          <p:sp>
+            <p:nvSpPr>
+              <p:cNvPr id="65" name="立方体 64">
+                <a:extLst>
+                  <a:ext uri="{FF2B5EF4-FFF2-40B4-BE49-F238E27FC236}">
+                    <a16:creationId xmlns:a16="http://schemas.microsoft.com/office/drawing/2014/main" id="{71840A16-B706-4121-A7C4-E2C6D8DA8A1D}"/>
+                  </a:ext>
+                </a:extLst>
+              </p:cNvPr>
+              <p:cNvSpPr/>
+              <p:nvPr/>
+            </p:nvSpPr>
+            <p:spPr>
+              <a:xfrm>
+                <a:off x="6758682" y="4091940"/>
+                <a:ext cx="222213" cy="264343"/>
+              </a:xfrm>
+              <a:prstGeom prst="cube">
+                <a:avLst/>
+              </a:prstGeom>
+              <a:grpFill/>
+            </p:spPr>
+            <p:style>
+              <a:lnRef idx="2">
+                <a:schemeClr val="accent1">
+                  <a:shade val="50000"/>
+                </a:schemeClr>
+              </a:lnRef>
+              <a:fillRef idx="1">
+                <a:schemeClr val="accent1"/>
+              </a:fillRef>
+              <a:effectRef idx="0">
+                <a:schemeClr val="accent1"/>
+              </a:effectRef>
+              <a:fontRef idx="minor">
+                <a:schemeClr val="lt1"/>
+              </a:fontRef>
+            </p:style>
+            <p:txBody>
+              <a:bodyPr rtlCol="0" anchor="ctr"/>
+              <a:lstStyle/>
+              <a:p>
+                <a:pPr algn="ctr"/>
+                <a:endParaRPr lang="zh-CN" altLang="en-US" dirty="0"/>
+              </a:p>
+            </p:txBody>
+          </p:sp>
+          <p:sp>
+            <p:nvSpPr>
+              <p:cNvPr id="66" name="立方体 65">
+                <a:extLst>
+                  <a:ext uri="{FF2B5EF4-FFF2-40B4-BE49-F238E27FC236}">
+                    <a16:creationId xmlns:a16="http://schemas.microsoft.com/office/drawing/2014/main" id="{999A30C9-D28F-44B5-9C83-9C1EAF43D502}"/>
+                  </a:ext>
+                </a:extLst>
+              </p:cNvPr>
+              <p:cNvSpPr/>
+              <p:nvPr/>
+            </p:nvSpPr>
+            <p:spPr>
+              <a:xfrm>
+                <a:off x="6758682" y="3901166"/>
+                <a:ext cx="222213" cy="264343"/>
+              </a:xfrm>
+              <a:prstGeom prst="cube">
+                <a:avLst/>
+              </a:prstGeom>
+              <a:grpFill/>
+            </p:spPr>
+            <p:style>
+              <a:lnRef idx="2">
+                <a:schemeClr val="accent1">
+                  <a:shade val="50000"/>
+                </a:schemeClr>
+              </a:lnRef>
+              <a:fillRef idx="1">
+                <a:schemeClr val="accent1"/>
+              </a:fillRef>
+              <a:effectRef idx="0">
+                <a:schemeClr val="accent1"/>
+              </a:effectRef>
+              <a:fontRef idx="minor">
+                <a:schemeClr val="lt1"/>
+              </a:fontRef>
+            </p:style>
+            <p:txBody>
+              <a:bodyPr rtlCol="0" anchor="ctr"/>
+              <a:lstStyle/>
+              <a:p>
+                <a:pPr algn="ctr"/>
+                <a:endParaRPr lang="zh-CN" altLang="en-US" dirty="0"/>
+              </a:p>
+            </p:txBody>
+          </p:sp>
+          <p:sp>
+            <p:nvSpPr>
+              <p:cNvPr id="67" name="立方体 66">
+                <a:extLst>
+                  <a:ext uri="{FF2B5EF4-FFF2-40B4-BE49-F238E27FC236}">
+                    <a16:creationId xmlns:a16="http://schemas.microsoft.com/office/drawing/2014/main" id="{CF8030FF-EA24-4377-AE1A-7FCFC8DD4469}"/>
+                  </a:ext>
+                </a:extLst>
+              </p:cNvPr>
+              <p:cNvSpPr/>
+              <p:nvPr/>
+            </p:nvSpPr>
+            <p:spPr>
+              <a:xfrm>
+                <a:off x="6758682" y="3698364"/>
+                <a:ext cx="222213" cy="264343"/>
+              </a:xfrm>
+              <a:prstGeom prst="cube">
+                <a:avLst/>
+              </a:prstGeom>
+              <a:grpFill/>
+            </p:spPr>
+            <p:style>
+              <a:lnRef idx="2">
+                <a:schemeClr val="accent1">
+                  <a:shade val="50000"/>
+                </a:schemeClr>
+              </a:lnRef>
+              <a:fillRef idx="1">
+                <a:schemeClr val="accent1"/>
+              </a:fillRef>
+              <a:effectRef idx="0">
+                <a:schemeClr val="accent1"/>
+              </a:effectRef>
+              <a:fontRef idx="minor">
+                <a:schemeClr val="lt1"/>
+              </a:fontRef>
+            </p:style>
+            <p:txBody>
+              <a:bodyPr rtlCol="0" anchor="ctr"/>
+              <a:lstStyle/>
+              <a:p>
+                <a:pPr algn="ctr"/>
+                <a:endParaRPr lang="zh-CN" altLang="en-US" dirty="0"/>
+              </a:p>
+            </p:txBody>
+          </p:sp>
+        </p:grpSp>
+        <p:grpSp>
+          <p:nvGrpSpPr>
+            <p:cNvPr id="68" name="组合 67">
+              <a:extLst>
+                <a:ext uri="{FF2B5EF4-FFF2-40B4-BE49-F238E27FC236}">
+                  <a16:creationId xmlns:a16="http://schemas.microsoft.com/office/drawing/2014/main" id="{D4F57B8B-86DB-4483-BA22-42FA0176CE97}"/>
+                </a:ext>
+              </a:extLst>
+            </p:cNvPr>
+            <p:cNvGrpSpPr/>
+            <p:nvPr/>
+          </p:nvGrpSpPr>
+          <p:grpSpPr>
+            <a:xfrm>
+              <a:off x="6711456" y="2600130"/>
+              <a:ext cx="281471" cy="1374610"/>
+              <a:chOff x="6758682" y="3698364"/>
+              <a:chExt cx="222213" cy="860721"/>
+            </a:xfrm>
+            <a:solidFill>
+              <a:srgbClr val="7030A0"/>
+            </a:solidFill>
+          </p:grpSpPr>
+          <p:sp>
+            <p:nvSpPr>
+              <p:cNvPr id="69" name="立方体 68">
+                <a:extLst>
+                  <a:ext uri="{FF2B5EF4-FFF2-40B4-BE49-F238E27FC236}">
+                    <a16:creationId xmlns:a16="http://schemas.microsoft.com/office/drawing/2014/main" id="{5B14DC18-B655-426B-9654-75CFACBAE879}"/>
+                  </a:ext>
+                </a:extLst>
+              </p:cNvPr>
+              <p:cNvSpPr/>
+              <p:nvPr/>
+            </p:nvSpPr>
+            <p:spPr>
+              <a:xfrm>
+                <a:off x="6758682" y="4294742"/>
+                <a:ext cx="222213" cy="264343"/>
+              </a:xfrm>
+              <a:prstGeom prst="cube">
+                <a:avLst/>
+              </a:prstGeom>
+              <a:grpFill/>
+            </p:spPr>
+            <p:style>
+              <a:lnRef idx="2">
+                <a:schemeClr val="accent1">
+                  <a:shade val="50000"/>
+                </a:schemeClr>
+              </a:lnRef>
+              <a:fillRef idx="1">
+                <a:schemeClr val="accent1"/>
+              </a:fillRef>
+              <a:effectRef idx="0">
+                <a:schemeClr val="accent1"/>
+              </a:effectRef>
+              <a:fontRef idx="minor">
+                <a:schemeClr val="lt1"/>
+              </a:fontRef>
+            </p:style>
+            <p:txBody>
+              <a:bodyPr rtlCol="0" anchor="ctr"/>
+              <a:lstStyle/>
+              <a:p>
+                <a:pPr algn="ctr"/>
+                <a:endParaRPr lang="zh-CN" altLang="en-US" dirty="0"/>
+              </a:p>
+            </p:txBody>
+          </p:sp>
+          <p:sp>
+            <p:nvSpPr>
+              <p:cNvPr id="70" name="立方体 69">
+                <a:extLst>
+                  <a:ext uri="{FF2B5EF4-FFF2-40B4-BE49-F238E27FC236}">
+                    <a16:creationId xmlns:a16="http://schemas.microsoft.com/office/drawing/2014/main" id="{31B012C9-37DE-441C-98E3-F43668C0C4A5}"/>
+                  </a:ext>
+                </a:extLst>
+              </p:cNvPr>
+              <p:cNvSpPr/>
+              <p:nvPr/>
+            </p:nvSpPr>
+            <p:spPr>
+              <a:xfrm>
+                <a:off x="6758682" y="4091940"/>
+                <a:ext cx="222213" cy="264343"/>
+              </a:xfrm>
+              <a:prstGeom prst="cube">
+                <a:avLst/>
+              </a:prstGeom>
+              <a:grpFill/>
+            </p:spPr>
+            <p:style>
+              <a:lnRef idx="2">
+                <a:schemeClr val="accent1">
+                  <a:shade val="50000"/>
+                </a:schemeClr>
+              </a:lnRef>
+              <a:fillRef idx="1">
+                <a:schemeClr val="accent1"/>
+              </a:fillRef>
+              <a:effectRef idx="0">
+                <a:schemeClr val="accent1"/>
+              </a:effectRef>
+              <a:fontRef idx="minor">
+                <a:schemeClr val="lt1"/>
+              </a:fontRef>
+            </p:style>
+            <p:txBody>
+              <a:bodyPr rtlCol="0" anchor="ctr"/>
+              <a:lstStyle/>
+              <a:p>
+                <a:pPr algn="ctr"/>
+                <a:endParaRPr lang="zh-CN" altLang="en-US" dirty="0"/>
+              </a:p>
+            </p:txBody>
+          </p:sp>
+          <p:sp>
+            <p:nvSpPr>
+              <p:cNvPr id="71" name="立方体 70">
+                <a:extLst>
+                  <a:ext uri="{FF2B5EF4-FFF2-40B4-BE49-F238E27FC236}">
+                    <a16:creationId xmlns:a16="http://schemas.microsoft.com/office/drawing/2014/main" id="{690DD0C7-2E55-4560-A5CE-C4610A1A9C7F}"/>
+                  </a:ext>
+                </a:extLst>
+              </p:cNvPr>
+              <p:cNvSpPr/>
+              <p:nvPr/>
+            </p:nvSpPr>
+            <p:spPr>
+              <a:xfrm>
+                <a:off x="6758682" y="3901166"/>
+                <a:ext cx="222213" cy="264343"/>
+              </a:xfrm>
+              <a:prstGeom prst="cube">
+                <a:avLst/>
+              </a:prstGeom>
+              <a:grpFill/>
+            </p:spPr>
+            <p:style>
+              <a:lnRef idx="2">
+                <a:schemeClr val="accent1">
+                  <a:shade val="50000"/>
+                </a:schemeClr>
+              </a:lnRef>
+              <a:fillRef idx="1">
+                <a:schemeClr val="accent1"/>
+              </a:fillRef>
+              <a:effectRef idx="0">
+                <a:schemeClr val="accent1"/>
+              </a:effectRef>
+              <a:fontRef idx="minor">
+                <a:schemeClr val="lt1"/>
+              </a:fontRef>
+            </p:style>
+            <p:txBody>
+              <a:bodyPr rtlCol="0" anchor="ctr"/>
+              <a:lstStyle/>
+              <a:p>
+                <a:pPr algn="ctr"/>
+                <a:endParaRPr lang="zh-CN" altLang="en-US" dirty="0"/>
+              </a:p>
+            </p:txBody>
+          </p:sp>
+          <p:sp>
+            <p:nvSpPr>
+              <p:cNvPr id="72" name="立方体 71">
+                <a:extLst>
+                  <a:ext uri="{FF2B5EF4-FFF2-40B4-BE49-F238E27FC236}">
+                    <a16:creationId xmlns:a16="http://schemas.microsoft.com/office/drawing/2014/main" id="{DED93368-6760-4284-B16A-5BD461456C20}"/>
+                  </a:ext>
+                </a:extLst>
+              </p:cNvPr>
+              <p:cNvSpPr/>
+              <p:nvPr/>
+            </p:nvSpPr>
+            <p:spPr>
+              <a:xfrm>
+                <a:off x="6758682" y="3698364"/>
+                <a:ext cx="222213" cy="264343"/>
+              </a:xfrm>
+              <a:prstGeom prst="cube">
+                <a:avLst/>
+              </a:prstGeom>
+              <a:grpFill/>
+            </p:spPr>
+            <p:style>
+              <a:lnRef idx="2">
+                <a:schemeClr val="accent1">
+                  <a:shade val="50000"/>
+                </a:schemeClr>
+              </a:lnRef>
+              <a:fillRef idx="1">
+                <a:schemeClr val="accent1"/>
+              </a:fillRef>
+              <a:effectRef idx="0">
+                <a:schemeClr val="accent1"/>
+              </a:effectRef>
+              <a:fontRef idx="minor">
+                <a:schemeClr val="lt1"/>
+              </a:fontRef>
+            </p:style>
+            <p:txBody>
+              <a:bodyPr rtlCol="0" anchor="ctr"/>
+              <a:lstStyle/>
+              <a:p>
+                <a:pPr algn="ctr"/>
+                <a:endParaRPr lang="zh-CN" altLang="en-US" dirty="0"/>
+              </a:p>
+            </p:txBody>
+          </p:sp>
+        </p:grpSp>
+      </p:grpSp>
+      <p:sp>
+        <p:nvSpPr>
+          <p:cNvPr id="88" name="文本框 87">
+            <a:extLst>
+              <a:ext uri="{FF2B5EF4-FFF2-40B4-BE49-F238E27FC236}">
+                <a16:creationId xmlns:a16="http://schemas.microsoft.com/office/drawing/2014/main" id="{7026EA20-7D75-488F-9822-6551FFEBE419}"/>
+              </a:ext>
+            </a:extLst>
+          </p:cNvPr>
+          <p:cNvSpPr txBox="1"/>
+          <p:nvPr/>
+        </p:nvSpPr>
+        <p:spPr>
+          <a:xfrm>
+            <a:off x="5599733" y="4170927"/>
+            <a:ext cx="1792959" cy="523220"/>
+          </a:xfrm>
+          <a:prstGeom prst="rect">
+            <a:avLst/>
+          </a:prstGeom>
+          <a:noFill/>
+        </p:spPr>
+        <p:txBody>
+          <a:bodyPr wrap="square" rtlCol="0">
+            <a:spAutoFit/>
+          </a:bodyPr>
+          <a:lstStyle/>
+          <a:p>
+            <a:r>
+              <a:rPr lang="en-US" altLang="zh-CN" sz="2800" dirty="0"/>
+              <a:t>(512,1024)</a:t>
+            </a:r>
+            <a:endParaRPr lang="zh-CN" altLang="en-US" sz="2800" dirty="0"/>
+          </a:p>
+        </p:txBody>
+      </p:sp>
+      <p:cxnSp>
+        <p:nvCxnSpPr>
+          <p:cNvPr id="89" name="直接箭头连接符 88">
+            <a:extLst>
+              <a:ext uri="{FF2B5EF4-FFF2-40B4-BE49-F238E27FC236}">
+                <a16:creationId xmlns:a16="http://schemas.microsoft.com/office/drawing/2014/main" id="{488CA232-C501-4DF8-BD71-8D6BDB257699}"/>
+              </a:ext>
+            </a:extLst>
+          </p:cNvPr>
+          <p:cNvCxnSpPr>
+            <a:cxnSpLocks/>
+          </p:cNvCxnSpPr>
+          <p:nvPr/>
+        </p:nvCxnSpPr>
+        <p:spPr>
+          <a:xfrm>
+            <a:off x="7067434" y="3287435"/>
+            <a:ext cx="854266" cy="0"/>
+          </a:xfrm>
+          <a:prstGeom prst="straightConnector1">
+            <a:avLst/>
+          </a:prstGeom>
+          <a:ln w="63500">
+            <a:tailEnd type="triangle"/>
+          </a:ln>
+        </p:spPr>
+        <p:style>
+          <a:lnRef idx="1">
+            <a:schemeClr val="accent1"/>
+          </a:lnRef>
+          <a:fillRef idx="0">
+            <a:schemeClr val="accent1"/>
+          </a:fillRef>
+          <a:effectRef idx="0">
+            <a:schemeClr val="accent1"/>
+          </a:effectRef>
+          <a:fontRef idx="minor">
+            <a:schemeClr val="tx1"/>
+          </a:fontRef>
+        </p:style>
+      </p:cxnSp>
+      <p:sp>
+        <p:nvSpPr>
+          <p:cNvPr id="90" name="文本框 89">
+            <a:extLst>
+              <a:ext uri="{FF2B5EF4-FFF2-40B4-BE49-F238E27FC236}">
+                <a16:creationId xmlns:a16="http://schemas.microsoft.com/office/drawing/2014/main" id="{AF1AA118-DBC3-443B-940D-8A730FFE550C}"/>
+              </a:ext>
+            </a:extLst>
+          </p:cNvPr>
+          <p:cNvSpPr txBox="1"/>
+          <p:nvPr/>
+        </p:nvSpPr>
+        <p:spPr>
+          <a:xfrm>
+            <a:off x="7169346" y="2886993"/>
+            <a:ext cx="752354" cy="400110"/>
+          </a:xfrm>
+          <a:prstGeom prst="rect">
+            <a:avLst/>
+          </a:prstGeom>
+          <a:noFill/>
+        </p:spPr>
+        <p:txBody>
+          <a:bodyPr wrap="square" rtlCol="0">
+            <a:spAutoFit/>
+          </a:bodyPr>
+          <a:lstStyle/>
+          <a:p>
+            <a:r>
+              <a:rPr lang="en-US" altLang="zh-CN" sz="2000" dirty="0"/>
+              <a:t>FC2</a:t>
+            </a:r>
+            <a:endParaRPr lang="zh-CN" altLang="en-US" sz="2000" dirty="0"/>
+          </a:p>
+        </p:txBody>
+      </p:sp>
+      <p:sp>
+        <p:nvSpPr>
+          <p:cNvPr id="106" name="文本框 105">
+            <a:extLst>
+              <a:ext uri="{FF2B5EF4-FFF2-40B4-BE49-F238E27FC236}">
+                <a16:creationId xmlns:a16="http://schemas.microsoft.com/office/drawing/2014/main" id="{4F1C7AB9-1886-4388-8F4D-4728E0402A6C}"/>
+              </a:ext>
+            </a:extLst>
+          </p:cNvPr>
+          <p:cNvSpPr txBox="1"/>
+          <p:nvPr/>
+        </p:nvSpPr>
+        <p:spPr>
+          <a:xfrm>
+            <a:off x="7615934" y="4181130"/>
+            <a:ext cx="1792959" cy="523220"/>
+          </a:xfrm>
+          <a:prstGeom prst="rect">
+            <a:avLst/>
+          </a:prstGeom>
+          <a:noFill/>
+        </p:spPr>
+        <p:txBody>
+          <a:bodyPr wrap="square" rtlCol="0">
+            <a:spAutoFit/>
+          </a:bodyPr>
+          <a:lstStyle/>
+          <a:p>
+            <a:r>
+              <a:rPr lang="en-US" altLang="zh-CN" sz="2800" dirty="0"/>
+              <a:t>(512,1024)</a:t>
+            </a:r>
+            <a:endParaRPr lang="zh-CN" altLang="en-US" sz="2800" dirty="0"/>
+          </a:p>
+        </p:txBody>
+      </p:sp>
+      <p:cxnSp>
+        <p:nvCxnSpPr>
+          <p:cNvPr id="107" name="直接箭头连接符 106">
+            <a:extLst>
+              <a:ext uri="{FF2B5EF4-FFF2-40B4-BE49-F238E27FC236}">
+                <a16:creationId xmlns:a16="http://schemas.microsoft.com/office/drawing/2014/main" id="{C3867856-8EF8-496D-8F36-7DA7CE7CA149}"/>
+              </a:ext>
+            </a:extLst>
+          </p:cNvPr>
+          <p:cNvCxnSpPr>
+            <a:cxnSpLocks/>
+          </p:cNvCxnSpPr>
+          <p:nvPr/>
+        </p:nvCxnSpPr>
+        <p:spPr>
+          <a:xfrm flipV="1">
+            <a:off x="9177101" y="2560016"/>
+            <a:ext cx="1309562" cy="750279"/>
+          </a:xfrm>
+          <a:prstGeom prst="straightConnector1">
+            <a:avLst/>
+          </a:prstGeom>
+          <a:ln w="63500">
+            <a:tailEnd type="triangle"/>
+          </a:ln>
+        </p:spPr>
+        <p:style>
+          <a:lnRef idx="1">
+            <a:schemeClr val="accent1"/>
+          </a:lnRef>
+          <a:fillRef idx="0">
+            <a:schemeClr val="accent1"/>
+          </a:fillRef>
+          <a:effectRef idx="0">
+            <a:schemeClr val="accent1"/>
+          </a:effectRef>
+          <a:fontRef idx="minor">
+            <a:schemeClr val="tx1"/>
+          </a:fontRef>
+        </p:style>
+      </p:cxnSp>
+      <p:sp>
+        <p:nvSpPr>
+          <p:cNvPr id="108" name="文本框 107">
+            <a:extLst>
+              <a:ext uri="{FF2B5EF4-FFF2-40B4-BE49-F238E27FC236}">
+                <a16:creationId xmlns:a16="http://schemas.microsoft.com/office/drawing/2014/main" id="{89B3D423-0A1C-4105-BA4A-E7A6E42DB4E0}"/>
+              </a:ext>
+            </a:extLst>
+          </p:cNvPr>
+          <p:cNvSpPr txBox="1"/>
+          <p:nvPr/>
+        </p:nvSpPr>
+        <p:spPr>
+          <a:xfrm>
+            <a:off x="9455705" y="2450393"/>
+            <a:ext cx="752354" cy="400110"/>
+          </a:xfrm>
+          <a:prstGeom prst="rect">
+            <a:avLst/>
+          </a:prstGeom>
+          <a:noFill/>
+        </p:spPr>
+        <p:txBody>
+          <a:bodyPr wrap="square" rtlCol="0">
+            <a:spAutoFit/>
+          </a:bodyPr>
+          <a:lstStyle/>
+          <a:p>
+            <a:r>
+              <a:rPr lang="en-US" altLang="zh-CN" sz="2000" dirty="0"/>
+              <a:t>FC3</a:t>
+            </a:r>
+            <a:endParaRPr lang="zh-CN" altLang="en-US" sz="2000" dirty="0"/>
+          </a:p>
+        </p:txBody>
+      </p:sp>
+      <p:cxnSp>
+        <p:nvCxnSpPr>
+          <p:cNvPr id="110" name="直接箭头连接符 109">
+            <a:extLst>
+              <a:ext uri="{FF2B5EF4-FFF2-40B4-BE49-F238E27FC236}">
+                <a16:creationId xmlns:a16="http://schemas.microsoft.com/office/drawing/2014/main" id="{94A281E0-7C82-46CE-AB44-AEF77FD7B866}"/>
+              </a:ext>
+            </a:extLst>
+          </p:cNvPr>
+          <p:cNvCxnSpPr>
+            <a:cxnSpLocks/>
+          </p:cNvCxnSpPr>
+          <p:nvPr/>
+        </p:nvCxnSpPr>
+        <p:spPr>
+          <a:xfrm>
+            <a:off x="9177101" y="3292693"/>
+            <a:ext cx="1310400" cy="748800"/>
+          </a:xfrm>
+          <a:prstGeom prst="straightConnector1">
+            <a:avLst/>
+          </a:prstGeom>
+          <a:ln w="63500">
+            <a:tailEnd type="triangle"/>
+          </a:ln>
+        </p:spPr>
+        <p:style>
+          <a:lnRef idx="1">
+            <a:schemeClr val="accent1"/>
+          </a:lnRef>
+          <a:fillRef idx="0">
+            <a:schemeClr val="accent1"/>
+          </a:fillRef>
+          <a:effectRef idx="0">
+            <a:schemeClr val="accent1"/>
+          </a:effectRef>
+          <a:fontRef idx="minor">
+            <a:schemeClr val="tx1"/>
+          </a:fontRef>
+        </p:style>
+      </p:cxnSp>
+      <p:sp>
+        <p:nvSpPr>
+          <p:cNvPr id="115" name="文本框 114">
+            <a:extLst>
+              <a:ext uri="{FF2B5EF4-FFF2-40B4-BE49-F238E27FC236}">
+                <a16:creationId xmlns:a16="http://schemas.microsoft.com/office/drawing/2014/main" id="{7D068175-58B7-4381-AEE1-27757A2F8181}"/>
+              </a:ext>
+            </a:extLst>
+          </p:cNvPr>
+          <p:cNvSpPr txBox="1"/>
+          <p:nvPr/>
+        </p:nvSpPr>
+        <p:spPr>
+          <a:xfrm>
+            <a:off x="9455705" y="3711202"/>
+            <a:ext cx="752354" cy="400110"/>
+          </a:xfrm>
+          <a:prstGeom prst="rect">
+            <a:avLst/>
+          </a:prstGeom>
+          <a:noFill/>
+        </p:spPr>
+        <p:txBody>
+          <a:bodyPr wrap="square" rtlCol="0">
+            <a:spAutoFit/>
+          </a:bodyPr>
+          <a:lstStyle/>
+          <a:p>
+            <a:r>
+              <a:rPr lang="en-US" altLang="zh-CN" sz="2000" dirty="0"/>
+              <a:t>FC4</a:t>
+            </a:r>
+            <a:endParaRPr lang="zh-CN" altLang="en-US" sz="2000" dirty="0"/>
+          </a:p>
+        </p:txBody>
+      </p:sp>
+      <p:grpSp>
+        <p:nvGrpSpPr>
+          <p:cNvPr id="117" name="组合 116">
+            <a:extLst>
+              <a:ext uri="{FF2B5EF4-FFF2-40B4-BE49-F238E27FC236}">
+                <a16:creationId xmlns:a16="http://schemas.microsoft.com/office/drawing/2014/main" id="{187898CE-8BC4-478F-A1D9-C1D908497C0E}"/>
+              </a:ext>
+            </a:extLst>
+          </p:cNvPr>
+          <p:cNvGrpSpPr/>
+          <p:nvPr/>
+        </p:nvGrpSpPr>
+        <p:grpSpPr>
+          <a:xfrm>
+            <a:off x="5976200" y="2599798"/>
+            <a:ext cx="993962" cy="1374610"/>
+            <a:chOff x="5998965" y="2600130"/>
+            <a:chExt cx="993962" cy="1374610"/>
+          </a:xfrm>
+        </p:grpSpPr>
+        <p:grpSp>
+          <p:nvGrpSpPr>
+            <p:cNvPr id="118" name="组合 117">
+              <a:extLst>
+                <a:ext uri="{FF2B5EF4-FFF2-40B4-BE49-F238E27FC236}">
+                  <a16:creationId xmlns:a16="http://schemas.microsoft.com/office/drawing/2014/main" id="{83C71610-07F4-425D-BA74-0AD1307D3AF9}"/>
+                </a:ext>
+              </a:extLst>
+            </p:cNvPr>
+            <p:cNvGrpSpPr/>
+            <p:nvPr/>
+          </p:nvGrpSpPr>
+          <p:grpSpPr>
+            <a:xfrm>
+              <a:off x="5998965" y="2600130"/>
+              <a:ext cx="281471" cy="1374610"/>
+              <a:chOff x="6758682" y="3698364"/>
+              <a:chExt cx="222213" cy="860721"/>
+            </a:xfrm>
+          </p:grpSpPr>
+          <p:sp>
+            <p:nvSpPr>
+              <p:cNvPr id="129" name="立方体 128">
+                <a:extLst>
+                  <a:ext uri="{FF2B5EF4-FFF2-40B4-BE49-F238E27FC236}">
+                    <a16:creationId xmlns:a16="http://schemas.microsoft.com/office/drawing/2014/main" id="{B02B9DBC-2DF8-4F40-A15B-0B924D4BED0B}"/>
+                  </a:ext>
+                </a:extLst>
+              </p:cNvPr>
+              <p:cNvSpPr/>
+              <p:nvPr/>
+            </p:nvSpPr>
+            <p:spPr>
+              <a:xfrm>
+                <a:off x="6758682" y="4294742"/>
+                <a:ext cx="222213" cy="264343"/>
+              </a:xfrm>
+              <a:prstGeom prst="cube">
+                <a:avLst/>
+              </a:prstGeom>
+            </p:spPr>
+            <p:style>
+              <a:lnRef idx="2">
+                <a:schemeClr val="accent1">
+                  <a:shade val="50000"/>
+                </a:schemeClr>
+              </a:lnRef>
+              <a:fillRef idx="1">
+                <a:schemeClr val="accent1"/>
+              </a:fillRef>
+              <a:effectRef idx="0">
+                <a:schemeClr val="accent1"/>
+              </a:effectRef>
+              <a:fontRef idx="minor">
+                <a:schemeClr val="lt1"/>
+              </a:fontRef>
+            </p:style>
+            <p:txBody>
+              <a:bodyPr rtlCol="0" anchor="ctr"/>
+              <a:lstStyle/>
+              <a:p>
+                <a:pPr algn="ctr"/>
+                <a:endParaRPr lang="zh-CN" altLang="en-US" dirty="0"/>
+              </a:p>
+            </p:txBody>
+          </p:sp>
+          <p:sp>
+            <p:nvSpPr>
+              <p:cNvPr id="130" name="立方体 129">
+                <a:extLst>
+                  <a:ext uri="{FF2B5EF4-FFF2-40B4-BE49-F238E27FC236}">
+                    <a16:creationId xmlns:a16="http://schemas.microsoft.com/office/drawing/2014/main" id="{C4E7F906-CB19-4B2A-A2DF-DDAA874B8D31}"/>
+                  </a:ext>
+                </a:extLst>
+              </p:cNvPr>
+              <p:cNvSpPr/>
+              <p:nvPr/>
+            </p:nvSpPr>
+            <p:spPr>
+              <a:xfrm>
+                <a:off x="6758682" y="4091940"/>
+                <a:ext cx="222213" cy="264343"/>
+              </a:xfrm>
+              <a:prstGeom prst="cube">
+                <a:avLst/>
+              </a:prstGeom>
+            </p:spPr>
+            <p:style>
+              <a:lnRef idx="2">
+                <a:schemeClr val="accent1">
+                  <a:shade val="50000"/>
+                </a:schemeClr>
+              </a:lnRef>
+              <a:fillRef idx="1">
+                <a:schemeClr val="accent1"/>
+              </a:fillRef>
+              <a:effectRef idx="0">
+                <a:schemeClr val="accent1"/>
+              </a:effectRef>
+              <a:fontRef idx="minor">
+                <a:schemeClr val="lt1"/>
+              </a:fontRef>
+            </p:style>
+            <p:txBody>
+              <a:bodyPr rtlCol="0" anchor="ctr"/>
+              <a:lstStyle/>
+              <a:p>
+                <a:pPr algn="ctr"/>
+                <a:endParaRPr lang="zh-CN" altLang="en-US" dirty="0"/>
+              </a:p>
+            </p:txBody>
+          </p:sp>
+          <p:sp>
+            <p:nvSpPr>
+              <p:cNvPr id="131" name="立方体 130">
+                <a:extLst>
+                  <a:ext uri="{FF2B5EF4-FFF2-40B4-BE49-F238E27FC236}">
+                    <a16:creationId xmlns:a16="http://schemas.microsoft.com/office/drawing/2014/main" id="{F5B44B36-C14E-4E09-BF87-65261FC42C0A}"/>
+                  </a:ext>
+                </a:extLst>
+              </p:cNvPr>
+              <p:cNvSpPr/>
+              <p:nvPr/>
+            </p:nvSpPr>
+            <p:spPr>
+              <a:xfrm>
+                <a:off x="6758682" y="3901166"/>
+                <a:ext cx="222213" cy="264343"/>
+              </a:xfrm>
+              <a:prstGeom prst="cube">
+                <a:avLst/>
+              </a:prstGeom>
+            </p:spPr>
+            <p:style>
+              <a:lnRef idx="2">
+                <a:schemeClr val="accent1">
+                  <a:shade val="50000"/>
+                </a:schemeClr>
+              </a:lnRef>
+              <a:fillRef idx="1">
+                <a:schemeClr val="accent1"/>
+              </a:fillRef>
+              <a:effectRef idx="0">
+                <a:schemeClr val="accent1"/>
+              </a:effectRef>
+              <a:fontRef idx="minor">
+                <a:schemeClr val="lt1"/>
+              </a:fontRef>
+            </p:style>
+            <p:txBody>
+              <a:bodyPr rtlCol="0" anchor="ctr"/>
+              <a:lstStyle/>
+              <a:p>
+                <a:pPr algn="ctr"/>
+                <a:endParaRPr lang="zh-CN" altLang="en-US" dirty="0"/>
+              </a:p>
+            </p:txBody>
+          </p:sp>
+          <p:sp>
+            <p:nvSpPr>
+              <p:cNvPr id="132" name="立方体 131">
+                <a:extLst>
+                  <a:ext uri="{FF2B5EF4-FFF2-40B4-BE49-F238E27FC236}">
+                    <a16:creationId xmlns:a16="http://schemas.microsoft.com/office/drawing/2014/main" id="{0C64F555-3E8B-4630-95A4-0426BFB58B20}"/>
+                  </a:ext>
+                </a:extLst>
+              </p:cNvPr>
+              <p:cNvSpPr/>
+              <p:nvPr/>
+            </p:nvSpPr>
+            <p:spPr>
+              <a:xfrm>
+                <a:off x="6758682" y="3698364"/>
+                <a:ext cx="222213" cy="264343"/>
+              </a:xfrm>
+              <a:prstGeom prst="cube">
+                <a:avLst/>
+              </a:prstGeom>
+            </p:spPr>
+            <p:style>
+              <a:lnRef idx="2">
+                <a:schemeClr val="accent1">
+                  <a:shade val="50000"/>
+                </a:schemeClr>
+              </a:lnRef>
+              <a:fillRef idx="1">
+                <a:schemeClr val="accent1"/>
+              </a:fillRef>
+              <a:effectRef idx="0">
+                <a:schemeClr val="accent1"/>
+              </a:effectRef>
+              <a:fontRef idx="minor">
+                <a:schemeClr val="lt1"/>
+              </a:fontRef>
+            </p:style>
+            <p:txBody>
+              <a:bodyPr rtlCol="0" anchor="ctr"/>
+              <a:lstStyle/>
+              <a:p>
+                <a:pPr algn="ctr"/>
+                <a:endParaRPr lang="zh-CN" altLang="en-US" dirty="0"/>
+              </a:p>
+            </p:txBody>
+          </p:sp>
+        </p:grpSp>
+        <p:grpSp>
+          <p:nvGrpSpPr>
+            <p:cNvPr id="119" name="组合 118">
+              <a:extLst>
+                <a:ext uri="{FF2B5EF4-FFF2-40B4-BE49-F238E27FC236}">
+                  <a16:creationId xmlns:a16="http://schemas.microsoft.com/office/drawing/2014/main" id="{271F644E-1872-44A5-9348-CCD01E1F4150}"/>
+                </a:ext>
+              </a:extLst>
+            </p:cNvPr>
+            <p:cNvGrpSpPr/>
+            <p:nvPr/>
+          </p:nvGrpSpPr>
+          <p:grpSpPr>
+            <a:xfrm>
+              <a:off x="6355478" y="2600130"/>
+              <a:ext cx="281471" cy="1374610"/>
+              <a:chOff x="6758682" y="3698364"/>
+              <a:chExt cx="222213" cy="860721"/>
+            </a:xfrm>
+            <a:solidFill>
+              <a:schemeClr val="accent2">
+                <a:lumMod val="75000"/>
+              </a:schemeClr>
+            </a:solidFill>
+          </p:grpSpPr>
+          <p:sp>
+            <p:nvSpPr>
+              <p:cNvPr id="125" name="立方体 124">
+                <a:extLst>
+                  <a:ext uri="{FF2B5EF4-FFF2-40B4-BE49-F238E27FC236}">
+                    <a16:creationId xmlns:a16="http://schemas.microsoft.com/office/drawing/2014/main" id="{787A4E70-311D-4F31-BB4D-D9DED4E5F191}"/>
+                  </a:ext>
+                </a:extLst>
+              </p:cNvPr>
+              <p:cNvSpPr/>
+              <p:nvPr/>
+            </p:nvSpPr>
+            <p:spPr>
+              <a:xfrm>
+                <a:off x="6758682" y="4294742"/>
+                <a:ext cx="222213" cy="264343"/>
+              </a:xfrm>
+              <a:prstGeom prst="cube">
+                <a:avLst/>
+              </a:prstGeom>
+              <a:grpFill/>
+            </p:spPr>
+            <p:style>
+              <a:lnRef idx="2">
+                <a:schemeClr val="accent1">
+                  <a:shade val="50000"/>
+                </a:schemeClr>
+              </a:lnRef>
+              <a:fillRef idx="1">
+                <a:schemeClr val="accent1"/>
+              </a:fillRef>
+              <a:effectRef idx="0">
+                <a:schemeClr val="accent1"/>
+              </a:effectRef>
+              <a:fontRef idx="minor">
+                <a:schemeClr val="lt1"/>
+              </a:fontRef>
+            </p:style>
+            <p:txBody>
+              <a:bodyPr rtlCol="0" anchor="ctr"/>
+              <a:lstStyle/>
+              <a:p>
+                <a:pPr algn="ctr"/>
+                <a:endParaRPr lang="zh-CN" altLang="en-US" dirty="0"/>
+              </a:p>
+            </p:txBody>
+          </p:sp>
+          <p:sp>
+            <p:nvSpPr>
+              <p:cNvPr id="126" name="立方体 125">
+                <a:extLst>
+                  <a:ext uri="{FF2B5EF4-FFF2-40B4-BE49-F238E27FC236}">
+                    <a16:creationId xmlns:a16="http://schemas.microsoft.com/office/drawing/2014/main" id="{5A679203-2737-4E43-A7F9-772A2F172327}"/>
+                  </a:ext>
+                </a:extLst>
+              </p:cNvPr>
+              <p:cNvSpPr/>
+              <p:nvPr/>
+            </p:nvSpPr>
+            <p:spPr>
+              <a:xfrm>
+                <a:off x="6758682" y="4091940"/>
+                <a:ext cx="222213" cy="264343"/>
+              </a:xfrm>
+              <a:prstGeom prst="cube">
+                <a:avLst/>
+              </a:prstGeom>
+              <a:grpFill/>
+            </p:spPr>
+            <p:style>
+              <a:lnRef idx="2">
+                <a:schemeClr val="accent1">
+                  <a:shade val="50000"/>
+                </a:schemeClr>
+              </a:lnRef>
+              <a:fillRef idx="1">
+                <a:schemeClr val="accent1"/>
+              </a:fillRef>
+              <a:effectRef idx="0">
+                <a:schemeClr val="accent1"/>
+              </a:effectRef>
+              <a:fontRef idx="minor">
+                <a:schemeClr val="lt1"/>
+              </a:fontRef>
+            </p:style>
+            <p:txBody>
+              <a:bodyPr rtlCol="0" anchor="ctr"/>
+              <a:lstStyle/>
+              <a:p>
+                <a:pPr algn="ctr"/>
+                <a:endParaRPr lang="zh-CN" altLang="en-US" dirty="0"/>
+              </a:p>
+            </p:txBody>
+          </p:sp>
+          <p:sp>
+            <p:nvSpPr>
+              <p:cNvPr id="127" name="立方体 126">
+                <a:extLst>
+                  <a:ext uri="{FF2B5EF4-FFF2-40B4-BE49-F238E27FC236}">
+                    <a16:creationId xmlns:a16="http://schemas.microsoft.com/office/drawing/2014/main" id="{0AFC0347-5ECA-45D8-9F3E-8DC6C9A3620C}"/>
+                  </a:ext>
+                </a:extLst>
+              </p:cNvPr>
+              <p:cNvSpPr/>
+              <p:nvPr/>
+            </p:nvSpPr>
+            <p:spPr>
+              <a:xfrm>
+                <a:off x="6758682" y="3901166"/>
+                <a:ext cx="222213" cy="264343"/>
+              </a:xfrm>
+              <a:prstGeom prst="cube">
+                <a:avLst/>
+              </a:prstGeom>
+              <a:grpFill/>
+            </p:spPr>
+            <p:style>
+              <a:lnRef idx="2">
+                <a:schemeClr val="accent1">
+                  <a:shade val="50000"/>
+                </a:schemeClr>
+              </a:lnRef>
+              <a:fillRef idx="1">
+                <a:schemeClr val="accent1"/>
+              </a:fillRef>
+              <a:effectRef idx="0">
+                <a:schemeClr val="accent1"/>
+              </a:effectRef>
+              <a:fontRef idx="minor">
+                <a:schemeClr val="lt1"/>
+              </a:fontRef>
+            </p:style>
+            <p:txBody>
+              <a:bodyPr rtlCol="0" anchor="ctr"/>
+              <a:lstStyle/>
+              <a:p>
+                <a:pPr algn="ctr"/>
+                <a:endParaRPr lang="zh-CN" altLang="en-US" dirty="0"/>
+              </a:p>
+            </p:txBody>
+          </p:sp>
+          <p:sp>
+            <p:nvSpPr>
+              <p:cNvPr id="128" name="立方体 127">
+                <a:extLst>
+                  <a:ext uri="{FF2B5EF4-FFF2-40B4-BE49-F238E27FC236}">
+                    <a16:creationId xmlns:a16="http://schemas.microsoft.com/office/drawing/2014/main" id="{C4A43540-1710-47CE-A266-803BD0A7702B}"/>
+                  </a:ext>
+                </a:extLst>
+              </p:cNvPr>
+              <p:cNvSpPr/>
+              <p:nvPr/>
+            </p:nvSpPr>
+            <p:spPr>
+              <a:xfrm>
+                <a:off x="6758682" y="3698364"/>
+                <a:ext cx="222213" cy="264343"/>
+              </a:xfrm>
+              <a:prstGeom prst="cube">
+                <a:avLst/>
+              </a:prstGeom>
+              <a:grpFill/>
+            </p:spPr>
+            <p:style>
+              <a:lnRef idx="2">
+                <a:schemeClr val="accent1">
+                  <a:shade val="50000"/>
+                </a:schemeClr>
+              </a:lnRef>
+              <a:fillRef idx="1">
+                <a:schemeClr val="accent1"/>
+              </a:fillRef>
+              <a:effectRef idx="0">
+                <a:schemeClr val="accent1"/>
+              </a:effectRef>
+              <a:fontRef idx="minor">
+                <a:schemeClr val="lt1"/>
+              </a:fontRef>
+            </p:style>
+            <p:txBody>
+              <a:bodyPr rtlCol="0" anchor="ctr"/>
+              <a:lstStyle/>
+              <a:p>
+                <a:pPr algn="ctr"/>
+                <a:endParaRPr lang="zh-CN" altLang="en-US" dirty="0"/>
+              </a:p>
+            </p:txBody>
+          </p:sp>
+        </p:grpSp>
+        <p:grpSp>
+          <p:nvGrpSpPr>
+            <p:cNvPr id="120" name="组合 119">
+              <a:extLst>
+                <a:ext uri="{FF2B5EF4-FFF2-40B4-BE49-F238E27FC236}">
+                  <a16:creationId xmlns:a16="http://schemas.microsoft.com/office/drawing/2014/main" id="{EA85BFEF-4FD8-414C-A3A3-CCE8E258EDFA}"/>
+                </a:ext>
+              </a:extLst>
+            </p:cNvPr>
+            <p:cNvGrpSpPr/>
+            <p:nvPr/>
+          </p:nvGrpSpPr>
+          <p:grpSpPr>
+            <a:xfrm>
+              <a:off x="6711456" y="2600130"/>
+              <a:ext cx="281471" cy="1374610"/>
+              <a:chOff x="6758682" y="3698364"/>
+              <a:chExt cx="222213" cy="860721"/>
+            </a:xfrm>
+            <a:solidFill>
+              <a:srgbClr val="7030A0"/>
+            </a:solidFill>
+          </p:grpSpPr>
+          <p:sp>
+            <p:nvSpPr>
+              <p:cNvPr id="121" name="立方体 120">
+                <a:extLst>
+                  <a:ext uri="{FF2B5EF4-FFF2-40B4-BE49-F238E27FC236}">
+                    <a16:creationId xmlns:a16="http://schemas.microsoft.com/office/drawing/2014/main" id="{FA574B0E-F4B3-4DE1-AFF8-5F3354982A3A}"/>
+                  </a:ext>
+                </a:extLst>
+              </p:cNvPr>
+              <p:cNvSpPr/>
+              <p:nvPr/>
+            </p:nvSpPr>
+            <p:spPr>
+              <a:xfrm>
+                <a:off x="6758682" y="4294742"/>
+                <a:ext cx="222213" cy="264343"/>
+              </a:xfrm>
+              <a:prstGeom prst="cube">
+                <a:avLst/>
+              </a:prstGeom>
+              <a:grpFill/>
+            </p:spPr>
+            <p:style>
+              <a:lnRef idx="2">
+                <a:schemeClr val="accent1">
+                  <a:shade val="50000"/>
+                </a:schemeClr>
+              </a:lnRef>
+              <a:fillRef idx="1">
+                <a:schemeClr val="accent1"/>
+              </a:fillRef>
+              <a:effectRef idx="0">
+                <a:schemeClr val="accent1"/>
+              </a:effectRef>
+              <a:fontRef idx="minor">
+                <a:schemeClr val="lt1"/>
+              </a:fontRef>
+            </p:style>
+            <p:txBody>
+              <a:bodyPr rtlCol="0" anchor="ctr"/>
+              <a:lstStyle/>
+              <a:p>
+                <a:pPr algn="ctr"/>
+                <a:endParaRPr lang="zh-CN" altLang="en-US" dirty="0"/>
+              </a:p>
+            </p:txBody>
+          </p:sp>
+          <p:sp>
+            <p:nvSpPr>
+              <p:cNvPr id="122" name="立方体 121">
+                <a:extLst>
+                  <a:ext uri="{FF2B5EF4-FFF2-40B4-BE49-F238E27FC236}">
+                    <a16:creationId xmlns:a16="http://schemas.microsoft.com/office/drawing/2014/main" id="{EAA9FFD9-0EEC-4B3F-BD45-AC2A4D37B311}"/>
+                  </a:ext>
+                </a:extLst>
+              </p:cNvPr>
+              <p:cNvSpPr/>
+              <p:nvPr/>
+            </p:nvSpPr>
+            <p:spPr>
+              <a:xfrm>
+                <a:off x="6758682" y="4091940"/>
+                <a:ext cx="222213" cy="264343"/>
+              </a:xfrm>
+              <a:prstGeom prst="cube">
+                <a:avLst/>
+              </a:prstGeom>
+              <a:grpFill/>
+            </p:spPr>
+            <p:style>
+              <a:lnRef idx="2">
+                <a:schemeClr val="accent1">
+                  <a:shade val="50000"/>
+                </a:schemeClr>
+              </a:lnRef>
+              <a:fillRef idx="1">
+                <a:schemeClr val="accent1"/>
+              </a:fillRef>
+              <a:effectRef idx="0">
+                <a:schemeClr val="accent1"/>
+              </a:effectRef>
+              <a:fontRef idx="minor">
+                <a:schemeClr val="lt1"/>
+              </a:fontRef>
+            </p:style>
+            <p:txBody>
+              <a:bodyPr rtlCol="0" anchor="ctr"/>
+              <a:lstStyle/>
+              <a:p>
+                <a:pPr algn="ctr"/>
+                <a:endParaRPr lang="zh-CN" altLang="en-US" dirty="0"/>
+              </a:p>
+            </p:txBody>
+          </p:sp>
+          <p:sp>
+            <p:nvSpPr>
+              <p:cNvPr id="123" name="立方体 122">
+                <a:extLst>
+                  <a:ext uri="{FF2B5EF4-FFF2-40B4-BE49-F238E27FC236}">
+                    <a16:creationId xmlns:a16="http://schemas.microsoft.com/office/drawing/2014/main" id="{99483738-7D58-418A-8665-CC9F2EFFE923}"/>
+                  </a:ext>
+                </a:extLst>
+              </p:cNvPr>
+              <p:cNvSpPr/>
+              <p:nvPr/>
+            </p:nvSpPr>
+            <p:spPr>
+              <a:xfrm>
+                <a:off x="6758682" y="3901166"/>
+                <a:ext cx="222213" cy="264343"/>
+              </a:xfrm>
+              <a:prstGeom prst="cube">
+                <a:avLst/>
+              </a:prstGeom>
+              <a:grpFill/>
+            </p:spPr>
+            <p:style>
+              <a:lnRef idx="2">
+                <a:schemeClr val="accent1">
+                  <a:shade val="50000"/>
+                </a:schemeClr>
+              </a:lnRef>
+              <a:fillRef idx="1">
+                <a:schemeClr val="accent1"/>
+              </a:fillRef>
+              <a:effectRef idx="0">
+                <a:schemeClr val="accent1"/>
+              </a:effectRef>
+              <a:fontRef idx="minor">
+                <a:schemeClr val="lt1"/>
+              </a:fontRef>
+            </p:style>
+            <p:txBody>
+              <a:bodyPr rtlCol="0" anchor="ctr"/>
+              <a:lstStyle/>
+              <a:p>
+                <a:pPr algn="ctr"/>
+                <a:endParaRPr lang="zh-CN" altLang="en-US" dirty="0"/>
+              </a:p>
+            </p:txBody>
+          </p:sp>
+          <p:sp>
+            <p:nvSpPr>
+              <p:cNvPr id="124" name="立方体 123">
+                <a:extLst>
+                  <a:ext uri="{FF2B5EF4-FFF2-40B4-BE49-F238E27FC236}">
+                    <a16:creationId xmlns:a16="http://schemas.microsoft.com/office/drawing/2014/main" id="{A1467AB5-B474-4232-A2CD-B9758D0E23B9}"/>
+                  </a:ext>
+                </a:extLst>
+              </p:cNvPr>
+              <p:cNvSpPr/>
+              <p:nvPr/>
+            </p:nvSpPr>
+            <p:spPr>
+              <a:xfrm>
+                <a:off x="6758682" y="3698364"/>
+                <a:ext cx="222213" cy="264343"/>
+              </a:xfrm>
+              <a:prstGeom prst="cube">
+                <a:avLst/>
+              </a:prstGeom>
+              <a:grpFill/>
+            </p:spPr>
+            <p:style>
+              <a:lnRef idx="2">
+                <a:schemeClr val="accent1">
+                  <a:shade val="50000"/>
+                </a:schemeClr>
+              </a:lnRef>
+              <a:fillRef idx="1">
+                <a:schemeClr val="accent1"/>
+              </a:fillRef>
+              <a:effectRef idx="0">
+                <a:schemeClr val="accent1"/>
+              </a:effectRef>
+              <a:fontRef idx="minor">
+                <a:schemeClr val="lt1"/>
+              </a:fontRef>
+            </p:style>
+            <p:txBody>
+              <a:bodyPr rtlCol="0" anchor="ctr"/>
+              <a:lstStyle/>
+              <a:p>
+                <a:pPr algn="ctr"/>
+                <a:endParaRPr lang="zh-CN" altLang="en-US" dirty="0"/>
+              </a:p>
+            </p:txBody>
+          </p:sp>
+        </p:grpSp>
+      </p:grpSp>
+      <p:sp>
+        <p:nvSpPr>
+          <p:cNvPr id="149" name="立方体 148">
+            <a:extLst>
+              <a:ext uri="{FF2B5EF4-FFF2-40B4-BE49-F238E27FC236}">
+                <a16:creationId xmlns:a16="http://schemas.microsoft.com/office/drawing/2014/main" id="{78331CC3-DE3D-4AF6-9F12-4398CE9C8445}"/>
+              </a:ext>
+            </a:extLst>
+          </p:cNvPr>
+          <p:cNvSpPr/>
+          <p:nvPr/>
+        </p:nvSpPr>
+        <p:spPr>
+          <a:xfrm>
+            <a:off x="5976199" y="2247844"/>
+            <a:ext cx="281471" cy="422168"/>
+          </a:xfrm>
+          <a:prstGeom prst="cube">
+            <a:avLst/>
+          </a:prstGeom>
+        </p:spPr>
+        <p:style>
+          <a:lnRef idx="2">
+            <a:schemeClr val="accent1">
+              <a:shade val="50000"/>
+            </a:schemeClr>
+          </a:lnRef>
+          <a:fillRef idx="1">
+            <a:schemeClr val="accent1"/>
+          </a:fillRef>
+          <a:effectRef idx="0">
+            <a:schemeClr val="accent1"/>
+          </a:effectRef>
+          <a:fontRef idx="minor">
+            <a:schemeClr val="lt1"/>
+          </a:fontRef>
+        </p:style>
+        <p:txBody>
+          <a:bodyPr rtlCol="0" anchor="ctr"/>
+          <a:lstStyle/>
+          <a:p>
+            <a:pPr algn="ctr"/>
+            <a:endParaRPr lang="zh-CN" altLang="en-US" dirty="0"/>
+          </a:p>
+        </p:txBody>
+      </p:sp>
+      <p:sp>
+        <p:nvSpPr>
+          <p:cNvPr id="150" name="立方体 149">
+            <a:extLst>
+              <a:ext uri="{FF2B5EF4-FFF2-40B4-BE49-F238E27FC236}">
+                <a16:creationId xmlns:a16="http://schemas.microsoft.com/office/drawing/2014/main" id="{7EAC19C4-3A7A-498F-AFBA-B7611DA4E72B}"/>
+              </a:ext>
+            </a:extLst>
+          </p:cNvPr>
+          <p:cNvSpPr/>
+          <p:nvPr/>
+        </p:nvSpPr>
+        <p:spPr>
+          <a:xfrm>
+            <a:off x="6333712" y="2251654"/>
+            <a:ext cx="281471" cy="422168"/>
+          </a:xfrm>
+          <a:prstGeom prst="cube">
+            <a:avLst/>
+          </a:prstGeom>
+          <a:solidFill>
+            <a:schemeClr val="accent2">
+              <a:lumMod val="75000"/>
+            </a:schemeClr>
+          </a:solidFill>
+        </p:spPr>
+        <p:style>
+          <a:lnRef idx="2">
+            <a:schemeClr val="accent1">
+              <a:shade val="50000"/>
+            </a:schemeClr>
+          </a:lnRef>
+          <a:fillRef idx="1">
+            <a:schemeClr val="accent1"/>
+          </a:fillRef>
+          <a:effectRef idx="0">
+            <a:schemeClr val="accent1"/>
+          </a:effectRef>
+          <a:fontRef idx="minor">
+            <a:schemeClr val="lt1"/>
+          </a:fontRef>
+        </p:style>
+        <p:txBody>
+          <a:bodyPr rtlCol="0" anchor="ctr"/>
+          <a:lstStyle/>
+          <a:p>
+            <a:pPr algn="ctr"/>
+            <a:endParaRPr lang="zh-CN" altLang="en-US" dirty="0"/>
+          </a:p>
+        </p:txBody>
+      </p:sp>
+      <p:sp>
+        <p:nvSpPr>
+          <p:cNvPr id="151" name="立方体 150">
+            <a:extLst>
+              <a:ext uri="{FF2B5EF4-FFF2-40B4-BE49-F238E27FC236}">
+                <a16:creationId xmlns:a16="http://schemas.microsoft.com/office/drawing/2014/main" id="{3AF71925-4C94-482C-871F-4F0D56BC66D4}"/>
+              </a:ext>
+            </a:extLst>
+          </p:cNvPr>
+          <p:cNvSpPr/>
+          <p:nvPr/>
+        </p:nvSpPr>
+        <p:spPr>
+          <a:xfrm>
+            <a:off x="6689337" y="2248834"/>
+            <a:ext cx="281471" cy="422168"/>
+          </a:xfrm>
+          <a:prstGeom prst="cube">
+            <a:avLst/>
+          </a:prstGeom>
+          <a:solidFill>
+            <a:srgbClr val="7030A0"/>
+          </a:solidFill>
+        </p:spPr>
+        <p:style>
+          <a:lnRef idx="2">
+            <a:schemeClr val="accent1">
+              <a:shade val="50000"/>
+            </a:schemeClr>
+          </a:lnRef>
+          <a:fillRef idx="1">
+            <a:schemeClr val="accent1"/>
+          </a:fillRef>
+          <a:effectRef idx="0">
+            <a:schemeClr val="accent1"/>
+          </a:effectRef>
+          <a:fontRef idx="minor">
+            <a:schemeClr val="lt1"/>
+          </a:fontRef>
+        </p:style>
+        <p:txBody>
+          <a:bodyPr rtlCol="0" anchor="ctr"/>
+          <a:lstStyle/>
+          <a:p>
+            <a:pPr algn="ctr"/>
+            <a:endParaRPr lang="zh-CN" altLang="en-US" dirty="0"/>
+          </a:p>
+        </p:txBody>
+      </p:sp>
+      <p:grpSp>
+        <p:nvGrpSpPr>
+          <p:cNvPr id="171" name="组合 170">
+            <a:extLst>
+              <a:ext uri="{FF2B5EF4-FFF2-40B4-BE49-F238E27FC236}">
+                <a16:creationId xmlns:a16="http://schemas.microsoft.com/office/drawing/2014/main" id="{C1AC6FD8-E6E8-4580-9C71-CFEEAB8FACE4}"/>
+              </a:ext>
+            </a:extLst>
+          </p:cNvPr>
+          <p:cNvGrpSpPr/>
+          <p:nvPr/>
+        </p:nvGrpSpPr>
+        <p:grpSpPr>
+          <a:xfrm>
+            <a:off x="7981926" y="2247288"/>
+            <a:ext cx="994609" cy="1726564"/>
+            <a:chOff x="7981926" y="2247288"/>
+            <a:chExt cx="994609" cy="1726564"/>
+          </a:xfrm>
+        </p:grpSpPr>
+        <p:grpSp>
+          <p:nvGrpSpPr>
+            <p:cNvPr id="152" name="组合 151">
+              <a:extLst>
+                <a:ext uri="{FF2B5EF4-FFF2-40B4-BE49-F238E27FC236}">
+                  <a16:creationId xmlns:a16="http://schemas.microsoft.com/office/drawing/2014/main" id="{24A8CDF0-EE4B-44DE-BECB-7E7ACFEA341D}"/>
+                </a:ext>
+              </a:extLst>
+            </p:cNvPr>
+            <p:cNvGrpSpPr/>
+            <p:nvPr/>
+          </p:nvGrpSpPr>
+          <p:grpSpPr>
+            <a:xfrm>
+              <a:off x="7981927" y="2599242"/>
+              <a:ext cx="993962" cy="1374610"/>
+              <a:chOff x="5998965" y="2600130"/>
+              <a:chExt cx="993962" cy="1374610"/>
+            </a:xfrm>
+          </p:grpSpPr>
+          <p:grpSp>
+            <p:nvGrpSpPr>
+              <p:cNvPr id="153" name="组合 152">
+                <a:extLst>
+                  <a:ext uri="{FF2B5EF4-FFF2-40B4-BE49-F238E27FC236}">
+                    <a16:creationId xmlns:a16="http://schemas.microsoft.com/office/drawing/2014/main" id="{01CB4704-3B06-4ECA-9A51-4F2966B3DC1F}"/>
+                  </a:ext>
+                </a:extLst>
+              </p:cNvPr>
+              <p:cNvGrpSpPr/>
+              <p:nvPr/>
+            </p:nvGrpSpPr>
+            <p:grpSpPr>
+              <a:xfrm>
+                <a:off x="5998965" y="2600130"/>
+                <a:ext cx="281471" cy="1374610"/>
+                <a:chOff x="6758682" y="3698364"/>
+                <a:chExt cx="222213" cy="860721"/>
+              </a:xfrm>
+            </p:grpSpPr>
+            <p:sp>
+              <p:nvSpPr>
+                <p:cNvPr id="164" name="立方体 163">
+                  <a:extLst>
+                    <a:ext uri="{FF2B5EF4-FFF2-40B4-BE49-F238E27FC236}">
+                      <a16:creationId xmlns:a16="http://schemas.microsoft.com/office/drawing/2014/main" id="{94A52B5F-6D40-479C-A8FB-B90F9136E118}"/>
+                    </a:ext>
+                  </a:extLst>
+                </p:cNvPr>
+                <p:cNvSpPr/>
+                <p:nvPr/>
+              </p:nvSpPr>
+              <p:spPr>
+                <a:xfrm>
+                  <a:off x="6758682" y="4294742"/>
+                  <a:ext cx="222213" cy="264343"/>
+                </a:xfrm>
+                <a:prstGeom prst="cube">
+                  <a:avLst/>
+                </a:prstGeom>
+              </p:spPr>
+              <p:style>
+                <a:lnRef idx="2">
+                  <a:schemeClr val="accent1">
+                    <a:shade val="50000"/>
+                  </a:schemeClr>
+                </a:lnRef>
+                <a:fillRef idx="1">
+                  <a:schemeClr val="accent1"/>
+                </a:fillRef>
+                <a:effectRef idx="0">
+                  <a:schemeClr val="accent1"/>
+                </a:effectRef>
+                <a:fontRef idx="minor">
+                  <a:schemeClr val="lt1"/>
+                </a:fontRef>
+              </p:style>
+              <p:txBody>
+                <a:bodyPr rtlCol="0" anchor="ctr"/>
+                <a:lstStyle/>
+                <a:p>
+                  <a:pPr algn="ctr"/>
+                  <a:endParaRPr lang="zh-CN" altLang="en-US" dirty="0"/>
+                </a:p>
+              </p:txBody>
+            </p:sp>
+            <p:sp>
+              <p:nvSpPr>
+                <p:cNvPr id="165" name="立方体 164">
+                  <a:extLst>
+                    <a:ext uri="{FF2B5EF4-FFF2-40B4-BE49-F238E27FC236}">
+                      <a16:creationId xmlns:a16="http://schemas.microsoft.com/office/drawing/2014/main" id="{C2BA563B-1DB6-4F96-A8FE-095AF65CFC1A}"/>
+                    </a:ext>
+                  </a:extLst>
+                </p:cNvPr>
+                <p:cNvSpPr/>
+                <p:nvPr/>
+              </p:nvSpPr>
+              <p:spPr>
+                <a:xfrm>
+                  <a:off x="6758682" y="4091940"/>
+                  <a:ext cx="222213" cy="264343"/>
+                </a:xfrm>
+                <a:prstGeom prst="cube">
+                  <a:avLst/>
+                </a:prstGeom>
+              </p:spPr>
+              <p:style>
+                <a:lnRef idx="2">
+                  <a:schemeClr val="accent1">
+                    <a:shade val="50000"/>
+                  </a:schemeClr>
+                </a:lnRef>
+                <a:fillRef idx="1">
+                  <a:schemeClr val="accent1"/>
+                </a:fillRef>
+                <a:effectRef idx="0">
+                  <a:schemeClr val="accent1"/>
+                </a:effectRef>
+                <a:fontRef idx="minor">
+                  <a:schemeClr val="lt1"/>
+                </a:fontRef>
+              </p:style>
+              <p:txBody>
+                <a:bodyPr rtlCol="0" anchor="ctr"/>
+                <a:lstStyle/>
+                <a:p>
+                  <a:pPr algn="ctr"/>
+                  <a:endParaRPr lang="zh-CN" altLang="en-US" dirty="0"/>
+                </a:p>
+              </p:txBody>
+            </p:sp>
+            <p:sp>
+              <p:nvSpPr>
+                <p:cNvPr id="166" name="立方体 165">
+                  <a:extLst>
+                    <a:ext uri="{FF2B5EF4-FFF2-40B4-BE49-F238E27FC236}">
+                      <a16:creationId xmlns:a16="http://schemas.microsoft.com/office/drawing/2014/main" id="{4C8BC56F-CD8D-4EFA-B37E-6FD19228E495}"/>
+                    </a:ext>
+                  </a:extLst>
+                </p:cNvPr>
+                <p:cNvSpPr/>
+                <p:nvPr/>
+              </p:nvSpPr>
+              <p:spPr>
+                <a:xfrm>
+                  <a:off x="6758682" y="3901166"/>
+                  <a:ext cx="222213" cy="264343"/>
+                </a:xfrm>
+                <a:prstGeom prst="cube">
+                  <a:avLst/>
+                </a:prstGeom>
+              </p:spPr>
+              <p:style>
+                <a:lnRef idx="2">
+                  <a:schemeClr val="accent1">
+                    <a:shade val="50000"/>
+                  </a:schemeClr>
+                </a:lnRef>
+                <a:fillRef idx="1">
+                  <a:schemeClr val="accent1"/>
+                </a:fillRef>
+                <a:effectRef idx="0">
+                  <a:schemeClr val="accent1"/>
+                </a:effectRef>
+                <a:fontRef idx="minor">
+                  <a:schemeClr val="lt1"/>
+                </a:fontRef>
+              </p:style>
+              <p:txBody>
+                <a:bodyPr rtlCol="0" anchor="ctr"/>
+                <a:lstStyle/>
+                <a:p>
+                  <a:pPr algn="ctr"/>
+                  <a:endParaRPr lang="zh-CN" altLang="en-US" dirty="0"/>
+                </a:p>
+              </p:txBody>
+            </p:sp>
+            <p:sp>
+              <p:nvSpPr>
+                <p:cNvPr id="167" name="立方体 166">
+                  <a:extLst>
+                    <a:ext uri="{FF2B5EF4-FFF2-40B4-BE49-F238E27FC236}">
+                      <a16:creationId xmlns:a16="http://schemas.microsoft.com/office/drawing/2014/main" id="{07A34029-FB0F-4DC5-A372-5A363B478100}"/>
+                    </a:ext>
+                  </a:extLst>
+                </p:cNvPr>
+                <p:cNvSpPr/>
+                <p:nvPr/>
+              </p:nvSpPr>
+              <p:spPr>
+                <a:xfrm>
+                  <a:off x="6758682" y="3698364"/>
+                  <a:ext cx="222213" cy="264343"/>
+                </a:xfrm>
+                <a:prstGeom prst="cube">
+                  <a:avLst/>
+                </a:prstGeom>
+              </p:spPr>
+              <p:style>
+                <a:lnRef idx="2">
+                  <a:schemeClr val="accent1">
+                    <a:shade val="50000"/>
+                  </a:schemeClr>
+                </a:lnRef>
+                <a:fillRef idx="1">
+                  <a:schemeClr val="accent1"/>
+                </a:fillRef>
+                <a:effectRef idx="0">
+                  <a:schemeClr val="accent1"/>
+                </a:effectRef>
+                <a:fontRef idx="minor">
+                  <a:schemeClr val="lt1"/>
+                </a:fontRef>
+              </p:style>
+              <p:txBody>
+                <a:bodyPr rtlCol="0" anchor="ctr"/>
+                <a:lstStyle/>
+                <a:p>
+                  <a:pPr algn="ctr"/>
+                  <a:endParaRPr lang="zh-CN" altLang="en-US" dirty="0"/>
+                </a:p>
+              </p:txBody>
+            </p:sp>
+          </p:grpSp>
+          <p:grpSp>
+            <p:nvGrpSpPr>
+              <p:cNvPr id="154" name="组合 153">
+                <a:extLst>
+                  <a:ext uri="{FF2B5EF4-FFF2-40B4-BE49-F238E27FC236}">
+                    <a16:creationId xmlns:a16="http://schemas.microsoft.com/office/drawing/2014/main" id="{497EEA09-A243-4216-9834-227EB01E3707}"/>
+                  </a:ext>
+                </a:extLst>
+              </p:cNvPr>
+              <p:cNvGrpSpPr/>
+              <p:nvPr/>
+            </p:nvGrpSpPr>
+            <p:grpSpPr>
+              <a:xfrm>
+                <a:off x="6355478" y="2600130"/>
+                <a:ext cx="281471" cy="1374610"/>
+                <a:chOff x="6758682" y="3698364"/>
+                <a:chExt cx="222213" cy="860721"/>
+              </a:xfrm>
+              <a:solidFill>
+                <a:schemeClr val="accent2">
+                  <a:lumMod val="75000"/>
+                </a:schemeClr>
+              </a:solidFill>
+            </p:grpSpPr>
+            <p:sp>
+              <p:nvSpPr>
+                <p:cNvPr id="160" name="立方体 159">
+                  <a:extLst>
+                    <a:ext uri="{FF2B5EF4-FFF2-40B4-BE49-F238E27FC236}">
+                      <a16:creationId xmlns:a16="http://schemas.microsoft.com/office/drawing/2014/main" id="{0F78976F-F157-4170-9D2F-9AFAC4EEA9DB}"/>
+                    </a:ext>
+                  </a:extLst>
+                </p:cNvPr>
+                <p:cNvSpPr/>
+                <p:nvPr/>
+              </p:nvSpPr>
+              <p:spPr>
+                <a:xfrm>
+                  <a:off x="6758682" y="4294742"/>
+                  <a:ext cx="222213" cy="264343"/>
+                </a:xfrm>
+                <a:prstGeom prst="cube">
+                  <a:avLst/>
+                </a:prstGeom>
+                <a:grpFill/>
+              </p:spPr>
+              <p:style>
+                <a:lnRef idx="2">
+                  <a:schemeClr val="accent1">
+                    <a:shade val="50000"/>
+                  </a:schemeClr>
+                </a:lnRef>
+                <a:fillRef idx="1">
+                  <a:schemeClr val="accent1"/>
+                </a:fillRef>
+                <a:effectRef idx="0">
+                  <a:schemeClr val="accent1"/>
+                </a:effectRef>
+                <a:fontRef idx="minor">
+                  <a:schemeClr val="lt1"/>
+                </a:fontRef>
+              </p:style>
+              <p:txBody>
+                <a:bodyPr rtlCol="0" anchor="ctr"/>
+                <a:lstStyle/>
+                <a:p>
+                  <a:pPr algn="ctr"/>
+                  <a:endParaRPr lang="zh-CN" altLang="en-US" dirty="0"/>
+                </a:p>
+              </p:txBody>
+            </p:sp>
+            <p:sp>
+              <p:nvSpPr>
+                <p:cNvPr id="161" name="立方体 160">
+                  <a:extLst>
+                    <a:ext uri="{FF2B5EF4-FFF2-40B4-BE49-F238E27FC236}">
+                      <a16:creationId xmlns:a16="http://schemas.microsoft.com/office/drawing/2014/main" id="{10D80EAC-A8FF-4659-825B-A30689C9073F}"/>
+                    </a:ext>
+                  </a:extLst>
+                </p:cNvPr>
+                <p:cNvSpPr/>
+                <p:nvPr/>
+              </p:nvSpPr>
+              <p:spPr>
+                <a:xfrm>
+                  <a:off x="6758682" y="4091940"/>
+                  <a:ext cx="222213" cy="264343"/>
+                </a:xfrm>
+                <a:prstGeom prst="cube">
+                  <a:avLst/>
+                </a:prstGeom>
+                <a:grpFill/>
+              </p:spPr>
+              <p:style>
+                <a:lnRef idx="2">
+                  <a:schemeClr val="accent1">
+                    <a:shade val="50000"/>
+                  </a:schemeClr>
+                </a:lnRef>
+                <a:fillRef idx="1">
+                  <a:schemeClr val="accent1"/>
+                </a:fillRef>
+                <a:effectRef idx="0">
+                  <a:schemeClr val="accent1"/>
+                </a:effectRef>
+                <a:fontRef idx="minor">
+                  <a:schemeClr val="lt1"/>
+                </a:fontRef>
+              </p:style>
+              <p:txBody>
+                <a:bodyPr rtlCol="0" anchor="ctr"/>
+                <a:lstStyle/>
+                <a:p>
+                  <a:pPr algn="ctr"/>
+                  <a:endParaRPr lang="zh-CN" altLang="en-US" dirty="0"/>
+                </a:p>
+              </p:txBody>
+            </p:sp>
+            <p:sp>
+              <p:nvSpPr>
+                <p:cNvPr id="162" name="立方体 161">
+                  <a:extLst>
+                    <a:ext uri="{FF2B5EF4-FFF2-40B4-BE49-F238E27FC236}">
+                      <a16:creationId xmlns:a16="http://schemas.microsoft.com/office/drawing/2014/main" id="{9122AF6F-57AA-49A5-890E-4E4756BCA2CF}"/>
+                    </a:ext>
+                  </a:extLst>
+                </p:cNvPr>
+                <p:cNvSpPr/>
+                <p:nvPr/>
+              </p:nvSpPr>
+              <p:spPr>
+                <a:xfrm>
+                  <a:off x="6758682" y="3901166"/>
+                  <a:ext cx="222213" cy="264343"/>
+                </a:xfrm>
+                <a:prstGeom prst="cube">
+                  <a:avLst/>
+                </a:prstGeom>
+                <a:grpFill/>
+              </p:spPr>
+              <p:style>
+                <a:lnRef idx="2">
+                  <a:schemeClr val="accent1">
+                    <a:shade val="50000"/>
+                  </a:schemeClr>
+                </a:lnRef>
+                <a:fillRef idx="1">
+                  <a:schemeClr val="accent1"/>
+                </a:fillRef>
+                <a:effectRef idx="0">
+                  <a:schemeClr val="accent1"/>
+                </a:effectRef>
+                <a:fontRef idx="minor">
+                  <a:schemeClr val="lt1"/>
+                </a:fontRef>
+              </p:style>
+              <p:txBody>
+                <a:bodyPr rtlCol="0" anchor="ctr"/>
+                <a:lstStyle/>
+                <a:p>
+                  <a:pPr algn="ctr"/>
+                  <a:endParaRPr lang="zh-CN" altLang="en-US" dirty="0"/>
+                </a:p>
+              </p:txBody>
+            </p:sp>
+            <p:sp>
+              <p:nvSpPr>
+                <p:cNvPr id="163" name="立方体 162">
+                  <a:extLst>
+                    <a:ext uri="{FF2B5EF4-FFF2-40B4-BE49-F238E27FC236}">
+                      <a16:creationId xmlns:a16="http://schemas.microsoft.com/office/drawing/2014/main" id="{D4DBB801-908B-472D-AA16-0084B6DA632D}"/>
+                    </a:ext>
+                  </a:extLst>
+                </p:cNvPr>
+                <p:cNvSpPr/>
+                <p:nvPr/>
+              </p:nvSpPr>
+              <p:spPr>
+                <a:xfrm>
+                  <a:off x="6758682" y="3698364"/>
+                  <a:ext cx="222213" cy="264343"/>
+                </a:xfrm>
+                <a:prstGeom prst="cube">
+                  <a:avLst/>
+                </a:prstGeom>
+                <a:grpFill/>
+              </p:spPr>
+              <p:style>
+                <a:lnRef idx="2">
+                  <a:schemeClr val="accent1">
+                    <a:shade val="50000"/>
+                  </a:schemeClr>
+                </a:lnRef>
+                <a:fillRef idx="1">
+                  <a:schemeClr val="accent1"/>
+                </a:fillRef>
+                <a:effectRef idx="0">
+                  <a:schemeClr val="accent1"/>
+                </a:effectRef>
+                <a:fontRef idx="minor">
+                  <a:schemeClr val="lt1"/>
+                </a:fontRef>
+              </p:style>
+              <p:txBody>
+                <a:bodyPr rtlCol="0" anchor="ctr"/>
+                <a:lstStyle/>
+                <a:p>
+                  <a:pPr algn="ctr"/>
+                  <a:endParaRPr lang="zh-CN" altLang="en-US" dirty="0"/>
+                </a:p>
+              </p:txBody>
+            </p:sp>
+          </p:grpSp>
+          <p:grpSp>
+            <p:nvGrpSpPr>
+              <p:cNvPr id="155" name="组合 154">
+                <a:extLst>
+                  <a:ext uri="{FF2B5EF4-FFF2-40B4-BE49-F238E27FC236}">
+                    <a16:creationId xmlns:a16="http://schemas.microsoft.com/office/drawing/2014/main" id="{D9385DC0-C193-4492-8BD4-ADA5F541A1B3}"/>
+                  </a:ext>
+                </a:extLst>
+              </p:cNvPr>
+              <p:cNvGrpSpPr/>
+              <p:nvPr/>
+            </p:nvGrpSpPr>
+            <p:grpSpPr>
+              <a:xfrm>
+                <a:off x="6711456" y="2600130"/>
+                <a:ext cx="281471" cy="1374610"/>
+                <a:chOff x="6758682" y="3698364"/>
+                <a:chExt cx="222213" cy="860721"/>
+              </a:xfrm>
+              <a:solidFill>
+                <a:srgbClr val="7030A0"/>
+              </a:solidFill>
+            </p:grpSpPr>
+            <p:sp>
+              <p:nvSpPr>
+                <p:cNvPr id="156" name="立方体 155">
+                  <a:extLst>
+                    <a:ext uri="{FF2B5EF4-FFF2-40B4-BE49-F238E27FC236}">
+                      <a16:creationId xmlns:a16="http://schemas.microsoft.com/office/drawing/2014/main" id="{A3749D6C-6029-40E0-965A-494DFA2F3B87}"/>
+                    </a:ext>
+                  </a:extLst>
+                </p:cNvPr>
+                <p:cNvSpPr/>
+                <p:nvPr/>
+              </p:nvSpPr>
+              <p:spPr>
+                <a:xfrm>
+                  <a:off x="6758682" y="4294742"/>
+                  <a:ext cx="222213" cy="264343"/>
+                </a:xfrm>
+                <a:prstGeom prst="cube">
+                  <a:avLst/>
+                </a:prstGeom>
+                <a:grpFill/>
+              </p:spPr>
+              <p:style>
+                <a:lnRef idx="2">
+                  <a:schemeClr val="accent1">
+                    <a:shade val="50000"/>
+                  </a:schemeClr>
+                </a:lnRef>
+                <a:fillRef idx="1">
+                  <a:schemeClr val="accent1"/>
+                </a:fillRef>
+                <a:effectRef idx="0">
+                  <a:schemeClr val="accent1"/>
+                </a:effectRef>
+                <a:fontRef idx="minor">
+                  <a:schemeClr val="lt1"/>
+                </a:fontRef>
+              </p:style>
+              <p:txBody>
+                <a:bodyPr rtlCol="0" anchor="ctr"/>
+                <a:lstStyle/>
+                <a:p>
+                  <a:pPr algn="ctr"/>
+                  <a:endParaRPr lang="zh-CN" altLang="en-US" dirty="0"/>
+                </a:p>
+              </p:txBody>
+            </p:sp>
+            <p:sp>
+              <p:nvSpPr>
+                <p:cNvPr id="157" name="立方体 156">
+                  <a:extLst>
+                    <a:ext uri="{FF2B5EF4-FFF2-40B4-BE49-F238E27FC236}">
+                      <a16:creationId xmlns:a16="http://schemas.microsoft.com/office/drawing/2014/main" id="{FFC1B29E-31C8-4419-8EEE-588BE14A6CD7}"/>
+                    </a:ext>
+                  </a:extLst>
+                </p:cNvPr>
+                <p:cNvSpPr/>
+                <p:nvPr/>
+              </p:nvSpPr>
+              <p:spPr>
+                <a:xfrm>
+                  <a:off x="6758682" y="4091940"/>
+                  <a:ext cx="222213" cy="264343"/>
+                </a:xfrm>
+                <a:prstGeom prst="cube">
+                  <a:avLst/>
+                </a:prstGeom>
+                <a:grpFill/>
+              </p:spPr>
+              <p:style>
+                <a:lnRef idx="2">
+                  <a:schemeClr val="accent1">
+                    <a:shade val="50000"/>
+                  </a:schemeClr>
+                </a:lnRef>
+                <a:fillRef idx="1">
+                  <a:schemeClr val="accent1"/>
+                </a:fillRef>
+                <a:effectRef idx="0">
+                  <a:schemeClr val="accent1"/>
+                </a:effectRef>
+                <a:fontRef idx="minor">
+                  <a:schemeClr val="lt1"/>
+                </a:fontRef>
+              </p:style>
+              <p:txBody>
+                <a:bodyPr rtlCol="0" anchor="ctr"/>
+                <a:lstStyle/>
+                <a:p>
+                  <a:pPr algn="ctr"/>
+                  <a:endParaRPr lang="zh-CN" altLang="en-US" dirty="0"/>
+                </a:p>
+              </p:txBody>
+            </p:sp>
+            <p:sp>
+              <p:nvSpPr>
+                <p:cNvPr id="158" name="立方体 157">
+                  <a:extLst>
+                    <a:ext uri="{FF2B5EF4-FFF2-40B4-BE49-F238E27FC236}">
+                      <a16:creationId xmlns:a16="http://schemas.microsoft.com/office/drawing/2014/main" id="{FC251827-9FFA-4FD2-9625-B2D4A97F27F9}"/>
+                    </a:ext>
+                  </a:extLst>
+                </p:cNvPr>
+                <p:cNvSpPr/>
+                <p:nvPr/>
+              </p:nvSpPr>
+              <p:spPr>
+                <a:xfrm>
+                  <a:off x="6758682" y="3901166"/>
+                  <a:ext cx="222213" cy="264343"/>
+                </a:xfrm>
+                <a:prstGeom prst="cube">
+                  <a:avLst/>
+                </a:prstGeom>
+                <a:grpFill/>
+              </p:spPr>
+              <p:style>
+                <a:lnRef idx="2">
+                  <a:schemeClr val="accent1">
+                    <a:shade val="50000"/>
+                  </a:schemeClr>
+                </a:lnRef>
+                <a:fillRef idx="1">
+                  <a:schemeClr val="accent1"/>
+                </a:fillRef>
+                <a:effectRef idx="0">
+                  <a:schemeClr val="accent1"/>
+                </a:effectRef>
+                <a:fontRef idx="minor">
+                  <a:schemeClr val="lt1"/>
+                </a:fontRef>
+              </p:style>
+              <p:txBody>
+                <a:bodyPr rtlCol="0" anchor="ctr"/>
+                <a:lstStyle/>
+                <a:p>
+                  <a:pPr algn="ctr"/>
+                  <a:endParaRPr lang="zh-CN" altLang="en-US" dirty="0"/>
+                </a:p>
+              </p:txBody>
+            </p:sp>
+            <p:sp>
+              <p:nvSpPr>
+                <p:cNvPr id="159" name="立方体 158">
+                  <a:extLst>
+                    <a:ext uri="{FF2B5EF4-FFF2-40B4-BE49-F238E27FC236}">
+                      <a16:creationId xmlns:a16="http://schemas.microsoft.com/office/drawing/2014/main" id="{6E89233B-1872-4AF6-91BE-1397B7C12443}"/>
+                    </a:ext>
+                  </a:extLst>
+                </p:cNvPr>
+                <p:cNvSpPr/>
+                <p:nvPr/>
+              </p:nvSpPr>
+              <p:spPr>
+                <a:xfrm>
+                  <a:off x="6758682" y="3698364"/>
+                  <a:ext cx="222213" cy="264343"/>
+                </a:xfrm>
+                <a:prstGeom prst="cube">
+                  <a:avLst/>
+                </a:prstGeom>
+                <a:grpFill/>
+              </p:spPr>
+              <p:style>
+                <a:lnRef idx="2">
+                  <a:schemeClr val="accent1">
+                    <a:shade val="50000"/>
+                  </a:schemeClr>
+                </a:lnRef>
+                <a:fillRef idx="1">
+                  <a:schemeClr val="accent1"/>
+                </a:fillRef>
+                <a:effectRef idx="0">
+                  <a:schemeClr val="accent1"/>
+                </a:effectRef>
+                <a:fontRef idx="minor">
+                  <a:schemeClr val="lt1"/>
+                </a:fontRef>
+              </p:style>
+              <p:txBody>
+                <a:bodyPr rtlCol="0" anchor="ctr"/>
+                <a:lstStyle/>
+                <a:p>
+                  <a:pPr algn="ctr"/>
+                  <a:endParaRPr lang="zh-CN" altLang="en-US" dirty="0"/>
+                </a:p>
+              </p:txBody>
+            </p:sp>
+          </p:grpSp>
+        </p:grpSp>
+        <p:sp>
+          <p:nvSpPr>
+            <p:cNvPr id="168" name="立方体 167">
+              <a:extLst>
+                <a:ext uri="{FF2B5EF4-FFF2-40B4-BE49-F238E27FC236}">
+                  <a16:creationId xmlns:a16="http://schemas.microsoft.com/office/drawing/2014/main" id="{FA8D2E7C-908D-4F55-B151-9E0048469C9F}"/>
+                </a:ext>
+              </a:extLst>
+            </p:cNvPr>
+            <p:cNvSpPr/>
+            <p:nvPr/>
+          </p:nvSpPr>
+          <p:spPr>
+            <a:xfrm>
+              <a:off x="7981926" y="2247288"/>
+              <a:ext cx="281471" cy="422168"/>
+            </a:xfrm>
+            <a:prstGeom prst="cube">
+              <a:avLst/>
+            </a:prstGeom>
+          </p:spPr>
+          <p:style>
+            <a:lnRef idx="2">
+              <a:schemeClr val="accent1">
+                <a:shade val="50000"/>
+              </a:schemeClr>
+            </a:lnRef>
+            <a:fillRef idx="1">
+              <a:schemeClr val="accent1"/>
+            </a:fillRef>
+            <a:effectRef idx="0">
+              <a:schemeClr val="accent1"/>
+            </a:effectRef>
+            <a:fontRef idx="minor">
+              <a:schemeClr val="lt1"/>
+            </a:fontRef>
+          </p:style>
+          <p:txBody>
+            <a:bodyPr rtlCol="0" anchor="ctr"/>
+            <a:lstStyle/>
+            <a:p>
+              <a:pPr algn="ctr"/>
+              <a:endParaRPr lang="zh-CN" altLang="en-US" dirty="0"/>
+            </a:p>
+          </p:txBody>
+        </p:sp>
+        <p:sp>
+          <p:nvSpPr>
+            <p:cNvPr id="169" name="立方体 168">
+              <a:extLst>
+                <a:ext uri="{FF2B5EF4-FFF2-40B4-BE49-F238E27FC236}">
+                  <a16:creationId xmlns:a16="http://schemas.microsoft.com/office/drawing/2014/main" id="{0047A519-E2CF-4B12-97DE-A4D483B453F9}"/>
+                </a:ext>
+              </a:extLst>
+            </p:cNvPr>
+            <p:cNvSpPr/>
+            <p:nvPr/>
+          </p:nvSpPr>
+          <p:spPr>
+            <a:xfrm>
+              <a:off x="8339439" y="2251098"/>
+              <a:ext cx="281471" cy="422168"/>
+            </a:xfrm>
+            <a:prstGeom prst="cube">
+              <a:avLst/>
+            </a:prstGeom>
+            <a:solidFill>
+              <a:schemeClr val="accent2">
+                <a:lumMod val="75000"/>
+              </a:schemeClr>
+            </a:solidFill>
+          </p:spPr>
+          <p:style>
+            <a:lnRef idx="2">
+              <a:schemeClr val="accent1">
+                <a:shade val="50000"/>
+              </a:schemeClr>
+            </a:lnRef>
+            <a:fillRef idx="1">
+              <a:schemeClr val="accent1"/>
+            </a:fillRef>
+            <a:effectRef idx="0">
+              <a:schemeClr val="accent1"/>
+            </a:effectRef>
+            <a:fontRef idx="minor">
+              <a:schemeClr val="lt1"/>
+            </a:fontRef>
+          </p:style>
+          <p:txBody>
+            <a:bodyPr rtlCol="0" anchor="ctr"/>
+            <a:lstStyle/>
+            <a:p>
+              <a:pPr algn="ctr"/>
+              <a:endParaRPr lang="zh-CN" altLang="en-US" dirty="0"/>
+            </a:p>
+          </p:txBody>
+        </p:sp>
+        <p:sp>
+          <p:nvSpPr>
+            <p:cNvPr id="170" name="立方体 169">
+              <a:extLst>
+                <a:ext uri="{FF2B5EF4-FFF2-40B4-BE49-F238E27FC236}">
+                  <a16:creationId xmlns:a16="http://schemas.microsoft.com/office/drawing/2014/main" id="{38D971AE-94A1-46BE-ACD1-CE5E7CA49393}"/>
+                </a:ext>
+              </a:extLst>
+            </p:cNvPr>
+            <p:cNvSpPr/>
+            <p:nvPr/>
+          </p:nvSpPr>
+          <p:spPr>
+            <a:xfrm>
+              <a:off x="8695064" y="2248278"/>
+              <a:ext cx="281471" cy="422168"/>
+            </a:xfrm>
+            <a:prstGeom prst="cube">
+              <a:avLst/>
+            </a:prstGeom>
+            <a:solidFill>
+              <a:srgbClr val="7030A0"/>
+            </a:solidFill>
+          </p:spPr>
+          <p:style>
+            <a:lnRef idx="2">
+              <a:schemeClr val="accent1">
+                <a:shade val="50000"/>
+              </a:schemeClr>
+            </a:lnRef>
+            <a:fillRef idx="1">
+              <a:schemeClr val="accent1"/>
+            </a:fillRef>
+            <a:effectRef idx="0">
+              <a:schemeClr val="accent1"/>
+            </a:effectRef>
+            <a:fontRef idx="minor">
+              <a:schemeClr val="lt1"/>
+            </a:fontRef>
+          </p:style>
+          <p:txBody>
+            <a:bodyPr rtlCol="0" anchor="ctr"/>
+            <a:lstStyle/>
+            <a:p>
+              <a:pPr algn="ctr"/>
+              <a:endParaRPr lang="zh-CN" altLang="en-US" dirty="0"/>
+            </a:p>
+          </p:txBody>
+        </p:sp>
+      </p:grpSp>
+      <p:sp>
+        <p:nvSpPr>
+          <p:cNvPr id="175" name="文本框 174">
+            <a:extLst>
+              <a:ext uri="{FF2B5EF4-FFF2-40B4-BE49-F238E27FC236}">
+                <a16:creationId xmlns:a16="http://schemas.microsoft.com/office/drawing/2014/main" id="{89950B2D-A6A5-467D-89D1-82A36521B7E7}"/>
+              </a:ext>
+            </a:extLst>
+          </p:cNvPr>
+          <p:cNvSpPr txBox="1"/>
+          <p:nvPr/>
+        </p:nvSpPr>
+        <p:spPr>
+          <a:xfrm>
+            <a:off x="10269344" y="2743822"/>
+            <a:ext cx="1792959" cy="523220"/>
+          </a:xfrm>
+          <a:prstGeom prst="rect">
+            <a:avLst/>
+          </a:prstGeom>
+          <a:noFill/>
+        </p:spPr>
+        <p:txBody>
+          <a:bodyPr wrap="square" rtlCol="0">
+            <a:spAutoFit/>
+          </a:bodyPr>
+          <a:lstStyle/>
+          <a:p>
+            <a:r>
+              <a:rPr lang="en-US" altLang="zh-CN" sz="2800" dirty="0"/>
+              <a:t>(512,21×2)</a:t>
+            </a:r>
+            <a:endParaRPr lang="zh-CN" altLang="en-US" sz="2800" dirty="0"/>
+          </a:p>
+        </p:txBody>
+      </p:sp>
+      <p:grpSp>
+        <p:nvGrpSpPr>
+          <p:cNvPr id="179" name="组合 178">
+            <a:extLst>
+              <a:ext uri="{FF2B5EF4-FFF2-40B4-BE49-F238E27FC236}">
+                <a16:creationId xmlns:a16="http://schemas.microsoft.com/office/drawing/2014/main" id="{11879A1B-8781-4EDC-B3B0-3CB2111D620F}"/>
+              </a:ext>
+            </a:extLst>
+          </p:cNvPr>
+          <p:cNvGrpSpPr/>
+          <p:nvPr/>
+        </p:nvGrpSpPr>
+        <p:grpSpPr>
+          <a:xfrm>
+            <a:off x="10672656" y="1896654"/>
+            <a:ext cx="994862" cy="767643"/>
+            <a:chOff x="10672656" y="1896654"/>
+            <a:chExt cx="994862" cy="767643"/>
+          </a:xfrm>
+        </p:grpSpPr>
+        <p:sp>
+          <p:nvSpPr>
+            <p:cNvPr id="172" name="立方体 171">
+              <a:extLst>
+                <a:ext uri="{FF2B5EF4-FFF2-40B4-BE49-F238E27FC236}">
+                  <a16:creationId xmlns:a16="http://schemas.microsoft.com/office/drawing/2014/main" id="{3250F446-04B4-4FC5-8502-8F9F1D5C78AD}"/>
+                </a:ext>
+              </a:extLst>
+            </p:cNvPr>
+            <p:cNvSpPr/>
+            <p:nvPr/>
+          </p:nvSpPr>
+          <p:spPr>
+            <a:xfrm>
+              <a:off x="10672909" y="2238319"/>
+              <a:ext cx="281471" cy="422168"/>
+            </a:xfrm>
+            <a:prstGeom prst="cube">
+              <a:avLst/>
+            </a:prstGeom>
+          </p:spPr>
+          <p:style>
+            <a:lnRef idx="2">
+              <a:schemeClr val="accent1">
+                <a:shade val="50000"/>
+              </a:schemeClr>
+            </a:lnRef>
+            <a:fillRef idx="1">
+              <a:schemeClr val="accent1"/>
+            </a:fillRef>
+            <a:effectRef idx="0">
+              <a:schemeClr val="accent1"/>
+            </a:effectRef>
+            <a:fontRef idx="minor">
+              <a:schemeClr val="lt1"/>
+            </a:fontRef>
+          </p:style>
+          <p:txBody>
+            <a:bodyPr rtlCol="0" anchor="ctr"/>
+            <a:lstStyle/>
+            <a:p>
+              <a:pPr algn="ctr"/>
+              <a:endParaRPr lang="zh-CN" altLang="en-US" dirty="0"/>
+            </a:p>
+          </p:txBody>
+        </p:sp>
+        <p:sp>
+          <p:nvSpPr>
+            <p:cNvPr id="173" name="立方体 172">
+              <a:extLst>
+                <a:ext uri="{FF2B5EF4-FFF2-40B4-BE49-F238E27FC236}">
+                  <a16:creationId xmlns:a16="http://schemas.microsoft.com/office/drawing/2014/main" id="{1B7F3E4C-F2B6-4FF9-8735-86C6CEF6E1BE}"/>
+                </a:ext>
+              </a:extLst>
+            </p:cNvPr>
+            <p:cNvSpPr/>
+            <p:nvPr/>
+          </p:nvSpPr>
+          <p:spPr>
+            <a:xfrm>
+              <a:off x="11030423" y="2242129"/>
+              <a:ext cx="276138" cy="422168"/>
+            </a:xfrm>
+            <a:prstGeom prst="cube">
+              <a:avLst/>
+            </a:prstGeom>
+            <a:solidFill>
+              <a:schemeClr val="accent2">
+                <a:lumMod val="75000"/>
+              </a:schemeClr>
+            </a:solidFill>
+          </p:spPr>
+          <p:style>
+            <a:lnRef idx="2">
+              <a:schemeClr val="accent1">
+                <a:shade val="50000"/>
+              </a:schemeClr>
+            </a:lnRef>
+            <a:fillRef idx="1">
+              <a:schemeClr val="accent1"/>
+            </a:fillRef>
+            <a:effectRef idx="0">
+              <a:schemeClr val="accent1"/>
+            </a:effectRef>
+            <a:fontRef idx="minor">
+              <a:schemeClr val="lt1"/>
+            </a:fontRef>
+          </p:style>
+          <p:txBody>
+            <a:bodyPr rtlCol="0" anchor="ctr"/>
+            <a:lstStyle/>
+            <a:p>
+              <a:pPr algn="ctr"/>
+              <a:endParaRPr lang="zh-CN" altLang="en-US" dirty="0"/>
+            </a:p>
+          </p:txBody>
+        </p:sp>
+        <p:sp>
+          <p:nvSpPr>
+            <p:cNvPr id="174" name="立方体 173">
+              <a:extLst>
+                <a:ext uri="{FF2B5EF4-FFF2-40B4-BE49-F238E27FC236}">
+                  <a16:creationId xmlns:a16="http://schemas.microsoft.com/office/drawing/2014/main" id="{CE8A7849-3857-4C97-8901-0D8923A2D778}"/>
+                </a:ext>
+              </a:extLst>
+            </p:cNvPr>
+            <p:cNvSpPr/>
+            <p:nvPr/>
+          </p:nvSpPr>
+          <p:spPr>
+            <a:xfrm>
+              <a:off x="11386047" y="2239309"/>
+              <a:ext cx="281471" cy="422168"/>
+            </a:xfrm>
+            <a:prstGeom prst="cube">
+              <a:avLst/>
+            </a:prstGeom>
+            <a:solidFill>
+              <a:srgbClr val="7030A0"/>
+            </a:solidFill>
+          </p:spPr>
+          <p:style>
+            <a:lnRef idx="2">
+              <a:schemeClr val="accent1">
+                <a:shade val="50000"/>
+              </a:schemeClr>
+            </a:lnRef>
+            <a:fillRef idx="1">
+              <a:schemeClr val="accent1"/>
+            </a:fillRef>
+            <a:effectRef idx="0">
+              <a:schemeClr val="accent1"/>
+            </a:effectRef>
+            <a:fontRef idx="minor">
+              <a:schemeClr val="lt1"/>
+            </a:fontRef>
+          </p:style>
+          <p:txBody>
+            <a:bodyPr rtlCol="0" anchor="ctr"/>
+            <a:lstStyle/>
+            <a:p>
+              <a:pPr algn="ctr"/>
+              <a:endParaRPr lang="zh-CN" altLang="en-US" dirty="0"/>
+            </a:p>
+          </p:txBody>
+        </p:sp>
+        <p:sp>
+          <p:nvSpPr>
+            <p:cNvPr id="176" name="立方体 175">
+              <a:extLst>
+                <a:ext uri="{FF2B5EF4-FFF2-40B4-BE49-F238E27FC236}">
+                  <a16:creationId xmlns:a16="http://schemas.microsoft.com/office/drawing/2014/main" id="{8D098F1B-827D-4459-8D55-EAB37669038F}"/>
+                </a:ext>
+              </a:extLst>
+            </p:cNvPr>
+            <p:cNvSpPr/>
+            <p:nvPr/>
+          </p:nvSpPr>
+          <p:spPr>
+            <a:xfrm>
+              <a:off x="10672656" y="1896654"/>
+              <a:ext cx="281471" cy="422168"/>
+            </a:xfrm>
+            <a:prstGeom prst="cube">
+              <a:avLst/>
+            </a:prstGeom>
+          </p:spPr>
+          <p:style>
+            <a:lnRef idx="2">
+              <a:schemeClr val="accent1">
+                <a:shade val="50000"/>
+              </a:schemeClr>
+            </a:lnRef>
+            <a:fillRef idx="1">
+              <a:schemeClr val="accent1"/>
+            </a:fillRef>
+            <a:effectRef idx="0">
+              <a:schemeClr val="accent1"/>
+            </a:effectRef>
+            <a:fontRef idx="minor">
+              <a:schemeClr val="lt1"/>
+            </a:fontRef>
+          </p:style>
+          <p:txBody>
+            <a:bodyPr rtlCol="0" anchor="ctr"/>
+            <a:lstStyle/>
+            <a:p>
+              <a:pPr algn="ctr"/>
+              <a:endParaRPr lang="zh-CN" altLang="en-US" dirty="0"/>
+            </a:p>
+          </p:txBody>
+        </p:sp>
+        <p:sp>
+          <p:nvSpPr>
+            <p:cNvPr id="177" name="立方体 176">
+              <a:extLst>
+                <a:ext uri="{FF2B5EF4-FFF2-40B4-BE49-F238E27FC236}">
+                  <a16:creationId xmlns:a16="http://schemas.microsoft.com/office/drawing/2014/main" id="{920C6C9B-15EC-4DAA-B301-03887523771C}"/>
+                </a:ext>
+              </a:extLst>
+            </p:cNvPr>
+            <p:cNvSpPr/>
+            <p:nvPr/>
+          </p:nvSpPr>
+          <p:spPr>
+            <a:xfrm>
+              <a:off x="11030169" y="1900464"/>
+              <a:ext cx="276391" cy="422168"/>
+            </a:xfrm>
+            <a:prstGeom prst="cube">
+              <a:avLst/>
+            </a:prstGeom>
+            <a:solidFill>
+              <a:schemeClr val="accent2">
+                <a:lumMod val="75000"/>
+              </a:schemeClr>
+            </a:solidFill>
+          </p:spPr>
+          <p:style>
+            <a:lnRef idx="2">
+              <a:schemeClr val="accent1">
+                <a:shade val="50000"/>
+              </a:schemeClr>
+            </a:lnRef>
+            <a:fillRef idx="1">
+              <a:schemeClr val="accent1"/>
+            </a:fillRef>
+            <a:effectRef idx="0">
+              <a:schemeClr val="accent1"/>
+            </a:effectRef>
+            <a:fontRef idx="minor">
+              <a:schemeClr val="lt1"/>
+            </a:fontRef>
+          </p:style>
+          <p:txBody>
+            <a:bodyPr rtlCol="0" anchor="ctr"/>
+            <a:lstStyle/>
+            <a:p>
+              <a:pPr algn="ctr"/>
+              <a:endParaRPr lang="zh-CN" altLang="en-US" dirty="0"/>
+            </a:p>
+          </p:txBody>
+        </p:sp>
+        <p:sp>
+          <p:nvSpPr>
+            <p:cNvPr id="178" name="立方体 177">
+              <a:extLst>
+                <a:ext uri="{FF2B5EF4-FFF2-40B4-BE49-F238E27FC236}">
+                  <a16:creationId xmlns:a16="http://schemas.microsoft.com/office/drawing/2014/main" id="{68696FAF-0A86-45DB-AAA5-D69A519F760D}"/>
+                </a:ext>
+              </a:extLst>
+            </p:cNvPr>
+            <p:cNvSpPr/>
+            <p:nvPr/>
+          </p:nvSpPr>
+          <p:spPr>
+            <a:xfrm>
+              <a:off x="11385794" y="1897644"/>
+              <a:ext cx="281471" cy="422168"/>
+            </a:xfrm>
+            <a:prstGeom prst="cube">
+              <a:avLst/>
+            </a:prstGeom>
+            <a:solidFill>
+              <a:srgbClr val="7030A0"/>
+            </a:solidFill>
+          </p:spPr>
+          <p:style>
+            <a:lnRef idx="2">
+              <a:schemeClr val="accent1">
+                <a:shade val="50000"/>
+              </a:schemeClr>
+            </a:lnRef>
+            <a:fillRef idx="1">
+              <a:schemeClr val="accent1"/>
+            </a:fillRef>
+            <a:effectRef idx="0">
+              <a:schemeClr val="accent1"/>
+            </a:effectRef>
+            <a:fontRef idx="minor">
+              <a:schemeClr val="lt1"/>
+            </a:fontRef>
+          </p:style>
+          <p:txBody>
+            <a:bodyPr rtlCol="0" anchor="ctr"/>
+            <a:lstStyle/>
+            <a:p>
+              <a:pPr algn="ctr"/>
+              <a:endParaRPr lang="zh-CN" altLang="en-US" dirty="0"/>
+            </a:p>
+          </p:txBody>
+        </p:sp>
+      </p:grpSp>
+      <p:sp>
+        <p:nvSpPr>
+          <p:cNvPr id="180" name="文本框 179">
+            <a:extLst>
+              <a:ext uri="{FF2B5EF4-FFF2-40B4-BE49-F238E27FC236}">
+                <a16:creationId xmlns:a16="http://schemas.microsoft.com/office/drawing/2014/main" id="{A3217D84-0D60-466B-9F1A-8272F873DCD5}"/>
+              </a:ext>
+            </a:extLst>
+          </p:cNvPr>
+          <p:cNvSpPr txBox="1"/>
+          <p:nvPr/>
+        </p:nvSpPr>
+        <p:spPr>
+          <a:xfrm>
+            <a:off x="10269344" y="4790033"/>
+            <a:ext cx="1792959" cy="523220"/>
+          </a:xfrm>
+          <a:prstGeom prst="rect">
+            <a:avLst/>
+          </a:prstGeom>
+          <a:noFill/>
+        </p:spPr>
+        <p:txBody>
+          <a:bodyPr wrap="square" rtlCol="0">
+            <a:spAutoFit/>
+          </a:bodyPr>
+          <a:lstStyle/>
+          <a:p>
+            <a:r>
+              <a:rPr lang="en-US" altLang="zh-CN" sz="2800" dirty="0"/>
+              <a:t>(512,21×4)</a:t>
+            </a:r>
+            <a:endParaRPr lang="zh-CN" altLang="en-US" sz="2800" dirty="0"/>
+          </a:p>
+        </p:txBody>
+      </p:sp>
+      <p:sp>
+        <p:nvSpPr>
+          <p:cNvPr id="181" name="文本框 180">
+            <a:extLst>
+              <a:ext uri="{FF2B5EF4-FFF2-40B4-BE49-F238E27FC236}">
+                <a16:creationId xmlns:a16="http://schemas.microsoft.com/office/drawing/2014/main" id="{A367305A-9A12-4521-8F4C-EC7D116D784D}"/>
+              </a:ext>
+            </a:extLst>
+          </p:cNvPr>
+          <p:cNvSpPr txBox="1"/>
+          <p:nvPr/>
+        </p:nvSpPr>
+        <p:spPr>
+          <a:xfrm>
+            <a:off x="9455705" y="1383008"/>
+            <a:ext cx="3495040" cy="400110"/>
+          </a:xfrm>
+          <a:prstGeom prst="rect">
+            <a:avLst/>
+          </a:prstGeom>
+          <a:noFill/>
+        </p:spPr>
+        <p:txBody>
+          <a:bodyPr wrap="square" rtlCol="0">
+            <a:spAutoFit/>
+          </a:bodyPr>
+          <a:lstStyle/>
+          <a:p>
+            <a:r>
+              <a:rPr lang="en-US" altLang="zh-CN" sz="2000" dirty="0"/>
+              <a:t>21</a:t>
+            </a:r>
+            <a:r>
+              <a:rPr lang="zh-CN" altLang="en-US" sz="2000" dirty="0"/>
+              <a:t>是指</a:t>
+            </a:r>
+            <a:r>
+              <a:rPr lang="en-US" altLang="zh-CN" sz="2000" dirty="0" err="1"/>
+              <a:t>cls_num</a:t>
+            </a:r>
+            <a:r>
+              <a:rPr lang="en-US" altLang="zh-CN" sz="2000" dirty="0"/>
+              <a:t>(</a:t>
+            </a:r>
+            <a:r>
+              <a:rPr lang="zh-CN" altLang="en-US" sz="2000" dirty="0"/>
+              <a:t>前景</a:t>
+            </a:r>
+            <a:r>
+              <a:rPr lang="en-US" altLang="zh-CN" sz="2000" dirty="0"/>
+              <a:t>)+1(</a:t>
+            </a:r>
+            <a:r>
+              <a:rPr lang="zh-CN" altLang="en-US" sz="2000" dirty="0"/>
+              <a:t>背景</a:t>
+            </a:r>
+            <a:r>
+              <a:rPr lang="en-US" altLang="zh-CN" sz="2000" dirty="0"/>
+              <a:t>)</a:t>
+            </a:r>
+            <a:endParaRPr lang="zh-CN" altLang="en-US" sz="2000" dirty="0"/>
+          </a:p>
+        </p:txBody>
+      </p:sp>
+      <p:sp>
+        <p:nvSpPr>
+          <p:cNvPr id="184" name="平行四边形 183">
+            <a:extLst>
+              <a:ext uri="{FF2B5EF4-FFF2-40B4-BE49-F238E27FC236}">
+                <a16:creationId xmlns:a16="http://schemas.microsoft.com/office/drawing/2014/main" id="{D1ADF46C-C0E1-4DEE-92A1-CDDF0DDFDD0E}"/>
+              </a:ext>
+            </a:extLst>
+          </p:cNvPr>
+          <p:cNvSpPr/>
+          <p:nvPr/>
+        </p:nvSpPr>
+        <p:spPr>
+          <a:xfrm rot="5400000" flipV="1">
+            <a:off x="14710823" y="2232577"/>
+            <a:ext cx="2350756" cy="529036"/>
+          </a:xfrm>
+          <a:prstGeom prst="parallelogram">
+            <a:avLst>
+              <a:gd name="adj" fmla="val 52632"/>
+            </a:avLst>
+          </a:prstGeom>
+          <a:solidFill>
+            <a:schemeClr val="accent6"/>
+          </a:solidFill>
+        </p:spPr>
+        <p:style>
+          <a:lnRef idx="2">
+            <a:schemeClr val="accent1">
+              <a:shade val="50000"/>
+            </a:schemeClr>
+          </a:lnRef>
+          <a:fillRef idx="1">
+            <a:schemeClr val="accent1"/>
+          </a:fillRef>
+          <a:effectRef idx="0">
+            <a:schemeClr val="accent1"/>
+          </a:effectRef>
+          <a:fontRef idx="minor">
+            <a:schemeClr val="lt1"/>
+          </a:fontRef>
+        </p:style>
+        <p:txBody>
+          <a:bodyPr rtlCol="0" anchor="ctr"/>
+          <a:lstStyle/>
+          <a:p>
+            <a:pPr algn="ctr"/>
+            <a:endParaRPr lang="zh-CN" altLang="en-US" dirty="0"/>
+          </a:p>
+        </p:txBody>
+      </p:sp>
+      <p:sp>
+        <p:nvSpPr>
+          <p:cNvPr id="187" name="文本框 186">
+            <a:extLst>
+              <a:ext uri="{FF2B5EF4-FFF2-40B4-BE49-F238E27FC236}">
+                <a16:creationId xmlns:a16="http://schemas.microsoft.com/office/drawing/2014/main" id="{7F5EF314-D49B-4519-B25B-D2304B647B13}"/>
+              </a:ext>
+            </a:extLst>
+          </p:cNvPr>
+          <p:cNvSpPr txBox="1"/>
+          <p:nvPr/>
+        </p:nvSpPr>
+        <p:spPr>
+          <a:xfrm>
+            <a:off x="14343621" y="4227296"/>
+            <a:ext cx="2941372" cy="954107"/>
+          </a:xfrm>
+          <a:prstGeom prst="rect">
+            <a:avLst/>
+          </a:prstGeom>
+          <a:noFill/>
+        </p:spPr>
+        <p:txBody>
+          <a:bodyPr wrap="square" rtlCol="0">
+            <a:spAutoFit/>
+          </a:bodyPr>
+          <a:lstStyle/>
+          <a:p>
+            <a:r>
+              <a:rPr lang="zh-CN" altLang="en-US" sz="2800" dirty="0"/>
+              <a:t>分别与</a:t>
+            </a:r>
+            <a:r>
+              <a:rPr lang="en-US" altLang="zh-CN" sz="2800" dirty="0"/>
+              <a:t>512</a:t>
+            </a:r>
+            <a:r>
+              <a:rPr lang="zh-CN" altLang="en-US" sz="2800" dirty="0"/>
+              <a:t>个</a:t>
+            </a:r>
+            <a:r>
+              <a:rPr lang="en-US" altLang="zh-CN" sz="2800" dirty="0"/>
+              <a:t>proposal</a:t>
+            </a:r>
+            <a:r>
+              <a:rPr lang="zh-CN" altLang="en-US" sz="2800" dirty="0"/>
+              <a:t>匹配的</a:t>
+            </a:r>
+            <a:r>
+              <a:rPr lang="en-US" altLang="zh-CN" sz="2800" dirty="0"/>
+              <a:t>GT</a:t>
+            </a:r>
+            <a:endParaRPr lang="zh-CN" altLang="en-US" sz="2800" dirty="0"/>
+          </a:p>
+        </p:txBody>
+      </p:sp>
+      <p:sp>
+        <p:nvSpPr>
+          <p:cNvPr id="188" name="左大括号 187">
+            <a:extLst>
+              <a:ext uri="{FF2B5EF4-FFF2-40B4-BE49-F238E27FC236}">
+                <a16:creationId xmlns:a16="http://schemas.microsoft.com/office/drawing/2014/main" id="{983AA028-3732-402B-9A6B-A46FF860E841}"/>
+              </a:ext>
+            </a:extLst>
+          </p:cNvPr>
+          <p:cNvSpPr/>
+          <p:nvPr/>
+        </p:nvSpPr>
+        <p:spPr>
+          <a:xfrm rot="10800000">
+            <a:off x="14845032" y="1486987"/>
+            <a:ext cx="504255" cy="2146057"/>
+          </a:xfrm>
+          <a:prstGeom prst="leftBrace">
+            <a:avLst>
+              <a:gd name="adj1" fmla="val 66568"/>
+              <a:gd name="adj2" fmla="val 46764"/>
+            </a:avLst>
+          </a:prstGeom>
+          <a:ln w="63500"/>
+        </p:spPr>
+        <p:style>
+          <a:lnRef idx="1">
+            <a:schemeClr val="accent1"/>
+          </a:lnRef>
+          <a:fillRef idx="0">
+            <a:schemeClr val="accent1"/>
+          </a:fillRef>
+          <a:effectRef idx="0">
+            <a:schemeClr val="accent1"/>
+          </a:effectRef>
+          <a:fontRef idx="minor">
+            <a:schemeClr val="tx1"/>
+          </a:fontRef>
+        </p:style>
+        <p:txBody>
+          <a:bodyPr rtlCol="0" anchor="ctr"/>
+          <a:lstStyle/>
+          <a:p>
+            <a:pPr algn="ctr"/>
+            <a:endParaRPr lang="zh-CN" altLang="en-US" dirty="0"/>
+          </a:p>
+        </p:txBody>
+      </p:sp>
+      <p:sp>
+        <p:nvSpPr>
+          <p:cNvPr id="192" name="文本框 191">
+            <a:extLst>
+              <a:ext uri="{FF2B5EF4-FFF2-40B4-BE49-F238E27FC236}">
+                <a16:creationId xmlns:a16="http://schemas.microsoft.com/office/drawing/2014/main" id="{57638F51-5AFC-4FC4-A590-48DC2D0AA025}"/>
+              </a:ext>
+            </a:extLst>
+          </p:cNvPr>
+          <p:cNvSpPr txBox="1"/>
+          <p:nvPr/>
+        </p:nvSpPr>
+        <p:spPr>
+          <a:xfrm>
+            <a:off x="13026534" y="1352048"/>
+            <a:ext cx="1809511" cy="400110"/>
+          </a:xfrm>
+          <a:prstGeom prst="rect">
+            <a:avLst/>
+          </a:prstGeom>
+          <a:noFill/>
+        </p:spPr>
+        <p:txBody>
+          <a:bodyPr wrap="square" rtlCol="0">
+            <a:spAutoFit/>
+          </a:bodyPr>
+          <a:lstStyle/>
+          <a:p>
+            <a:r>
+              <a:rPr lang="zh-CN" altLang="en-US" sz="2000" dirty="0"/>
+              <a:t>前景后景概率</a:t>
+            </a:r>
+          </a:p>
+        </p:txBody>
+      </p:sp>
+      <p:sp>
+        <p:nvSpPr>
+          <p:cNvPr id="193" name="文本框 192">
+            <a:extLst>
+              <a:ext uri="{FF2B5EF4-FFF2-40B4-BE49-F238E27FC236}">
+                <a16:creationId xmlns:a16="http://schemas.microsoft.com/office/drawing/2014/main" id="{8FEEB0DF-EEDE-4513-8F30-40D635C164EC}"/>
+              </a:ext>
+            </a:extLst>
+          </p:cNvPr>
+          <p:cNvSpPr txBox="1"/>
+          <p:nvPr/>
+        </p:nvSpPr>
+        <p:spPr>
+          <a:xfrm>
+            <a:off x="13385573" y="3429000"/>
+            <a:ext cx="1394849" cy="400110"/>
+          </a:xfrm>
+          <a:prstGeom prst="rect">
+            <a:avLst/>
+          </a:prstGeom>
+          <a:noFill/>
+        </p:spPr>
+        <p:txBody>
+          <a:bodyPr wrap="square" rtlCol="0">
+            <a:spAutoFit/>
+          </a:bodyPr>
+          <a:lstStyle/>
+          <a:p>
+            <a:r>
+              <a:rPr lang="zh-CN" altLang="en-US" sz="2000" dirty="0"/>
+              <a:t>回归参数</a:t>
+            </a:r>
+          </a:p>
+        </p:txBody>
+      </p:sp>
+      <p:cxnSp>
+        <p:nvCxnSpPr>
+          <p:cNvPr id="195" name="连接符: 肘形 194">
+            <a:extLst>
+              <a:ext uri="{FF2B5EF4-FFF2-40B4-BE49-F238E27FC236}">
+                <a16:creationId xmlns:a16="http://schemas.microsoft.com/office/drawing/2014/main" id="{6AA96644-41C1-45AE-84CD-B68BF2B0B88B}"/>
+              </a:ext>
+            </a:extLst>
+          </p:cNvPr>
+          <p:cNvCxnSpPr>
+            <a:cxnSpLocks/>
+          </p:cNvCxnSpPr>
+          <p:nvPr/>
+        </p:nvCxnSpPr>
+        <p:spPr>
+          <a:xfrm rot="16200000" flipH="1">
+            <a:off x="12373906" y="3410387"/>
+            <a:ext cx="2922190" cy="2144242"/>
+          </a:xfrm>
+          <a:prstGeom prst="bentConnector3">
+            <a:avLst>
+              <a:gd name="adj1" fmla="val 99545"/>
+            </a:avLst>
+          </a:prstGeom>
+          <a:ln w="63500">
+            <a:tailEnd type="triangle"/>
+          </a:ln>
+        </p:spPr>
+        <p:style>
+          <a:lnRef idx="1">
+            <a:schemeClr val="accent1"/>
+          </a:lnRef>
+          <a:fillRef idx="0">
+            <a:schemeClr val="accent1"/>
+          </a:fillRef>
+          <a:effectRef idx="0">
+            <a:schemeClr val="accent1"/>
+          </a:effectRef>
+          <a:fontRef idx="minor">
+            <a:schemeClr val="tx1"/>
+          </a:fontRef>
+        </p:style>
+      </p:cxnSp>
+      <p:sp>
+        <p:nvSpPr>
+          <p:cNvPr id="205" name="文本框 204">
+            <a:extLst>
+              <a:ext uri="{FF2B5EF4-FFF2-40B4-BE49-F238E27FC236}">
+                <a16:creationId xmlns:a16="http://schemas.microsoft.com/office/drawing/2014/main" id="{994EF52D-F5E6-46EE-9128-BDE0FEDDCBF0}"/>
+              </a:ext>
+            </a:extLst>
+          </p:cNvPr>
+          <p:cNvSpPr txBox="1"/>
+          <p:nvPr/>
+        </p:nvSpPr>
+        <p:spPr>
+          <a:xfrm>
+            <a:off x="12842147" y="5412149"/>
+            <a:ext cx="2318463" cy="400110"/>
+          </a:xfrm>
+          <a:prstGeom prst="rect">
+            <a:avLst/>
+          </a:prstGeom>
+          <a:noFill/>
+        </p:spPr>
+        <p:txBody>
+          <a:bodyPr wrap="square" rtlCol="0">
+            <a:spAutoFit/>
+          </a:bodyPr>
+          <a:lstStyle/>
+          <a:p>
+            <a:r>
+              <a:rPr lang="zh-CN" altLang="en-US" sz="2000" dirty="0"/>
+              <a:t>计算 </a:t>
+            </a:r>
+            <a:r>
+              <a:rPr lang="en-US" altLang="zh-CN" sz="2000" dirty="0"/>
+              <a:t>loss function</a:t>
+            </a:r>
+            <a:endParaRPr lang="zh-CN" altLang="en-US" sz="2000" dirty="0"/>
+          </a:p>
+        </p:txBody>
+      </p:sp>
+    </p:spTree>
+    <p:extLst>
+      <p:ext uri="{BB962C8B-B14F-4D97-AF65-F5344CB8AC3E}">
+        <p14:creationId xmlns:p14="http://schemas.microsoft.com/office/powerpoint/2010/main" val="3677176986"/>
       </p:ext>
     </p:extLst>
   </p:cSld>
